--- a/豐富科技-地方開放資料黑客松-交通與觀光26.pptx
+++ b/豐富科技-地方開放資料黑客松-交通與觀光26.pptx
@@ -7,11 +7,11 @@
   <p:sldIdLst>
     <p:sldId id="256" r:id="rId2"/>
     <p:sldId id="257" r:id="rId3"/>
-    <p:sldId id="261" r:id="rId4"/>
-    <p:sldId id="262" r:id="rId5"/>
-    <p:sldId id="259" r:id="rId6"/>
-    <p:sldId id="263" r:id="rId7"/>
-    <p:sldId id="260" r:id="rId8"/>
+    <p:sldId id="264" r:id="rId4"/>
+    <p:sldId id="265" r:id="rId5"/>
+    <p:sldId id="267" r:id="rId6"/>
+    <p:sldId id="269" r:id="rId7"/>
+    <p:sldId id="268" r:id="rId8"/>
   </p:sldIdLst>
   <p:sldSz cx="9144000" cy="6858000" type="screen4x3"/>
   <p:notesSz cx="6858000" cy="9144000"/>
@@ -1106,10 +1106,18 @@
         <a:lstStyle/>
         <a:p>
           <a:r>
-            <a:rPr lang="zh-TW" altLang="en-US" sz="1800" strike="sngStrike" dirty="0" smtClean="0"/>
-            <a:t>新竹市免費公車預估到站時刻表</a:t>
+            <a:rPr lang="zh-TW" altLang="en-US" sz="1800" strike="noStrike" dirty="0" smtClean="0">
+              <a:solidFill>
+                <a:srgbClr val="00B050"/>
+              </a:solidFill>
+            </a:rPr>
+            <a:t>古蹟一覽表</a:t>
           </a:r>
-          <a:endParaRPr lang="zh-TW" altLang="en-US" sz="1800" strike="sngStrike" dirty="0"/>
+          <a:endParaRPr lang="zh-TW" altLang="en-US" sz="1800" strike="noStrike" dirty="0">
+            <a:solidFill>
+              <a:srgbClr val="00B050"/>
+            </a:solidFill>
+          </a:endParaRPr>
         </a:p>
       </dgm:t>
     </dgm:pt>
@@ -1195,10 +1203,18 @@
         <a:lstStyle/>
         <a:p>
           <a:r>
-            <a:rPr lang="zh-TW" altLang="en-US" sz="1800" dirty="0" smtClean="0"/>
+            <a:rPr lang="zh-TW" altLang="en-US" sz="1800" dirty="0" smtClean="0">
+              <a:solidFill>
+                <a:srgbClr val="00B050"/>
+              </a:solidFill>
+            </a:rPr>
             <a:t>新竹縣合法旅館</a:t>
           </a:r>
-          <a:endParaRPr lang="zh-TW" altLang="en-US" sz="1800" dirty="0"/>
+          <a:endParaRPr lang="zh-TW" altLang="en-US" sz="1800" dirty="0">
+            <a:solidFill>
+              <a:srgbClr val="00B050"/>
+            </a:solidFill>
+          </a:endParaRPr>
         </a:p>
       </dgm:t>
     </dgm:pt>
@@ -1284,10 +1300,18 @@
         <a:lstStyle/>
         <a:p>
           <a:r>
-            <a:rPr lang="zh-TW" altLang="en-US" sz="1800" b="1" dirty="0" smtClean="0"/>
+            <a:rPr lang="zh-TW" altLang="en-US" sz="1800" b="1" dirty="0" smtClean="0">
+              <a:solidFill>
+                <a:srgbClr val="FF0000"/>
+              </a:solidFill>
+            </a:rPr>
             <a:t>市區公車之站牌資料</a:t>
           </a:r>
-          <a:endParaRPr lang="zh-TW" altLang="en-US" sz="1800" dirty="0"/>
+          <a:endParaRPr lang="zh-TW" altLang="en-US" sz="1800" dirty="0">
+            <a:solidFill>
+              <a:srgbClr val="FF0000"/>
+            </a:solidFill>
+          </a:endParaRPr>
         </a:p>
       </dgm:t>
     </dgm:pt>
@@ -1358,117 +1382,6 @@
         </a:p>
       </dgm:t>
     </dgm:pt>
-    <dgm:pt modelId="{B28BD963-CB0C-4235-9F40-1AB63C28F552}">
-      <dgm:prSet custT="1"/>
-      <dgm:spPr/>
-      <dgm:t>
-        <a:bodyPr/>
-        <a:lstStyle/>
-        <a:p>
-          <a:r>
-            <a:rPr lang="zh-TW" altLang="en-US" sz="1800" smtClean="0"/>
-            <a:t>新竹市公車站牌資訊</a:t>
-          </a:r>
-          <a:endParaRPr lang="zh-TW" altLang="en-US" sz="1800" dirty="0" smtClean="0"/>
-        </a:p>
-      </dgm:t>
-    </dgm:pt>
-    <dgm:pt modelId="{D2E0DE32-B4AB-44A6-B1C4-C80EC0EB77EB}" type="parTrans" cxnId="{FEA762EF-CD07-4540-9129-35B63A28B5F7}">
-      <dgm:prSet/>
-      <dgm:spPr/>
-      <dgm:t>
-        <a:bodyPr/>
-        <a:lstStyle/>
-        <a:p>
-          <a:endParaRPr lang="zh-TW" altLang="en-US" sz="2000"/>
-        </a:p>
-      </dgm:t>
-    </dgm:pt>
-    <dgm:pt modelId="{08D5F72F-1A61-4DC3-ABE0-9B1892A045FB}" type="sibTrans" cxnId="{FEA762EF-CD07-4540-9129-35B63A28B5F7}">
-      <dgm:prSet/>
-      <dgm:spPr/>
-      <dgm:t>
-        <a:bodyPr/>
-        <a:lstStyle/>
-        <a:p>
-          <a:endParaRPr lang="zh-TW" altLang="en-US" sz="2000"/>
-        </a:p>
-      </dgm:t>
-    </dgm:pt>
-    <dgm:pt modelId="{E641689E-5701-436A-A7C5-9C68D44F61FE}">
-      <dgm:prSet custT="1"/>
-      <dgm:spPr/>
-      <dgm:t>
-        <a:bodyPr/>
-        <a:lstStyle/>
-        <a:p>
-          <a:r>
-            <a:rPr lang="zh-TW" altLang="en-US" sz="1800" strike="sngStrike" dirty="0" smtClean="0"/>
-            <a:t>新竹市易塞車時段路段資訊</a:t>
-          </a:r>
-          <a:endParaRPr lang="zh-TW" altLang="en-US" sz="1800" strike="sngStrike" dirty="0"/>
-        </a:p>
-      </dgm:t>
-    </dgm:pt>
-    <dgm:pt modelId="{5FFA366B-DB84-436C-BAAF-40993CE0EF13}" type="parTrans" cxnId="{BFF87F1E-CCA8-4D78-A360-7BF893F7F9FC}">
-      <dgm:prSet/>
-      <dgm:spPr/>
-      <dgm:t>
-        <a:bodyPr/>
-        <a:lstStyle/>
-        <a:p>
-          <a:endParaRPr lang="zh-TW" altLang="en-US" sz="2000"/>
-        </a:p>
-      </dgm:t>
-    </dgm:pt>
-    <dgm:pt modelId="{3F39F6FA-4F57-4BC0-B79E-3304EA0FF506}" type="sibTrans" cxnId="{BFF87F1E-CCA8-4D78-A360-7BF893F7F9FC}">
-      <dgm:prSet/>
-      <dgm:spPr/>
-      <dgm:t>
-        <a:bodyPr/>
-        <a:lstStyle/>
-        <a:p>
-          <a:endParaRPr lang="zh-TW" altLang="en-US" sz="2000"/>
-        </a:p>
-      </dgm:t>
-    </dgm:pt>
-    <dgm:pt modelId="{A9905007-4992-48AB-A45A-B30C77C18D99}">
-      <dgm:prSet custT="1"/>
-      <dgm:spPr/>
-      <dgm:t>
-        <a:bodyPr/>
-        <a:lstStyle/>
-        <a:p>
-          <a:r>
-            <a:rPr lang="zh-TW" altLang="en-US" sz="1800" dirty="0" smtClean="0"/>
-            <a:t>新竹市合法旅館資料名冊</a:t>
-          </a:r>
-          <a:endParaRPr lang="en-US" altLang="zh-TW" sz="1800" dirty="0" smtClean="0"/>
-        </a:p>
-      </dgm:t>
-    </dgm:pt>
-    <dgm:pt modelId="{DF1D9A1D-B0CB-4785-9B6D-82FD44C5C7E1}" type="parTrans" cxnId="{B8E5D7C9-7939-405A-8D78-1162F8C86A61}">
-      <dgm:prSet/>
-      <dgm:spPr/>
-      <dgm:t>
-        <a:bodyPr/>
-        <a:lstStyle/>
-        <a:p>
-          <a:endParaRPr lang="zh-TW" altLang="en-US" sz="2000"/>
-        </a:p>
-      </dgm:t>
-    </dgm:pt>
-    <dgm:pt modelId="{49C533CF-8F7D-4FBB-A4EE-597A2E0C64C5}" type="sibTrans" cxnId="{B8E5D7C9-7939-405A-8D78-1162F8C86A61}">
-      <dgm:prSet/>
-      <dgm:spPr/>
-      <dgm:t>
-        <a:bodyPr/>
-        <a:lstStyle/>
-        <a:p>
-          <a:endParaRPr lang="zh-TW" altLang="en-US" sz="2000"/>
-        </a:p>
-      </dgm:t>
-    </dgm:pt>
     <dgm:pt modelId="{39ACA4CD-38D4-45C3-94FD-8059B523BA88}">
       <dgm:prSet custT="1"/>
       <dgm:spPr/>
@@ -1477,18 +1390,34 @@
         <a:lstStyle/>
         <a:p>
           <a:r>
-            <a:rPr lang="zh-TW" altLang="zh-TW" sz="1800" b="1" dirty="0" smtClean="0"/>
+            <a:rPr lang="zh-TW" altLang="zh-TW" sz="1600" b="1" dirty="0" smtClean="0">
+              <a:solidFill>
+                <a:srgbClr val="FF0000"/>
+              </a:solidFill>
+            </a:rPr>
             <a:t>景點</a:t>
           </a:r>
           <a:r>
-            <a:rPr lang="en-US" altLang="zh-TW" sz="1800" dirty="0" smtClean="0"/>
+            <a:rPr lang="en-US" altLang="zh-TW" sz="1600" dirty="0" smtClean="0">
+              <a:solidFill>
+                <a:srgbClr val="FF0000"/>
+              </a:solidFill>
+            </a:rPr>
             <a:t> - </a:t>
           </a:r>
           <a:r>
-            <a:rPr lang="zh-TW" altLang="zh-TW" sz="1800" dirty="0" smtClean="0"/>
+            <a:rPr lang="zh-TW" altLang="zh-TW" sz="1600" dirty="0" smtClean="0">
+              <a:solidFill>
+                <a:srgbClr val="FF0000"/>
+              </a:solidFill>
+            </a:rPr>
             <a:t>觀光資訊資料庫</a:t>
           </a:r>
-          <a:endParaRPr lang="zh-TW" altLang="en-US" sz="1800" dirty="0"/>
+          <a:endParaRPr lang="zh-TW" altLang="en-US" sz="1600" dirty="0">
+            <a:solidFill>
+              <a:srgbClr val="FF0000"/>
+            </a:solidFill>
+          </a:endParaRPr>
         </a:p>
       </dgm:t>
     </dgm:pt>
@@ -1522,18 +1451,34 @@
         <a:lstStyle/>
         <a:p>
           <a:r>
-            <a:rPr lang="zh-TW" altLang="zh-TW" sz="1800" b="1" smtClean="0"/>
+            <a:rPr lang="zh-TW" altLang="zh-TW" sz="1600" b="1" dirty="0" smtClean="0">
+              <a:solidFill>
+                <a:srgbClr val="FF0000"/>
+              </a:solidFill>
+            </a:rPr>
             <a:t>餐飲</a:t>
           </a:r>
           <a:r>
-            <a:rPr lang="en-US" altLang="zh-TW" sz="1800" smtClean="0"/>
+            <a:rPr lang="en-US" altLang="zh-TW" sz="1600" dirty="0" smtClean="0">
+              <a:solidFill>
+                <a:srgbClr val="FF0000"/>
+              </a:solidFill>
+            </a:rPr>
             <a:t> - </a:t>
           </a:r>
           <a:r>
-            <a:rPr lang="zh-TW" altLang="zh-TW" sz="1800" smtClean="0"/>
+            <a:rPr lang="zh-TW" altLang="zh-TW" sz="1600" dirty="0" smtClean="0">
+              <a:solidFill>
+                <a:srgbClr val="FF0000"/>
+              </a:solidFill>
+            </a:rPr>
             <a:t>觀光資訊資料庫</a:t>
           </a:r>
-          <a:endParaRPr lang="en-US" altLang="zh-TW" sz="1800" dirty="0" smtClean="0"/>
+          <a:endParaRPr lang="en-US" altLang="zh-TW" sz="1600" dirty="0" smtClean="0">
+            <a:solidFill>
+              <a:srgbClr val="FF0000"/>
+            </a:solidFill>
+          </a:endParaRPr>
         </a:p>
       </dgm:t>
     </dgm:pt>
@@ -1567,18 +1512,34 @@
         <a:lstStyle/>
         <a:p>
           <a:r>
-            <a:rPr lang="zh-TW" altLang="zh-TW" sz="1800" b="1" dirty="0" smtClean="0"/>
+            <a:rPr lang="zh-TW" altLang="zh-TW" sz="1600" b="1" dirty="0" smtClean="0">
+              <a:solidFill>
+                <a:srgbClr val="FF0000"/>
+              </a:solidFill>
+            </a:rPr>
             <a:t>活動</a:t>
           </a:r>
           <a:r>
-            <a:rPr lang="en-US" altLang="zh-TW" sz="1800" dirty="0" smtClean="0"/>
+            <a:rPr lang="en-US" altLang="zh-TW" sz="1600" dirty="0" smtClean="0">
+              <a:solidFill>
+                <a:srgbClr val="FF0000"/>
+              </a:solidFill>
+            </a:rPr>
             <a:t> - </a:t>
           </a:r>
           <a:r>
-            <a:rPr lang="zh-TW" altLang="zh-TW" sz="1800" dirty="0" smtClean="0"/>
+            <a:rPr lang="zh-TW" altLang="zh-TW" sz="1600" dirty="0" smtClean="0">
+              <a:solidFill>
+                <a:srgbClr val="FF0000"/>
+              </a:solidFill>
+            </a:rPr>
             <a:t>觀光資訊資料庫</a:t>
           </a:r>
-          <a:endParaRPr lang="en-US" altLang="zh-TW" sz="1800" dirty="0" smtClean="0"/>
+          <a:endParaRPr lang="en-US" altLang="zh-TW" sz="1600" dirty="0" smtClean="0">
+            <a:solidFill>
+              <a:srgbClr val="FF0000"/>
+            </a:solidFill>
+          </a:endParaRPr>
         </a:p>
       </dgm:t>
     </dgm:pt>
@@ -1612,7 +1573,7 @@
         <a:lstStyle/>
         <a:p>
           <a:r>
-            <a:rPr lang="zh-TW" altLang="zh-TW" sz="1800" smtClean="0"/>
+            <a:rPr lang="zh-TW" altLang="zh-TW" sz="1800" dirty="0" smtClean="0"/>
             <a:t>新竹縣</a:t>
           </a:r>
           <a:endParaRPr lang="zh-TW" altLang="zh-TW" sz="1800" dirty="0"/>
@@ -1675,6 +1636,490 @@
         <a:lstStyle/>
         <a:p>
           <a:endParaRPr lang="zh-TW" altLang="en-US" sz="2000"/>
+        </a:p>
+      </dgm:t>
+    </dgm:pt>
+    <dgm:pt modelId="{94F54011-7D09-4D3E-9E35-B3E00B07CAF2}">
+      <dgm:prSet custT="1"/>
+      <dgm:spPr/>
+      <dgm:t>
+        <a:bodyPr/>
+        <a:lstStyle/>
+        <a:p>
+          <a:r>
+            <a:rPr lang="en-US" altLang="zh-TW" sz="1600" dirty="0" err="1" smtClean="0"/>
+            <a:t>iTaiwan</a:t>
+          </a:r>
+          <a:r>
+            <a:rPr lang="zh-TW" altLang="zh-TW" sz="1600" dirty="0" smtClean="0"/>
+            <a:t>中央行政機關室內公共區域免費無線上網熱點查詢服務</a:t>
+          </a:r>
+          <a:endParaRPr lang="en-US" altLang="zh-TW" sz="1600" dirty="0" smtClean="0"/>
+        </a:p>
+      </dgm:t>
+    </dgm:pt>
+    <dgm:pt modelId="{2203F19E-0347-46CE-A053-714E48A04E3E}" type="parTrans" cxnId="{5E57BE5A-0F7A-41EB-84A1-457DF721BF33}">
+      <dgm:prSet/>
+      <dgm:spPr/>
+      <dgm:t>
+        <a:bodyPr/>
+        <a:lstStyle/>
+        <a:p>
+          <a:endParaRPr lang="zh-TW" altLang="en-US"/>
+        </a:p>
+      </dgm:t>
+    </dgm:pt>
+    <dgm:pt modelId="{6E84FCB3-7347-48CF-A924-B0E0BC7DE6FE}" type="sibTrans" cxnId="{5E57BE5A-0F7A-41EB-84A1-457DF721BF33}">
+      <dgm:prSet/>
+      <dgm:spPr/>
+      <dgm:t>
+        <a:bodyPr/>
+        <a:lstStyle/>
+        <a:p>
+          <a:endParaRPr lang="zh-TW" altLang="en-US"/>
+        </a:p>
+      </dgm:t>
+    </dgm:pt>
+    <dgm:pt modelId="{E226A521-0712-4C28-9637-364CBB411017}">
+      <dgm:prSet custT="1"/>
+      <dgm:spPr/>
+      <dgm:t>
+        <a:bodyPr/>
+        <a:lstStyle/>
+        <a:p>
+          <a:r>
+            <a:rPr lang="zh-TW" altLang="en-US" sz="1800" strike="noStrike" dirty="0">
+              <a:solidFill>
+                <a:srgbClr val="00B050"/>
+              </a:solidFill>
+            </a:rPr>
+            <a:t>觀光景點清單</a:t>
+          </a:r>
+        </a:p>
+      </dgm:t>
+    </dgm:pt>
+    <dgm:pt modelId="{5973EF85-7589-431E-9784-B4AD9EE7D270}" type="parTrans" cxnId="{2AEE88C1-FB76-4728-A6C5-FC0482C050AF}">
+      <dgm:prSet/>
+      <dgm:spPr/>
+      <dgm:t>
+        <a:bodyPr/>
+        <a:lstStyle/>
+        <a:p>
+          <a:endParaRPr lang="zh-TW" altLang="en-US"/>
+        </a:p>
+      </dgm:t>
+    </dgm:pt>
+    <dgm:pt modelId="{4DD91526-4DBB-4263-B1DF-D32D22A20D54}" type="sibTrans" cxnId="{2AEE88C1-FB76-4728-A6C5-FC0482C050AF}">
+      <dgm:prSet/>
+      <dgm:spPr/>
+      <dgm:t>
+        <a:bodyPr/>
+        <a:lstStyle/>
+        <a:p>
+          <a:endParaRPr lang="zh-TW" altLang="en-US"/>
+        </a:p>
+      </dgm:t>
+    </dgm:pt>
+    <dgm:pt modelId="{8457A175-40EA-47A7-9223-ABF67E3CB789}">
+      <dgm:prSet custT="1"/>
+      <dgm:spPr/>
+      <dgm:t>
+        <a:bodyPr/>
+        <a:lstStyle/>
+        <a:p>
+          <a:r>
+            <a:rPr lang="zh-TW" altLang="en-US" sz="1800" b="1" strike="noStrike" dirty="0">
+              <a:solidFill>
+                <a:srgbClr val="FF0000"/>
+              </a:solidFill>
+            </a:rPr>
+            <a:t>公車站牌資訊</a:t>
+          </a:r>
+        </a:p>
+      </dgm:t>
+    </dgm:pt>
+    <dgm:pt modelId="{24E6FC41-A569-44D2-B4BC-67D63B598D49}" type="parTrans" cxnId="{8ED430C5-E285-4351-95BC-7F24BC5FBDC5}">
+      <dgm:prSet/>
+      <dgm:spPr/>
+      <dgm:t>
+        <a:bodyPr/>
+        <a:lstStyle/>
+        <a:p>
+          <a:endParaRPr lang="zh-TW" altLang="en-US"/>
+        </a:p>
+      </dgm:t>
+    </dgm:pt>
+    <dgm:pt modelId="{D855CEBF-7944-441A-A824-13ABCA56F349}" type="sibTrans" cxnId="{8ED430C5-E285-4351-95BC-7F24BC5FBDC5}">
+      <dgm:prSet/>
+      <dgm:spPr/>
+      <dgm:t>
+        <a:bodyPr/>
+        <a:lstStyle/>
+        <a:p>
+          <a:endParaRPr lang="zh-TW" altLang="en-US"/>
+        </a:p>
+      </dgm:t>
+    </dgm:pt>
+    <dgm:pt modelId="{B37C92D5-1444-4379-A439-36C633E49C11}">
+      <dgm:prSet custT="1"/>
+      <dgm:spPr/>
+      <dgm:t>
+        <a:bodyPr/>
+        <a:lstStyle/>
+        <a:p>
+          <a:r>
+            <a:rPr lang="zh-TW" altLang="en-US" sz="1800" strike="noStrike" dirty="0">
+              <a:solidFill>
+                <a:srgbClr val="00B050"/>
+              </a:solidFill>
+            </a:rPr>
+            <a:t>合法旅館資料名冊</a:t>
+          </a:r>
+        </a:p>
+      </dgm:t>
+    </dgm:pt>
+    <dgm:pt modelId="{E86C17F3-7528-4478-B302-8CF2055796D9}" type="parTrans" cxnId="{0B31BD34-0F3A-44E8-84B8-A00575382F7C}">
+      <dgm:prSet/>
+      <dgm:spPr/>
+      <dgm:t>
+        <a:bodyPr/>
+        <a:lstStyle/>
+        <a:p>
+          <a:endParaRPr lang="zh-TW" altLang="en-US"/>
+        </a:p>
+      </dgm:t>
+    </dgm:pt>
+    <dgm:pt modelId="{3CA20671-6790-409B-8266-532405CA0212}" type="sibTrans" cxnId="{0B31BD34-0F3A-44E8-84B8-A00575382F7C}">
+      <dgm:prSet/>
+      <dgm:spPr/>
+      <dgm:t>
+        <a:bodyPr/>
+        <a:lstStyle/>
+        <a:p>
+          <a:endParaRPr lang="zh-TW" altLang="en-US"/>
+        </a:p>
+      </dgm:t>
+    </dgm:pt>
+    <dgm:pt modelId="{0C5AC5D0-1A6A-4703-AB87-29FD162112B3}">
+      <dgm:prSet custT="1"/>
+      <dgm:spPr/>
+      <dgm:t>
+        <a:bodyPr/>
+        <a:lstStyle/>
+        <a:p>
+          <a:r>
+            <a:rPr lang="zh-TW" altLang="en-US" sz="1800" strike="noStrike" dirty="0">
+              <a:solidFill>
+                <a:srgbClr val="00B050"/>
+              </a:solidFill>
+            </a:rPr>
+            <a:t>環保旅店資訊</a:t>
+          </a:r>
+        </a:p>
+      </dgm:t>
+    </dgm:pt>
+    <dgm:pt modelId="{21BB9F90-1D2A-43CA-BC61-5BE33A01BB01}" type="parTrans" cxnId="{1041B38E-9236-4469-BE97-0E9AE495F77D}">
+      <dgm:prSet/>
+      <dgm:spPr/>
+      <dgm:t>
+        <a:bodyPr/>
+        <a:lstStyle/>
+        <a:p>
+          <a:endParaRPr lang="zh-TW" altLang="en-US"/>
+        </a:p>
+      </dgm:t>
+    </dgm:pt>
+    <dgm:pt modelId="{4E075F3A-E197-43D8-AE74-451B65C88F5D}" type="sibTrans" cxnId="{1041B38E-9236-4469-BE97-0E9AE495F77D}">
+      <dgm:prSet/>
+      <dgm:spPr/>
+      <dgm:t>
+        <a:bodyPr/>
+        <a:lstStyle/>
+        <a:p>
+          <a:endParaRPr lang="zh-TW" altLang="en-US"/>
+        </a:p>
+      </dgm:t>
+    </dgm:pt>
+    <dgm:pt modelId="{BF7D5C6E-1405-437B-9060-AB1D3C55807D}">
+      <dgm:prSet custT="1"/>
+      <dgm:spPr/>
+      <dgm:t>
+        <a:bodyPr/>
+        <a:lstStyle/>
+        <a:p>
+          <a:r>
+            <a:rPr lang="zh-TW" altLang="en-US" sz="1600" dirty="0" smtClean="0"/>
+            <a:t>歷史交通事故資料</a:t>
+          </a:r>
+          <a:endParaRPr lang="en-US" altLang="zh-TW" sz="1600" dirty="0" smtClean="0"/>
+        </a:p>
+      </dgm:t>
+    </dgm:pt>
+    <dgm:pt modelId="{C4E522C8-B9BF-468A-94ED-7746E2F41334}" type="parTrans" cxnId="{48CF4FDA-9A8D-4A7E-A90A-564345C55F27}">
+      <dgm:prSet/>
+      <dgm:spPr/>
+      <dgm:t>
+        <a:bodyPr/>
+        <a:lstStyle/>
+        <a:p>
+          <a:endParaRPr lang="zh-TW" altLang="en-US"/>
+        </a:p>
+      </dgm:t>
+    </dgm:pt>
+    <dgm:pt modelId="{0B3317D5-9D51-4229-AA5F-1F0CF2ADEDD0}" type="sibTrans" cxnId="{48CF4FDA-9A8D-4A7E-A90A-564345C55F27}">
+      <dgm:prSet/>
+      <dgm:spPr/>
+      <dgm:t>
+        <a:bodyPr/>
+        <a:lstStyle/>
+        <a:p>
+          <a:endParaRPr lang="zh-TW" altLang="en-US"/>
+        </a:p>
+      </dgm:t>
+    </dgm:pt>
+    <dgm:pt modelId="{2AAD3D5F-1913-4B8E-A86E-575C2DEEFE9C}">
+      <dgm:prSet custT="1"/>
+      <dgm:spPr/>
+      <dgm:t>
+        <a:bodyPr/>
+        <a:lstStyle/>
+        <a:p>
+          <a:r>
+            <a:rPr lang="zh-TW" altLang="en-US" sz="1800" b="1" dirty="0" smtClean="0">
+              <a:solidFill>
+                <a:srgbClr val="FF0000"/>
+              </a:solidFill>
+            </a:rPr>
+            <a:t>市區公車之路線</a:t>
+          </a:r>
+          <a:r>
+            <a:rPr lang="en-US" altLang="zh-TW" sz="1800" b="1" dirty="0" smtClean="0">
+              <a:solidFill>
+                <a:srgbClr val="FF0000"/>
+              </a:solidFill>
+            </a:rPr>
+            <a:t>+</a:t>
+          </a:r>
+          <a:r>
+            <a:rPr lang="zh-TW" altLang="en-US" sz="1800" b="1" dirty="0" smtClean="0">
+              <a:solidFill>
+                <a:srgbClr val="FF0000"/>
+              </a:solidFill>
+            </a:rPr>
+            <a:t>站牌資料</a:t>
+          </a:r>
+          <a:endParaRPr lang="zh-TW" altLang="en-US" sz="1800" dirty="0"/>
+        </a:p>
+      </dgm:t>
+    </dgm:pt>
+    <dgm:pt modelId="{0CF11D81-3439-4FC2-9A98-722E4A3256EC}" type="parTrans" cxnId="{14C80380-E75A-48C6-B54E-807E65E55ECB}">
+      <dgm:prSet/>
+      <dgm:spPr/>
+      <dgm:t>
+        <a:bodyPr/>
+        <a:lstStyle/>
+        <a:p>
+          <a:endParaRPr lang="zh-TW" altLang="en-US"/>
+        </a:p>
+      </dgm:t>
+    </dgm:pt>
+    <dgm:pt modelId="{6D26AE53-DE2D-4098-A3CE-7D2285780137}" type="sibTrans" cxnId="{14C80380-E75A-48C6-B54E-807E65E55ECB}">
+      <dgm:prSet/>
+      <dgm:spPr/>
+      <dgm:t>
+        <a:bodyPr/>
+        <a:lstStyle/>
+        <a:p>
+          <a:endParaRPr lang="zh-TW" altLang="en-US"/>
+        </a:p>
+      </dgm:t>
+    </dgm:pt>
+    <dgm:pt modelId="{F08326BF-2D93-4955-BBAD-47453F1A421D}">
+      <dgm:prSet custT="1"/>
+      <dgm:spPr/>
+      <dgm:t>
+        <a:bodyPr/>
+        <a:lstStyle/>
+        <a:p>
+          <a:r>
+            <a:rPr lang="zh-TW" altLang="zh-TW" sz="1800" dirty="0" smtClean="0"/>
+            <a:t>新竹縣</a:t>
+          </a:r>
+          <a:endParaRPr lang="zh-TW" altLang="zh-TW" sz="1800" dirty="0"/>
+        </a:p>
+      </dgm:t>
+    </dgm:pt>
+    <dgm:pt modelId="{A27AEF76-D77B-456B-8406-502921270B8C}" type="parTrans" cxnId="{AEE432B2-43DF-44E2-BF27-714BF5C49504}">
+      <dgm:prSet/>
+      <dgm:spPr/>
+      <dgm:t>
+        <a:bodyPr/>
+        <a:lstStyle/>
+        <a:p>
+          <a:endParaRPr lang="zh-TW" altLang="en-US"/>
+        </a:p>
+      </dgm:t>
+    </dgm:pt>
+    <dgm:pt modelId="{B4FDDC59-D423-4771-82F4-84DF4449ABE2}" type="sibTrans" cxnId="{AEE432B2-43DF-44E2-BF27-714BF5C49504}">
+      <dgm:prSet/>
+      <dgm:spPr/>
+      <dgm:t>
+        <a:bodyPr/>
+        <a:lstStyle/>
+        <a:p>
+          <a:endParaRPr lang="zh-TW" altLang="en-US"/>
+        </a:p>
+      </dgm:t>
+    </dgm:pt>
+    <dgm:pt modelId="{10930054-CF4C-47F3-B6C6-6E3C0C1733EF}">
+      <dgm:prSet custT="1"/>
+      <dgm:spPr/>
+      <dgm:t>
+        <a:bodyPr/>
+        <a:lstStyle/>
+        <a:p>
+          <a:r>
+            <a:rPr lang="zh-TW" altLang="en-US" sz="1800" dirty="0" smtClean="0"/>
+            <a:t>新竹市</a:t>
+          </a:r>
+          <a:endParaRPr lang="zh-TW" altLang="en-US" sz="1800" dirty="0"/>
+        </a:p>
+      </dgm:t>
+    </dgm:pt>
+    <dgm:pt modelId="{F8D70C77-FEB1-4D2E-BD31-73BF5D4EE6F0}" type="parTrans" cxnId="{5E573B87-FE84-432F-B93F-6CA2ED7FF036}">
+      <dgm:prSet/>
+      <dgm:spPr/>
+      <dgm:t>
+        <a:bodyPr/>
+        <a:lstStyle/>
+        <a:p>
+          <a:endParaRPr lang="zh-TW" altLang="en-US"/>
+        </a:p>
+      </dgm:t>
+    </dgm:pt>
+    <dgm:pt modelId="{5E1A7D7C-2625-4D13-9B2F-EF733F771C36}" type="sibTrans" cxnId="{5E573B87-FE84-432F-B93F-6CA2ED7FF036}">
+      <dgm:prSet/>
+      <dgm:spPr/>
+      <dgm:t>
+        <a:bodyPr/>
+        <a:lstStyle/>
+        <a:p>
+          <a:endParaRPr lang="zh-TW" altLang="en-US"/>
+        </a:p>
+      </dgm:t>
+    </dgm:pt>
+    <dgm:pt modelId="{70E40FBF-A917-4910-88D0-4DB0E7FD9E65}">
+      <dgm:prSet custT="1"/>
+      <dgm:spPr/>
+      <dgm:t>
+        <a:bodyPr/>
+        <a:lstStyle/>
+        <a:p>
+          <a:r>
+            <a:rPr lang="zh-TW" altLang="en-US" sz="1800" b="1" dirty="0" smtClean="0">
+              <a:solidFill>
+                <a:srgbClr val="FF0000"/>
+              </a:solidFill>
+            </a:rPr>
+            <a:t>市區公車之路線資料</a:t>
+          </a:r>
+          <a:endParaRPr lang="zh-TW" altLang="en-US" sz="1800" dirty="0"/>
+        </a:p>
+      </dgm:t>
+    </dgm:pt>
+    <dgm:pt modelId="{ABEB5880-AE5B-4831-92F3-EBFA46116F43}" type="parTrans" cxnId="{FEA177D9-090A-4561-851D-8D20FD5FC565}">
+      <dgm:prSet/>
+      <dgm:spPr/>
+      <dgm:t>
+        <a:bodyPr/>
+        <a:lstStyle/>
+        <a:p>
+          <a:endParaRPr lang="zh-TW" altLang="en-US"/>
+        </a:p>
+      </dgm:t>
+    </dgm:pt>
+    <dgm:pt modelId="{3C3EF3A2-153E-4A9B-8A6F-7F0015CBB5B7}" type="sibTrans" cxnId="{FEA177D9-090A-4561-851D-8D20FD5FC565}">
+      <dgm:prSet/>
+      <dgm:spPr/>
+      <dgm:t>
+        <a:bodyPr/>
+        <a:lstStyle/>
+        <a:p>
+          <a:endParaRPr lang="zh-TW" altLang="en-US"/>
+        </a:p>
+      </dgm:t>
+    </dgm:pt>
+    <dgm:pt modelId="{04F5FE20-8F4C-41A8-8DBF-7C0DB8831BD4}">
+      <dgm:prSet custT="1"/>
+      <dgm:spPr/>
+      <dgm:t>
+        <a:bodyPr/>
+        <a:lstStyle/>
+        <a:p>
+          <a:r>
+            <a:rPr lang="zh-TW" altLang="zh-TW" sz="1800" dirty="0" smtClean="0"/>
+            <a:t>新竹縣</a:t>
+          </a:r>
+          <a:endParaRPr lang="zh-TW" altLang="zh-TW" sz="1800" dirty="0"/>
+        </a:p>
+      </dgm:t>
+    </dgm:pt>
+    <dgm:pt modelId="{3F9063C0-E278-4252-9530-A4023E9D2CC1}" type="parTrans" cxnId="{C5496279-F463-4303-80F5-7A3F0043903C}">
+      <dgm:prSet/>
+      <dgm:spPr/>
+      <dgm:t>
+        <a:bodyPr/>
+        <a:lstStyle/>
+        <a:p>
+          <a:endParaRPr lang="zh-TW" altLang="en-US"/>
+        </a:p>
+      </dgm:t>
+    </dgm:pt>
+    <dgm:pt modelId="{A403EB47-6F14-4B8F-919C-0465E1F554C8}" type="sibTrans" cxnId="{C5496279-F463-4303-80F5-7A3F0043903C}">
+      <dgm:prSet/>
+      <dgm:spPr/>
+      <dgm:t>
+        <a:bodyPr/>
+        <a:lstStyle/>
+        <a:p>
+          <a:endParaRPr lang="zh-TW" altLang="en-US"/>
+        </a:p>
+      </dgm:t>
+    </dgm:pt>
+    <dgm:pt modelId="{D36B179F-9417-4BF9-A278-275F4D8BBA40}">
+      <dgm:prSet custT="1"/>
+      <dgm:spPr/>
+      <dgm:t>
+        <a:bodyPr/>
+        <a:lstStyle/>
+        <a:p>
+          <a:r>
+            <a:rPr lang="zh-TW" altLang="en-US" sz="1800" dirty="0" smtClean="0"/>
+            <a:t>新竹市</a:t>
+          </a:r>
+          <a:endParaRPr lang="zh-TW" altLang="en-US" sz="1800" dirty="0"/>
+        </a:p>
+      </dgm:t>
+    </dgm:pt>
+    <dgm:pt modelId="{A4BE4985-0424-4386-AF6F-4B0B3E9F22C9}" type="parTrans" cxnId="{A59EBBB2-779F-4053-B7EE-D592DE3E5389}">
+      <dgm:prSet/>
+      <dgm:spPr/>
+      <dgm:t>
+        <a:bodyPr/>
+        <a:lstStyle/>
+        <a:p>
+          <a:endParaRPr lang="zh-TW" altLang="en-US"/>
+        </a:p>
+      </dgm:t>
+    </dgm:pt>
+    <dgm:pt modelId="{470E2C27-8063-4AB7-96FE-CB6B2F0A37D5}" type="sibTrans" cxnId="{A59EBBB2-779F-4053-B7EE-D592DE3E5389}">
+      <dgm:prSet/>
+      <dgm:spPr/>
+      <dgm:t>
+        <a:bodyPr/>
+        <a:lstStyle/>
+        <a:p>
+          <a:endParaRPr lang="zh-TW" altLang="en-US"/>
         </a:p>
       </dgm:t>
     </dgm:pt>
@@ -1854,51 +2299,69 @@
   </dgm:ptLst>
   <dgm:cxnLst>
     <dgm:cxn modelId="{5EE6858D-ACAF-4228-95C0-52CDE3A34C0F}" srcId="{34D76ABD-6E91-4D6B-A323-BB02F5A13B95}" destId="{5CF0E908-E64E-4B4F-8AFD-A20AAD9580F2}" srcOrd="1" destOrd="0" parTransId="{8E3C0E31-70C3-4560-8065-6076D6A643CD}" sibTransId="{EEC996C3-B094-4624-93AA-4CDA9C7B8F27}"/>
-    <dgm:cxn modelId="{72EBAF98-6CB8-48B0-B22F-752818F3ED8E}" type="presOf" srcId="{37724259-C117-4DD2-98E8-1FA1D415142D}" destId="{D6358515-60C3-4D90-8884-8923AAC38028}" srcOrd="0" destOrd="0" presId="urn:microsoft.com/office/officeart/2005/8/layout/hList1"/>
-    <dgm:cxn modelId="{E2AC42DF-A7D2-4836-844D-B3A417B460F4}" type="presOf" srcId="{65242F45-0697-4604-8447-902C47F2446D}" destId="{2921CDDA-F6D4-459B-8E40-4A9F0793A08C}" srcOrd="0" destOrd="0" presId="urn:microsoft.com/office/officeart/2005/8/layout/hList1"/>
-    <dgm:cxn modelId="{75E53F6C-C71C-42E1-BA65-B1AC1C8CDB96}" type="presOf" srcId="{7BAE363B-BB51-47CC-8116-2662C8339962}" destId="{26BB3B63-6B10-4300-A0FA-4F702A86E4AE}" srcOrd="0" destOrd="0" presId="urn:microsoft.com/office/officeart/2005/8/layout/hList1"/>
-    <dgm:cxn modelId="{4624C326-3538-4AA7-854F-50D4D745CDD3}" type="presOf" srcId="{CACE130E-04EA-400B-BA1F-F97BF7CEEFD4}" destId="{9D0C70CC-30FE-4125-999B-05F30130F378}" srcOrd="0" destOrd="0" presId="urn:microsoft.com/office/officeart/2005/8/layout/hList1"/>
-    <dgm:cxn modelId="{3E3FC65A-940A-4934-A9D0-249A86FC3E82}" type="presOf" srcId="{4D2FD0BD-8914-40B5-BC9B-C9779951158D}" destId="{4DF33D99-C7D4-4236-A7D4-F73BFB8D8D58}" srcOrd="0" destOrd="0" presId="urn:microsoft.com/office/officeart/2005/8/layout/hList1"/>
+    <dgm:cxn modelId="{C5496279-F463-4303-80F5-7A3F0043903C}" srcId="{70E40FBF-A917-4910-88D0-4DB0E7FD9E65}" destId="{04F5FE20-8F4C-41A8-8DBF-7C0DB8831BD4}" srcOrd="0" destOrd="0" parTransId="{3F9063C0-E278-4252-9530-A4023E9D2CC1}" sibTransId="{A403EB47-6F14-4B8F-919C-0465E1F554C8}"/>
+    <dgm:cxn modelId="{392894E3-0141-47AA-A5AF-3842E80B99BE}" type="presOf" srcId="{7BAE363B-BB51-47CC-8116-2662C8339962}" destId="{26BB3B63-6B10-4300-A0FA-4F702A86E4AE}" srcOrd="0" destOrd="0" presId="urn:microsoft.com/office/officeart/2005/8/layout/hList1"/>
+    <dgm:cxn modelId="{5E573B87-FE84-432F-B93F-6CA2ED7FF036}" srcId="{2AAD3D5F-1913-4B8E-A86E-575C2DEEFE9C}" destId="{10930054-CF4C-47F3-B6C6-6E3C0C1733EF}" srcOrd="1" destOrd="0" parTransId="{F8D70C77-FEB1-4D2E-BD31-73BF5D4EE6F0}" sibTransId="{5E1A7D7C-2625-4D13-9B2F-EF733F771C36}"/>
+    <dgm:cxn modelId="{9F68F759-7F94-4B7D-BA60-D72134601545}" srcId="{4D2FD0BD-8914-40B5-BC9B-C9779951158D}" destId="{39ACA4CD-38D4-45C3-94FD-8059B523BA88}" srcOrd="0" destOrd="0" parTransId="{AECCA207-60E7-4F82-863B-9DEE208E32B2}" sibTransId="{E743FF0B-5146-41EF-A6F2-53ADB26CA624}"/>
+    <dgm:cxn modelId="{66294F11-2795-40AA-92AE-BE509CA0CDC9}" srcId="{37724259-C117-4DD2-98E8-1FA1D415142D}" destId="{9A235B74-5FFC-4E8B-B2A5-C24D935068A0}" srcOrd="0" destOrd="0" parTransId="{8E8E5686-E4A1-4B7C-AB0A-9A50AB4E273E}" sibTransId="{40502620-BD38-4741-8B22-FC272A902EF3}"/>
+    <dgm:cxn modelId="{51DE30FC-DC66-4C4C-849F-BD3FBA85DD78}" type="presOf" srcId="{65242F45-0697-4604-8447-902C47F2446D}" destId="{2921CDDA-F6D4-459B-8E40-4A9F0793A08C}" srcOrd="0" destOrd="0" presId="urn:microsoft.com/office/officeart/2005/8/layout/hList1"/>
+    <dgm:cxn modelId="{538C7CA8-4639-441A-95C8-4A35995F9892}" type="presOf" srcId="{9A235B74-5FFC-4E8B-B2A5-C24D935068A0}" destId="{1CCBDA6E-1781-4006-AF7B-468583AFA423}" srcOrd="0" destOrd="0" presId="urn:microsoft.com/office/officeart/2005/8/layout/hList1"/>
+    <dgm:cxn modelId="{1041B38E-9236-4469-BE97-0E9AE495F77D}" srcId="{65242F45-0697-4604-8447-902C47F2446D}" destId="{0C5AC5D0-1A6A-4703-AB87-29FD162112B3}" srcOrd="4" destOrd="0" parTransId="{21BB9F90-1D2A-43CA-BC61-5BE33A01BB01}" sibTransId="{4E075F3A-E197-43D8-AE74-451B65C88F5D}"/>
+    <dgm:cxn modelId="{A59EBBB2-779F-4053-B7EE-D592DE3E5389}" srcId="{70E40FBF-A917-4910-88D0-4DB0E7FD9E65}" destId="{D36B179F-9417-4BF9-A278-275F4D8BBA40}" srcOrd="1" destOrd="0" parTransId="{A4BE4985-0424-4386-AF6F-4B0B3E9F22C9}" sibTransId="{470E2C27-8063-4AB7-96FE-CB6B2F0A37D5}"/>
+    <dgm:cxn modelId="{3046AA4E-0269-44B3-8E0D-5B2495A02E98}" srcId="{34D76ABD-6E91-4D6B-A323-BB02F5A13B95}" destId="{37724259-C117-4DD2-98E8-1FA1D415142D}" srcOrd="3" destOrd="0" parTransId="{23F98A8D-B78B-473D-9555-9C0CFCED9BA7}" sibTransId="{8A974644-5796-4F62-84B4-47092DFE96FE}"/>
     <dgm:cxn modelId="{B47587B1-B8FD-4849-986C-16F4ACDE99A0}" srcId="{34D76ABD-6E91-4D6B-A323-BB02F5A13B95}" destId="{4D2FD0BD-8914-40B5-BC9B-C9779951158D}" srcOrd="2" destOrd="0" parTransId="{A8F60D33-0570-4860-ACB3-8ABEDF28F6FB}" sibTransId="{A5B33A90-D84A-42DB-92E2-E9545596389A}"/>
-    <dgm:cxn modelId="{EB9801D2-444B-4971-95A1-FD31478D547D}" type="presOf" srcId="{34D76ABD-6E91-4D6B-A323-BB02F5A13B95}" destId="{8A432F4E-1557-4C59-9073-A10CDE9ED560}" srcOrd="0" destOrd="0" presId="urn:microsoft.com/office/officeart/2005/8/layout/hList1"/>
+    <dgm:cxn modelId="{5523475E-4F5A-4C63-8A1D-17B2A110AB94}" srcId="{5CF0E908-E64E-4B4F-8AFD-A20AAD9580F2}" destId="{CACE130E-04EA-400B-BA1F-F97BF7CEEFD4}" srcOrd="0" destOrd="0" parTransId="{CC7B2DDA-C3EF-412D-8E8C-0667A45CCCD6}" sibTransId="{DD3F5466-3018-413E-A174-23B1E607AAC6}"/>
+    <dgm:cxn modelId="{4CF86334-10EF-49EC-BFFD-143F1AB07DD0}" srcId="{4D2FD0BD-8914-40B5-BC9B-C9779951158D}" destId="{8230A4CE-74F6-48E7-B8A8-A1618537F3A3}" srcOrd="1" destOrd="0" parTransId="{95CF832B-71EB-41EA-BEF9-576E685B3651}" sibTransId="{660965D5-592C-4BC2-AAB8-C40C7B7D7428}"/>
+    <dgm:cxn modelId="{0B31BD34-0F3A-44E8-84B8-A00575382F7C}" srcId="{65242F45-0697-4604-8447-902C47F2446D}" destId="{B37C92D5-1444-4379-A439-36C633E49C11}" srcOrd="3" destOrd="0" parTransId="{E86C17F3-7528-4478-B302-8CF2055796D9}" sibTransId="{3CA20671-6790-409B-8266-532405CA0212}"/>
+    <dgm:cxn modelId="{54AD4C16-5E54-46E2-A276-4F4333C36907}" type="presOf" srcId="{5CF0E908-E64E-4B4F-8AFD-A20AAD9580F2}" destId="{B79990C0-37B8-421B-B5B8-8AE0DD884977}" srcOrd="0" destOrd="0" presId="urn:microsoft.com/office/officeart/2005/8/layout/hList1"/>
+    <dgm:cxn modelId="{EBF98DAB-D984-41F1-BD08-E7668CBEE5D9}" srcId="{9A235B74-5FFC-4E8B-B2A5-C24D935068A0}" destId="{D8B32EF1-48C4-4DA1-B097-4AA2F890C884}" srcOrd="0" destOrd="0" parTransId="{25ACC8EB-A7D3-47C1-850E-1FE53C05A2B6}" sibTransId="{315F7C4D-D32E-4E31-97F1-6613ECE57AD8}"/>
+    <dgm:cxn modelId="{86B29A94-4CDA-4B98-9D3F-73EDB3399C64}" type="presOf" srcId="{B37C92D5-1444-4379-A439-36C633E49C11}" destId="{26BB3B63-6B10-4300-A0FA-4F702A86E4AE}" srcOrd="0" destOrd="3" presId="urn:microsoft.com/office/officeart/2005/8/layout/hList1"/>
+    <dgm:cxn modelId="{E20CD8AB-EB63-487C-9D1B-4F22D96BDF83}" type="presOf" srcId="{37724259-C117-4DD2-98E8-1FA1D415142D}" destId="{D6358515-60C3-4D90-8884-8923AAC38028}" srcOrd="0" destOrd="0" presId="urn:microsoft.com/office/officeart/2005/8/layout/hList1"/>
+    <dgm:cxn modelId="{14C80380-E75A-48C6-B54E-807E65E55ECB}" srcId="{37724259-C117-4DD2-98E8-1FA1D415142D}" destId="{2AAD3D5F-1913-4B8E-A86E-575C2DEEFE9C}" srcOrd="1" destOrd="0" parTransId="{0CF11D81-3439-4FC2-9A98-722E4A3256EC}" sibTransId="{6D26AE53-DE2D-4098-A3CE-7D2285780137}"/>
+    <dgm:cxn modelId="{FEA177D9-090A-4561-851D-8D20FD5FC565}" srcId="{37724259-C117-4DD2-98E8-1FA1D415142D}" destId="{70E40FBF-A917-4910-88D0-4DB0E7FD9E65}" srcOrd="2" destOrd="0" parTransId="{ABEB5880-AE5B-4831-92F3-EBFA46116F43}" sibTransId="{3C3EF3A2-153E-4A9B-8A6F-7F0015CBB5B7}"/>
+    <dgm:cxn modelId="{7A7189D7-78FD-43CA-B394-09CC44C69E55}" type="presOf" srcId="{CACE130E-04EA-400B-BA1F-F97BF7CEEFD4}" destId="{9D0C70CC-30FE-4125-999B-05F30130F378}" srcOrd="0" destOrd="0" presId="urn:microsoft.com/office/officeart/2005/8/layout/hList1"/>
+    <dgm:cxn modelId="{2AEE88C1-FB76-4728-A6C5-FC0482C050AF}" srcId="{65242F45-0697-4604-8447-902C47F2446D}" destId="{E226A521-0712-4C28-9637-364CBB411017}" srcOrd="1" destOrd="0" parTransId="{5973EF85-7589-431E-9784-B4AD9EE7D270}" sibTransId="{4DD91526-4DBB-4263-B1DF-D32D22A20D54}"/>
+    <dgm:cxn modelId="{48CF4FDA-9A8D-4A7E-A90A-564345C55F27}" srcId="{4D2FD0BD-8914-40B5-BC9B-C9779951158D}" destId="{BF7D5C6E-1405-437B-9060-AB1D3C55807D}" srcOrd="4" destOrd="0" parTransId="{C4E522C8-B9BF-468A-94ED-7746E2F41334}" sibTransId="{0B3317D5-9D51-4229-AA5F-1F0CF2ADEDD0}"/>
+    <dgm:cxn modelId="{6A70F91A-181A-4F29-B492-FB808F767E5A}" type="presOf" srcId="{39ACA4CD-38D4-45C3-94FD-8059B523BA88}" destId="{ACC45FF0-45A8-41C3-825A-0223BBE7B1A8}" srcOrd="0" destOrd="0" presId="urn:microsoft.com/office/officeart/2005/8/layout/hList1"/>
+    <dgm:cxn modelId="{2BC49659-6FE3-424A-854E-C4836D4E4134}" type="presOf" srcId="{8457A175-40EA-47A7-9223-ABF67E3CB789}" destId="{26BB3B63-6B10-4300-A0FA-4F702A86E4AE}" srcOrd="0" destOrd="2" presId="urn:microsoft.com/office/officeart/2005/8/layout/hList1"/>
+    <dgm:cxn modelId="{AEE432B2-43DF-44E2-BF27-714BF5C49504}" srcId="{2AAD3D5F-1913-4B8E-A86E-575C2DEEFE9C}" destId="{F08326BF-2D93-4955-BBAD-47453F1A421D}" srcOrd="0" destOrd="0" parTransId="{A27AEF76-D77B-456B-8406-502921270B8C}" sibTransId="{B4FDDC59-D423-4771-82F4-84DF4449ABE2}"/>
+    <dgm:cxn modelId="{28BF2D6F-4CE2-4806-B9A2-1CDCF7A28296}" type="presOf" srcId="{D36B179F-9417-4BF9-A278-275F4D8BBA40}" destId="{1CCBDA6E-1781-4006-AF7B-468583AFA423}" srcOrd="0" destOrd="8" presId="urn:microsoft.com/office/officeart/2005/8/layout/hList1"/>
+    <dgm:cxn modelId="{7E420A80-23D0-437F-82DE-4532E1F9E254}" type="presOf" srcId="{F08326BF-2D93-4955-BBAD-47453F1A421D}" destId="{1CCBDA6E-1781-4006-AF7B-468583AFA423}" srcOrd="0" destOrd="4" presId="urn:microsoft.com/office/officeart/2005/8/layout/hList1"/>
+    <dgm:cxn modelId="{00058EA8-6904-4B29-B6D7-23E6FDEDE9A1}" type="presOf" srcId="{70E40FBF-A917-4910-88D0-4DB0E7FD9E65}" destId="{1CCBDA6E-1781-4006-AF7B-468583AFA423}" srcOrd="0" destOrd="6" presId="urn:microsoft.com/office/officeart/2005/8/layout/hList1"/>
+    <dgm:cxn modelId="{7F3714AD-D364-4084-9173-85CA59028DB8}" srcId="{9A235B74-5FFC-4E8B-B2A5-C24D935068A0}" destId="{87371E9C-F6CF-4000-9471-EB8A09695182}" srcOrd="1" destOrd="0" parTransId="{80830FFA-9E11-438F-A30B-7285D1D18670}" sibTransId="{B9779EB8-AAE0-4062-B25D-F9625BACD50E}"/>
+    <dgm:cxn modelId="{C43FF82E-D58A-4036-A571-32FD3E30398F}" type="presOf" srcId="{D8B32EF1-48C4-4DA1-B097-4AA2F890C884}" destId="{1CCBDA6E-1781-4006-AF7B-468583AFA423}" srcOrd="0" destOrd="1" presId="urn:microsoft.com/office/officeart/2005/8/layout/hList1"/>
+    <dgm:cxn modelId="{3B3A60C9-E911-4299-9D10-B07FAED7BAD7}" type="presOf" srcId="{10930054-CF4C-47F3-B6C6-6E3C0C1733EF}" destId="{1CCBDA6E-1781-4006-AF7B-468583AFA423}" srcOrd="0" destOrd="5" presId="urn:microsoft.com/office/officeart/2005/8/layout/hList1"/>
+    <dgm:cxn modelId="{ADCE67E5-2783-4CDA-A3DC-2EF0688C526D}" type="presOf" srcId="{04F5FE20-8F4C-41A8-8DBF-7C0DB8831BD4}" destId="{1CCBDA6E-1781-4006-AF7B-468583AFA423}" srcOrd="0" destOrd="7" presId="urn:microsoft.com/office/officeart/2005/8/layout/hList1"/>
+    <dgm:cxn modelId="{7159F5A0-A70A-4A5E-845C-72EF86FF905D}" type="presOf" srcId="{94F54011-7D09-4D3E-9E35-B3E00B07CAF2}" destId="{ACC45FF0-45A8-41C3-825A-0223BBE7B1A8}" srcOrd="0" destOrd="3" presId="urn:microsoft.com/office/officeart/2005/8/layout/hList1"/>
+    <dgm:cxn modelId="{AF6A300F-6E88-4535-AAE2-BE6C3AC014B2}" type="presOf" srcId="{2AAD3D5F-1913-4B8E-A86E-575C2DEEFE9C}" destId="{1CCBDA6E-1781-4006-AF7B-468583AFA423}" srcOrd="0" destOrd="3" presId="urn:microsoft.com/office/officeart/2005/8/layout/hList1"/>
+    <dgm:cxn modelId="{FC268A78-E89B-47B6-A4CE-1495312B9E8A}" type="presOf" srcId="{5404A29E-45BE-4076-B2EA-A1A24FCDFF38}" destId="{ACC45FF0-45A8-41C3-825A-0223BBE7B1A8}" srcOrd="0" destOrd="2" presId="urn:microsoft.com/office/officeart/2005/8/layout/hList1"/>
+    <dgm:cxn modelId="{B752D464-7115-4130-9EDF-C635AC22478E}" type="presOf" srcId="{87371E9C-F6CF-4000-9471-EB8A09695182}" destId="{1CCBDA6E-1781-4006-AF7B-468583AFA423}" srcOrd="0" destOrd="2" presId="urn:microsoft.com/office/officeart/2005/8/layout/hList1"/>
+    <dgm:cxn modelId="{941F93B5-1DEC-475D-9AE9-81628C4839D5}" type="presOf" srcId="{0C5AC5D0-1A6A-4703-AB87-29FD162112B3}" destId="{26BB3B63-6B10-4300-A0FA-4F702A86E4AE}" srcOrd="0" destOrd="4" presId="urn:microsoft.com/office/officeart/2005/8/layout/hList1"/>
+    <dgm:cxn modelId="{EA27D2C7-0724-4341-9727-E36B485BBCCA}" type="presOf" srcId="{34D76ABD-6E91-4D6B-A323-BB02F5A13B95}" destId="{8A432F4E-1557-4C59-9073-A10CDE9ED560}" srcOrd="0" destOrd="0" presId="urn:microsoft.com/office/officeart/2005/8/layout/hList1"/>
+    <dgm:cxn modelId="{8ED430C5-E285-4351-95BC-7F24BC5FBDC5}" srcId="{65242F45-0697-4604-8447-902C47F2446D}" destId="{8457A175-40EA-47A7-9223-ABF67E3CB789}" srcOrd="2" destOrd="0" parTransId="{24E6FC41-A569-44D2-B4BC-67D63B598D49}" sibTransId="{D855CEBF-7944-441A-A824-13ABCA56F349}"/>
+    <dgm:cxn modelId="{5E57BE5A-0F7A-41EB-84A1-457DF721BF33}" srcId="{4D2FD0BD-8914-40B5-BC9B-C9779951158D}" destId="{94F54011-7D09-4D3E-9E35-B3E00B07CAF2}" srcOrd="3" destOrd="0" parTransId="{2203F19E-0347-46CE-A053-714E48A04E3E}" sibTransId="{6E84FCB3-7347-48CF-A924-B0E0BC7DE6FE}"/>
     <dgm:cxn modelId="{A1CCF8F8-B2CF-452B-8875-A9892AEFC922}" srcId="{65242F45-0697-4604-8447-902C47F2446D}" destId="{7BAE363B-BB51-47CC-8116-2662C8339962}" srcOrd="0" destOrd="0" parTransId="{E9E95F6A-C7DB-452C-8EE2-A47FEA00259A}" sibTransId="{B7B57DF4-0E86-4B6A-BB3C-6122EDCF2396}"/>
-    <dgm:cxn modelId="{FEA762EF-CD07-4540-9129-35B63A28B5F7}" srcId="{65242F45-0697-4604-8447-902C47F2446D}" destId="{B28BD963-CB0C-4235-9F40-1AB63C28F552}" srcOrd="1" destOrd="0" parTransId="{D2E0DE32-B4AB-44A6-B1C4-C80EC0EB77EB}" sibTransId="{08D5F72F-1A61-4DC3-ABE0-9B1892A045FB}"/>
-    <dgm:cxn modelId="{BFF87F1E-CCA8-4D78-A360-7BF893F7F9FC}" srcId="{65242F45-0697-4604-8447-902C47F2446D}" destId="{E641689E-5701-436A-A7C5-9C68D44F61FE}" srcOrd="2" destOrd="0" parTransId="{5FFA366B-DB84-436C-BAAF-40993CE0EF13}" sibTransId="{3F39F6FA-4F57-4BC0-B79E-3304EA0FF506}"/>
-    <dgm:cxn modelId="{5523475E-4F5A-4C63-8A1D-17B2A110AB94}" srcId="{5CF0E908-E64E-4B4F-8AFD-A20AAD9580F2}" destId="{CACE130E-04EA-400B-BA1F-F97BF7CEEFD4}" srcOrd="0" destOrd="0" parTransId="{CC7B2DDA-C3EF-412D-8E8C-0667A45CCCD6}" sibTransId="{DD3F5466-3018-413E-A174-23B1E607AAC6}"/>
     <dgm:cxn modelId="{AC19CCC2-3BD2-457E-A7D4-41BCA24190B6}" srcId="{4D2FD0BD-8914-40B5-BC9B-C9779951158D}" destId="{5404A29E-45BE-4076-B2EA-A1A24FCDFF38}" srcOrd="2" destOrd="0" parTransId="{775E0E21-F466-42E5-9654-BAF87A52299C}" sibTransId="{6EAAAD32-F0AB-4D5C-9C60-4945EE7AC187}"/>
-    <dgm:cxn modelId="{45102265-DAC7-4B10-8273-39CC83FC0FFB}" type="presOf" srcId="{5CF0E908-E64E-4B4F-8AFD-A20AAD9580F2}" destId="{B79990C0-37B8-421B-B5B8-8AE0DD884977}" srcOrd="0" destOrd="0" presId="urn:microsoft.com/office/officeart/2005/8/layout/hList1"/>
-    <dgm:cxn modelId="{5073E0AE-38FE-460C-9953-001DDFAE2AD9}" type="presOf" srcId="{D8B32EF1-48C4-4DA1-B097-4AA2F890C884}" destId="{1CCBDA6E-1781-4006-AF7B-468583AFA423}" srcOrd="0" destOrd="1" presId="urn:microsoft.com/office/officeart/2005/8/layout/hList1"/>
-    <dgm:cxn modelId="{3046AA4E-0269-44B3-8E0D-5B2495A02E98}" srcId="{34D76ABD-6E91-4D6B-A323-BB02F5A13B95}" destId="{37724259-C117-4DD2-98E8-1FA1D415142D}" srcOrd="3" destOrd="0" parTransId="{23F98A8D-B78B-473D-9555-9C0CFCED9BA7}" sibTransId="{8A974644-5796-4F62-84B4-47092DFE96FE}"/>
-    <dgm:cxn modelId="{0D4C0DEA-8E2B-44DA-967E-4AC4DCAA1581}" type="presOf" srcId="{9A235B74-5FFC-4E8B-B2A5-C24D935068A0}" destId="{1CCBDA6E-1781-4006-AF7B-468583AFA423}" srcOrd="0" destOrd="0" presId="urn:microsoft.com/office/officeart/2005/8/layout/hList1"/>
-    <dgm:cxn modelId="{A263B8D7-882F-4A3A-BEBC-5965C1907C39}" type="presOf" srcId="{A9905007-4992-48AB-A45A-B30C77C18D99}" destId="{26BB3B63-6B10-4300-A0FA-4F702A86E4AE}" srcOrd="0" destOrd="3" presId="urn:microsoft.com/office/officeart/2005/8/layout/hList1"/>
-    <dgm:cxn modelId="{1A3CFD42-FE49-45E8-98BD-D4A0D294370D}" type="presOf" srcId="{8230A4CE-74F6-48E7-B8A8-A1618537F3A3}" destId="{ACC45FF0-45A8-41C3-825A-0223BBE7B1A8}" srcOrd="0" destOrd="1" presId="urn:microsoft.com/office/officeart/2005/8/layout/hList1"/>
-    <dgm:cxn modelId="{961899E4-E1EE-4F6B-B9D4-E66F8357CE11}" type="presOf" srcId="{87371E9C-F6CF-4000-9471-EB8A09695182}" destId="{1CCBDA6E-1781-4006-AF7B-468583AFA423}" srcOrd="0" destOrd="2" presId="urn:microsoft.com/office/officeart/2005/8/layout/hList1"/>
-    <dgm:cxn modelId="{4CF86334-10EF-49EC-BFFD-143F1AB07DD0}" srcId="{4D2FD0BD-8914-40B5-BC9B-C9779951158D}" destId="{8230A4CE-74F6-48E7-B8A8-A1618537F3A3}" srcOrd="1" destOrd="0" parTransId="{95CF832B-71EB-41EA-BEF9-576E685B3651}" sibTransId="{660965D5-592C-4BC2-AAB8-C40C7B7D7428}"/>
-    <dgm:cxn modelId="{66294F11-2795-40AA-92AE-BE509CA0CDC9}" srcId="{37724259-C117-4DD2-98E8-1FA1D415142D}" destId="{9A235B74-5FFC-4E8B-B2A5-C24D935068A0}" srcOrd="0" destOrd="0" parTransId="{8E8E5686-E4A1-4B7C-AB0A-9A50AB4E273E}" sibTransId="{40502620-BD38-4741-8B22-FC272A902EF3}"/>
-    <dgm:cxn modelId="{7F3714AD-D364-4084-9173-85CA59028DB8}" srcId="{9A235B74-5FFC-4E8B-B2A5-C24D935068A0}" destId="{87371E9C-F6CF-4000-9471-EB8A09695182}" srcOrd="1" destOrd="0" parTransId="{80830FFA-9E11-438F-A30B-7285D1D18670}" sibTransId="{B9779EB8-AAE0-4062-B25D-F9625BACD50E}"/>
-    <dgm:cxn modelId="{9F68F759-7F94-4B7D-BA60-D72134601545}" srcId="{4D2FD0BD-8914-40B5-BC9B-C9779951158D}" destId="{39ACA4CD-38D4-45C3-94FD-8059B523BA88}" srcOrd="0" destOrd="0" parTransId="{AECCA207-60E7-4F82-863B-9DEE208E32B2}" sibTransId="{E743FF0B-5146-41EF-A6F2-53ADB26CA624}"/>
-    <dgm:cxn modelId="{B8E5D7C9-7939-405A-8D78-1162F8C86A61}" srcId="{65242F45-0697-4604-8447-902C47F2446D}" destId="{A9905007-4992-48AB-A45A-B30C77C18D99}" srcOrd="3" destOrd="0" parTransId="{DF1D9A1D-B0CB-4785-9B6D-82FD44C5C7E1}" sibTransId="{49C533CF-8F7D-4FBB-A4EE-597A2E0C64C5}"/>
+    <dgm:cxn modelId="{C7814974-EC68-4395-B168-4FA8D7BC70A1}" type="presOf" srcId="{4D2FD0BD-8914-40B5-BC9B-C9779951158D}" destId="{4DF33D99-C7D4-4236-A7D4-F73BFB8D8D58}" srcOrd="0" destOrd="0" presId="urn:microsoft.com/office/officeart/2005/8/layout/hList1"/>
+    <dgm:cxn modelId="{1EB37D09-A778-4106-A981-C8C0190EC808}" type="presOf" srcId="{BF7D5C6E-1405-437B-9060-AB1D3C55807D}" destId="{ACC45FF0-45A8-41C3-825A-0223BBE7B1A8}" srcOrd="0" destOrd="4" presId="urn:microsoft.com/office/officeart/2005/8/layout/hList1"/>
+    <dgm:cxn modelId="{CE283583-1B15-4DC8-89AF-06005C151D9A}" type="presOf" srcId="{8230A4CE-74F6-48E7-B8A8-A1618537F3A3}" destId="{ACC45FF0-45A8-41C3-825A-0223BBE7B1A8}" srcOrd="0" destOrd="1" presId="urn:microsoft.com/office/officeart/2005/8/layout/hList1"/>
+    <dgm:cxn modelId="{01BFB0F5-9321-4737-9862-6609DAC1CAAD}" type="presOf" srcId="{E226A521-0712-4C28-9637-364CBB411017}" destId="{26BB3B63-6B10-4300-A0FA-4F702A86E4AE}" srcOrd="0" destOrd="1" presId="urn:microsoft.com/office/officeart/2005/8/layout/hList1"/>
     <dgm:cxn modelId="{4171061E-D7C8-406B-BB78-705FDBD6171C}" srcId="{34D76ABD-6E91-4D6B-A323-BB02F5A13B95}" destId="{65242F45-0697-4604-8447-902C47F2446D}" srcOrd="0" destOrd="0" parTransId="{0D44A2B3-86CB-4D42-90EF-9C4D187158DB}" sibTransId="{6D78C261-8924-422A-A756-A0305169B027}"/>
-    <dgm:cxn modelId="{92397256-6765-49BB-8C00-88538AC4ED1D}" type="presOf" srcId="{B28BD963-CB0C-4235-9F40-1AB63C28F552}" destId="{26BB3B63-6B10-4300-A0FA-4F702A86E4AE}" srcOrd="0" destOrd="1" presId="urn:microsoft.com/office/officeart/2005/8/layout/hList1"/>
-    <dgm:cxn modelId="{EBF98DAB-D984-41F1-BD08-E7668CBEE5D9}" srcId="{9A235B74-5FFC-4E8B-B2A5-C24D935068A0}" destId="{D8B32EF1-48C4-4DA1-B097-4AA2F890C884}" srcOrd="0" destOrd="0" parTransId="{25ACC8EB-A7D3-47C1-850E-1FE53C05A2B6}" sibTransId="{315F7C4D-D32E-4E31-97F1-6613ECE57AD8}"/>
-    <dgm:cxn modelId="{BD863808-808E-46F2-8CA4-947ECA2D9702}" type="presOf" srcId="{E641689E-5701-436A-A7C5-9C68D44F61FE}" destId="{26BB3B63-6B10-4300-A0FA-4F702A86E4AE}" srcOrd="0" destOrd="2" presId="urn:microsoft.com/office/officeart/2005/8/layout/hList1"/>
-    <dgm:cxn modelId="{BF29EC9D-FCA2-4423-AC45-49C5BFD736F9}" type="presOf" srcId="{39ACA4CD-38D4-45C3-94FD-8059B523BA88}" destId="{ACC45FF0-45A8-41C3-825A-0223BBE7B1A8}" srcOrd="0" destOrd="0" presId="urn:microsoft.com/office/officeart/2005/8/layout/hList1"/>
-    <dgm:cxn modelId="{C0DB2787-F8F4-41D9-AA4E-661697A700A1}" type="presOf" srcId="{5404A29E-45BE-4076-B2EA-A1A24FCDFF38}" destId="{ACC45FF0-45A8-41C3-825A-0223BBE7B1A8}" srcOrd="0" destOrd="2" presId="urn:microsoft.com/office/officeart/2005/8/layout/hList1"/>
-    <dgm:cxn modelId="{524B6377-A480-43C6-AA16-7EB2E4C73D0F}" type="presParOf" srcId="{8A432F4E-1557-4C59-9073-A10CDE9ED560}" destId="{0F80C131-ACB0-46B2-A3ED-B5D2607CE685}" srcOrd="0" destOrd="0" presId="urn:microsoft.com/office/officeart/2005/8/layout/hList1"/>
-    <dgm:cxn modelId="{3DDFFB91-A9E9-4BE4-A60B-260B08DA43E2}" type="presParOf" srcId="{0F80C131-ACB0-46B2-A3ED-B5D2607CE685}" destId="{2921CDDA-F6D4-459B-8E40-4A9F0793A08C}" srcOrd="0" destOrd="0" presId="urn:microsoft.com/office/officeart/2005/8/layout/hList1"/>
-    <dgm:cxn modelId="{0B4DFBD5-1410-4A70-A2EC-BCD08D96004D}" type="presParOf" srcId="{0F80C131-ACB0-46B2-A3ED-B5D2607CE685}" destId="{26BB3B63-6B10-4300-A0FA-4F702A86E4AE}" srcOrd="1" destOrd="0" presId="urn:microsoft.com/office/officeart/2005/8/layout/hList1"/>
-    <dgm:cxn modelId="{AF86D285-E054-4CE4-B3DD-36EA538C69C1}" type="presParOf" srcId="{8A432F4E-1557-4C59-9073-A10CDE9ED560}" destId="{751DC4D8-A036-4BA5-9B3B-7D21F923A949}" srcOrd="1" destOrd="0" presId="urn:microsoft.com/office/officeart/2005/8/layout/hList1"/>
-    <dgm:cxn modelId="{76962E36-9B0D-4B13-B6FA-5E88EE0373C5}" type="presParOf" srcId="{8A432F4E-1557-4C59-9073-A10CDE9ED560}" destId="{30C27745-FE53-441D-8567-AF47B127D60A}" srcOrd="2" destOrd="0" presId="urn:microsoft.com/office/officeart/2005/8/layout/hList1"/>
-    <dgm:cxn modelId="{288ABD30-5853-48E9-AFBD-FDD12FB6868B}" type="presParOf" srcId="{30C27745-FE53-441D-8567-AF47B127D60A}" destId="{B79990C0-37B8-421B-B5B8-8AE0DD884977}" srcOrd="0" destOrd="0" presId="urn:microsoft.com/office/officeart/2005/8/layout/hList1"/>
-    <dgm:cxn modelId="{BEC1B0B2-83A8-4EAA-B940-29C713E0C2FD}" type="presParOf" srcId="{30C27745-FE53-441D-8567-AF47B127D60A}" destId="{9D0C70CC-30FE-4125-999B-05F30130F378}" srcOrd="1" destOrd="0" presId="urn:microsoft.com/office/officeart/2005/8/layout/hList1"/>
-    <dgm:cxn modelId="{FB743134-08EE-4A59-8B11-366E5FD8CD40}" type="presParOf" srcId="{8A432F4E-1557-4C59-9073-A10CDE9ED560}" destId="{87188E41-ECB5-4654-9219-E586E5B6CF5D}" srcOrd="3" destOrd="0" presId="urn:microsoft.com/office/officeart/2005/8/layout/hList1"/>
-    <dgm:cxn modelId="{691EB90B-3013-4155-9CCA-E953DC95D73C}" type="presParOf" srcId="{8A432F4E-1557-4C59-9073-A10CDE9ED560}" destId="{3D5EA534-0EF2-43A1-8B9B-E98F554C0246}" srcOrd="4" destOrd="0" presId="urn:microsoft.com/office/officeart/2005/8/layout/hList1"/>
-    <dgm:cxn modelId="{0DB0959B-2C20-4C17-AC1C-C009232EF00D}" type="presParOf" srcId="{3D5EA534-0EF2-43A1-8B9B-E98F554C0246}" destId="{4DF33D99-C7D4-4236-A7D4-F73BFB8D8D58}" srcOrd="0" destOrd="0" presId="urn:microsoft.com/office/officeart/2005/8/layout/hList1"/>
-    <dgm:cxn modelId="{63BEFC03-9319-42A6-8F36-9326F9326C95}" type="presParOf" srcId="{3D5EA534-0EF2-43A1-8B9B-E98F554C0246}" destId="{ACC45FF0-45A8-41C3-825A-0223BBE7B1A8}" srcOrd="1" destOrd="0" presId="urn:microsoft.com/office/officeart/2005/8/layout/hList1"/>
-    <dgm:cxn modelId="{97D79499-7BA7-43CE-9F10-5772418BC7D8}" type="presParOf" srcId="{8A432F4E-1557-4C59-9073-A10CDE9ED560}" destId="{ED71AB05-DC6E-4A96-B167-93FA808B803B}" srcOrd="5" destOrd="0" presId="urn:microsoft.com/office/officeart/2005/8/layout/hList1"/>
-    <dgm:cxn modelId="{68EB6301-0205-48DC-8D91-83BB9607251D}" type="presParOf" srcId="{8A432F4E-1557-4C59-9073-A10CDE9ED560}" destId="{90CEB039-6E92-4A5E-92E4-DEE6F8B300F7}" srcOrd="6" destOrd="0" presId="urn:microsoft.com/office/officeart/2005/8/layout/hList1"/>
-    <dgm:cxn modelId="{D3F3B901-F827-4D73-8BD6-1FE443D6CE2D}" type="presParOf" srcId="{90CEB039-6E92-4A5E-92E4-DEE6F8B300F7}" destId="{D6358515-60C3-4D90-8884-8923AAC38028}" srcOrd="0" destOrd="0" presId="urn:microsoft.com/office/officeart/2005/8/layout/hList1"/>
-    <dgm:cxn modelId="{C8EBB89F-B3E2-419C-802F-83365B5C150B}" type="presParOf" srcId="{90CEB039-6E92-4A5E-92E4-DEE6F8B300F7}" destId="{1CCBDA6E-1781-4006-AF7B-468583AFA423}" srcOrd="1" destOrd="0" presId="urn:microsoft.com/office/officeart/2005/8/layout/hList1"/>
+    <dgm:cxn modelId="{556FBC73-2B55-4F49-A4EE-699E6F6A4E68}" type="presParOf" srcId="{8A432F4E-1557-4C59-9073-A10CDE9ED560}" destId="{0F80C131-ACB0-46B2-A3ED-B5D2607CE685}" srcOrd="0" destOrd="0" presId="urn:microsoft.com/office/officeart/2005/8/layout/hList1"/>
+    <dgm:cxn modelId="{F6B39E26-511D-4FBB-A6F3-4D67B3444724}" type="presParOf" srcId="{0F80C131-ACB0-46B2-A3ED-B5D2607CE685}" destId="{2921CDDA-F6D4-459B-8E40-4A9F0793A08C}" srcOrd="0" destOrd="0" presId="urn:microsoft.com/office/officeart/2005/8/layout/hList1"/>
+    <dgm:cxn modelId="{7121F602-0A6D-4A64-A62E-6D89553AE276}" type="presParOf" srcId="{0F80C131-ACB0-46B2-A3ED-B5D2607CE685}" destId="{26BB3B63-6B10-4300-A0FA-4F702A86E4AE}" srcOrd="1" destOrd="0" presId="urn:microsoft.com/office/officeart/2005/8/layout/hList1"/>
+    <dgm:cxn modelId="{1FEF4C31-9D64-4471-A9C4-510DF487EFB7}" type="presParOf" srcId="{8A432F4E-1557-4C59-9073-A10CDE9ED560}" destId="{751DC4D8-A036-4BA5-9B3B-7D21F923A949}" srcOrd="1" destOrd="0" presId="urn:microsoft.com/office/officeart/2005/8/layout/hList1"/>
+    <dgm:cxn modelId="{15DF8336-2808-479D-AB38-E4265A187539}" type="presParOf" srcId="{8A432F4E-1557-4C59-9073-A10CDE9ED560}" destId="{30C27745-FE53-441D-8567-AF47B127D60A}" srcOrd="2" destOrd="0" presId="urn:microsoft.com/office/officeart/2005/8/layout/hList1"/>
+    <dgm:cxn modelId="{335F5F44-194B-44CC-B44F-C97C414117A3}" type="presParOf" srcId="{30C27745-FE53-441D-8567-AF47B127D60A}" destId="{B79990C0-37B8-421B-B5B8-8AE0DD884977}" srcOrd="0" destOrd="0" presId="urn:microsoft.com/office/officeart/2005/8/layout/hList1"/>
+    <dgm:cxn modelId="{3BD5E5B0-59AE-4DD5-B430-532C1D6BE5B1}" type="presParOf" srcId="{30C27745-FE53-441D-8567-AF47B127D60A}" destId="{9D0C70CC-30FE-4125-999B-05F30130F378}" srcOrd="1" destOrd="0" presId="urn:microsoft.com/office/officeart/2005/8/layout/hList1"/>
+    <dgm:cxn modelId="{12C76E4B-5295-4DCD-ADCB-32D34094DF74}" type="presParOf" srcId="{8A432F4E-1557-4C59-9073-A10CDE9ED560}" destId="{87188E41-ECB5-4654-9219-E586E5B6CF5D}" srcOrd="3" destOrd="0" presId="urn:microsoft.com/office/officeart/2005/8/layout/hList1"/>
+    <dgm:cxn modelId="{8D1286F6-10CB-4474-8868-D1913BB658CC}" type="presParOf" srcId="{8A432F4E-1557-4C59-9073-A10CDE9ED560}" destId="{3D5EA534-0EF2-43A1-8B9B-E98F554C0246}" srcOrd="4" destOrd="0" presId="urn:microsoft.com/office/officeart/2005/8/layout/hList1"/>
+    <dgm:cxn modelId="{BF6E5A56-0964-46ED-8478-783B36ECF62F}" type="presParOf" srcId="{3D5EA534-0EF2-43A1-8B9B-E98F554C0246}" destId="{4DF33D99-C7D4-4236-A7D4-F73BFB8D8D58}" srcOrd="0" destOrd="0" presId="urn:microsoft.com/office/officeart/2005/8/layout/hList1"/>
+    <dgm:cxn modelId="{BA7377BA-DFCC-4A37-A504-48348A63819D}" type="presParOf" srcId="{3D5EA534-0EF2-43A1-8B9B-E98F554C0246}" destId="{ACC45FF0-45A8-41C3-825A-0223BBE7B1A8}" srcOrd="1" destOrd="0" presId="urn:microsoft.com/office/officeart/2005/8/layout/hList1"/>
+    <dgm:cxn modelId="{07CD9CF8-76BD-4EFB-9CAE-450AF107C03D}" type="presParOf" srcId="{8A432F4E-1557-4C59-9073-A10CDE9ED560}" destId="{ED71AB05-DC6E-4A96-B167-93FA808B803B}" srcOrd="5" destOrd="0" presId="urn:microsoft.com/office/officeart/2005/8/layout/hList1"/>
+    <dgm:cxn modelId="{6FF05574-CDDC-4946-BFB2-F234B27AB9A2}" type="presParOf" srcId="{8A432F4E-1557-4C59-9073-A10CDE9ED560}" destId="{90CEB039-6E92-4A5E-92E4-DEE6F8B300F7}" srcOrd="6" destOrd="0" presId="urn:microsoft.com/office/officeart/2005/8/layout/hList1"/>
+    <dgm:cxn modelId="{59E30CB7-AC60-4D98-88AE-3F052B0A3862}" type="presParOf" srcId="{90CEB039-6E92-4A5E-92E4-DEE6F8B300F7}" destId="{D6358515-60C3-4D90-8884-8923AAC38028}" srcOrd="0" destOrd="0" presId="urn:microsoft.com/office/officeart/2005/8/layout/hList1"/>
+    <dgm:cxn modelId="{30B279F8-3CE8-4C3A-BE9D-4BF0C7291F48}" type="presParOf" srcId="{90CEB039-6E92-4A5E-92E4-DEE6F8B300F7}" destId="{1CCBDA6E-1781-4006-AF7B-468583AFA423}" srcOrd="1" destOrd="0" presId="urn:microsoft.com/office/officeart/2005/8/layout/hList1"/>
   </dgm:cxnLst>
   <dgm:bg/>
   <dgm:whole/>
@@ -1925,7 +2388,7 @@
       </dsp:nvSpPr>
       <dsp:spPr>
         <a:xfrm>
-          <a:off x="3302" y="767676"/>
+          <a:off x="3302" y="285456"/>
           <a:ext cx="1986056" cy="794422"/>
         </a:xfrm>
         <a:prstGeom prst="rect">
@@ -2017,7 +2480,7 @@
         </a:p>
       </dsp:txBody>
       <dsp:txXfrm>
-        <a:off x="3302" y="767676"/>
+        <a:off x="3302" y="285456"/>
         <a:ext cx="1986056" cy="794422"/>
       </dsp:txXfrm>
     </dsp:sp>
@@ -2028,8 +2491,8 @@
       </dsp:nvSpPr>
       <dsp:spPr>
         <a:xfrm>
-          <a:off x="3302" y="1562099"/>
-          <a:ext cx="1986056" cy="2854800"/>
+          <a:off x="3302" y="1079878"/>
+          <a:ext cx="1986056" cy="3819241"/>
         </a:xfrm>
         <a:prstGeom prst="rect">
           <a:avLst/>
@@ -2090,10 +2553,18 @@
             <a:buChar char="••"/>
           </a:pPr>
           <a:r>
-            <a:rPr lang="zh-TW" altLang="en-US" sz="1800" strike="sngStrike" kern="1200" dirty="0" smtClean="0"/>
-            <a:t>新竹市免費公車預估到站時刻表</a:t>
+            <a:rPr lang="zh-TW" altLang="en-US" sz="1800" strike="noStrike" kern="1200" dirty="0" smtClean="0">
+              <a:solidFill>
+                <a:srgbClr val="00B050"/>
+              </a:solidFill>
+            </a:rPr>
+            <a:t>古蹟一覽表</a:t>
           </a:r>
-          <a:endParaRPr lang="zh-TW" altLang="en-US" sz="1800" strike="sngStrike" kern="1200" dirty="0"/>
+          <a:endParaRPr lang="zh-TW" altLang="en-US" sz="1800" strike="noStrike" kern="1200" dirty="0">
+            <a:solidFill>
+              <a:srgbClr val="00B050"/>
+            </a:solidFill>
+          </a:endParaRPr>
         </a:p>
         <a:p>
           <a:pPr marL="171450" lvl="1" indent="-171450" algn="l" defTabSz="800100">
@@ -2109,10 +2580,13 @@
             <a:buChar char="••"/>
           </a:pPr>
           <a:r>
-            <a:rPr lang="zh-TW" altLang="en-US" sz="1800" kern="1200" smtClean="0"/>
-            <a:t>新竹市公車站牌資訊</a:t>
+            <a:rPr lang="zh-TW" altLang="en-US" sz="1800" strike="noStrike" kern="1200" dirty="0">
+              <a:solidFill>
+                <a:srgbClr val="00B050"/>
+              </a:solidFill>
+            </a:rPr>
+            <a:t>觀光景點清單</a:t>
           </a:r>
-          <a:endParaRPr lang="zh-TW" altLang="en-US" sz="1800" kern="1200" dirty="0" smtClean="0"/>
         </a:p>
         <a:p>
           <a:pPr marL="171450" lvl="1" indent="-171450" algn="l" defTabSz="800100">
@@ -2128,10 +2602,13 @@
             <a:buChar char="••"/>
           </a:pPr>
           <a:r>
-            <a:rPr lang="zh-TW" altLang="en-US" sz="1800" strike="sngStrike" kern="1200" dirty="0" smtClean="0"/>
-            <a:t>新竹市易塞車時段路段資訊</a:t>
+            <a:rPr lang="zh-TW" altLang="en-US" sz="1800" b="1" strike="noStrike" kern="1200" dirty="0">
+              <a:solidFill>
+                <a:srgbClr val="FF0000"/>
+              </a:solidFill>
+            </a:rPr>
+            <a:t>公車站牌資訊</a:t>
           </a:r>
-          <a:endParaRPr lang="zh-TW" altLang="en-US" sz="1800" strike="sngStrike" kern="1200" dirty="0"/>
         </a:p>
         <a:p>
           <a:pPr marL="171450" lvl="1" indent="-171450" algn="l" defTabSz="800100">
@@ -2147,15 +2624,40 @@
             <a:buChar char="••"/>
           </a:pPr>
           <a:r>
-            <a:rPr lang="zh-TW" altLang="en-US" sz="1800" kern="1200" dirty="0" smtClean="0"/>
-            <a:t>新竹市合法旅館資料名冊</a:t>
+            <a:rPr lang="zh-TW" altLang="en-US" sz="1800" strike="noStrike" kern="1200" dirty="0">
+              <a:solidFill>
+                <a:srgbClr val="00B050"/>
+              </a:solidFill>
+            </a:rPr>
+            <a:t>合法旅館資料名冊</a:t>
           </a:r>
-          <a:endParaRPr lang="en-US" altLang="zh-TW" sz="1800" kern="1200" dirty="0" smtClean="0"/>
+        </a:p>
+        <a:p>
+          <a:pPr marL="171450" lvl="1" indent="-171450" algn="l" defTabSz="800100">
+            <a:lnSpc>
+              <a:spcPct val="90000"/>
+            </a:lnSpc>
+            <a:spcBef>
+              <a:spcPct val="0"/>
+            </a:spcBef>
+            <a:spcAft>
+              <a:spcPct val="15000"/>
+            </a:spcAft>
+            <a:buChar char="••"/>
+          </a:pPr>
+          <a:r>
+            <a:rPr lang="zh-TW" altLang="en-US" sz="1800" strike="noStrike" kern="1200" dirty="0">
+              <a:solidFill>
+                <a:srgbClr val="00B050"/>
+              </a:solidFill>
+            </a:rPr>
+            <a:t>環保旅店資訊</a:t>
+          </a:r>
         </a:p>
       </dsp:txBody>
       <dsp:txXfrm>
-        <a:off x="3302" y="1562099"/>
-        <a:ext cx="1986056" cy="2854800"/>
+        <a:off x="3302" y="1079878"/>
+        <a:ext cx="1986056" cy="3819241"/>
       </dsp:txXfrm>
     </dsp:sp>
     <dsp:sp modelId="{B79990C0-37B8-421B-B5B8-8AE0DD884977}">
@@ -2165,7 +2667,7 @@
       </dsp:nvSpPr>
       <dsp:spPr>
         <a:xfrm>
-          <a:off x="2267407" y="767676"/>
+          <a:off x="2267407" y="285456"/>
           <a:ext cx="1986056" cy="794422"/>
         </a:xfrm>
         <a:prstGeom prst="rect">
@@ -2257,7 +2759,7 @@
         </a:p>
       </dsp:txBody>
       <dsp:txXfrm>
-        <a:off x="2267407" y="767676"/>
+        <a:off x="2267407" y="285456"/>
         <a:ext cx="1986056" cy="794422"/>
       </dsp:txXfrm>
     </dsp:sp>
@@ -2268,8 +2770,8 @@
       </dsp:nvSpPr>
       <dsp:spPr>
         <a:xfrm>
-          <a:off x="2267407" y="1562099"/>
-          <a:ext cx="1986056" cy="2854800"/>
+          <a:off x="2267407" y="1079878"/>
+          <a:ext cx="1986056" cy="3819241"/>
         </a:xfrm>
         <a:prstGeom prst="rect">
           <a:avLst/>
@@ -2330,15 +2832,23 @@
             <a:buChar char="••"/>
           </a:pPr>
           <a:r>
-            <a:rPr lang="zh-TW" altLang="en-US" sz="1800" kern="1200" dirty="0" smtClean="0"/>
+            <a:rPr lang="zh-TW" altLang="en-US" sz="1800" kern="1200" dirty="0" smtClean="0">
+              <a:solidFill>
+                <a:srgbClr val="00B050"/>
+              </a:solidFill>
+            </a:rPr>
             <a:t>新竹縣合法旅館</a:t>
           </a:r>
-          <a:endParaRPr lang="zh-TW" altLang="en-US" sz="1800" kern="1200" dirty="0"/>
+          <a:endParaRPr lang="zh-TW" altLang="en-US" sz="1800" kern="1200" dirty="0">
+            <a:solidFill>
+              <a:srgbClr val="00B050"/>
+            </a:solidFill>
+          </a:endParaRPr>
         </a:p>
       </dsp:txBody>
       <dsp:txXfrm>
-        <a:off x="2267407" y="1562099"/>
-        <a:ext cx="1986056" cy="2854800"/>
+        <a:off x="2267407" y="1079878"/>
+        <a:ext cx="1986056" cy="3819241"/>
       </dsp:txXfrm>
     </dsp:sp>
     <dsp:sp modelId="{4DF33D99-C7D4-4236-A7D4-F73BFB8D8D58}">
@@ -2348,7 +2858,7 @@
       </dsp:nvSpPr>
       <dsp:spPr>
         <a:xfrm>
-          <a:off x="4531511" y="767676"/>
+          <a:off x="4531511" y="285456"/>
           <a:ext cx="1986056" cy="794422"/>
         </a:xfrm>
         <a:prstGeom prst="rect">
@@ -2440,7 +2950,7 @@
         </a:p>
       </dsp:txBody>
       <dsp:txXfrm>
-        <a:off x="4531511" y="767676"/>
+        <a:off x="4531511" y="285456"/>
         <a:ext cx="1986056" cy="794422"/>
       </dsp:txXfrm>
     </dsp:sp>
@@ -2451,8 +2961,8 @@
       </dsp:nvSpPr>
       <dsp:spPr>
         <a:xfrm>
-          <a:off x="4531511" y="1562099"/>
-          <a:ext cx="1986056" cy="2854800"/>
+          <a:off x="4531511" y="1079878"/>
+          <a:ext cx="1986056" cy="3819241"/>
         </a:xfrm>
         <a:prstGeom prst="rect">
           <a:avLst/>
@@ -2495,12 +3005,12 @@
         <a:fontRef idx="minor"/>
       </dsp:style>
       <dsp:txBody>
-        <a:bodyPr spcFirstLastPara="0" vert="horz" wrap="square" lIns="96012" tIns="96012" rIns="128016" bIns="144018" numCol="1" spcCol="1270" anchor="t" anchorCtr="0">
+        <a:bodyPr spcFirstLastPara="0" vert="horz" wrap="square" lIns="85344" tIns="85344" rIns="113792" bIns="128016" numCol="1" spcCol="1270" anchor="t" anchorCtr="0">
           <a:noAutofit/>
         </a:bodyPr>
         <a:lstStyle/>
         <a:p>
-          <a:pPr marL="171450" lvl="1" indent="-171450" algn="l" defTabSz="800100">
+          <a:pPr marL="171450" lvl="1" indent="-171450" algn="l" defTabSz="711200">
             <a:lnSpc>
               <a:spcPct val="90000"/>
             </a:lnSpc>
@@ -2513,21 +3023,37 @@
             <a:buChar char="••"/>
           </a:pPr>
           <a:r>
-            <a:rPr lang="zh-TW" altLang="zh-TW" sz="1800" b="1" kern="1200" dirty="0" smtClean="0"/>
+            <a:rPr lang="zh-TW" altLang="zh-TW" sz="1600" b="1" kern="1200" dirty="0" smtClean="0">
+              <a:solidFill>
+                <a:srgbClr val="FF0000"/>
+              </a:solidFill>
+            </a:rPr>
             <a:t>景點</a:t>
           </a:r>
           <a:r>
-            <a:rPr lang="en-US" altLang="zh-TW" sz="1800" kern="1200" dirty="0" smtClean="0"/>
+            <a:rPr lang="en-US" altLang="zh-TW" sz="1600" kern="1200" dirty="0" smtClean="0">
+              <a:solidFill>
+                <a:srgbClr val="FF0000"/>
+              </a:solidFill>
+            </a:rPr>
             <a:t> - </a:t>
           </a:r>
           <a:r>
-            <a:rPr lang="zh-TW" altLang="zh-TW" sz="1800" kern="1200" dirty="0" smtClean="0"/>
+            <a:rPr lang="zh-TW" altLang="zh-TW" sz="1600" kern="1200" dirty="0" smtClean="0">
+              <a:solidFill>
+                <a:srgbClr val="FF0000"/>
+              </a:solidFill>
+            </a:rPr>
             <a:t>觀光資訊資料庫</a:t>
           </a:r>
-          <a:endParaRPr lang="zh-TW" altLang="en-US" sz="1800" kern="1200" dirty="0"/>
+          <a:endParaRPr lang="zh-TW" altLang="en-US" sz="1600" kern="1200" dirty="0">
+            <a:solidFill>
+              <a:srgbClr val="FF0000"/>
+            </a:solidFill>
+          </a:endParaRPr>
         </a:p>
         <a:p>
-          <a:pPr marL="171450" lvl="1" indent="-171450" algn="l" defTabSz="800100">
+          <a:pPr marL="171450" lvl="1" indent="-171450" algn="l" defTabSz="711200">
             <a:lnSpc>
               <a:spcPct val="90000"/>
             </a:lnSpc>
@@ -2540,21 +3066,37 @@
             <a:buChar char="••"/>
           </a:pPr>
           <a:r>
-            <a:rPr lang="zh-TW" altLang="zh-TW" sz="1800" b="1" kern="1200" smtClean="0"/>
+            <a:rPr lang="zh-TW" altLang="zh-TW" sz="1600" b="1" kern="1200" dirty="0" smtClean="0">
+              <a:solidFill>
+                <a:srgbClr val="FF0000"/>
+              </a:solidFill>
+            </a:rPr>
             <a:t>餐飲</a:t>
           </a:r>
           <a:r>
-            <a:rPr lang="en-US" altLang="zh-TW" sz="1800" kern="1200" smtClean="0"/>
+            <a:rPr lang="en-US" altLang="zh-TW" sz="1600" kern="1200" dirty="0" smtClean="0">
+              <a:solidFill>
+                <a:srgbClr val="FF0000"/>
+              </a:solidFill>
+            </a:rPr>
             <a:t> - </a:t>
           </a:r>
           <a:r>
-            <a:rPr lang="zh-TW" altLang="zh-TW" sz="1800" kern="1200" smtClean="0"/>
+            <a:rPr lang="zh-TW" altLang="zh-TW" sz="1600" kern="1200" dirty="0" smtClean="0">
+              <a:solidFill>
+                <a:srgbClr val="FF0000"/>
+              </a:solidFill>
+            </a:rPr>
             <a:t>觀光資訊資料庫</a:t>
           </a:r>
-          <a:endParaRPr lang="en-US" altLang="zh-TW" sz="1800" kern="1200" dirty="0" smtClean="0"/>
+          <a:endParaRPr lang="en-US" altLang="zh-TW" sz="1600" kern="1200" dirty="0" smtClean="0">
+            <a:solidFill>
+              <a:srgbClr val="FF0000"/>
+            </a:solidFill>
+          </a:endParaRPr>
         </a:p>
         <a:p>
-          <a:pPr marL="171450" lvl="1" indent="-171450" algn="l" defTabSz="800100">
+          <a:pPr marL="171450" lvl="1" indent="-171450" algn="l" defTabSz="711200">
             <a:lnSpc>
               <a:spcPct val="90000"/>
             </a:lnSpc>
@@ -2567,23 +3109,81 @@
             <a:buChar char="••"/>
           </a:pPr>
           <a:r>
-            <a:rPr lang="zh-TW" altLang="zh-TW" sz="1800" b="1" kern="1200" dirty="0" smtClean="0"/>
+            <a:rPr lang="zh-TW" altLang="zh-TW" sz="1600" b="1" kern="1200" dirty="0" smtClean="0">
+              <a:solidFill>
+                <a:srgbClr val="FF0000"/>
+              </a:solidFill>
+            </a:rPr>
             <a:t>活動</a:t>
           </a:r>
           <a:r>
-            <a:rPr lang="en-US" altLang="zh-TW" sz="1800" kern="1200" dirty="0" smtClean="0"/>
+            <a:rPr lang="en-US" altLang="zh-TW" sz="1600" kern="1200" dirty="0" smtClean="0">
+              <a:solidFill>
+                <a:srgbClr val="FF0000"/>
+              </a:solidFill>
+            </a:rPr>
             <a:t> - </a:t>
           </a:r>
           <a:r>
-            <a:rPr lang="zh-TW" altLang="zh-TW" sz="1800" kern="1200" dirty="0" smtClean="0"/>
+            <a:rPr lang="zh-TW" altLang="zh-TW" sz="1600" kern="1200" dirty="0" smtClean="0">
+              <a:solidFill>
+                <a:srgbClr val="FF0000"/>
+              </a:solidFill>
+            </a:rPr>
             <a:t>觀光資訊資料庫</a:t>
           </a:r>
-          <a:endParaRPr lang="en-US" altLang="zh-TW" sz="1800" kern="1200" dirty="0" smtClean="0"/>
+          <a:endParaRPr lang="en-US" altLang="zh-TW" sz="1600" kern="1200" dirty="0" smtClean="0">
+            <a:solidFill>
+              <a:srgbClr val="FF0000"/>
+            </a:solidFill>
+          </a:endParaRPr>
+        </a:p>
+        <a:p>
+          <a:pPr marL="171450" lvl="1" indent="-171450" algn="l" defTabSz="711200">
+            <a:lnSpc>
+              <a:spcPct val="90000"/>
+            </a:lnSpc>
+            <a:spcBef>
+              <a:spcPct val="0"/>
+            </a:spcBef>
+            <a:spcAft>
+              <a:spcPct val="15000"/>
+            </a:spcAft>
+            <a:buChar char="••"/>
+          </a:pPr>
+          <a:r>
+            <a:rPr lang="en-US" altLang="zh-TW" sz="1600" kern="1200" dirty="0" err="1" smtClean="0"/>
+            <a:t>iTaiwan</a:t>
+          </a:r>
+          <a:r>
+            <a:rPr lang="zh-TW" altLang="zh-TW" sz="1600" kern="1200" dirty="0" smtClean="0"/>
+            <a:t>中央行政機關室內公共區域免費無線上網熱點查詢服務</a:t>
+          </a:r>
+          <a:endParaRPr lang="en-US" altLang="zh-TW" sz="1600" kern="1200" dirty="0" smtClean="0"/>
+        </a:p>
+        <a:p>
+          <a:pPr marL="171450" lvl="1" indent="-171450" algn="l" defTabSz="711200">
+            <a:lnSpc>
+              <a:spcPct val="90000"/>
+            </a:lnSpc>
+            <a:spcBef>
+              <a:spcPct val="0"/>
+            </a:spcBef>
+            <a:spcAft>
+              <a:spcPct val="15000"/>
+            </a:spcAft>
+            <a:buChar char="••"/>
+          </a:pPr>
+          <a:r>
+            <a:rPr lang="zh-TW" altLang="en-US" sz="1600" kern="1200" dirty="0" smtClean="0"/>
+            <a:t>歷史交通事故資料</a:t>
+          </a:r>
+          <a:endParaRPr lang="en-US" altLang="zh-TW" sz="1600" kern="1200" dirty="0" smtClean="0"/>
         </a:p>
       </dsp:txBody>
       <dsp:txXfrm>
-        <a:off x="4531511" y="1562099"/>
-        <a:ext cx="1986056" cy="2854800"/>
+        <a:off x="4531511" y="1079878"/>
+        <a:ext cx="1986056" cy="3819241"/>
       </dsp:txXfrm>
     </dsp:sp>
     <dsp:sp modelId="{D6358515-60C3-4D90-8884-8923AAC38028}">
@@ -2593,7 +3193,7 @@
       </dsp:nvSpPr>
       <dsp:spPr>
         <a:xfrm>
-          <a:off x="6795616" y="767676"/>
+          <a:off x="6795616" y="285456"/>
           <a:ext cx="1986056" cy="794422"/>
         </a:xfrm>
         <a:prstGeom prst="rect">
@@ -2667,7 +3267,7 @@
         </a:p>
       </dsp:txBody>
       <dsp:txXfrm>
-        <a:off x="6795616" y="767676"/>
+        <a:off x="6795616" y="285456"/>
         <a:ext cx="1986056" cy="794422"/>
       </dsp:txXfrm>
     </dsp:sp>
@@ -2678,8 +3278,8 @@
       </dsp:nvSpPr>
       <dsp:spPr>
         <a:xfrm>
-          <a:off x="6795616" y="1562099"/>
-          <a:ext cx="1986056" cy="2854800"/>
+          <a:off x="6795616" y="1079878"/>
+          <a:ext cx="1986056" cy="3819241"/>
         </a:xfrm>
         <a:prstGeom prst="rect">
           <a:avLst/>
@@ -2740,8 +3340,93 @@
             <a:buChar char="••"/>
           </a:pPr>
           <a:r>
-            <a:rPr lang="zh-TW" altLang="en-US" sz="1800" b="1" kern="1200" dirty="0" smtClean="0"/>
+            <a:rPr lang="zh-TW" altLang="en-US" sz="1800" b="1" kern="1200" dirty="0" smtClean="0">
+              <a:solidFill>
+                <a:srgbClr val="FF0000"/>
+              </a:solidFill>
+            </a:rPr>
             <a:t>市區公車之站牌資料</a:t>
+          </a:r>
+          <a:endParaRPr lang="zh-TW" altLang="en-US" sz="1800" kern="1200" dirty="0">
+            <a:solidFill>
+              <a:srgbClr val="FF0000"/>
+            </a:solidFill>
+          </a:endParaRPr>
+        </a:p>
+        <a:p>
+          <a:pPr marL="342900" lvl="2" indent="-171450" algn="l" defTabSz="800100">
+            <a:lnSpc>
+              <a:spcPct val="90000"/>
+            </a:lnSpc>
+            <a:spcBef>
+              <a:spcPct val="0"/>
+            </a:spcBef>
+            <a:spcAft>
+              <a:spcPct val="15000"/>
+            </a:spcAft>
+            <a:buChar char="••"/>
+          </a:pPr>
+          <a:r>
+            <a:rPr lang="zh-TW" altLang="zh-TW" sz="1800" kern="1200" dirty="0" smtClean="0"/>
+            <a:t>新竹縣</a:t>
+          </a:r>
+          <a:endParaRPr lang="zh-TW" altLang="zh-TW" sz="1800" kern="1200" dirty="0"/>
+        </a:p>
+        <a:p>
+          <a:pPr marL="342900" lvl="2" indent="-171450" algn="l" defTabSz="800100">
+            <a:lnSpc>
+              <a:spcPct val="90000"/>
+            </a:lnSpc>
+            <a:spcBef>
+              <a:spcPct val="0"/>
+            </a:spcBef>
+            <a:spcAft>
+              <a:spcPct val="15000"/>
+            </a:spcAft>
+            <a:buChar char="••"/>
+          </a:pPr>
+          <a:r>
+            <a:rPr lang="zh-TW" altLang="en-US" sz="1800" kern="1200" dirty="0" smtClean="0"/>
+            <a:t>新竹市</a:t>
+          </a:r>
+          <a:endParaRPr lang="zh-TW" altLang="en-US" sz="1800" kern="1200" dirty="0"/>
+        </a:p>
+        <a:p>
+          <a:pPr marL="171450" lvl="1" indent="-171450" algn="l" defTabSz="800100">
+            <a:lnSpc>
+              <a:spcPct val="90000"/>
+            </a:lnSpc>
+            <a:spcBef>
+              <a:spcPct val="0"/>
+            </a:spcBef>
+            <a:spcAft>
+              <a:spcPct val="15000"/>
+            </a:spcAft>
+            <a:buChar char="••"/>
+          </a:pPr>
+          <a:r>
+            <a:rPr lang="zh-TW" altLang="en-US" sz="1800" b="1" kern="1200" dirty="0" smtClean="0">
+              <a:solidFill>
+                <a:srgbClr val="FF0000"/>
+              </a:solidFill>
+            </a:rPr>
+            <a:t>市區公車之路線</a:t>
+          </a:r>
+          <a:r>
+            <a:rPr lang="en-US" altLang="zh-TW" sz="1800" b="1" kern="1200" dirty="0" smtClean="0">
+              <a:solidFill>
+                <a:srgbClr val="FF0000"/>
+              </a:solidFill>
+            </a:rPr>
+            <a:t>+</a:t>
+          </a:r>
+          <a:r>
+            <a:rPr lang="zh-TW" altLang="en-US" sz="1800" b="1" kern="1200" dirty="0" smtClean="0">
+              <a:solidFill>
+                <a:srgbClr val="FF0000"/>
+              </a:solidFill>
+            </a:rPr>
+            <a:t>站牌資料</a:t>
           </a:r>
           <a:endParaRPr lang="zh-TW" altLang="en-US" sz="1800" kern="1200" dirty="0"/>
         </a:p>
@@ -2759,7 +3444,68 @@
             <a:buChar char="••"/>
           </a:pPr>
           <a:r>
-            <a:rPr lang="zh-TW" altLang="zh-TW" sz="1800" kern="1200" smtClean="0"/>
+            <a:rPr lang="zh-TW" altLang="zh-TW" sz="1800" kern="1200" dirty="0" smtClean="0"/>
+            <a:t>新竹縣</a:t>
+          </a:r>
+          <a:endParaRPr lang="zh-TW" altLang="zh-TW" sz="1800" kern="1200" dirty="0"/>
+        </a:p>
+        <a:p>
+          <a:pPr marL="342900" lvl="2" indent="-171450" algn="l" defTabSz="800100">
+            <a:lnSpc>
+              <a:spcPct val="90000"/>
+            </a:lnSpc>
+            <a:spcBef>
+              <a:spcPct val="0"/>
+            </a:spcBef>
+            <a:spcAft>
+              <a:spcPct val="15000"/>
+            </a:spcAft>
+            <a:buChar char="••"/>
+          </a:pPr>
+          <a:r>
+            <a:rPr lang="zh-TW" altLang="en-US" sz="1800" kern="1200" dirty="0" smtClean="0"/>
+            <a:t>新竹市</a:t>
+          </a:r>
+          <a:endParaRPr lang="zh-TW" altLang="en-US" sz="1800" kern="1200" dirty="0"/>
+        </a:p>
+        <a:p>
+          <a:pPr marL="171450" lvl="1" indent="-171450" algn="l" defTabSz="800100">
+            <a:lnSpc>
+              <a:spcPct val="90000"/>
+            </a:lnSpc>
+            <a:spcBef>
+              <a:spcPct val="0"/>
+            </a:spcBef>
+            <a:spcAft>
+              <a:spcPct val="15000"/>
+            </a:spcAft>
+            <a:buChar char="••"/>
+          </a:pPr>
+          <a:r>
+            <a:rPr lang="zh-TW" altLang="en-US" sz="1800" b="1" kern="1200" dirty="0" smtClean="0">
+              <a:solidFill>
+                <a:srgbClr val="FF0000"/>
+              </a:solidFill>
+            </a:rPr>
+            <a:t>市區公車之路線資料</a:t>
+          </a:r>
+          <a:endParaRPr lang="zh-TW" altLang="en-US" sz="1800" kern="1200" dirty="0"/>
+        </a:p>
+        <a:p>
+          <a:pPr marL="342900" lvl="2" indent="-171450" algn="l" defTabSz="800100">
+            <a:lnSpc>
+              <a:spcPct val="90000"/>
+            </a:lnSpc>
+            <a:spcBef>
+              <a:spcPct val="0"/>
+            </a:spcBef>
+            <a:spcAft>
+              <a:spcPct val="15000"/>
+            </a:spcAft>
+            <a:buChar char="••"/>
+          </a:pPr>
+          <a:r>
+            <a:rPr lang="zh-TW" altLang="zh-TW" sz="1800" kern="1200" dirty="0" smtClean="0"/>
             <a:t>新竹縣</a:t>
           </a:r>
           <a:endParaRPr lang="zh-TW" altLang="zh-TW" sz="1800" kern="1200" dirty="0"/>
@@ -2785,8 +3531,8 @@
         </a:p>
       </dsp:txBody>
       <dsp:txXfrm>
-        <a:off x="6795616" y="1562099"/>
-        <a:ext cx="1986056" cy="2854800"/>
+        <a:off x="6795616" y="1079878"/>
+        <a:ext cx="1986056" cy="3819241"/>
       </dsp:txXfrm>
     </dsp:sp>
   </dsp:spTree>
@@ -4458,7 +5204,7 @@
           <a:p>
             <a:fld id="{5886B0EC-9905-44F6-96E2-0CDE090AA072}" type="datetimeFigureOut">
               <a:rPr lang="zh-TW" altLang="en-US" smtClean="0"/>
-              <a:t>2017/11/23</a:t>
+              <a:t>2017/11/26</a:t>
             </a:fld>
             <a:endParaRPr lang="zh-TW" altLang="en-US"/>
           </a:p>
@@ -4657,7 +5403,7 @@
           <a:p>
             <a:fld id="{5886B0EC-9905-44F6-96E2-0CDE090AA072}" type="datetimeFigureOut">
               <a:rPr lang="zh-TW" altLang="en-US" smtClean="0"/>
-              <a:t>2017/11/23</a:t>
+              <a:t>2017/11/26</a:t>
             </a:fld>
             <a:endParaRPr lang="zh-TW" altLang="en-US"/>
           </a:p>
@@ -6194,7 +6940,7 @@
           <a:p>
             <a:fld id="{5886B0EC-9905-44F6-96E2-0CDE090AA072}" type="datetimeFigureOut">
               <a:rPr lang="zh-TW" altLang="en-US" smtClean="0"/>
-              <a:t>2017/11/23</a:t>
+              <a:t>2017/11/26</a:t>
             </a:fld>
             <a:endParaRPr lang="zh-TW" altLang="en-US"/>
           </a:p>
@@ -6373,7 +7119,7 @@
           <a:p>
             <a:fld id="{5886B0EC-9905-44F6-96E2-0CDE090AA072}" type="datetimeFigureOut">
               <a:rPr lang="zh-TW" altLang="en-US" smtClean="0"/>
-              <a:t>2017/11/23</a:t>
+              <a:t>2017/11/26</a:t>
             </a:fld>
             <a:endParaRPr lang="zh-TW" altLang="en-US"/>
           </a:p>
@@ -6710,7 +7456,7 @@
           <a:p>
             <a:fld id="{5886B0EC-9905-44F6-96E2-0CDE090AA072}" type="datetimeFigureOut">
               <a:rPr lang="zh-TW" altLang="en-US" smtClean="0"/>
-              <a:t>2017/11/23</a:t>
+              <a:t>2017/11/26</a:t>
             </a:fld>
             <a:endParaRPr lang="zh-TW" altLang="en-US"/>
           </a:p>
@@ -7046,7 +7792,7 @@
           <a:p>
             <a:fld id="{5886B0EC-9905-44F6-96E2-0CDE090AA072}" type="datetimeFigureOut">
               <a:rPr lang="zh-TW" altLang="en-US" smtClean="0"/>
-              <a:t>2017/11/23</a:t>
+              <a:t>2017/11/26</a:t>
             </a:fld>
             <a:endParaRPr lang="zh-TW" altLang="en-US"/>
           </a:p>
@@ -8226,6 +8972,21 @@
           <a:bodyPr/>
           <a:lstStyle/>
           <a:p>
+            <a:endParaRPr lang="en-US" altLang="zh-TW" smtClean="0"/>
+          </a:p>
+          <a:p>
+            <a:r>
+              <a:rPr lang="en-US" altLang="zh-TW" smtClean="0"/>
+              <a:t>『</a:t>
+            </a:r>
+            <a:r>
+              <a:rPr lang="zh-TW" altLang="en-US" dirty="0"/>
+              <a:t>遊輪式公車</a:t>
+            </a:r>
+            <a:r>
+              <a:rPr lang="en-US" altLang="zh-TW" dirty="0" smtClean="0"/>
+              <a:t>』</a:t>
+            </a:r>
             <a:endParaRPr lang="zh-TW" altLang="en-US" dirty="0"/>
           </a:p>
         </p:txBody>
@@ -8910,13 +9671,13 @@
             <p:ph idx="1"/>
             <p:extLst>
               <p:ext uri="{D42A27DB-BD31-4B8C-83A1-F6EECF244321}">
-                <p14:modId xmlns:p14="http://schemas.microsoft.com/office/powerpoint/2010/main" val="2951111672"/>
+                <p14:modId xmlns:p14="http://schemas.microsoft.com/office/powerpoint/2010/main" val="2407513644"/>
               </p:ext>
             </p:extLst>
           </p:nvPr>
         </p:nvGraphicFramePr>
         <p:xfrm>
-          <a:off x="179512" y="692696"/>
+          <a:off x="179512" y="1124744"/>
           <a:ext cx="8784976" cy="5184576"/>
         </p:xfrm>
         <a:graphic>
@@ -8928,7 +9689,7 @@
     </p:spTree>
     <p:extLst>
       <p:ext uri="{BB962C8B-B14F-4D97-AF65-F5344CB8AC3E}">
-        <p14:creationId xmlns:p14="http://schemas.microsoft.com/office/powerpoint/2010/main" val="2592291263"/>
+        <p14:creationId xmlns:p14="http://schemas.microsoft.com/office/powerpoint/2010/main" val="4210378224"/>
       </p:ext>
     </p:extLst>
   </p:cSld>
@@ -8979,21 +9740,2060 @@
           <a:p>
             <a:r>
               <a:rPr lang="zh-TW" altLang="en-US" dirty="0" smtClean="0"/>
-              <a:t>分析</a:t>
+              <a:t>解決問題</a:t>
             </a:r>
             <a:endParaRPr lang="zh-TW" altLang="en-US" dirty="0"/>
           </a:p>
         </p:txBody>
       </p:sp>
+      <p:sp>
+        <p:nvSpPr>
+          <p:cNvPr id="3" name="文字方塊 2"/>
+          <p:cNvSpPr txBox="1"/>
+          <p:nvPr/>
+        </p:nvSpPr>
+        <p:spPr>
+          <a:xfrm>
+            <a:off x="1222553" y="1484784"/>
+            <a:ext cx="6776214" cy="646331"/>
+          </a:xfrm>
+          <a:prstGeom prst="rect">
+            <a:avLst/>
+          </a:prstGeom>
+          <a:noFill/>
+        </p:spPr>
+        <p:txBody>
+          <a:bodyPr wrap="none" rtlCol="0">
+            <a:spAutoFit/>
+          </a:bodyPr>
+          <a:lstStyle/>
+          <a:p>
+            <a:r>
+              <a:rPr lang="zh-TW" altLang="en-US" sz="3600" dirty="0" smtClean="0"/>
+              <a:t>公車帶您遊新竹</a:t>
+            </a:r>
+            <a:r>
+              <a:rPr lang="en-US" altLang="zh-TW" sz="3600" dirty="0" smtClean="0"/>
+              <a:t> </a:t>
+            </a:r>
+            <a:r>
+              <a:rPr lang="en-US" altLang="zh-TW" sz="3600" dirty="0"/>
+              <a:t>『</a:t>
+            </a:r>
+            <a:r>
+              <a:rPr lang="zh-TW" altLang="en-US" sz="3600" dirty="0"/>
+              <a:t>遊輪式公車</a:t>
+            </a:r>
+            <a:r>
+              <a:rPr lang="en-US" altLang="zh-TW" sz="3600" dirty="0"/>
+              <a:t>』</a:t>
+            </a:r>
+            <a:endParaRPr lang="zh-TW" altLang="en-US" sz="3600" dirty="0"/>
+          </a:p>
+        </p:txBody>
+      </p:sp>
+      <p:grpSp>
+        <p:nvGrpSpPr>
+          <p:cNvPr id="5" name="群組 4"/>
+          <p:cNvGrpSpPr/>
+          <p:nvPr/>
+        </p:nvGrpSpPr>
+        <p:grpSpPr>
+          <a:xfrm>
+            <a:off x="833431" y="2930161"/>
+            <a:ext cx="2584232" cy="3095048"/>
+            <a:chOff x="2592000" y="909000"/>
+            <a:chExt cx="3960000" cy="4979866"/>
+          </a:xfrm>
+        </p:grpSpPr>
+        <p:sp>
+          <p:nvSpPr>
+            <p:cNvPr id="6" name="Freeform 5"/>
+            <p:cNvSpPr>
+              <a:spLocks/>
+            </p:cNvSpPr>
+            <p:nvPr/>
+          </p:nvSpPr>
+          <p:spPr bwMode="auto">
+            <a:xfrm flipH="1">
+              <a:off x="2592000" y="909000"/>
+              <a:ext cx="3960000" cy="4979866"/>
+            </a:xfrm>
+            <a:custGeom>
+              <a:avLst/>
+              <a:gdLst>
+                <a:gd name="T0" fmla="*/ 561 w 1359"/>
+                <a:gd name="T1" fmla="*/ 10 h 1709"/>
+                <a:gd name="T2" fmla="*/ 423 w 1359"/>
+                <a:gd name="T3" fmla="*/ 46 h 1709"/>
+                <a:gd name="T4" fmla="*/ 310 w 1359"/>
+                <a:gd name="T5" fmla="*/ 112 h 1709"/>
+                <a:gd name="T6" fmla="*/ 226 w 1359"/>
+                <a:gd name="T7" fmla="*/ 206 h 1709"/>
+                <a:gd name="T8" fmla="*/ 159 w 1359"/>
+                <a:gd name="T9" fmla="*/ 347 h 1709"/>
+                <a:gd name="T10" fmla="*/ 119 w 1359"/>
+                <a:gd name="T11" fmla="*/ 477 h 1709"/>
+                <a:gd name="T12" fmla="*/ 106 w 1359"/>
+                <a:gd name="T13" fmla="*/ 576 h 1709"/>
+                <a:gd name="T14" fmla="*/ 107 w 1359"/>
+                <a:gd name="T15" fmla="*/ 629 h 1709"/>
+                <a:gd name="T16" fmla="*/ 122 w 1359"/>
+                <a:gd name="T17" fmla="*/ 666 h 1709"/>
+                <a:gd name="T18" fmla="*/ 138 w 1359"/>
+                <a:gd name="T19" fmla="*/ 704 h 1709"/>
+                <a:gd name="T20" fmla="*/ 146 w 1359"/>
+                <a:gd name="T21" fmla="*/ 721 h 1709"/>
+                <a:gd name="T22" fmla="*/ 135 w 1359"/>
+                <a:gd name="T23" fmla="*/ 739 h 1709"/>
+                <a:gd name="T24" fmla="*/ 106 w 1359"/>
+                <a:gd name="T25" fmla="*/ 786 h 1709"/>
+                <a:gd name="T26" fmla="*/ 70 w 1359"/>
+                <a:gd name="T27" fmla="*/ 848 h 1709"/>
+                <a:gd name="T28" fmla="*/ 34 w 1359"/>
+                <a:gd name="T29" fmla="*/ 913 h 1709"/>
+                <a:gd name="T30" fmla="*/ 8 w 1359"/>
+                <a:gd name="T31" fmla="*/ 969 h 1709"/>
+                <a:gd name="T32" fmla="*/ 0 w 1359"/>
+                <a:gd name="T33" fmla="*/ 1004 h 1709"/>
+                <a:gd name="T34" fmla="*/ 28 w 1359"/>
+                <a:gd name="T35" fmla="*/ 1032 h 1709"/>
+                <a:gd name="T36" fmla="*/ 74 w 1359"/>
+                <a:gd name="T37" fmla="*/ 1051 h 1709"/>
+                <a:gd name="T38" fmla="*/ 111 w 1359"/>
+                <a:gd name="T39" fmla="*/ 1061 h 1709"/>
+                <a:gd name="T40" fmla="*/ 118 w 1359"/>
+                <a:gd name="T41" fmla="*/ 1066 h 1709"/>
+                <a:gd name="T42" fmla="*/ 118 w 1359"/>
+                <a:gd name="T43" fmla="*/ 1098 h 1709"/>
+                <a:gd name="T44" fmla="*/ 104 w 1359"/>
+                <a:gd name="T45" fmla="*/ 1152 h 1709"/>
+                <a:gd name="T46" fmla="*/ 115 w 1359"/>
+                <a:gd name="T47" fmla="*/ 1206 h 1709"/>
+                <a:gd name="T48" fmla="*/ 144 w 1359"/>
+                <a:gd name="T49" fmla="*/ 1254 h 1709"/>
+                <a:gd name="T50" fmla="*/ 164 w 1359"/>
+                <a:gd name="T51" fmla="*/ 1281 h 1709"/>
+                <a:gd name="T52" fmla="*/ 160 w 1359"/>
+                <a:gd name="T53" fmla="*/ 1316 h 1709"/>
+                <a:gd name="T54" fmla="*/ 150 w 1359"/>
+                <a:gd name="T55" fmla="*/ 1361 h 1709"/>
+                <a:gd name="T56" fmla="*/ 151 w 1359"/>
+                <a:gd name="T57" fmla="*/ 1403 h 1709"/>
+                <a:gd name="T58" fmla="*/ 190 w 1359"/>
+                <a:gd name="T59" fmla="*/ 1448 h 1709"/>
+                <a:gd name="T60" fmla="*/ 260 w 1359"/>
+                <a:gd name="T61" fmla="*/ 1476 h 1709"/>
+                <a:gd name="T62" fmla="*/ 344 w 1359"/>
+                <a:gd name="T63" fmla="*/ 1470 h 1709"/>
+                <a:gd name="T64" fmla="*/ 429 w 1359"/>
+                <a:gd name="T65" fmla="*/ 1455 h 1709"/>
+                <a:gd name="T66" fmla="*/ 496 w 1359"/>
+                <a:gd name="T67" fmla="*/ 1444 h 1709"/>
+                <a:gd name="T68" fmla="*/ 525 w 1359"/>
+                <a:gd name="T69" fmla="*/ 1507 h 1709"/>
+                <a:gd name="T70" fmla="*/ 518 w 1359"/>
+                <a:gd name="T71" fmla="*/ 1581 h 1709"/>
+                <a:gd name="T72" fmla="*/ 490 w 1359"/>
+                <a:gd name="T73" fmla="*/ 1637 h 1709"/>
+                <a:gd name="T74" fmla="*/ 451 w 1359"/>
+                <a:gd name="T75" fmla="*/ 1678 h 1709"/>
+                <a:gd name="T76" fmla="*/ 419 w 1359"/>
+                <a:gd name="T77" fmla="*/ 1701 h 1709"/>
+                <a:gd name="T78" fmla="*/ 405 w 1359"/>
+                <a:gd name="T79" fmla="*/ 1709 h 1709"/>
+                <a:gd name="T80" fmla="*/ 1350 w 1359"/>
+                <a:gd name="T81" fmla="*/ 1701 h 1709"/>
+                <a:gd name="T82" fmla="*/ 1313 w 1359"/>
+                <a:gd name="T83" fmla="*/ 1668 h 1709"/>
+                <a:gd name="T84" fmla="*/ 1259 w 1359"/>
+                <a:gd name="T85" fmla="*/ 1612 h 1709"/>
+                <a:gd name="T86" fmla="*/ 1198 w 1359"/>
+                <a:gd name="T87" fmla="*/ 1537 h 1709"/>
+                <a:gd name="T88" fmla="*/ 1142 w 1359"/>
+                <a:gd name="T89" fmla="*/ 1448 h 1709"/>
+                <a:gd name="T90" fmla="*/ 1101 w 1359"/>
+                <a:gd name="T91" fmla="*/ 1348 h 1709"/>
+                <a:gd name="T92" fmla="*/ 1087 w 1359"/>
+                <a:gd name="T93" fmla="*/ 1242 h 1709"/>
+                <a:gd name="T94" fmla="*/ 1104 w 1359"/>
+                <a:gd name="T95" fmla="*/ 1179 h 1709"/>
+                <a:gd name="T96" fmla="*/ 1146 w 1359"/>
+                <a:gd name="T97" fmla="*/ 1107 h 1709"/>
+                <a:gd name="T98" fmla="*/ 1202 w 1359"/>
+                <a:gd name="T99" fmla="*/ 1025 h 1709"/>
+                <a:gd name="T100" fmla="*/ 1261 w 1359"/>
+                <a:gd name="T101" fmla="*/ 927 h 1709"/>
+                <a:gd name="T102" fmla="*/ 1312 w 1359"/>
+                <a:gd name="T103" fmla="*/ 812 h 1709"/>
+                <a:gd name="T104" fmla="*/ 1346 w 1359"/>
+                <a:gd name="T105" fmla="*/ 675 h 1709"/>
+                <a:gd name="T106" fmla="*/ 1353 w 1359"/>
+                <a:gd name="T107" fmla="*/ 531 h 1709"/>
+                <a:gd name="T108" fmla="*/ 1331 w 1359"/>
+                <a:gd name="T109" fmla="*/ 424 h 1709"/>
+                <a:gd name="T110" fmla="*/ 1279 w 1359"/>
+                <a:gd name="T111" fmla="*/ 310 h 1709"/>
+                <a:gd name="T112" fmla="*/ 1200 w 1359"/>
+                <a:gd name="T113" fmla="*/ 200 h 1709"/>
+                <a:gd name="T114" fmla="*/ 1097 w 1359"/>
+                <a:gd name="T115" fmla="*/ 105 h 1709"/>
+                <a:gd name="T116" fmla="*/ 968 w 1359"/>
+                <a:gd name="T117" fmla="*/ 38 h 1709"/>
+                <a:gd name="T118" fmla="*/ 811 w 1359"/>
+                <a:gd name="T119" fmla="*/ 5 h 1709"/>
+              </a:gdLst>
+              <a:ahLst/>
+              <a:cxnLst>
+                <a:cxn ang="0">
+                  <a:pos x="T0" y="T1"/>
+                </a:cxn>
+                <a:cxn ang="0">
+                  <a:pos x="T2" y="T3"/>
+                </a:cxn>
+                <a:cxn ang="0">
+                  <a:pos x="T4" y="T5"/>
+                </a:cxn>
+                <a:cxn ang="0">
+                  <a:pos x="T6" y="T7"/>
+                </a:cxn>
+                <a:cxn ang="0">
+                  <a:pos x="T8" y="T9"/>
+                </a:cxn>
+                <a:cxn ang="0">
+                  <a:pos x="T10" y="T11"/>
+                </a:cxn>
+                <a:cxn ang="0">
+                  <a:pos x="T12" y="T13"/>
+                </a:cxn>
+                <a:cxn ang="0">
+                  <a:pos x="T14" y="T15"/>
+                </a:cxn>
+                <a:cxn ang="0">
+                  <a:pos x="T16" y="T17"/>
+                </a:cxn>
+                <a:cxn ang="0">
+                  <a:pos x="T18" y="T19"/>
+                </a:cxn>
+                <a:cxn ang="0">
+                  <a:pos x="T20" y="T21"/>
+                </a:cxn>
+                <a:cxn ang="0">
+                  <a:pos x="T22" y="T23"/>
+                </a:cxn>
+                <a:cxn ang="0">
+                  <a:pos x="T24" y="T25"/>
+                </a:cxn>
+                <a:cxn ang="0">
+                  <a:pos x="T26" y="T27"/>
+                </a:cxn>
+                <a:cxn ang="0">
+                  <a:pos x="T28" y="T29"/>
+                </a:cxn>
+                <a:cxn ang="0">
+                  <a:pos x="T30" y="T31"/>
+                </a:cxn>
+                <a:cxn ang="0">
+                  <a:pos x="T32" y="T33"/>
+                </a:cxn>
+                <a:cxn ang="0">
+                  <a:pos x="T34" y="T35"/>
+                </a:cxn>
+                <a:cxn ang="0">
+                  <a:pos x="T36" y="T37"/>
+                </a:cxn>
+                <a:cxn ang="0">
+                  <a:pos x="T38" y="T39"/>
+                </a:cxn>
+                <a:cxn ang="0">
+                  <a:pos x="T40" y="T41"/>
+                </a:cxn>
+                <a:cxn ang="0">
+                  <a:pos x="T42" y="T43"/>
+                </a:cxn>
+                <a:cxn ang="0">
+                  <a:pos x="T44" y="T45"/>
+                </a:cxn>
+                <a:cxn ang="0">
+                  <a:pos x="T46" y="T47"/>
+                </a:cxn>
+                <a:cxn ang="0">
+                  <a:pos x="T48" y="T49"/>
+                </a:cxn>
+                <a:cxn ang="0">
+                  <a:pos x="T50" y="T51"/>
+                </a:cxn>
+                <a:cxn ang="0">
+                  <a:pos x="T52" y="T53"/>
+                </a:cxn>
+                <a:cxn ang="0">
+                  <a:pos x="T54" y="T55"/>
+                </a:cxn>
+                <a:cxn ang="0">
+                  <a:pos x="T56" y="T57"/>
+                </a:cxn>
+                <a:cxn ang="0">
+                  <a:pos x="T58" y="T59"/>
+                </a:cxn>
+                <a:cxn ang="0">
+                  <a:pos x="T60" y="T61"/>
+                </a:cxn>
+                <a:cxn ang="0">
+                  <a:pos x="T62" y="T63"/>
+                </a:cxn>
+                <a:cxn ang="0">
+                  <a:pos x="T64" y="T65"/>
+                </a:cxn>
+                <a:cxn ang="0">
+                  <a:pos x="T66" y="T67"/>
+                </a:cxn>
+                <a:cxn ang="0">
+                  <a:pos x="T68" y="T69"/>
+                </a:cxn>
+                <a:cxn ang="0">
+                  <a:pos x="T70" y="T71"/>
+                </a:cxn>
+                <a:cxn ang="0">
+                  <a:pos x="T72" y="T73"/>
+                </a:cxn>
+                <a:cxn ang="0">
+                  <a:pos x="T74" y="T75"/>
+                </a:cxn>
+                <a:cxn ang="0">
+                  <a:pos x="T76" y="T77"/>
+                </a:cxn>
+                <a:cxn ang="0">
+                  <a:pos x="T78" y="T79"/>
+                </a:cxn>
+                <a:cxn ang="0">
+                  <a:pos x="T80" y="T81"/>
+                </a:cxn>
+                <a:cxn ang="0">
+                  <a:pos x="T82" y="T83"/>
+                </a:cxn>
+                <a:cxn ang="0">
+                  <a:pos x="T84" y="T85"/>
+                </a:cxn>
+                <a:cxn ang="0">
+                  <a:pos x="T86" y="T87"/>
+                </a:cxn>
+                <a:cxn ang="0">
+                  <a:pos x="T88" y="T89"/>
+                </a:cxn>
+                <a:cxn ang="0">
+                  <a:pos x="T90" y="T91"/>
+                </a:cxn>
+                <a:cxn ang="0">
+                  <a:pos x="T92" y="T93"/>
+                </a:cxn>
+                <a:cxn ang="0">
+                  <a:pos x="T94" y="T95"/>
+                </a:cxn>
+                <a:cxn ang="0">
+                  <a:pos x="T96" y="T97"/>
+                </a:cxn>
+                <a:cxn ang="0">
+                  <a:pos x="T98" y="T99"/>
+                </a:cxn>
+                <a:cxn ang="0">
+                  <a:pos x="T100" y="T101"/>
+                </a:cxn>
+                <a:cxn ang="0">
+                  <a:pos x="T102" y="T103"/>
+                </a:cxn>
+                <a:cxn ang="0">
+                  <a:pos x="T104" y="T105"/>
+                </a:cxn>
+                <a:cxn ang="0">
+                  <a:pos x="T106" y="T107"/>
+                </a:cxn>
+                <a:cxn ang="0">
+                  <a:pos x="T108" y="T109"/>
+                </a:cxn>
+                <a:cxn ang="0">
+                  <a:pos x="T110" y="T111"/>
+                </a:cxn>
+                <a:cxn ang="0">
+                  <a:pos x="T112" y="T113"/>
+                </a:cxn>
+                <a:cxn ang="0">
+                  <a:pos x="T114" y="T115"/>
+                </a:cxn>
+                <a:cxn ang="0">
+                  <a:pos x="T116" y="T117"/>
+                </a:cxn>
+                <a:cxn ang="0">
+                  <a:pos x="T118" y="T119"/>
+                </a:cxn>
+              </a:cxnLst>
+              <a:rect l="0" t="0" r="r" b="b"/>
+              <a:pathLst>
+                <a:path w="1359" h="1709">
+                  <a:moveTo>
+                    <a:pt x="680" y="0"/>
+                  </a:moveTo>
+                  <a:lnTo>
+                    <a:pt x="639" y="2"/>
+                  </a:lnTo>
+                  <a:lnTo>
+                    <a:pt x="600" y="5"/>
+                  </a:lnTo>
+                  <a:lnTo>
+                    <a:pt x="561" y="10"/>
+                  </a:lnTo>
+                  <a:lnTo>
+                    <a:pt x="524" y="17"/>
+                  </a:lnTo>
+                  <a:lnTo>
+                    <a:pt x="489" y="25"/>
+                  </a:lnTo>
+                  <a:lnTo>
+                    <a:pt x="455" y="35"/>
+                  </a:lnTo>
+                  <a:lnTo>
+                    <a:pt x="423" y="46"/>
+                  </a:lnTo>
+                  <a:lnTo>
+                    <a:pt x="392" y="60"/>
+                  </a:lnTo>
+                  <a:lnTo>
+                    <a:pt x="363" y="75"/>
+                  </a:lnTo>
+                  <a:lnTo>
+                    <a:pt x="336" y="93"/>
+                  </a:lnTo>
+                  <a:lnTo>
+                    <a:pt x="310" y="112"/>
+                  </a:lnTo>
+                  <a:lnTo>
+                    <a:pt x="287" y="132"/>
+                  </a:lnTo>
+                  <a:lnTo>
+                    <a:pt x="265" y="155"/>
+                  </a:lnTo>
+                  <a:lnTo>
+                    <a:pt x="245" y="180"/>
+                  </a:lnTo>
+                  <a:lnTo>
+                    <a:pt x="226" y="206"/>
+                  </a:lnTo>
+                  <a:lnTo>
+                    <a:pt x="210" y="234"/>
+                  </a:lnTo>
+                  <a:lnTo>
+                    <a:pt x="191" y="273"/>
+                  </a:lnTo>
+                  <a:lnTo>
+                    <a:pt x="174" y="311"/>
+                  </a:lnTo>
+                  <a:lnTo>
+                    <a:pt x="159" y="347"/>
+                  </a:lnTo>
+                  <a:lnTo>
+                    <a:pt x="146" y="382"/>
+                  </a:lnTo>
+                  <a:lnTo>
+                    <a:pt x="136" y="416"/>
+                  </a:lnTo>
+                  <a:lnTo>
+                    <a:pt x="127" y="447"/>
+                  </a:lnTo>
+                  <a:lnTo>
+                    <a:pt x="119" y="477"/>
+                  </a:lnTo>
+                  <a:lnTo>
+                    <a:pt x="114" y="505"/>
+                  </a:lnTo>
+                  <a:lnTo>
+                    <a:pt x="110" y="531"/>
+                  </a:lnTo>
+                  <a:lnTo>
+                    <a:pt x="107" y="555"/>
+                  </a:lnTo>
+                  <a:lnTo>
+                    <a:pt x="106" y="576"/>
+                  </a:lnTo>
+                  <a:lnTo>
+                    <a:pt x="105" y="593"/>
+                  </a:lnTo>
+                  <a:lnTo>
+                    <a:pt x="105" y="609"/>
+                  </a:lnTo>
+                  <a:lnTo>
+                    <a:pt x="106" y="620"/>
+                  </a:lnTo>
+                  <a:lnTo>
+                    <a:pt x="107" y="629"/>
+                  </a:lnTo>
+                  <a:lnTo>
+                    <a:pt x="111" y="636"/>
+                  </a:lnTo>
+                  <a:lnTo>
+                    <a:pt x="114" y="646"/>
+                  </a:lnTo>
+                  <a:lnTo>
+                    <a:pt x="118" y="656"/>
+                  </a:lnTo>
+                  <a:lnTo>
+                    <a:pt x="122" y="666"/>
+                  </a:lnTo>
+                  <a:lnTo>
+                    <a:pt x="126" y="676"/>
+                  </a:lnTo>
+                  <a:lnTo>
+                    <a:pt x="131" y="686"/>
+                  </a:lnTo>
+                  <a:lnTo>
+                    <a:pt x="135" y="695"/>
+                  </a:lnTo>
+                  <a:lnTo>
+                    <a:pt x="138" y="704"/>
+                  </a:lnTo>
+                  <a:lnTo>
+                    <a:pt x="142" y="711"/>
+                  </a:lnTo>
+                  <a:lnTo>
+                    <a:pt x="144" y="717"/>
+                  </a:lnTo>
+                  <a:lnTo>
+                    <a:pt x="146" y="720"/>
+                  </a:lnTo>
+                  <a:lnTo>
+                    <a:pt x="146" y="721"/>
+                  </a:lnTo>
+                  <a:lnTo>
+                    <a:pt x="146" y="723"/>
+                  </a:lnTo>
+                  <a:lnTo>
+                    <a:pt x="143" y="726"/>
+                  </a:lnTo>
+                  <a:lnTo>
+                    <a:pt x="140" y="732"/>
+                  </a:lnTo>
+                  <a:lnTo>
+                    <a:pt x="135" y="739"/>
+                  </a:lnTo>
+                  <a:lnTo>
+                    <a:pt x="129" y="749"/>
+                  </a:lnTo>
+                  <a:lnTo>
+                    <a:pt x="122" y="760"/>
+                  </a:lnTo>
+                  <a:lnTo>
+                    <a:pt x="115" y="772"/>
+                  </a:lnTo>
+                  <a:lnTo>
+                    <a:pt x="106" y="786"/>
+                  </a:lnTo>
+                  <a:lnTo>
+                    <a:pt x="98" y="800"/>
+                  </a:lnTo>
+                  <a:lnTo>
+                    <a:pt x="89" y="816"/>
+                  </a:lnTo>
+                  <a:lnTo>
+                    <a:pt x="79" y="832"/>
+                  </a:lnTo>
+                  <a:lnTo>
+                    <a:pt x="70" y="848"/>
+                  </a:lnTo>
+                  <a:lnTo>
+                    <a:pt x="61" y="864"/>
+                  </a:lnTo>
+                  <a:lnTo>
+                    <a:pt x="51" y="881"/>
+                  </a:lnTo>
+                  <a:lnTo>
+                    <a:pt x="42" y="897"/>
+                  </a:lnTo>
+                  <a:lnTo>
+                    <a:pt x="34" y="913"/>
+                  </a:lnTo>
+                  <a:lnTo>
+                    <a:pt x="26" y="928"/>
+                  </a:lnTo>
+                  <a:lnTo>
+                    <a:pt x="19" y="943"/>
+                  </a:lnTo>
+                  <a:lnTo>
+                    <a:pt x="13" y="957"/>
+                  </a:lnTo>
+                  <a:lnTo>
+                    <a:pt x="8" y="969"/>
+                  </a:lnTo>
+                  <a:lnTo>
+                    <a:pt x="4" y="980"/>
+                  </a:lnTo>
+                  <a:lnTo>
+                    <a:pt x="2" y="990"/>
+                  </a:lnTo>
+                  <a:lnTo>
+                    <a:pt x="0" y="998"/>
+                  </a:lnTo>
+                  <a:lnTo>
+                    <a:pt x="0" y="1004"/>
+                  </a:lnTo>
+                  <a:lnTo>
+                    <a:pt x="4" y="1012"/>
+                  </a:lnTo>
+                  <a:lnTo>
+                    <a:pt x="10" y="1019"/>
+                  </a:lnTo>
+                  <a:lnTo>
+                    <a:pt x="18" y="1026"/>
+                  </a:lnTo>
+                  <a:lnTo>
+                    <a:pt x="28" y="1032"/>
+                  </a:lnTo>
+                  <a:lnTo>
+                    <a:pt x="39" y="1038"/>
+                  </a:lnTo>
+                  <a:lnTo>
+                    <a:pt x="51" y="1043"/>
+                  </a:lnTo>
+                  <a:lnTo>
+                    <a:pt x="62" y="1048"/>
+                  </a:lnTo>
+                  <a:lnTo>
+                    <a:pt x="74" y="1051"/>
+                  </a:lnTo>
+                  <a:lnTo>
+                    <a:pt x="86" y="1055"/>
+                  </a:lnTo>
+                  <a:lnTo>
+                    <a:pt x="96" y="1058"/>
+                  </a:lnTo>
+                  <a:lnTo>
+                    <a:pt x="105" y="1060"/>
+                  </a:lnTo>
+                  <a:lnTo>
+                    <a:pt x="111" y="1061"/>
+                  </a:lnTo>
+                  <a:lnTo>
+                    <a:pt x="116" y="1062"/>
+                  </a:lnTo>
+                  <a:lnTo>
+                    <a:pt x="117" y="1062"/>
+                  </a:lnTo>
+                  <a:lnTo>
+                    <a:pt x="117" y="1063"/>
+                  </a:lnTo>
+                  <a:lnTo>
+                    <a:pt x="118" y="1066"/>
+                  </a:lnTo>
+                  <a:lnTo>
+                    <a:pt x="119" y="1071"/>
+                  </a:lnTo>
+                  <a:lnTo>
+                    <a:pt x="119" y="1078"/>
+                  </a:lnTo>
+                  <a:lnTo>
+                    <a:pt x="119" y="1087"/>
+                  </a:lnTo>
+                  <a:lnTo>
+                    <a:pt x="118" y="1098"/>
+                  </a:lnTo>
+                  <a:lnTo>
+                    <a:pt x="116" y="1111"/>
+                  </a:lnTo>
+                  <a:lnTo>
+                    <a:pt x="113" y="1124"/>
+                  </a:lnTo>
+                  <a:lnTo>
+                    <a:pt x="107" y="1140"/>
+                  </a:lnTo>
+                  <a:lnTo>
+                    <a:pt x="104" y="1152"/>
+                  </a:lnTo>
+                  <a:lnTo>
+                    <a:pt x="104" y="1166"/>
+                  </a:lnTo>
+                  <a:lnTo>
+                    <a:pt x="106" y="1179"/>
+                  </a:lnTo>
+                  <a:lnTo>
+                    <a:pt x="109" y="1192"/>
+                  </a:lnTo>
+                  <a:lnTo>
+                    <a:pt x="115" y="1206"/>
+                  </a:lnTo>
+                  <a:lnTo>
+                    <a:pt x="122" y="1219"/>
+                  </a:lnTo>
+                  <a:lnTo>
+                    <a:pt x="129" y="1231"/>
+                  </a:lnTo>
+                  <a:lnTo>
+                    <a:pt x="136" y="1243"/>
+                  </a:lnTo>
+                  <a:lnTo>
+                    <a:pt x="144" y="1254"/>
+                  </a:lnTo>
+                  <a:lnTo>
+                    <a:pt x="151" y="1263"/>
+                  </a:lnTo>
+                  <a:lnTo>
+                    <a:pt x="156" y="1270"/>
+                  </a:lnTo>
+                  <a:lnTo>
+                    <a:pt x="161" y="1276"/>
+                  </a:lnTo>
+                  <a:lnTo>
+                    <a:pt x="164" y="1281"/>
+                  </a:lnTo>
+                  <a:lnTo>
+                    <a:pt x="164" y="1288"/>
+                  </a:lnTo>
+                  <a:lnTo>
+                    <a:pt x="164" y="1297"/>
+                  </a:lnTo>
+                  <a:lnTo>
+                    <a:pt x="163" y="1306"/>
+                  </a:lnTo>
+                  <a:lnTo>
+                    <a:pt x="160" y="1316"/>
+                  </a:lnTo>
+                  <a:lnTo>
+                    <a:pt x="158" y="1327"/>
+                  </a:lnTo>
+                  <a:lnTo>
+                    <a:pt x="155" y="1338"/>
+                  </a:lnTo>
+                  <a:lnTo>
+                    <a:pt x="152" y="1349"/>
+                  </a:lnTo>
+                  <a:lnTo>
+                    <a:pt x="150" y="1361"/>
+                  </a:lnTo>
+                  <a:lnTo>
+                    <a:pt x="148" y="1372"/>
+                  </a:lnTo>
+                  <a:lnTo>
+                    <a:pt x="148" y="1383"/>
+                  </a:lnTo>
+                  <a:lnTo>
+                    <a:pt x="149" y="1393"/>
+                  </a:lnTo>
+                  <a:lnTo>
+                    <a:pt x="151" y="1403"/>
+                  </a:lnTo>
+                  <a:lnTo>
+                    <a:pt x="157" y="1415"/>
+                  </a:lnTo>
+                  <a:lnTo>
+                    <a:pt x="166" y="1426"/>
+                  </a:lnTo>
+                  <a:lnTo>
+                    <a:pt x="176" y="1437"/>
+                  </a:lnTo>
+                  <a:lnTo>
+                    <a:pt x="190" y="1448"/>
+                  </a:lnTo>
+                  <a:lnTo>
+                    <a:pt x="205" y="1457"/>
+                  </a:lnTo>
+                  <a:lnTo>
+                    <a:pt x="222" y="1466"/>
+                  </a:lnTo>
+                  <a:lnTo>
+                    <a:pt x="240" y="1472"/>
+                  </a:lnTo>
+                  <a:lnTo>
+                    <a:pt x="260" y="1476"/>
+                  </a:lnTo>
+                  <a:lnTo>
+                    <a:pt x="281" y="1477"/>
+                  </a:lnTo>
+                  <a:lnTo>
+                    <a:pt x="302" y="1476"/>
+                  </a:lnTo>
+                  <a:lnTo>
+                    <a:pt x="323" y="1473"/>
+                  </a:lnTo>
+                  <a:lnTo>
+                    <a:pt x="344" y="1470"/>
+                  </a:lnTo>
+                  <a:lnTo>
+                    <a:pt x="366" y="1467"/>
+                  </a:lnTo>
+                  <a:lnTo>
+                    <a:pt x="387" y="1462"/>
+                  </a:lnTo>
+                  <a:lnTo>
+                    <a:pt x="409" y="1459"/>
+                  </a:lnTo>
+                  <a:lnTo>
+                    <a:pt x="429" y="1455"/>
+                  </a:lnTo>
+                  <a:lnTo>
+                    <a:pt x="449" y="1452"/>
+                  </a:lnTo>
+                  <a:lnTo>
+                    <a:pt x="467" y="1448"/>
+                  </a:lnTo>
+                  <a:lnTo>
+                    <a:pt x="483" y="1446"/>
+                  </a:lnTo>
+                  <a:lnTo>
+                    <a:pt x="496" y="1444"/>
+                  </a:lnTo>
+                  <a:lnTo>
+                    <a:pt x="507" y="1442"/>
+                  </a:lnTo>
+                  <a:lnTo>
+                    <a:pt x="515" y="1465"/>
+                  </a:lnTo>
+                  <a:lnTo>
+                    <a:pt x="522" y="1487"/>
+                  </a:lnTo>
+                  <a:lnTo>
+                    <a:pt x="525" y="1507"/>
+                  </a:lnTo>
+                  <a:lnTo>
+                    <a:pt x="526" y="1527"/>
+                  </a:lnTo>
+                  <a:lnTo>
+                    <a:pt x="526" y="1546"/>
+                  </a:lnTo>
+                  <a:lnTo>
+                    <a:pt x="523" y="1564"/>
+                  </a:lnTo>
+                  <a:lnTo>
+                    <a:pt x="518" y="1581"/>
+                  </a:lnTo>
+                  <a:lnTo>
+                    <a:pt x="513" y="1596"/>
+                  </a:lnTo>
+                  <a:lnTo>
+                    <a:pt x="506" y="1611"/>
+                  </a:lnTo>
+                  <a:lnTo>
+                    <a:pt x="498" y="1624"/>
+                  </a:lnTo>
+                  <a:lnTo>
+                    <a:pt x="490" y="1637"/>
+                  </a:lnTo>
+                  <a:lnTo>
+                    <a:pt x="481" y="1648"/>
+                  </a:lnTo>
+                  <a:lnTo>
+                    <a:pt x="471" y="1659"/>
+                  </a:lnTo>
+                  <a:lnTo>
+                    <a:pt x="461" y="1668"/>
+                  </a:lnTo>
+                  <a:lnTo>
+                    <a:pt x="451" y="1678"/>
+                  </a:lnTo>
+                  <a:lnTo>
+                    <a:pt x="443" y="1685"/>
+                  </a:lnTo>
+                  <a:lnTo>
+                    <a:pt x="434" y="1691"/>
+                  </a:lnTo>
+                  <a:lnTo>
+                    <a:pt x="426" y="1697"/>
+                  </a:lnTo>
+                  <a:lnTo>
+                    <a:pt x="419" y="1701"/>
+                  </a:lnTo>
+                  <a:lnTo>
+                    <a:pt x="413" y="1705"/>
+                  </a:lnTo>
+                  <a:lnTo>
+                    <a:pt x="408" y="1708"/>
+                  </a:lnTo>
+                  <a:lnTo>
+                    <a:pt x="406" y="1709"/>
+                  </a:lnTo>
+                  <a:lnTo>
+                    <a:pt x="405" y="1709"/>
+                  </a:lnTo>
+                  <a:lnTo>
+                    <a:pt x="1359" y="1709"/>
+                  </a:lnTo>
+                  <a:lnTo>
+                    <a:pt x="1358" y="1709"/>
+                  </a:lnTo>
+                  <a:lnTo>
+                    <a:pt x="1355" y="1705"/>
+                  </a:lnTo>
+                  <a:lnTo>
+                    <a:pt x="1350" y="1701"/>
+                  </a:lnTo>
+                  <a:lnTo>
+                    <a:pt x="1343" y="1695"/>
+                  </a:lnTo>
+                  <a:lnTo>
+                    <a:pt x="1334" y="1688"/>
+                  </a:lnTo>
+                  <a:lnTo>
+                    <a:pt x="1324" y="1679"/>
+                  </a:lnTo>
+                  <a:lnTo>
+                    <a:pt x="1313" y="1668"/>
+                  </a:lnTo>
+                  <a:lnTo>
+                    <a:pt x="1301" y="1656"/>
+                  </a:lnTo>
+                  <a:lnTo>
+                    <a:pt x="1287" y="1642"/>
+                  </a:lnTo>
+                  <a:lnTo>
+                    <a:pt x="1273" y="1628"/>
+                  </a:lnTo>
+                  <a:lnTo>
+                    <a:pt x="1259" y="1612"/>
+                  </a:lnTo>
+                  <a:lnTo>
+                    <a:pt x="1244" y="1595"/>
+                  </a:lnTo>
+                  <a:lnTo>
+                    <a:pt x="1228" y="1576"/>
+                  </a:lnTo>
+                  <a:lnTo>
+                    <a:pt x="1213" y="1557"/>
+                  </a:lnTo>
+                  <a:lnTo>
+                    <a:pt x="1198" y="1537"/>
+                  </a:lnTo>
+                  <a:lnTo>
+                    <a:pt x="1183" y="1516"/>
+                  </a:lnTo>
+                  <a:lnTo>
+                    <a:pt x="1169" y="1494"/>
+                  </a:lnTo>
+                  <a:lnTo>
+                    <a:pt x="1155" y="1472"/>
+                  </a:lnTo>
+                  <a:lnTo>
+                    <a:pt x="1142" y="1448"/>
+                  </a:lnTo>
+                  <a:lnTo>
+                    <a:pt x="1130" y="1424"/>
+                  </a:lnTo>
+                  <a:lnTo>
+                    <a:pt x="1119" y="1400"/>
+                  </a:lnTo>
+                  <a:lnTo>
+                    <a:pt x="1109" y="1374"/>
+                  </a:lnTo>
+                  <a:lnTo>
+                    <a:pt x="1101" y="1348"/>
+                  </a:lnTo>
+                  <a:lnTo>
+                    <a:pt x="1094" y="1322"/>
+                  </a:lnTo>
+                  <a:lnTo>
+                    <a:pt x="1090" y="1296"/>
+                  </a:lnTo>
+                  <a:lnTo>
+                    <a:pt x="1087" y="1269"/>
+                  </a:lnTo>
+                  <a:lnTo>
+                    <a:pt x="1087" y="1242"/>
+                  </a:lnTo>
+                  <a:lnTo>
+                    <a:pt x="1088" y="1227"/>
+                  </a:lnTo>
+                  <a:lnTo>
+                    <a:pt x="1091" y="1211"/>
+                  </a:lnTo>
+                  <a:lnTo>
+                    <a:pt x="1097" y="1195"/>
+                  </a:lnTo>
+                  <a:lnTo>
+                    <a:pt x="1104" y="1179"/>
+                  </a:lnTo>
+                  <a:lnTo>
+                    <a:pt x="1113" y="1162"/>
+                  </a:lnTo>
+                  <a:lnTo>
+                    <a:pt x="1123" y="1144"/>
+                  </a:lnTo>
+                  <a:lnTo>
+                    <a:pt x="1134" y="1126"/>
+                  </a:lnTo>
+                  <a:lnTo>
+                    <a:pt x="1146" y="1107"/>
+                  </a:lnTo>
+                  <a:lnTo>
+                    <a:pt x="1159" y="1088"/>
+                  </a:lnTo>
+                  <a:lnTo>
+                    <a:pt x="1173" y="1068"/>
+                  </a:lnTo>
+                  <a:lnTo>
+                    <a:pt x="1187" y="1046"/>
+                  </a:lnTo>
+                  <a:lnTo>
+                    <a:pt x="1202" y="1025"/>
+                  </a:lnTo>
+                  <a:lnTo>
+                    <a:pt x="1216" y="1002"/>
+                  </a:lnTo>
+                  <a:lnTo>
+                    <a:pt x="1232" y="978"/>
+                  </a:lnTo>
+                  <a:lnTo>
+                    <a:pt x="1247" y="953"/>
+                  </a:lnTo>
+                  <a:lnTo>
+                    <a:pt x="1261" y="927"/>
+                  </a:lnTo>
+                  <a:lnTo>
+                    <a:pt x="1275" y="901"/>
+                  </a:lnTo>
+                  <a:lnTo>
+                    <a:pt x="1288" y="872"/>
+                  </a:lnTo>
+                  <a:lnTo>
+                    <a:pt x="1301" y="842"/>
+                  </a:lnTo>
+                  <a:lnTo>
+                    <a:pt x="1312" y="812"/>
+                  </a:lnTo>
+                  <a:lnTo>
+                    <a:pt x="1323" y="780"/>
+                  </a:lnTo>
+                  <a:lnTo>
+                    <a:pt x="1332" y="746"/>
+                  </a:lnTo>
+                  <a:lnTo>
+                    <a:pt x="1340" y="711"/>
+                  </a:lnTo>
+                  <a:lnTo>
+                    <a:pt x="1346" y="675"/>
+                  </a:lnTo>
+                  <a:lnTo>
+                    <a:pt x="1351" y="636"/>
+                  </a:lnTo>
+                  <a:lnTo>
+                    <a:pt x="1354" y="597"/>
+                  </a:lnTo>
+                  <a:lnTo>
+                    <a:pt x="1354" y="556"/>
+                  </a:lnTo>
+                  <a:lnTo>
+                    <a:pt x="1353" y="531"/>
+                  </a:lnTo>
+                  <a:lnTo>
+                    <a:pt x="1351" y="506"/>
+                  </a:lnTo>
+                  <a:lnTo>
+                    <a:pt x="1346" y="479"/>
+                  </a:lnTo>
+                  <a:lnTo>
+                    <a:pt x="1339" y="452"/>
+                  </a:lnTo>
+                  <a:lnTo>
+                    <a:pt x="1331" y="424"/>
+                  </a:lnTo>
+                  <a:lnTo>
+                    <a:pt x="1321" y="396"/>
+                  </a:lnTo>
+                  <a:lnTo>
+                    <a:pt x="1309" y="367"/>
+                  </a:lnTo>
+                  <a:lnTo>
+                    <a:pt x="1295" y="339"/>
+                  </a:lnTo>
+                  <a:lnTo>
+                    <a:pt x="1279" y="310"/>
+                  </a:lnTo>
+                  <a:lnTo>
+                    <a:pt x="1262" y="281"/>
+                  </a:lnTo>
+                  <a:lnTo>
+                    <a:pt x="1243" y="254"/>
+                  </a:lnTo>
+                  <a:lnTo>
+                    <a:pt x="1222" y="227"/>
+                  </a:lnTo>
+                  <a:lnTo>
+                    <a:pt x="1200" y="200"/>
+                  </a:lnTo>
+                  <a:lnTo>
+                    <a:pt x="1177" y="174"/>
+                  </a:lnTo>
+                  <a:lnTo>
+                    <a:pt x="1152" y="150"/>
+                  </a:lnTo>
+                  <a:lnTo>
+                    <a:pt x="1125" y="127"/>
+                  </a:lnTo>
+                  <a:lnTo>
+                    <a:pt x="1097" y="105"/>
+                  </a:lnTo>
+                  <a:lnTo>
+                    <a:pt x="1067" y="85"/>
+                  </a:lnTo>
+                  <a:lnTo>
+                    <a:pt x="1036" y="68"/>
+                  </a:lnTo>
+                  <a:lnTo>
+                    <a:pt x="1002" y="51"/>
+                  </a:lnTo>
+                  <a:lnTo>
+                    <a:pt x="968" y="38"/>
+                  </a:lnTo>
+                  <a:lnTo>
+                    <a:pt x="933" y="26"/>
+                  </a:lnTo>
+                  <a:lnTo>
+                    <a:pt x="896" y="17"/>
+                  </a:lnTo>
+                  <a:lnTo>
+                    <a:pt x="857" y="11"/>
+                  </a:lnTo>
+                  <a:lnTo>
+                    <a:pt x="811" y="5"/>
+                  </a:lnTo>
+                  <a:lnTo>
+                    <a:pt x="766" y="2"/>
+                  </a:lnTo>
+                  <a:lnTo>
+                    <a:pt x="723" y="0"/>
+                  </a:lnTo>
+                  <a:lnTo>
+                    <a:pt x="680" y="0"/>
+                  </a:lnTo>
+                  <a:close/>
+                </a:path>
+              </a:pathLst>
+            </a:custGeom>
+            <a:solidFill>
+              <a:schemeClr val="bg1">
+                <a:lumMod val="75000"/>
+              </a:schemeClr>
+            </a:solidFill>
+            <a:ln w="76200">
+              <a:solidFill>
+                <a:schemeClr val="bg1">
+                  <a:lumMod val="50000"/>
+                </a:schemeClr>
+              </a:solidFill>
+            </a:ln>
+          </p:spPr>
+          <p:txBody>
+            <a:bodyPr vert="horz" wrap="square" lIns="91440" tIns="45720" rIns="91440" bIns="45720" numCol="1" anchor="t" anchorCtr="0" compatLnSpc="1">
+              <a:prstTxWarp prst="textNoShape">
+                <a:avLst/>
+              </a:prstTxWarp>
+            </a:bodyPr>
+            <a:lstStyle/>
+            <a:p>
+              <a:endParaRPr lang="zh-TW" altLang="en-US"/>
+            </a:p>
+          </p:txBody>
+        </p:sp>
+        <p:sp>
+          <p:nvSpPr>
+            <p:cNvPr id="7" name="手繪多邊形 6"/>
+            <p:cNvSpPr/>
+            <p:nvPr/>
+          </p:nvSpPr>
+          <p:spPr>
+            <a:xfrm rot="5400000">
+              <a:off x="2959248" y="1265359"/>
+              <a:ext cx="1252531" cy="1252530"/>
+            </a:xfrm>
+            <a:custGeom>
+              <a:avLst/>
+              <a:gdLst>
+                <a:gd name="connsiteX0" fmla="*/ 0 w 2095305"/>
+                <a:gd name="connsiteY0" fmla="*/ 0 h 2095304"/>
+                <a:gd name="connsiteX1" fmla="*/ 2095305 w 2095305"/>
+                <a:gd name="connsiteY1" fmla="*/ 0 h 2095304"/>
+                <a:gd name="connsiteX2" fmla="*/ 2095305 w 2095305"/>
+                <a:gd name="connsiteY2" fmla="*/ 2095304 h 2095304"/>
+                <a:gd name="connsiteX3" fmla="*/ 1936277 w 2095305"/>
+                <a:gd name="connsiteY3" fmla="*/ 2087274 h 2095304"/>
+                <a:gd name="connsiteX4" fmla="*/ 8030 w 2095305"/>
+                <a:gd name="connsiteY4" fmla="*/ 159027 h 2095304"/>
+                <a:gd name="connsiteX5" fmla="*/ 0 w 2095305"/>
+                <a:gd name="connsiteY5" fmla="*/ 0 h 2095304"/>
+              </a:gdLst>
+              <a:ahLst/>
+              <a:cxnLst>
+                <a:cxn ang="0">
+                  <a:pos x="connsiteX0" y="connsiteY0"/>
+                </a:cxn>
+                <a:cxn ang="0">
+                  <a:pos x="connsiteX1" y="connsiteY1"/>
+                </a:cxn>
+                <a:cxn ang="0">
+                  <a:pos x="connsiteX2" y="connsiteY2"/>
+                </a:cxn>
+                <a:cxn ang="0">
+                  <a:pos x="connsiteX3" y="connsiteY3"/>
+                </a:cxn>
+                <a:cxn ang="0">
+                  <a:pos x="connsiteX4" y="connsiteY4"/>
+                </a:cxn>
+                <a:cxn ang="0">
+                  <a:pos x="connsiteX5" y="connsiteY5"/>
+                </a:cxn>
+              </a:cxnLst>
+              <a:rect l="l" t="t" r="r" b="b"/>
+              <a:pathLst>
+                <a:path w="2095305" h="2095304">
+                  <a:moveTo>
+                    <a:pt x="0" y="0"/>
+                  </a:moveTo>
+                  <a:lnTo>
+                    <a:pt x="2095305" y="0"/>
+                  </a:lnTo>
+                  <a:lnTo>
+                    <a:pt x="2095305" y="2095304"/>
+                  </a:lnTo>
+                  <a:lnTo>
+                    <a:pt x="1936277" y="2087274"/>
+                  </a:lnTo>
+                  <a:cubicBezTo>
+                    <a:pt x="919568" y="1984021"/>
+                    <a:pt x="111283" y="1175736"/>
+                    <a:pt x="8030" y="159027"/>
+                  </a:cubicBezTo>
+                  <a:lnTo>
+                    <a:pt x="0" y="0"/>
+                  </a:lnTo>
+                  <a:close/>
+                </a:path>
+              </a:pathLst>
+            </a:custGeom>
+            <a:ln/>
+          </p:spPr>
+          <p:style>
+            <a:lnRef idx="2">
+              <a:schemeClr val="accent4">
+                <a:shade val="50000"/>
+              </a:schemeClr>
+            </a:lnRef>
+            <a:fillRef idx="1">
+              <a:schemeClr val="accent4"/>
+            </a:fillRef>
+            <a:effectRef idx="0">
+              <a:schemeClr val="accent4"/>
+            </a:effectRef>
+            <a:fontRef idx="minor">
+              <a:schemeClr val="lt1"/>
+            </a:fontRef>
+          </p:style>
+          <p:txBody>
+            <a:bodyPr vert="vert270" wrap="square" rtlCol="0" anchor="ctr">
+              <a:noAutofit/>
+            </a:bodyPr>
+            <a:lstStyle>
+              <a:defPPr>
+                <a:defRPr lang="zh-TW"/>
+              </a:defPPr>
+              <a:lvl1pPr marL="0" algn="l" defTabSz="914400" rtl="0" eaLnBrk="1" latinLnBrk="0" hangingPunct="1">
+                <a:defRPr sz="1800" kern="1200">
+                  <a:solidFill>
+                    <a:schemeClr val="lt1"/>
+                  </a:solidFill>
+                  <a:latin typeface="+mn-lt"/>
+                  <a:ea typeface="+mn-ea"/>
+                  <a:cs typeface="+mn-cs"/>
+                </a:defRPr>
+              </a:lvl1pPr>
+              <a:lvl2pPr marL="457200" algn="l" defTabSz="914400" rtl="0" eaLnBrk="1" latinLnBrk="0" hangingPunct="1">
+                <a:defRPr sz="1800" kern="1200">
+                  <a:solidFill>
+                    <a:schemeClr val="lt1"/>
+                  </a:solidFill>
+                  <a:latin typeface="+mn-lt"/>
+                  <a:ea typeface="+mn-ea"/>
+                  <a:cs typeface="+mn-cs"/>
+                </a:defRPr>
+              </a:lvl2pPr>
+              <a:lvl3pPr marL="914400" algn="l" defTabSz="914400" rtl="0" eaLnBrk="1" latinLnBrk="0" hangingPunct="1">
+                <a:defRPr sz="1800" kern="1200">
+                  <a:solidFill>
+                    <a:schemeClr val="lt1"/>
+                  </a:solidFill>
+                  <a:latin typeface="+mn-lt"/>
+                  <a:ea typeface="+mn-ea"/>
+                  <a:cs typeface="+mn-cs"/>
+                </a:defRPr>
+              </a:lvl3pPr>
+              <a:lvl4pPr marL="1371600" algn="l" defTabSz="914400" rtl="0" eaLnBrk="1" latinLnBrk="0" hangingPunct="1">
+                <a:defRPr sz="1800" kern="1200">
+                  <a:solidFill>
+                    <a:schemeClr val="lt1"/>
+                  </a:solidFill>
+                  <a:latin typeface="+mn-lt"/>
+                  <a:ea typeface="+mn-ea"/>
+                  <a:cs typeface="+mn-cs"/>
+                </a:defRPr>
+              </a:lvl4pPr>
+              <a:lvl5pPr marL="1828800" algn="l" defTabSz="914400" rtl="0" eaLnBrk="1" latinLnBrk="0" hangingPunct="1">
+                <a:defRPr sz="1800" kern="1200">
+                  <a:solidFill>
+                    <a:schemeClr val="lt1"/>
+                  </a:solidFill>
+                  <a:latin typeface="+mn-lt"/>
+                  <a:ea typeface="+mn-ea"/>
+                  <a:cs typeface="+mn-cs"/>
+                </a:defRPr>
+              </a:lvl5pPr>
+              <a:lvl6pPr marL="2286000" algn="l" defTabSz="914400" rtl="0" eaLnBrk="1" latinLnBrk="0" hangingPunct="1">
+                <a:defRPr sz="1800" kern="1200">
+                  <a:solidFill>
+                    <a:schemeClr val="lt1"/>
+                  </a:solidFill>
+                  <a:latin typeface="+mn-lt"/>
+                  <a:ea typeface="+mn-ea"/>
+                  <a:cs typeface="+mn-cs"/>
+                </a:defRPr>
+              </a:lvl6pPr>
+              <a:lvl7pPr marL="2743200" algn="l" defTabSz="914400" rtl="0" eaLnBrk="1" latinLnBrk="0" hangingPunct="1">
+                <a:defRPr sz="1800" kern="1200">
+                  <a:solidFill>
+                    <a:schemeClr val="lt1"/>
+                  </a:solidFill>
+                  <a:latin typeface="+mn-lt"/>
+                  <a:ea typeface="+mn-ea"/>
+                  <a:cs typeface="+mn-cs"/>
+                </a:defRPr>
+              </a:lvl7pPr>
+              <a:lvl8pPr marL="3200400" algn="l" defTabSz="914400" rtl="0" eaLnBrk="1" latinLnBrk="0" hangingPunct="1">
+                <a:defRPr sz="1800" kern="1200">
+                  <a:solidFill>
+                    <a:schemeClr val="lt1"/>
+                  </a:solidFill>
+                  <a:latin typeface="+mn-lt"/>
+                  <a:ea typeface="+mn-ea"/>
+                  <a:cs typeface="+mn-cs"/>
+                </a:defRPr>
+              </a:lvl8pPr>
+              <a:lvl9pPr marL="3657600" algn="l" defTabSz="914400" rtl="0" eaLnBrk="1" latinLnBrk="0" hangingPunct="1">
+                <a:defRPr sz="1800" kern="1200">
+                  <a:solidFill>
+                    <a:schemeClr val="lt1"/>
+                  </a:solidFill>
+                  <a:latin typeface="+mn-lt"/>
+                  <a:ea typeface="+mn-ea"/>
+                  <a:cs typeface="+mn-cs"/>
+                </a:defRPr>
+              </a:lvl9pPr>
+            </a:lstStyle>
+            <a:p>
+              <a:pPr algn="ctr"/>
+              <a:r>
+                <a:rPr lang="zh-TW" altLang="en-US" dirty="0" smtClean="0"/>
+                <a:t>交通</a:t>
+              </a:r>
+              <a:endParaRPr lang="zh-TW" altLang="en-US" dirty="0"/>
+            </a:p>
+          </p:txBody>
+        </p:sp>
+        <p:sp>
+          <p:nvSpPr>
+            <p:cNvPr id="8" name="手繪多邊形 7"/>
+            <p:cNvSpPr/>
+            <p:nvPr/>
+          </p:nvSpPr>
+          <p:spPr>
+            <a:xfrm rot="5400000">
+              <a:off x="4285723" y="1265360"/>
+              <a:ext cx="1252530" cy="1252529"/>
+            </a:xfrm>
+            <a:custGeom>
+              <a:avLst/>
+              <a:gdLst>
+                <a:gd name="connsiteX0" fmla="*/ 0 w 2095304"/>
+                <a:gd name="connsiteY0" fmla="*/ 2095302 h 2095302"/>
+                <a:gd name="connsiteX1" fmla="*/ 8029 w 2095304"/>
+                <a:gd name="connsiteY1" fmla="*/ 1936277 h 2095302"/>
+                <a:gd name="connsiteX2" fmla="*/ 1936276 w 2095304"/>
+                <a:gd name="connsiteY2" fmla="*/ 8030 h 2095302"/>
+                <a:gd name="connsiteX3" fmla="*/ 2095304 w 2095304"/>
+                <a:gd name="connsiteY3" fmla="*/ 0 h 2095302"/>
+                <a:gd name="connsiteX4" fmla="*/ 2095304 w 2095304"/>
+                <a:gd name="connsiteY4" fmla="*/ 2095302 h 2095302"/>
+                <a:gd name="connsiteX5" fmla="*/ 0 w 2095304"/>
+                <a:gd name="connsiteY5" fmla="*/ 2095302 h 2095302"/>
+              </a:gdLst>
+              <a:ahLst/>
+              <a:cxnLst>
+                <a:cxn ang="0">
+                  <a:pos x="connsiteX0" y="connsiteY0"/>
+                </a:cxn>
+                <a:cxn ang="0">
+                  <a:pos x="connsiteX1" y="connsiteY1"/>
+                </a:cxn>
+                <a:cxn ang="0">
+                  <a:pos x="connsiteX2" y="connsiteY2"/>
+                </a:cxn>
+                <a:cxn ang="0">
+                  <a:pos x="connsiteX3" y="connsiteY3"/>
+                </a:cxn>
+                <a:cxn ang="0">
+                  <a:pos x="connsiteX4" y="connsiteY4"/>
+                </a:cxn>
+                <a:cxn ang="0">
+                  <a:pos x="connsiteX5" y="connsiteY5"/>
+                </a:cxn>
+              </a:cxnLst>
+              <a:rect l="l" t="t" r="r" b="b"/>
+              <a:pathLst>
+                <a:path w="2095304" h="2095302">
+                  <a:moveTo>
+                    <a:pt x="0" y="2095302"/>
+                  </a:moveTo>
+                  <a:lnTo>
+                    <a:pt x="8029" y="1936277"/>
+                  </a:lnTo>
+                  <a:cubicBezTo>
+                    <a:pt x="111282" y="919567"/>
+                    <a:pt x="919567" y="111283"/>
+                    <a:pt x="1936276" y="8030"/>
+                  </a:cubicBezTo>
+                  <a:lnTo>
+                    <a:pt x="2095304" y="0"/>
+                  </a:lnTo>
+                  <a:lnTo>
+                    <a:pt x="2095304" y="2095302"/>
+                  </a:lnTo>
+                  <a:lnTo>
+                    <a:pt x="0" y="2095302"/>
+                  </a:lnTo>
+                  <a:close/>
+                </a:path>
+              </a:pathLst>
+            </a:custGeom>
+            <a:ln/>
+          </p:spPr>
+          <p:style>
+            <a:lnRef idx="2">
+              <a:schemeClr val="accent1">
+                <a:shade val="50000"/>
+              </a:schemeClr>
+            </a:lnRef>
+            <a:fillRef idx="1">
+              <a:schemeClr val="accent1"/>
+            </a:fillRef>
+            <a:effectRef idx="0">
+              <a:schemeClr val="accent1"/>
+            </a:effectRef>
+            <a:fontRef idx="minor">
+              <a:schemeClr val="lt1"/>
+            </a:fontRef>
+          </p:style>
+          <p:txBody>
+            <a:bodyPr vert="vert270" wrap="square" rtlCol="0" anchor="ctr">
+              <a:noAutofit/>
+            </a:bodyPr>
+            <a:lstStyle>
+              <a:defPPr>
+                <a:defRPr lang="zh-TW"/>
+              </a:defPPr>
+              <a:lvl1pPr marL="0" algn="l" defTabSz="914400" rtl="0" eaLnBrk="1" latinLnBrk="0" hangingPunct="1">
+                <a:defRPr sz="1800" kern="1200">
+                  <a:solidFill>
+                    <a:schemeClr val="lt1"/>
+                  </a:solidFill>
+                  <a:latin typeface="+mn-lt"/>
+                  <a:ea typeface="+mn-ea"/>
+                  <a:cs typeface="+mn-cs"/>
+                </a:defRPr>
+              </a:lvl1pPr>
+              <a:lvl2pPr marL="457200" algn="l" defTabSz="914400" rtl="0" eaLnBrk="1" latinLnBrk="0" hangingPunct="1">
+                <a:defRPr sz="1800" kern="1200">
+                  <a:solidFill>
+                    <a:schemeClr val="lt1"/>
+                  </a:solidFill>
+                  <a:latin typeface="+mn-lt"/>
+                  <a:ea typeface="+mn-ea"/>
+                  <a:cs typeface="+mn-cs"/>
+                </a:defRPr>
+              </a:lvl2pPr>
+              <a:lvl3pPr marL="914400" algn="l" defTabSz="914400" rtl="0" eaLnBrk="1" latinLnBrk="0" hangingPunct="1">
+                <a:defRPr sz="1800" kern="1200">
+                  <a:solidFill>
+                    <a:schemeClr val="lt1"/>
+                  </a:solidFill>
+                  <a:latin typeface="+mn-lt"/>
+                  <a:ea typeface="+mn-ea"/>
+                  <a:cs typeface="+mn-cs"/>
+                </a:defRPr>
+              </a:lvl3pPr>
+              <a:lvl4pPr marL="1371600" algn="l" defTabSz="914400" rtl="0" eaLnBrk="1" latinLnBrk="0" hangingPunct="1">
+                <a:defRPr sz="1800" kern="1200">
+                  <a:solidFill>
+                    <a:schemeClr val="lt1"/>
+                  </a:solidFill>
+                  <a:latin typeface="+mn-lt"/>
+                  <a:ea typeface="+mn-ea"/>
+                  <a:cs typeface="+mn-cs"/>
+                </a:defRPr>
+              </a:lvl4pPr>
+              <a:lvl5pPr marL="1828800" algn="l" defTabSz="914400" rtl="0" eaLnBrk="1" latinLnBrk="0" hangingPunct="1">
+                <a:defRPr sz="1800" kern="1200">
+                  <a:solidFill>
+                    <a:schemeClr val="lt1"/>
+                  </a:solidFill>
+                  <a:latin typeface="+mn-lt"/>
+                  <a:ea typeface="+mn-ea"/>
+                  <a:cs typeface="+mn-cs"/>
+                </a:defRPr>
+              </a:lvl5pPr>
+              <a:lvl6pPr marL="2286000" algn="l" defTabSz="914400" rtl="0" eaLnBrk="1" latinLnBrk="0" hangingPunct="1">
+                <a:defRPr sz="1800" kern="1200">
+                  <a:solidFill>
+                    <a:schemeClr val="lt1"/>
+                  </a:solidFill>
+                  <a:latin typeface="+mn-lt"/>
+                  <a:ea typeface="+mn-ea"/>
+                  <a:cs typeface="+mn-cs"/>
+                </a:defRPr>
+              </a:lvl6pPr>
+              <a:lvl7pPr marL="2743200" algn="l" defTabSz="914400" rtl="0" eaLnBrk="1" latinLnBrk="0" hangingPunct="1">
+                <a:defRPr sz="1800" kern="1200">
+                  <a:solidFill>
+                    <a:schemeClr val="lt1"/>
+                  </a:solidFill>
+                  <a:latin typeface="+mn-lt"/>
+                  <a:ea typeface="+mn-ea"/>
+                  <a:cs typeface="+mn-cs"/>
+                </a:defRPr>
+              </a:lvl7pPr>
+              <a:lvl8pPr marL="3200400" algn="l" defTabSz="914400" rtl="0" eaLnBrk="1" latinLnBrk="0" hangingPunct="1">
+                <a:defRPr sz="1800" kern="1200">
+                  <a:solidFill>
+                    <a:schemeClr val="lt1"/>
+                  </a:solidFill>
+                  <a:latin typeface="+mn-lt"/>
+                  <a:ea typeface="+mn-ea"/>
+                  <a:cs typeface="+mn-cs"/>
+                </a:defRPr>
+              </a:lvl8pPr>
+              <a:lvl9pPr marL="3657600" algn="l" defTabSz="914400" rtl="0" eaLnBrk="1" latinLnBrk="0" hangingPunct="1">
+                <a:defRPr sz="1800" kern="1200">
+                  <a:solidFill>
+                    <a:schemeClr val="lt1"/>
+                  </a:solidFill>
+                  <a:latin typeface="+mn-lt"/>
+                  <a:ea typeface="+mn-ea"/>
+                  <a:cs typeface="+mn-cs"/>
+                </a:defRPr>
+              </a:lvl9pPr>
+            </a:lstStyle>
+            <a:p>
+              <a:pPr algn="ctr"/>
+              <a:r>
+                <a:rPr lang="zh-TW" altLang="en-US" dirty="0" smtClean="0"/>
+                <a:t>景點</a:t>
+              </a:r>
+              <a:endParaRPr lang="zh-TW" altLang="en-US" dirty="0"/>
+            </a:p>
+          </p:txBody>
+        </p:sp>
+        <p:sp>
+          <p:nvSpPr>
+            <p:cNvPr id="9" name="手繪多邊形 8"/>
+            <p:cNvSpPr/>
+            <p:nvPr/>
+          </p:nvSpPr>
+          <p:spPr>
+            <a:xfrm rot="5400000">
+              <a:off x="2959250" y="2591834"/>
+              <a:ext cx="1252529" cy="1252530"/>
+            </a:xfrm>
+            <a:custGeom>
+              <a:avLst/>
+              <a:gdLst>
+                <a:gd name="connsiteX0" fmla="*/ 0 w 2095302"/>
+                <a:gd name="connsiteY0" fmla="*/ 2095303 h 2095303"/>
+                <a:gd name="connsiteX1" fmla="*/ 0 w 2095302"/>
+                <a:gd name="connsiteY1" fmla="*/ 0 h 2095303"/>
+                <a:gd name="connsiteX2" fmla="*/ 2095302 w 2095302"/>
+                <a:gd name="connsiteY2" fmla="*/ 0 h 2095303"/>
+                <a:gd name="connsiteX3" fmla="*/ 2087272 w 2095302"/>
+                <a:gd name="connsiteY3" fmla="*/ 159027 h 2095303"/>
+                <a:gd name="connsiteX4" fmla="*/ 159025 w 2095302"/>
+                <a:gd name="connsiteY4" fmla="*/ 2087274 h 2095303"/>
+                <a:gd name="connsiteX5" fmla="*/ 0 w 2095302"/>
+                <a:gd name="connsiteY5" fmla="*/ 2095303 h 2095303"/>
+              </a:gdLst>
+              <a:ahLst/>
+              <a:cxnLst>
+                <a:cxn ang="0">
+                  <a:pos x="connsiteX0" y="connsiteY0"/>
+                </a:cxn>
+                <a:cxn ang="0">
+                  <a:pos x="connsiteX1" y="connsiteY1"/>
+                </a:cxn>
+                <a:cxn ang="0">
+                  <a:pos x="connsiteX2" y="connsiteY2"/>
+                </a:cxn>
+                <a:cxn ang="0">
+                  <a:pos x="connsiteX3" y="connsiteY3"/>
+                </a:cxn>
+                <a:cxn ang="0">
+                  <a:pos x="connsiteX4" y="connsiteY4"/>
+                </a:cxn>
+                <a:cxn ang="0">
+                  <a:pos x="connsiteX5" y="connsiteY5"/>
+                </a:cxn>
+              </a:cxnLst>
+              <a:rect l="l" t="t" r="r" b="b"/>
+              <a:pathLst>
+                <a:path w="2095302" h="2095303">
+                  <a:moveTo>
+                    <a:pt x="0" y="2095303"/>
+                  </a:moveTo>
+                  <a:lnTo>
+                    <a:pt x="0" y="0"/>
+                  </a:lnTo>
+                  <a:lnTo>
+                    <a:pt x="2095302" y="0"/>
+                  </a:lnTo>
+                  <a:lnTo>
+                    <a:pt x="2087272" y="159027"/>
+                  </a:lnTo>
+                  <a:cubicBezTo>
+                    <a:pt x="1984019" y="1175736"/>
+                    <a:pt x="1175734" y="1984021"/>
+                    <a:pt x="159025" y="2087274"/>
+                  </a:cubicBezTo>
+                  <a:lnTo>
+                    <a:pt x="0" y="2095303"/>
+                  </a:lnTo>
+                  <a:close/>
+                </a:path>
+              </a:pathLst>
+            </a:custGeom>
+            <a:ln/>
+          </p:spPr>
+          <p:style>
+            <a:lnRef idx="2">
+              <a:schemeClr val="accent3">
+                <a:shade val="50000"/>
+              </a:schemeClr>
+            </a:lnRef>
+            <a:fillRef idx="1">
+              <a:schemeClr val="accent3"/>
+            </a:fillRef>
+            <a:effectRef idx="0">
+              <a:schemeClr val="accent3"/>
+            </a:effectRef>
+            <a:fontRef idx="minor">
+              <a:schemeClr val="lt1"/>
+            </a:fontRef>
+          </p:style>
+          <p:txBody>
+            <a:bodyPr vert="vert270" wrap="square" rtlCol="0" anchor="ctr">
+              <a:noAutofit/>
+            </a:bodyPr>
+            <a:lstStyle>
+              <a:defPPr>
+                <a:defRPr lang="zh-TW"/>
+              </a:defPPr>
+              <a:lvl1pPr marL="0" algn="l" defTabSz="914400" rtl="0" eaLnBrk="1" latinLnBrk="0" hangingPunct="1">
+                <a:defRPr sz="1800" kern="1200">
+                  <a:solidFill>
+                    <a:schemeClr val="lt1"/>
+                  </a:solidFill>
+                  <a:latin typeface="+mn-lt"/>
+                  <a:ea typeface="+mn-ea"/>
+                  <a:cs typeface="+mn-cs"/>
+                </a:defRPr>
+              </a:lvl1pPr>
+              <a:lvl2pPr marL="457200" algn="l" defTabSz="914400" rtl="0" eaLnBrk="1" latinLnBrk="0" hangingPunct="1">
+                <a:defRPr sz="1800" kern="1200">
+                  <a:solidFill>
+                    <a:schemeClr val="lt1"/>
+                  </a:solidFill>
+                  <a:latin typeface="+mn-lt"/>
+                  <a:ea typeface="+mn-ea"/>
+                  <a:cs typeface="+mn-cs"/>
+                </a:defRPr>
+              </a:lvl2pPr>
+              <a:lvl3pPr marL="914400" algn="l" defTabSz="914400" rtl="0" eaLnBrk="1" latinLnBrk="0" hangingPunct="1">
+                <a:defRPr sz="1800" kern="1200">
+                  <a:solidFill>
+                    <a:schemeClr val="lt1"/>
+                  </a:solidFill>
+                  <a:latin typeface="+mn-lt"/>
+                  <a:ea typeface="+mn-ea"/>
+                  <a:cs typeface="+mn-cs"/>
+                </a:defRPr>
+              </a:lvl3pPr>
+              <a:lvl4pPr marL="1371600" algn="l" defTabSz="914400" rtl="0" eaLnBrk="1" latinLnBrk="0" hangingPunct="1">
+                <a:defRPr sz="1800" kern="1200">
+                  <a:solidFill>
+                    <a:schemeClr val="lt1"/>
+                  </a:solidFill>
+                  <a:latin typeface="+mn-lt"/>
+                  <a:ea typeface="+mn-ea"/>
+                  <a:cs typeface="+mn-cs"/>
+                </a:defRPr>
+              </a:lvl4pPr>
+              <a:lvl5pPr marL="1828800" algn="l" defTabSz="914400" rtl="0" eaLnBrk="1" latinLnBrk="0" hangingPunct="1">
+                <a:defRPr sz="1800" kern="1200">
+                  <a:solidFill>
+                    <a:schemeClr val="lt1"/>
+                  </a:solidFill>
+                  <a:latin typeface="+mn-lt"/>
+                  <a:ea typeface="+mn-ea"/>
+                  <a:cs typeface="+mn-cs"/>
+                </a:defRPr>
+              </a:lvl5pPr>
+              <a:lvl6pPr marL="2286000" algn="l" defTabSz="914400" rtl="0" eaLnBrk="1" latinLnBrk="0" hangingPunct="1">
+                <a:defRPr sz="1800" kern="1200">
+                  <a:solidFill>
+                    <a:schemeClr val="lt1"/>
+                  </a:solidFill>
+                  <a:latin typeface="+mn-lt"/>
+                  <a:ea typeface="+mn-ea"/>
+                  <a:cs typeface="+mn-cs"/>
+                </a:defRPr>
+              </a:lvl6pPr>
+              <a:lvl7pPr marL="2743200" algn="l" defTabSz="914400" rtl="0" eaLnBrk="1" latinLnBrk="0" hangingPunct="1">
+                <a:defRPr sz="1800" kern="1200">
+                  <a:solidFill>
+                    <a:schemeClr val="lt1"/>
+                  </a:solidFill>
+                  <a:latin typeface="+mn-lt"/>
+                  <a:ea typeface="+mn-ea"/>
+                  <a:cs typeface="+mn-cs"/>
+                </a:defRPr>
+              </a:lvl7pPr>
+              <a:lvl8pPr marL="3200400" algn="l" defTabSz="914400" rtl="0" eaLnBrk="1" latinLnBrk="0" hangingPunct="1">
+                <a:defRPr sz="1800" kern="1200">
+                  <a:solidFill>
+                    <a:schemeClr val="lt1"/>
+                  </a:solidFill>
+                  <a:latin typeface="+mn-lt"/>
+                  <a:ea typeface="+mn-ea"/>
+                  <a:cs typeface="+mn-cs"/>
+                </a:defRPr>
+              </a:lvl8pPr>
+              <a:lvl9pPr marL="3657600" algn="l" defTabSz="914400" rtl="0" eaLnBrk="1" latinLnBrk="0" hangingPunct="1">
+                <a:defRPr sz="1800" kern="1200">
+                  <a:solidFill>
+                    <a:schemeClr val="lt1"/>
+                  </a:solidFill>
+                  <a:latin typeface="+mn-lt"/>
+                  <a:ea typeface="+mn-ea"/>
+                  <a:cs typeface="+mn-cs"/>
+                </a:defRPr>
+              </a:lvl9pPr>
+            </a:lstStyle>
+            <a:p>
+              <a:pPr algn="ctr"/>
+              <a:r>
+                <a:rPr lang="zh-TW" altLang="en-US" dirty="0" smtClean="0"/>
+                <a:t>餐廳</a:t>
+              </a:r>
+              <a:endParaRPr lang="zh-TW" altLang="en-US" dirty="0"/>
+            </a:p>
+          </p:txBody>
+        </p:sp>
+        <p:sp>
+          <p:nvSpPr>
+            <p:cNvPr id="10" name="手繪多邊形 9"/>
+            <p:cNvSpPr/>
+            <p:nvPr/>
+          </p:nvSpPr>
+          <p:spPr>
+            <a:xfrm rot="5400000">
+              <a:off x="4285724" y="2591834"/>
+              <a:ext cx="1252529" cy="1252529"/>
+            </a:xfrm>
+            <a:custGeom>
+              <a:avLst/>
+              <a:gdLst>
+                <a:gd name="connsiteX0" fmla="*/ 0 w 2095302"/>
+                <a:gd name="connsiteY0" fmla="*/ 2095302 h 2095302"/>
+                <a:gd name="connsiteX1" fmla="*/ 0 w 2095302"/>
+                <a:gd name="connsiteY1" fmla="*/ 0 h 2095302"/>
+                <a:gd name="connsiteX2" fmla="*/ 159025 w 2095302"/>
+                <a:gd name="connsiteY2" fmla="*/ 8030 h 2095302"/>
+                <a:gd name="connsiteX3" fmla="*/ 2087272 w 2095302"/>
+                <a:gd name="connsiteY3" fmla="*/ 1936277 h 2095302"/>
+                <a:gd name="connsiteX4" fmla="*/ 2095302 w 2095302"/>
+                <a:gd name="connsiteY4" fmla="*/ 2095302 h 2095302"/>
+                <a:gd name="connsiteX5" fmla="*/ 0 w 2095302"/>
+                <a:gd name="connsiteY5" fmla="*/ 2095302 h 2095302"/>
+              </a:gdLst>
+              <a:ahLst/>
+              <a:cxnLst>
+                <a:cxn ang="0">
+                  <a:pos x="connsiteX0" y="connsiteY0"/>
+                </a:cxn>
+                <a:cxn ang="0">
+                  <a:pos x="connsiteX1" y="connsiteY1"/>
+                </a:cxn>
+                <a:cxn ang="0">
+                  <a:pos x="connsiteX2" y="connsiteY2"/>
+                </a:cxn>
+                <a:cxn ang="0">
+                  <a:pos x="connsiteX3" y="connsiteY3"/>
+                </a:cxn>
+                <a:cxn ang="0">
+                  <a:pos x="connsiteX4" y="connsiteY4"/>
+                </a:cxn>
+                <a:cxn ang="0">
+                  <a:pos x="connsiteX5" y="connsiteY5"/>
+                </a:cxn>
+              </a:cxnLst>
+              <a:rect l="l" t="t" r="r" b="b"/>
+              <a:pathLst>
+                <a:path w="2095302" h="2095302">
+                  <a:moveTo>
+                    <a:pt x="0" y="2095302"/>
+                  </a:moveTo>
+                  <a:lnTo>
+                    <a:pt x="0" y="0"/>
+                  </a:lnTo>
+                  <a:lnTo>
+                    <a:pt x="159025" y="8030"/>
+                  </a:lnTo>
+                  <a:cubicBezTo>
+                    <a:pt x="1175734" y="111283"/>
+                    <a:pt x="1984019" y="919567"/>
+                    <a:pt x="2087272" y="1936277"/>
+                  </a:cubicBezTo>
+                  <a:lnTo>
+                    <a:pt x="2095302" y="2095302"/>
+                  </a:lnTo>
+                  <a:lnTo>
+                    <a:pt x="0" y="2095302"/>
+                  </a:lnTo>
+                  <a:close/>
+                </a:path>
+              </a:pathLst>
+            </a:custGeom>
+            <a:ln/>
+          </p:spPr>
+          <p:style>
+            <a:lnRef idx="2">
+              <a:schemeClr val="accent2">
+                <a:shade val="50000"/>
+              </a:schemeClr>
+            </a:lnRef>
+            <a:fillRef idx="1">
+              <a:schemeClr val="accent2"/>
+            </a:fillRef>
+            <a:effectRef idx="0">
+              <a:schemeClr val="accent2"/>
+            </a:effectRef>
+            <a:fontRef idx="minor">
+              <a:schemeClr val="lt1"/>
+            </a:fontRef>
+          </p:style>
+          <p:txBody>
+            <a:bodyPr vert="vert270" wrap="square" rtlCol="0" anchor="ctr">
+              <a:noAutofit/>
+            </a:bodyPr>
+            <a:lstStyle>
+              <a:defPPr>
+                <a:defRPr lang="zh-TW"/>
+              </a:defPPr>
+              <a:lvl1pPr marL="0" algn="l" defTabSz="914400" rtl="0" eaLnBrk="1" latinLnBrk="0" hangingPunct="1">
+                <a:defRPr sz="1800" kern="1200">
+                  <a:solidFill>
+                    <a:schemeClr val="lt1"/>
+                  </a:solidFill>
+                  <a:latin typeface="+mn-lt"/>
+                  <a:ea typeface="+mn-ea"/>
+                  <a:cs typeface="+mn-cs"/>
+                </a:defRPr>
+              </a:lvl1pPr>
+              <a:lvl2pPr marL="457200" algn="l" defTabSz="914400" rtl="0" eaLnBrk="1" latinLnBrk="0" hangingPunct="1">
+                <a:defRPr sz="1800" kern="1200">
+                  <a:solidFill>
+                    <a:schemeClr val="lt1"/>
+                  </a:solidFill>
+                  <a:latin typeface="+mn-lt"/>
+                  <a:ea typeface="+mn-ea"/>
+                  <a:cs typeface="+mn-cs"/>
+                </a:defRPr>
+              </a:lvl2pPr>
+              <a:lvl3pPr marL="914400" algn="l" defTabSz="914400" rtl="0" eaLnBrk="1" latinLnBrk="0" hangingPunct="1">
+                <a:defRPr sz="1800" kern="1200">
+                  <a:solidFill>
+                    <a:schemeClr val="lt1"/>
+                  </a:solidFill>
+                  <a:latin typeface="+mn-lt"/>
+                  <a:ea typeface="+mn-ea"/>
+                  <a:cs typeface="+mn-cs"/>
+                </a:defRPr>
+              </a:lvl3pPr>
+              <a:lvl4pPr marL="1371600" algn="l" defTabSz="914400" rtl="0" eaLnBrk="1" latinLnBrk="0" hangingPunct="1">
+                <a:defRPr sz="1800" kern="1200">
+                  <a:solidFill>
+                    <a:schemeClr val="lt1"/>
+                  </a:solidFill>
+                  <a:latin typeface="+mn-lt"/>
+                  <a:ea typeface="+mn-ea"/>
+                  <a:cs typeface="+mn-cs"/>
+                </a:defRPr>
+              </a:lvl4pPr>
+              <a:lvl5pPr marL="1828800" algn="l" defTabSz="914400" rtl="0" eaLnBrk="1" latinLnBrk="0" hangingPunct="1">
+                <a:defRPr sz="1800" kern="1200">
+                  <a:solidFill>
+                    <a:schemeClr val="lt1"/>
+                  </a:solidFill>
+                  <a:latin typeface="+mn-lt"/>
+                  <a:ea typeface="+mn-ea"/>
+                  <a:cs typeface="+mn-cs"/>
+                </a:defRPr>
+              </a:lvl5pPr>
+              <a:lvl6pPr marL="2286000" algn="l" defTabSz="914400" rtl="0" eaLnBrk="1" latinLnBrk="0" hangingPunct="1">
+                <a:defRPr sz="1800" kern="1200">
+                  <a:solidFill>
+                    <a:schemeClr val="lt1"/>
+                  </a:solidFill>
+                  <a:latin typeface="+mn-lt"/>
+                  <a:ea typeface="+mn-ea"/>
+                  <a:cs typeface="+mn-cs"/>
+                </a:defRPr>
+              </a:lvl6pPr>
+              <a:lvl7pPr marL="2743200" algn="l" defTabSz="914400" rtl="0" eaLnBrk="1" latinLnBrk="0" hangingPunct="1">
+                <a:defRPr sz="1800" kern="1200">
+                  <a:solidFill>
+                    <a:schemeClr val="lt1"/>
+                  </a:solidFill>
+                  <a:latin typeface="+mn-lt"/>
+                  <a:ea typeface="+mn-ea"/>
+                  <a:cs typeface="+mn-cs"/>
+                </a:defRPr>
+              </a:lvl7pPr>
+              <a:lvl8pPr marL="3200400" algn="l" defTabSz="914400" rtl="0" eaLnBrk="1" latinLnBrk="0" hangingPunct="1">
+                <a:defRPr sz="1800" kern="1200">
+                  <a:solidFill>
+                    <a:schemeClr val="lt1"/>
+                  </a:solidFill>
+                  <a:latin typeface="+mn-lt"/>
+                  <a:ea typeface="+mn-ea"/>
+                  <a:cs typeface="+mn-cs"/>
+                </a:defRPr>
+              </a:lvl8pPr>
+              <a:lvl9pPr marL="3657600" algn="l" defTabSz="914400" rtl="0" eaLnBrk="1" latinLnBrk="0" hangingPunct="1">
+                <a:defRPr sz="1800" kern="1200">
+                  <a:solidFill>
+                    <a:schemeClr val="lt1"/>
+                  </a:solidFill>
+                  <a:latin typeface="+mn-lt"/>
+                  <a:ea typeface="+mn-ea"/>
+                  <a:cs typeface="+mn-cs"/>
+                </a:defRPr>
+              </a:lvl9pPr>
+            </a:lstStyle>
+            <a:p>
+              <a:pPr algn="ctr"/>
+              <a:r>
+                <a:rPr lang="zh-TW" altLang="en-US" dirty="0" smtClean="0"/>
+                <a:t>旅館</a:t>
+              </a:r>
+              <a:endParaRPr lang="zh-TW" altLang="en-US" dirty="0"/>
+            </a:p>
+          </p:txBody>
+        </p:sp>
+      </p:grpSp>
+      <p:sp>
+        <p:nvSpPr>
+          <p:cNvPr id="11" name="文字方塊 10"/>
+          <p:cNvSpPr txBox="1"/>
+          <p:nvPr/>
+        </p:nvSpPr>
+        <p:spPr>
+          <a:xfrm>
+            <a:off x="1691680" y="4941168"/>
+            <a:ext cx="7425431" cy="523220"/>
+          </a:xfrm>
+          <a:prstGeom prst="rect">
+            <a:avLst/>
+          </a:prstGeom>
+        </p:spPr>
+        <p:style>
+          <a:lnRef idx="2">
+            <a:schemeClr val="accent6">
+              <a:shade val="50000"/>
+            </a:schemeClr>
+          </a:lnRef>
+          <a:fillRef idx="1">
+            <a:schemeClr val="accent6"/>
+          </a:fillRef>
+          <a:effectRef idx="0">
+            <a:schemeClr val="accent6"/>
+          </a:effectRef>
+          <a:fontRef idx="minor">
+            <a:schemeClr val="lt1"/>
+          </a:fontRef>
+        </p:style>
+        <p:txBody>
+          <a:bodyPr wrap="none" rtlCol="0">
+            <a:spAutoFit/>
+          </a:bodyPr>
+          <a:lstStyle/>
+          <a:p>
+            <a:r>
+              <a:rPr lang="zh-TW" altLang="en-US" sz="2800" b="1" dirty="0" smtClean="0">
+                <a:solidFill>
+                  <a:srgbClr val="C00000"/>
+                </a:solidFill>
+              </a:rPr>
+              <a:t>如果改搭</a:t>
+            </a:r>
+            <a:r>
+              <a:rPr lang="zh-TW" altLang="en-US" sz="2800" b="1" dirty="0" smtClean="0">
+                <a:solidFill>
+                  <a:schemeClr val="tx1"/>
+                </a:solidFill>
+              </a:rPr>
+              <a:t>公車</a:t>
+            </a:r>
+            <a:r>
+              <a:rPr lang="zh-TW" altLang="en-US" sz="2800" b="1" dirty="0" smtClean="0">
+                <a:solidFill>
+                  <a:srgbClr val="C00000"/>
+                </a:solidFill>
+              </a:rPr>
+              <a:t> 到目標</a:t>
+            </a:r>
+            <a:r>
+              <a:rPr lang="zh-TW" altLang="en-US" sz="2800" b="1" dirty="0" smtClean="0">
+                <a:solidFill>
+                  <a:schemeClr val="tx1"/>
+                </a:solidFill>
+              </a:rPr>
+              <a:t>景點 </a:t>
+            </a:r>
+            <a:r>
+              <a:rPr lang="zh-TW" altLang="en-US" sz="2800" b="1" dirty="0" smtClean="0">
+                <a:solidFill>
+                  <a:srgbClr val="C00000"/>
+                </a:solidFill>
+              </a:rPr>
+              <a:t>沿路還有什麼選擇</a:t>
+            </a:r>
+            <a:r>
+              <a:rPr lang="en-US" altLang="zh-TW" sz="2800" b="1" dirty="0" smtClean="0">
+                <a:solidFill>
+                  <a:srgbClr val="C00000"/>
+                </a:solidFill>
+              </a:rPr>
+              <a:t>?</a:t>
+            </a:r>
+            <a:endParaRPr lang="zh-TW" altLang="en-US" sz="2800" dirty="0"/>
+          </a:p>
+        </p:txBody>
+      </p:sp>
       <p:pic>
         <p:nvPicPr>
-          <p:cNvPr id="4" name="Picture 2"/>
+          <p:cNvPr id="12" name="圖片 11"/>
           <p:cNvPicPr>
-            <a:picLocks noChangeAspect="1" noChangeArrowheads="1"/>
+            <a:picLocks noChangeAspect="1"/>
           </p:cNvPicPr>
           <p:nvPr/>
         </p:nvPicPr>
-        <p:blipFill rotWithShape="1">
+        <p:blipFill>
           <a:blip r:embed="rId2">
             <a:extLst>
               <a:ext uri="{28A0092B-C50C-407E-A947-70E740481C1C}">
@@ -9001,62 +11801,337 @@
               </a:ext>
             </a:extLst>
           </a:blip>
-          <a:srcRect t="14668" r="3674" b="4428"/>
-          <a:stretch/>
+          <a:stretch>
+            <a:fillRect/>
+          </a:stretch>
         </p:blipFill>
-        <p:spPr bwMode="auto">
+        <p:spPr>
           <a:xfrm>
-            <a:off x="-36512" y="1772816"/>
-            <a:ext cx="9143483" cy="4319751"/>
+            <a:off x="899592" y="3284984"/>
+            <a:ext cx="344977" cy="398880"/>
           </a:xfrm>
           <a:prstGeom prst="rect">
             <a:avLst/>
           </a:prstGeom>
-          <a:noFill/>
-          <a:ln>
-            <a:noFill/>
-          </a:ln>
-          <a:effectLst/>
-          <a:extLst>
-            <a:ext uri="{909E8E84-426E-40DD-AFC4-6F175D3DCCD1}">
-              <a14:hiddenFill xmlns:a14="http://schemas.microsoft.com/office/drawing/2010/main">
-                <a:solidFill>
-                  <a:schemeClr val="accent1"/>
-                </a:solidFill>
-              </a14:hiddenFill>
-            </a:ext>
-            <a:ext uri="{91240B29-F687-4F45-9708-019B960494DF}">
-              <a14:hiddenLine xmlns:a14="http://schemas.microsoft.com/office/drawing/2010/main" w="9525">
-                <a:solidFill>
-                  <a:schemeClr val="tx1"/>
-                </a:solidFill>
-                <a:miter lim="800000"/>
-                <a:headEnd/>
-                <a:tailEnd/>
-              </a14:hiddenLine>
-            </a:ext>
-            <a:ext uri="{AF507438-7753-43E0-B8FC-AC1667EBCBE1}">
-              <a14:hiddenEffects xmlns:a14="http://schemas.microsoft.com/office/drawing/2010/main">
-                <a:effectLst>
-                  <a:outerShdw dist="35921" dir="2700000" algn="ctr" rotWithShape="0">
-                    <a:schemeClr val="bg2"/>
-                  </a:outerShdw>
-                </a:effectLst>
-              </a14:hiddenEffects>
-            </a:ext>
-          </a:extLst>
+        </p:spPr>
+      </p:pic>
+      <p:pic>
+        <p:nvPicPr>
+          <p:cNvPr id="13" name="圖片 12"/>
+          <p:cNvPicPr>
+            <a:picLocks noChangeAspect="1"/>
+          </p:cNvPicPr>
+          <p:nvPr/>
+        </p:nvPicPr>
+        <p:blipFill>
+          <a:blip r:embed="rId3">
+            <a:extLst>
+              <a:ext uri="{28A0092B-C50C-407E-A947-70E740481C1C}">
+                <a14:useLocalDpi xmlns:a14="http://schemas.microsoft.com/office/drawing/2010/main" val="0"/>
+              </a:ext>
+            </a:extLst>
+          </a:blip>
+          <a:stretch>
+            <a:fillRect/>
+          </a:stretch>
+        </p:blipFill>
+        <p:spPr>
+          <a:xfrm>
+            <a:off x="2577872" y="4262388"/>
+            <a:ext cx="337944" cy="390747"/>
+          </a:xfrm>
+          <a:prstGeom prst="rect">
+            <a:avLst/>
+          </a:prstGeom>
+        </p:spPr>
+      </p:pic>
+      <p:pic>
+        <p:nvPicPr>
+          <p:cNvPr id="14" name="圖片 13"/>
+          <p:cNvPicPr>
+            <a:picLocks noChangeAspect="1"/>
+          </p:cNvPicPr>
+          <p:nvPr/>
+        </p:nvPicPr>
+        <p:blipFill>
+          <a:blip r:embed="rId4">
+            <a:extLst>
+              <a:ext uri="{28A0092B-C50C-407E-A947-70E740481C1C}">
+                <a14:useLocalDpi xmlns:a14="http://schemas.microsoft.com/office/drawing/2010/main" val="0"/>
+              </a:ext>
+            </a:extLst>
+          </a:blip>
+          <a:stretch>
+            <a:fillRect/>
+          </a:stretch>
+        </p:blipFill>
+        <p:spPr>
+          <a:xfrm>
+            <a:off x="884528" y="4283070"/>
+            <a:ext cx="375103" cy="433713"/>
+          </a:xfrm>
+          <a:prstGeom prst="rect">
+            <a:avLst/>
+          </a:prstGeom>
+        </p:spPr>
+      </p:pic>
+      <p:pic>
+        <p:nvPicPr>
+          <p:cNvPr id="15" name="圖片 14"/>
+          <p:cNvPicPr>
+            <a:picLocks noChangeAspect="1"/>
+          </p:cNvPicPr>
+          <p:nvPr/>
+        </p:nvPicPr>
+        <p:blipFill>
+          <a:blip r:embed="rId5">
+            <a:extLst>
+              <a:ext uri="{28A0092B-C50C-407E-A947-70E740481C1C}">
+                <a14:useLocalDpi xmlns:a14="http://schemas.microsoft.com/office/drawing/2010/main" val="0"/>
+              </a:ext>
+            </a:extLst>
+          </a:blip>
+          <a:stretch>
+            <a:fillRect/>
+          </a:stretch>
+        </p:blipFill>
+        <p:spPr>
+          <a:xfrm>
+            <a:off x="2584369" y="3284984"/>
+            <a:ext cx="331447" cy="383236"/>
+          </a:xfrm>
+          <a:prstGeom prst="rect">
+            <a:avLst/>
+          </a:prstGeom>
+        </p:spPr>
+      </p:pic>
+      <p:pic>
+        <p:nvPicPr>
+          <p:cNvPr id="16" name="圖片 15"/>
+          <p:cNvPicPr>
+            <a:picLocks noChangeAspect="1"/>
+          </p:cNvPicPr>
+          <p:nvPr/>
+        </p:nvPicPr>
+        <p:blipFill>
+          <a:blip r:embed="rId2">
+            <a:extLst>
+              <a:ext uri="{28A0092B-C50C-407E-A947-70E740481C1C}">
+                <a14:useLocalDpi xmlns:a14="http://schemas.microsoft.com/office/drawing/2010/main" val="0"/>
+              </a:ext>
+            </a:extLst>
+          </a:blip>
+          <a:stretch>
+            <a:fillRect/>
+          </a:stretch>
+        </p:blipFill>
+        <p:spPr>
+          <a:xfrm>
+            <a:off x="3441993" y="4517343"/>
+            <a:ext cx="344977" cy="398880"/>
+          </a:xfrm>
+          <a:prstGeom prst="rect">
+            <a:avLst/>
+          </a:prstGeom>
+        </p:spPr>
+      </p:pic>
+      <p:pic>
+        <p:nvPicPr>
+          <p:cNvPr id="17" name="圖片 16"/>
+          <p:cNvPicPr>
+            <a:picLocks noChangeAspect="1"/>
+          </p:cNvPicPr>
+          <p:nvPr/>
+        </p:nvPicPr>
+        <p:blipFill>
+          <a:blip r:embed="rId5">
+            <a:extLst>
+              <a:ext uri="{28A0092B-C50C-407E-A947-70E740481C1C}">
+                <a14:useLocalDpi xmlns:a14="http://schemas.microsoft.com/office/drawing/2010/main" val="0"/>
+              </a:ext>
+            </a:extLst>
+          </a:blip>
+          <a:stretch>
+            <a:fillRect/>
+          </a:stretch>
+        </p:blipFill>
+        <p:spPr>
+          <a:xfrm>
+            <a:off x="5148064" y="4557932"/>
+            <a:ext cx="331447" cy="383236"/>
+          </a:xfrm>
+          <a:prstGeom prst="rect">
+            <a:avLst/>
+          </a:prstGeom>
+        </p:spPr>
+      </p:pic>
+      <p:pic>
+        <p:nvPicPr>
+          <p:cNvPr id="18" name="圖片 17"/>
+          <p:cNvPicPr>
+            <a:picLocks noChangeAspect="1"/>
+          </p:cNvPicPr>
+          <p:nvPr/>
+        </p:nvPicPr>
+        <p:blipFill>
+          <a:blip r:embed="rId3">
+            <a:extLst>
+              <a:ext uri="{28A0092B-C50C-407E-A947-70E740481C1C}">
+                <a14:useLocalDpi xmlns:a14="http://schemas.microsoft.com/office/drawing/2010/main" val="0"/>
+              </a:ext>
+            </a:extLst>
+          </a:blip>
+          <a:stretch>
+            <a:fillRect/>
+          </a:stretch>
+        </p:blipFill>
+        <p:spPr>
+          <a:xfrm>
+            <a:off x="5918055" y="4559152"/>
+            <a:ext cx="337944" cy="390747"/>
+          </a:xfrm>
+          <a:prstGeom prst="rect">
+            <a:avLst/>
+          </a:prstGeom>
+        </p:spPr>
+      </p:pic>
+      <p:pic>
+        <p:nvPicPr>
+          <p:cNvPr id="19" name="圖片 18"/>
+          <p:cNvPicPr>
+            <a:picLocks noChangeAspect="1"/>
+          </p:cNvPicPr>
+          <p:nvPr/>
+        </p:nvPicPr>
+        <p:blipFill>
+          <a:blip r:embed="rId4">
+            <a:extLst>
+              <a:ext uri="{28A0092B-C50C-407E-A947-70E740481C1C}">
+                <a14:useLocalDpi xmlns:a14="http://schemas.microsoft.com/office/drawing/2010/main" val="0"/>
+              </a:ext>
+            </a:extLst>
+          </a:blip>
+          <a:stretch>
+            <a:fillRect/>
+          </a:stretch>
+        </p:blipFill>
+        <p:spPr>
+          <a:xfrm>
+            <a:off x="5542953" y="4558512"/>
+            <a:ext cx="330946" cy="382656"/>
+          </a:xfrm>
+          <a:prstGeom prst="rect">
+            <a:avLst/>
+          </a:prstGeom>
+        </p:spPr>
+      </p:pic>
+      <p:pic>
+        <p:nvPicPr>
+          <p:cNvPr id="20" name="圖片 19"/>
+          <p:cNvPicPr>
+            <a:picLocks noChangeAspect="1"/>
+          </p:cNvPicPr>
+          <p:nvPr/>
+        </p:nvPicPr>
+        <p:blipFill>
+          <a:blip r:embed="rId5">
+            <a:extLst>
+              <a:ext uri="{28A0092B-C50C-407E-A947-70E740481C1C}">
+                <a14:useLocalDpi xmlns:a14="http://schemas.microsoft.com/office/drawing/2010/main" val="0"/>
+              </a:ext>
+            </a:extLst>
+          </a:blip>
+          <a:stretch>
+            <a:fillRect/>
+          </a:stretch>
+        </p:blipFill>
+        <p:spPr>
+          <a:xfrm>
+            <a:off x="7380312" y="4549201"/>
+            <a:ext cx="331447" cy="383236"/>
+          </a:xfrm>
+          <a:prstGeom prst="rect">
+            <a:avLst/>
+          </a:prstGeom>
+        </p:spPr>
+      </p:pic>
+      <p:pic>
+        <p:nvPicPr>
+          <p:cNvPr id="21" name="圖片 20"/>
+          <p:cNvPicPr>
+            <a:picLocks noChangeAspect="1"/>
+          </p:cNvPicPr>
+          <p:nvPr/>
+        </p:nvPicPr>
+        <p:blipFill>
+          <a:blip r:embed="rId3">
+            <a:extLst>
+              <a:ext uri="{28A0092B-C50C-407E-A947-70E740481C1C}">
+                <a14:useLocalDpi xmlns:a14="http://schemas.microsoft.com/office/drawing/2010/main" val="0"/>
+              </a:ext>
+            </a:extLst>
+          </a:blip>
+          <a:stretch>
+            <a:fillRect/>
+          </a:stretch>
+        </p:blipFill>
+        <p:spPr>
+          <a:xfrm>
+            <a:off x="8150303" y="4550421"/>
+            <a:ext cx="337944" cy="390747"/>
+          </a:xfrm>
+          <a:prstGeom prst="rect">
+            <a:avLst/>
+          </a:prstGeom>
+        </p:spPr>
+      </p:pic>
+      <p:pic>
+        <p:nvPicPr>
+          <p:cNvPr id="22" name="圖片 21"/>
+          <p:cNvPicPr>
+            <a:picLocks noChangeAspect="1"/>
+          </p:cNvPicPr>
+          <p:nvPr/>
+        </p:nvPicPr>
+        <p:blipFill>
+          <a:blip r:embed="rId4">
+            <a:extLst>
+              <a:ext uri="{28A0092B-C50C-407E-A947-70E740481C1C}">
+                <a14:useLocalDpi xmlns:a14="http://schemas.microsoft.com/office/drawing/2010/main" val="0"/>
+              </a:ext>
+            </a:extLst>
+          </a:blip>
+          <a:stretch>
+            <a:fillRect/>
+          </a:stretch>
+        </p:blipFill>
+        <p:spPr>
+          <a:xfrm>
+            <a:off x="7775201" y="4549781"/>
+            <a:ext cx="330946" cy="382656"/>
+          </a:xfrm>
+          <a:prstGeom prst="rect">
+            <a:avLst/>
+          </a:prstGeom>
         </p:spPr>
       </p:pic>
     </p:spTree>
     <p:extLst>
       <p:ext uri="{BB962C8B-B14F-4D97-AF65-F5344CB8AC3E}">
-        <p14:creationId xmlns:p14="http://schemas.microsoft.com/office/powerpoint/2010/main" val="71749474"/>
+        <p14:creationId xmlns:p14="http://schemas.microsoft.com/office/powerpoint/2010/main" val="1818935541"/>
       </p:ext>
     </p:extLst>
   </p:cSld>
   <p:clrMapOvr>
     <a:masterClrMapping/>
   </p:clrMapOvr>
+  <p:timing>
+    <p:tnLst>
+      <p:par>
+        <p:cTn id="1" dur="indefinite" restart="never" nodeType="tmRoot"/>
+      </p:par>
+    </p:tnLst>
+  </p:timing>
 </p:sld>
 </file>
 
@@ -9094,7 +12169,19 @@
           <a:p>
             <a:r>
               <a:rPr lang="zh-TW" altLang="en-US" dirty="0" smtClean="0"/>
-              <a:t>定義問題</a:t>
+              <a:t>分析方法</a:t>
+            </a:r>
+            <a:r>
+              <a:rPr lang="en-US" altLang="zh-TW" dirty="0" smtClean="0"/>
+              <a:t>…</a:t>
+            </a:r>
+            <a:r>
+              <a:rPr lang="zh-TW" altLang="en-US" dirty="0" smtClean="0"/>
+              <a:t>假設</a:t>
+            </a:r>
+            <a:r>
+              <a:rPr lang="en-US" altLang="zh-TW" dirty="0" smtClean="0"/>
+              <a:t>….</a:t>
             </a:r>
             <a:endParaRPr lang="zh-TW" altLang="en-US" dirty="0"/>
           </a:p>
@@ -9102,7 +12189,7 @@
       </p:sp>
       <p:sp>
         <p:nvSpPr>
-          <p:cNvPr id="3" name="內容版面配置區 2"/>
+          <p:cNvPr id="5" name="內容版面配置區 2"/>
           <p:cNvSpPr>
             <a:spLocks noGrp="1"/>
           </p:cNvSpPr>
@@ -9110,7 +12197,12 @@
             <p:ph idx="1"/>
           </p:nvPr>
         </p:nvSpPr>
-        <p:spPr/>
+        <p:spPr>
+          <a:xfrm>
+            <a:off x="457200" y="1600200"/>
+            <a:ext cx="8229600" cy="4876800"/>
+          </a:xfrm>
+        </p:spPr>
         <p:txBody>
           <a:bodyPr>
             <a:normAutofit/>
@@ -9118,168 +12210,223 @@
           <a:lstStyle/>
           <a:p>
             <a:r>
-              <a:rPr lang="zh-TW" altLang="en-US" dirty="0" smtClean="0"/>
-              <a:t> 新竹縣市有豐富</a:t>
-            </a:r>
-            <a:r>
-              <a:rPr lang="zh-TW" altLang="en-US" dirty="0"/>
-              <a:t>的人文、</a:t>
+              <a:rPr lang="en-US" altLang="zh-TW" dirty="0" smtClean="0"/>
+              <a:t>1</a:t>
             </a:r>
             <a:r>
               <a:rPr lang="zh-TW" altLang="en-US" dirty="0" smtClean="0"/>
-              <a:t>科技、景觀，為</a:t>
+              <a:t>度</a:t>
             </a:r>
             <a:r>
-              <a:rPr lang="zh-TW" altLang="zh-TW" dirty="0"/>
-              <a:t>振興</a:t>
-            </a:r>
-            <a:r>
-              <a:rPr lang="zh-TW" altLang="zh-TW" dirty="0" smtClean="0"/>
-              <a:t>觀光</a:t>
+              <a:rPr lang="en-US" altLang="zh-TW" dirty="0" smtClean="0"/>
+              <a:t>=111</a:t>
             </a:r>
             <a:r>
               <a:rPr lang="zh-TW" altLang="en-US" dirty="0" smtClean="0"/>
-              <a:t>，吸引更遊客，如何</a:t>
+              <a:t>公里   </a:t>
             </a:r>
             <a:r>
-              <a:rPr lang="zh-TW" altLang="zh-TW" dirty="0" smtClean="0"/>
-              <a:t>提升</a:t>
+              <a:rPr lang="en-US" altLang="zh-TW" dirty="0" smtClean="0"/>
+              <a:t>0.005</a:t>
             </a:r>
             <a:r>
               <a:rPr lang="zh-TW" altLang="en-US" dirty="0" smtClean="0"/>
-              <a:t>新竹縣市</a:t>
+              <a:t>度</a:t>
             </a:r>
             <a:r>
-              <a:rPr lang="zh-TW" altLang="zh-TW" dirty="0" smtClean="0"/>
-              <a:t>公車使用率</a:t>
-            </a:r>
-            <a:r>
-              <a:rPr lang="zh-TW" altLang="en-US" dirty="0"/>
-              <a:t>及深度旅遊的</a:t>
+              <a:rPr lang="en-US" altLang="zh-TW" dirty="0" smtClean="0"/>
+              <a:t>=</a:t>
             </a:r>
             <a:r>
               <a:rPr lang="zh-TW" altLang="en-US" dirty="0" smtClean="0"/>
-              <a:t>環境是一個重要的服務項目， 「遊輪式公車」</a:t>
+              <a:t> </a:t>
             </a:r>
             <a:r>
-              <a:rPr lang="zh-TW" altLang="en-US" dirty="0"/>
-              <a:t>的</a:t>
+              <a:rPr lang="en-US" altLang="zh-TW" dirty="0"/>
+              <a:t>555</a:t>
             </a:r>
             <a:r>
               <a:rPr lang="zh-TW" altLang="en-US" dirty="0" smtClean="0"/>
-              <a:t>應用</a:t>
+              <a:t>公尺</a:t>
+            </a:r>
+            <a:endParaRPr lang="en-US" altLang="zh-TW" dirty="0"/>
+          </a:p>
+          <a:p>
+            <a:endParaRPr lang="en-US" altLang="zh-TW" dirty="0" smtClean="0"/>
+          </a:p>
+          <a:p>
+            <a:r>
+              <a:rPr lang="zh-TW" altLang="en-US" dirty="0" smtClean="0"/>
+              <a:t>中心點為站牌 找 景點</a:t>
             </a:r>
             <a:r>
-              <a:rPr lang="zh-TW" altLang="en-US" dirty="0"/>
-              <a:t>整合了新竹市、</a:t>
+              <a:rPr lang="en-US" altLang="zh-TW" dirty="0" smtClean="0"/>
+              <a:t>=&gt;</a:t>
             </a:r>
             <a:r>
               <a:rPr lang="zh-TW" altLang="en-US" dirty="0" smtClean="0"/>
-              <a:t>新竹縣公車路線站牌</a:t>
-            </a:r>
-            <a:r>
-              <a:rPr lang="zh-TW" altLang="en-US" dirty="0"/>
-              <a:t>、 </a:t>
-            </a:r>
-            <a:r>
-              <a:rPr lang="zh-TW" altLang="en-US" dirty="0" smtClean="0"/>
-              <a:t>景點、旅館相關</a:t>
-            </a:r>
-            <a:r>
-              <a:rPr lang="zh-TW" altLang="en-US" dirty="0"/>
-              <a:t>的開放</a:t>
-            </a:r>
-            <a:r>
-              <a:rPr lang="zh-TW" altLang="en-US" dirty="0" smtClean="0"/>
-              <a:t>資料，提供旅客們以更少的費用，更深度認識新竹古城，而且降低對環境的污染，亦可檢視公車對於景點的方便性，是否有其不足，做為增設站牌或共乘機制的參考。</a:t>
+              <a:t>找出站點對旅遊的價值</a:t>
             </a:r>
             <a:endParaRPr lang="en-US" altLang="zh-TW" dirty="0" smtClean="0"/>
           </a:p>
           <a:p>
             <a:r>
-              <a:rPr lang="zh-TW" altLang="en-US" dirty="0" smtClean="0"/>
-              <a:t>除此之外，提升</a:t>
-            </a:r>
-            <a:r>
-              <a:rPr lang="zh-TW" altLang="zh-TW" dirty="0"/>
-              <a:t>公車使用率</a:t>
+              <a:rPr lang="zh-TW" altLang="en-US" dirty="0"/>
+              <a:t>中心點</a:t>
             </a:r>
             <a:r>
               <a:rPr lang="zh-TW" altLang="en-US" dirty="0" smtClean="0"/>
-              <a:t>亦可減輕</a:t>
+              <a:t>為景點 找 站牌</a:t>
             </a:r>
             <a:r>
-              <a:rPr lang="zh-TW" altLang="en-US" dirty="0"/>
-              <a:t>新竹捷運對公車業者帶來</a:t>
+              <a:rPr lang="en-US" altLang="zh-TW" dirty="0" smtClean="0"/>
+              <a:t>=&gt;</a:t>
             </a:r>
             <a:r>
               <a:rPr lang="zh-TW" altLang="en-US" dirty="0" smtClean="0"/>
-              <a:t>的衝擊</a:t>
+              <a:t>找出景點的交通便利性</a:t>
             </a:r>
-            <a:r>
-              <a:rPr lang="zh-TW" altLang="en-US" dirty="0"/>
-              <a:t>、改善</a:t>
-            </a:r>
-            <a:r>
-              <a:rPr lang="zh-TW" altLang="zh-TW" dirty="0"/>
-              <a:t>停車</a:t>
-            </a:r>
-            <a:r>
-              <a:rPr lang="zh-TW" altLang="zh-TW" dirty="0" smtClean="0"/>
-              <a:t>位</a:t>
-            </a:r>
-            <a:r>
-              <a:rPr lang="zh-TW" altLang="en-US" dirty="0" smtClean="0">
-                <a:latin typeface="新細明體"/>
-                <a:ea typeface="新細明體"/>
-              </a:rPr>
-              <a:t>、</a:t>
-            </a:r>
-            <a:r>
-              <a:rPr lang="zh-TW" altLang="zh-TW" dirty="0" smtClean="0"/>
-              <a:t>空污</a:t>
-            </a:r>
-            <a:r>
-              <a:rPr lang="zh-TW" altLang="en-US" dirty="0" smtClean="0">
-                <a:latin typeface="新細明體"/>
-                <a:ea typeface="新細明體"/>
-              </a:rPr>
-              <a:t>、</a:t>
-            </a:r>
-            <a:r>
-              <a:rPr lang="zh-TW" altLang="zh-TW" dirty="0" smtClean="0"/>
-              <a:t>振興觀光</a:t>
-            </a:r>
-            <a:r>
-              <a:rPr lang="zh-TW" altLang="en-US" dirty="0"/>
-              <a:t>等</a:t>
-            </a:r>
+            <a:endParaRPr lang="en-US" altLang="zh-TW" dirty="0"/>
+          </a:p>
+          <a:p>
+            <a:endParaRPr lang="en-US" altLang="zh-TW" dirty="0" smtClean="0"/>
+          </a:p>
+          <a:p>
+            <a:endParaRPr lang="en-US" altLang="zh-TW" dirty="0"/>
+          </a:p>
+          <a:p>
+            <a:endParaRPr lang="en-US" altLang="zh-TW" dirty="0" smtClean="0"/>
+          </a:p>
+          <a:p>
+            <a:endParaRPr lang="en-US" altLang="zh-TW" dirty="0"/>
+          </a:p>
+          <a:p>
+            <a:pPr marL="182563" indent="0">
+              <a:buNone/>
+            </a:pPr>
             <a:r>
               <a:rPr lang="zh-TW" altLang="en-US" dirty="0" smtClean="0"/>
-              <a:t>問題</a:t>
+              <a:t>                                       </a:t>
             </a:r>
-            <a:r>
-              <a:rPr lang="en-US" altLang="zh-TW" dirty="0" smtClean="0"/>
-              <a:t>,</a:t>
-            </a:r>
-            <a:r>
-              <a:rPr lang="zh-TW" altLang="en-US" dirty="0" smtClean="0"/>
-              <a:t>，可謂一舉數得。</a:t>
-            </a:r>
-            <a:endParaRPr lang="zh-TW" altLang="zh-TW" dirty="0"/>
+            <a:endParaRPr lang="en-US" altLang="zh-TW" dirty="0" smtClean="0"/>
           </a:p>
         </p:txBody>
       </p:sp>
       <p:sp>
         <p:nvSpPr>
-          <p:cNvPr id="4" name="文字方塊 3"/>
+          <p:cNvPr id="3" name="矩形 2"/>
+          <p:cNvSpPr/>
+          <p:nvPr/>
+        </p:nvSpPr>
+        <p:spPr>
+          <a:xfrm>
+            <a:off x="6444208" y="1268760"/>
+            <a:ext cx="1095533" cy="864096"/>
+          </a:xfrm>
+          <a:prstGeom prst="rect">
+            <a:avLst/>
+          </a:prstGeom>
+          <a:solidFill>
+            <a:schemeClr val="accent1">
+              <a:alpha val="50000"/>
+            </a:schemeClr>
+          </a:solidFill>
+        </p:spPr>
+        <p:style>
+          <a:lnRef idx="2">
+            <a:schemeClr val="accent1">
+              <a:shade val="50000"/>
+            </a:schemeClr>
+          </a:lnRef>
+          <a:fillRef idx="1">
+            <a:schemeClr val="accent1"/>
+          </a:fillRef>
+          <a:effectRef idx="0">
+            <a:schemeClr val="accent1"/>
+          </a:effectRef>
+          <a:fontRef idx="minor">
+            <a:schemeClr val="lt1"/>
+          </a:fontRef>
+        </p:style>
+        <p:txBody>
+          <a:bodyPr rtlCol="0" anchor="ctr"/>
+          <a:lstStyle/>
+          <a:p>
+            <a:pPr algn="ctr"/>
+            <a:endParaRPr lang="zh-TW" altLang="en-US"/>
+          </a:p>
+        </p:txBody>
+      </p:sp>
+      <p:cxnSp>
+        <p:nvCxnSpPr>
+          <p:cNvPr id="6" name="直線接點 5"/>
+          <p:cNvCxnSpPr/>
+          <p:nvPr/>
+        </p:nvCxnSpPr>
+        <p:spPr>
+          <a:xfrm>
+            <a:off x="5868144" y="1700808"/>
+            <a:ext cx="2160240" cy="0"/>
+          </a:xfrm>
+          <a:prstGeom prst="line">
+            <a:avLst/>
+          </a:prstGeom>
+        </p:spPr>
+        <p:style>
+          <a:lnRef idx="1">
+            <a:schemeClr val="accent1"/>
+          </a:lnRef>
+          <a:fillRef idx="0">
+            <a:schemeClr val="accent1"/>
+          </a:fillRef>
+          <a:effectRef idx="0">
+            <a:schemeClr val="accent1"/>
+          </a:effectRef>
+          <a:fontRef idx="minor">
+            <a:schemeClr val="tx1"/>
+          </a:fontRef>
+        </p:style>
+      </p:cxnSp>
+      <p:cxnSp>
+        <p:nvCxnSpPr>
+          <p:cNvPr id="8" name="直線接點 7"/>
+          <p:cNvCxnSpPr/>
+          <p:nvPr/>
+        </p:nvCxnSpPr>
+        <p:spPr>
+          <a:xfrm>
+            <a:off x="7020271" y="908720"/>
+            <a:ext cx="1" cy="1393304"/>
+          </a:xfrm>
+          <a:prstGeom prst="line">
+            <a:avLst/>
+          </a:prstGeom>
+        </p:spPr>
+        <p:style>
+          <a:lnRef idx="1">
+            <a:schemeClr val="accent1"/>
+          </a:lnRef>
+          <a:fillRef idx="0">
+            <a:schemeClr val="accent1"/>
+          </a:fillRef>
+          <a:effectRef idx="0">
+            <a:schemeClr val="accent1"/>
+          </a:effectRef>
+          <a:fontRef idx="minor">
+            <a:schemeClr val="tx1"/>
+          </a:fontRef>
+        </p:style>
+      </p:cxnSp>
+      <p:sp>
+        <p:nvSpPr>
+          <p:cNvPr id="15" name="文字方塊 14"/>
           <p:cNvSpPr txBox="1"/>
           <p:nvPr/>
         </p:nvSpPr>
         <p:spPr>
           <a:xfrm>
-            <a:off x="3491880" y="5439862"/>
-            <a:ext cx="5262979" cy="769441"/>
+            <a:off x="5868144" y="1334810"/>
+            <a:ext cx="966931" cy="369332"/>
           </a:xfrm>
           <a:prstGeom prst="rect">
             <a:avLst/>
@@ -9293,14 +12440,22 @@
           <a:lstStyle/>
           <a:p>
             <a:r>
-              <a:rPr lang="zh-TW" altLang="en-US" sz="4400" dirty="0" smtClean="0">
+              <a:rPr lang="en-US" altLang="zh-TW" b="1" dirty="0">
                 <a:solidFill>
                   <a:srgbClr val="FF0000"/>
                 </a:solidFill>
               </a:rPr>
-              <a:t>地方發展　首重交通</a:t>
+              <a:t>1.1</a:t>
             </a:r>
-            <a:endParaRPr lang="zh-TW" altLang="en-US" sz="4400" dirty="0">
+            <a:r>
+              <a:rPr lang="zh-TW" altLang="en-US" b="1" dirty="0" smtClean="0">
+                <a:solidFill>
+                  <a:srgbClr val="FF0000"/>
+                </a:solidFill>
+              </a:rPr>
+              <a:t>公里</a:t>
+            </a:r>
+            <a:endParaRPr lang="zh-TW" altLang="en-US" b="1" dirty="0">
               <a:solidFill>
                 <a:srgbClr val="FF0000"/>
               </a:solidFill>
@@ -9308,10 +12463,1552 @@
           </a:p>
         </p:txBody>
       </p:sp>
+      <p:sp>
+        <p:nvSpPr>
+          <p:cNvPr id="16" name="文字方塊 15"/>
+          <p:cNvSpPr txBox="1"/>
+          <p:nvPr/>
+        </p:nvSpPr>
+        <p:spPr>
+          <a:xfrm>
+            <a:off x="6500802" y="2117358"/>
+            <a:ext cx="966931" cy="369332"/>
+          </a:xfrm>
+          <a:prstGeom prst="rect">
+            <a:avLst/>
+          </a:prstGeom>
+          <a:noFill/>
+        </p:spPr>
+        <p:txBody>
+          <a:bodyPr wrap="none" rtlCol="0">
+            <a:spAutoFit/>
+          </a:bodyPr>
+          <a:lstStyle/>
+          <a:p>
+            <a:r>
+              <a:rPr lang="en-US" altLang="zh-TW" b="1" dirty="0">
+                <a:solidFill>
+                  <a:srgbClr val="FF0000"/>
+                </a:solidFill>
+              </a:rPr>
+              <a:t>1.1</a:t>
+            </a:r>
+            <a:r>
+              <a:rPr lang="zh-TW" altLang="en-US" b="1" dirty="0" smtClean="0">
+                <a:solidFill>
+                  <a:srgbClr val="FF0000"/>
+                </a:solidFill>
+              </a:rPr>
+              <a:t>公里</a:t>
+            </a:r>
+            <a:endParaRPr lang="zh-TW" altLang="en-US" b="1" dirty="0">
+              <a:solidFill>
+                <a:srgbClr val="FF0000"/>
+              </a:solidFill>
+            </a:endParaRPr>
+          </a:p>
+        </p:txBody>
+      </p:sp>
+      <p:sp>
+        <p:nvSpPr>
+          <p:cNvPr id="20" name="橢圓 19"/>
+          <p:cNvSpPr/>
+          <p:nvPr/>
+        </p:nvSpPr>
+        <p:spPr>
+          <a:xfrm>
+            <a:off x="6948264" y="1628800"/>
+            <a:ext cx="144016" cy="144016"/>
+          </a:xfrm>
+          <a:prstGeom prst="ellipse">
+            <a:avLst/>
+          </a:prstGeom>
+        </p:spPr>
+        <p:style>
+          <a:lnRef idx="0">
+            <a:schemeClr val="accent4"/>
+          </a:lnRef>
+          <a:fillRef idx="3">
+            <a:schemeClr val="accent4"/>
+          </a:fillRef>
+          <a:effectRef idx="3">
+            <a:schemeClr val="accent4"/>
+          </a:effectRef>
+          <a:fontRef idx="minor">
+            <a:schemeClr val="lt1"/>
+          </a:fontRef>
+        </p:style>
+        <p:txBody>
+          <a:bodyPr rtlCol="0" anchor="ctr"/>
+          <a:lstStyle/>
+          <a:p>
+            <a:pPr algn="ctr"/>
+            <a:endParaRPr lang="zh-TW" altLang="en-US"/>
+          </a:p>
+        </p:txBody>
+      </p:sp>
+      <p:graphicFrame>
+        <p:nvGraphicFramePr>
+          <p:cNvPr id="4" name="表格 3"/>
+          <p:cNvGraphicFramePr>
+            <a:graphicFrameLocks noGrp="1"/>
+          </p:cNvGraphicFramePr>
+          <p:nvPr>
+            <p:extLst>
+              <p:ext uri="{D42A27DB-BD31-4B8C-83A1-F6EECF244321}">
+                <p14:modId xmlns:p14="http://schemas.microsoft.com/office/powerpoint/2010/main" val="4127192258"/>
+              </p:ext>
+            </p:extLst>
+          </p:nvPr>
+        </p:nvGraphicFramePr>
+        <p:xfrm>
+          <a:off x="683568" y="3861048"/>
+          <a:ext cx="2520280" cy="2002146"/>
+        </p:xfrm>
+        <a:graphic>
+          <a:graphicData uri="http://schemas.openxmlformats.org/drawingml/2006/table">
+            <a:tbl>
+              <a:tblPr>
+                <a:tableStyleId>{08FB837D-C827-4EFA-A057-4D05807E0F7C}</a:tableStyleId>
+              </a:tblPr>
+              <a:tblGrid>
+                <a:gridCol w="576064"/>
+                <a:gridCol w="733872"/>
+                <a:gridCol w="1210344"/>
+              </a:tblGrid>
+              <a:tr h="333691">
+                <a:tc>
+                  <a:txBody>
+                    <a:bodyPr/>
+                    <a:lstStyle/>
+                    <a:p>
+                      <a:pPr marL="0" algn="l" defTabSz="914400" rtl="0" eaLnBrk="1" latinLnBrk="0" hangingPunct="1"/>
+                      <a:r>
+                        <a:rPr lang="en-US" altLang="zh-TW" sz="1400" b="1" kern="1200" dirty="0" smtClean="0">
+                          <a:solidFill>
+                            <a:schemeClr val="bg1"/>
+                          </a:solidFill>
+                          <a:effectLst/>
+                          <a:latin typeface="Roboto"/>
+                          <a:ea typeface="+mn-ea"/>
+                          <a:cs typeface="+mn-cs"/>
+                        </a:rPr>
+                        <a:t>#</a:t>
+                      </a:r>
+                      <a:endParaRPr lang="en-US" altLang="zh-TW" sz="1400" b="1" kern="1200" dirty="0">
+                        <a:solidFill>
+                          <a:schemeClr val="bg1"/>
+                        </a:solidFill>
+                        <a:effectLst/>
+                        <a:latin typeface="Roboto"/>
+                        <a:ea typeface="+mn-ea"/>
+                        <a:cs typeface="+mn-cs"/>
+                      </a:endParaRPr>
+                    </a:p>
+                  </a:txBody>
+                  <a:tcPr marL="71505" marR="71505" marT="59588" marB="59588" anchor="ctr">
+                    <a:solidFill>
+                      <a:schemeClr val="bg2">
+                        <a:lumMod val="50000"/>
+                      </a:schemeClr>
+                    </a:solidFill>
+                  </a:tcPr>
+                </a:tc>
+                <a:tc>
+                  <a:txBody>
+                    <a:bodyPr/>
+                    <a:lstStyle/>
+                    <a:p>
+                      <a:pPr marL="0" algn="l" defTabSz="914400" rtl="0" eaLnBrk="1" latinLnBrk="0" hangingPunct="1"/>
+                      <a:r>
+                        <a:rPr lang="zh-TW" altLang="en-US" sz="1400" b="1" kern="1200" dirty="0" smtClean="0">
+                          <a:solidFill>
+                            <a:schemeClr val="bg1"/>
+                          </a:solidFill>
+                          <a:effectLst/>
+                          <a:latin typeface="Roboto"/>
+                          <a:ea typeface="+mn-ea"/>
+                          <a:cs typeface="+mn-cs"/>
+                        </a:rPr>
+                        <a:t>景點數</a:t>
+                      </a:r>
+                      <a:endParaRPr lang="zh-TW" altLang="en-US" sz="1400" b="1" kern="1200" dirty="0">
+                        <a:solidFill>
+                          <a:schemeClr val="bg1"/>
+                        </a:solidFill>
+                        <a:effectLst/>
+                        <a:latin typeface="Roboto"/>
+                        <a:ea typeface="+mn-ea"/>
+                        <a:cs typeface="+mn-cs"/>
+                      </a:endParaRPr>
+                    </a:p>
+                  </a:txBody>
+                  <a:tcPr marL="71505" marR="71505" marT="59588" marB="59588" anchor="ctr">
+                    <a:solidFill>
+                      <a:schemeClr val="bg2">
+                        <a:lumMod val="50000"/>
+                      </a:schemeClr>
+                    </a:solidFill>
+                  </a:tcPr>
+                </a:tc>
+                <a:tc>
+                  <a:txBody>
+                    <a:bodyPr/>
+                    <a:lstStyle/>
+                    <a:p>
+                      <a:pPr marL="0" marR="0" indent="0" algn="l" defTabSz="914400" rtl="0" eaLnBrk="1" fontAlgn="auto" latinLnBrk="0" hangingPunct="1">
+                        <a:lnSpc>
+                          <a:spcPct val="100000"/>
+                        </a:lnSpc>
+                        <a:spcBef>
+                          <a:spcPts val="0"/>
+                        </a:spcBef>
+                        <a:spcAft>
+                          <a:spcPts val="0"/>
+                        </a:spcAft>
+                        <a:buClrTx/>
+                        <a:buSzTx/>
+                        <a:buFontTx/>
+                        <a:buNone/>
+                        <a:tabLst/>
+                        <a:defRPr/>
+                      </a:pPr>
+                      <a:r>
+                        <a:rPr lang="zh-TW" altLang="en-US" sz="1400" b="1" kern="1200" dirty="0" smtClean="0">
+                          <a:solidFill>
+                            <a:schemeClr val="bg1"/>
+                          </a:solidFill>
+                          <a:effectLst/>
+                          <a:latin typeface="Roboto"/>
+                          <a:ea typeface="+mn-ea"/>
+                          <a:cs typeface="+mn-cs"/>
+                        </a:rPr>
+                        <a:t>站名</a:t>
+                      </a:r>
+                    </a:p>
+                  </a:txBody>
+                  <a:tcPr marL="71505" marR="71505" marT="35753" marB="35753">
+                    <a:solidFill>
+                      <a:schemeClr val="bg2">
+                        <a:lumMod val="50000"/>
+                      </a:schemeClr>
+                    </a:solidFill>
+                  </a:tcPr>
+                </a:tc>
+              </a:tr>
+              <a:tr h="333691">
+                <a:tc>
+                  <a:txBody>
+                    <a:bodyPr/>
+                    <a:lstStyle/>
+                    <a:p>
+                      <a:pPr algn="l"/>
+                      <a:r>
+                        <a:rPr lang="en-US" altLang="zh-TW" sz="1400" dirty="0" smtClean="0">
+                          <a:solidFill>
+                            <a:srgbClr val="FF0000"/>
+                          </a:solidFill>
+                          <a:effectLst/>
+                        </a:rPr>
+                        <a:t>1</a:t>
+                      </a:r>
+                      <a:endParaRPr lang="zh-TW" altLang="en-US" sz="1400" dirty="0">
+                        <a:solidFill>
+                          <a:srgbClr val="FF0000"/>
+                        </a:solidFill>
+                        <a:effectLst/>
+                        <a:latin typeface="Roboto"/>
+                      </a:endParaRPr>
+                    </a:p>
+                  </a:txBody>
+                  <a:tcPr marL="71505" marR="71505" marT="59588" marB="59588" anchor="ctr"/>
+                </a:tc>
+                <a:tc>
+                  <a:txBody>
+                    <a:bodyPr/>
+                    <a:lstStyle/>
+                    <a:p>
+                      <a:pPr algn="l"/>
+                      <a:r>
+                        <a:rPr lang="en-US" altLang="zh-TW" sz="1400" dirty="0">
+                          <a:effectLst/>
+                        </a:rPr>
+                        <a:t>22</a:t>
+                      </a:r>
+                      <a:endParaRPr lang="en-US" altLang="zh-TW" sz="1400" dirty="0">
+                        <a:solidFill>
+                          <a:srgbClr val="000000"/>
+                        </a:solidFill>
+                        <a:effectLst/>
+                        <a:latin typeface="Roboto"/>
+                      </a:endParaRPr>
+                    </a:p>
+                  </a:txBody>
+                  <a:tcPr marL="71505" marR="71505" marT="59588" marB="59588" anchor="ctr"/>
+                </a:tc>
+                <a:tc>
+                  <a:txBody>
+                    <a:bodyPr/>
+                    <a:lstStyle/>
+                    <a:p>
+                      <a:pPr algn="l"/>
+                      <a:r>
+                        <a:rPr lang="zh-TW" altLang="en-US" sz="1400" dirty="0" smtClean="0">
+                          <a:effectLst/>
+                        </a:rPr>
+                        <a:t>東門市場</a:t>
+                      </a:r>
+                      <a:endParaRPr lang="zh-TW" altLang="en-US" sz="1400" dirty="0">
+                        <a:solidFill>
+                          <a:srgbClr val="000000"/>
+                        </a:solidFill>
+                        <a:effectLst/>
+                        <a:latin typeface="Roboto"/>
+                      </a:endParaRPr>
+                    </a:p>
+                  </a:txBody>
+                  <a:tcPr marL="71505" marR="71505" marT="59588" marB="59588" anchor="ctr"/>
+                </a:tc>
+              </a:tr>
+              <a:tr h="333691">
+                <a:tc>
+                  <a:txBody>
+                    <a:bodyPr/>
+                    <a:lstStyle/>
+                    <a:p>
+                      <a:pPr algn="l"/>
+                      <a:r>
+                        <a:rPr lang="en-US" altLang="zh-TW" sz="1400">
+                          <a:solidFill>
+                            <a:srgbClr val="FF0000"/>
+                          </a:solidFill>
+                          <a:effectLst/>
+                        </a:rPr>
+                        <a:t>2</a:t>
+                      </a:r>
+                      <a:endParaRPr lang="zh-TW" altLang="en-US" sz="1400">
+                        <a:solidFill>
+                          <a:srgbClr val="FF0000"/>
+                        </a:solidFill>
+                        <a:effectLst/>
+                        <a:latin typeface="Roboto"/>
+                      </a:endParaRPr>
+                    </a:p>
+                  </a:txBody>
+                  <a:tcPr marL="71505" marR="71505" marT="59588" marB="59588" anchor="ctr"/>
+                </a:tc>
+                <a:tc>
+                  <a:txBody>
+                    <a:bodyPr/>
+                    <a:lstStyle/>
+                    <a:p>
+                      <a:pPr algn="l"/>
+                      <a:r>
+                        <a:rPr lang="en-US" altLang="zh-TW" sz="1400">
+                          <a:effectLst/>
+                        </a:rPr>
+                        <a:t>17</a:t>
+                      </a:r>
+                      <a:endParaRPr lang="en-US" altLang="zh-TW" sz="1400">
+                        <a:solidFill>
+                          <a:srgbClr val="000000"/>
+                        </a:solidFill>
+                        <a:effectLst/>
+                        <a:latin typeface="Roboto"/>
+                      </a:endParaRPr>
+                    </a:p>
+                  </a:txBody>
+                  <a:tcPr marL="71505" marR="71505" marT="59588" marB="59588" anchor="ctr"/>
+                </a:tc>
+                <a:tc>
+                  <a:txBody>
+                    <a:bodyPr/>
+                    <a:lstStyle/>
+                    <a:p>
+                      <a:pPr algn="l"/>
+                      <a:r>
+                        <a:rPr lang="zh-TW" altLang="en-US" sz="1400" dirty="0">
+                          <a:effectLst/>
+                        </a:rPr>
+                        <a:t>廣和宮</a:t>
+                      </a:r>
+                      <a:endParaRPr lang="zh-TW" altLang="en-US" sz="1400" dirty="0">
+                        <a:solidFill>
+                          <a:srgbClr val="000000"/>
+                        </a:solidFill>
+                        <a:effectLst/>
+                        <a:latin typeface="Roboto"/>
+                      </a:endParaRPr>
+                    </a:p>
+                  </a:txBody>
+                  <a:tcPr marL="71505" marR="71505" marT="59588" marB="59588" anchor="ctr"/>
+                </a:tc>
+              </a:tr>
+              <a:tr h="333691">
+                <a:tc>
+                  <a:txBody>
+                    <a:bodyPr/>
+                    <a:lstStyle/>
+                    <a:p>
+                      <a:pPr algn="l"/>
+                      <a:r>
+                        <a:rPr lang="en-US" altLang="zh-TW" sz="1400">
+                          <a:solidFill>
+                            <a:srgbClr val="FF0000"/>
+                          </a:solidFill>
+                          <a:effectLst/>
+                        </a:rPr>
+                        <a:t>3</a:t>
+                      </a:r>
+                      <a:endParaRPr lang="zh-TW" altLang="en-US" sz="1400">
+                        <a:solidFill>
+                          <a:srgbClr val="FF0000"/>
+                        </a:solidFill>
+                        <a:effectLst/>
+                        <a:latin typeface="Roboto"/>
+                      </a:endParaRPr>
+                    </a:p>
+                  </a:txBody>
+                  <a:tcPr marL="71505" marR="71505" marT="59588" marB="59588" anchor="ctr"/>
+                </a:tc>
+                <a:tc>
+                  <a:txBody>
+                    <a:bodyPr/>
+                    <a:lstStyle/>
+                    <a:p>
+                      <a:pPr algn="l"/>
+                      <a:r>
+                        <a:rPr lang="en-US" altLang="zh-TW" sz="1400">
+                          <a:effectLst/>
+                        </a:rPr>
+                        <a:t>15</a:t>
+                      </a:r>
+                      <a:endParaRPr lang="en-US" altLang="zh-TW" sz="1400">
+                        <a:solidFill>
+                          <a:srgbClr val="000000"/>
+                        </a:solidFill>
+                        <a:effectLst/>
+                        <a:latin typeface="Roboto"/>
+                      </a:endParaRPr>
+                    </a:p>
+                  </a:txBody>
+                  <a:tcPr marL="71505" marR="71505" marT="59588" marB="59588" anchor="ctr"/>
+                </a:tc>
+                <a:tc>
+                  <a:txBody>
+                    <a:bodyPr/>
+                    <a:lstStyle/>
+                    <a:p>
+                      <a:pPr algn="l"/>
+                      <a:r>
+                        <a:rPr lang="zh-TW" altLang="en-US" sz="1400" dirty="0">
+                          <a:effectLst/>
+                        </a:rPr>
+                        <a:t>內灣大橋</a:t>
+                      </a:r>
+                      <a:endParaRPr lang="zh-TW" altLang="en-US" sz="1400" dirty="0">
+                        <a:solidFill>
+                          <a:srgbClr val="000000"/>
+                        </a:solidFill>
+                        <a:effectLst/>
+                        <a:latin typeface="Roboto"/>
+                      </a:endParaRPr>
+                    </a:p>
+                  </a:txBody>
+                  <a:tcPr marL="71505" marR="71505" marT="59588" marB="59588" anchor="ctr"/>
+                </a:tc>
+              </a:tr>
+              <a:tr h="333691">
+                <a:tc>
+                  <a:txBody>
+                    <a:bodyPr/>
+                    <a:lstStyle/>
+                    <a:p>
+                      <a:pPr algn="l"/>
+                      <a:r>
+                        <a:rPr lang="en-US" altLang="zh-TW" sz="1400">
+                          <a:solidFill>
+                            <a:srgbClr val="FF0000"/>
+                          </a:solidFill>
+                          <a:effectLst/>
+                        </a:rPr>
+                        <a:t>4</a:t>
+                      </a:r>
+                      <a:endParaRPr lang="zh-TW" altLang="en-US" sz="1400">
+                        <a:solidFill>
+                          <a:srgbClr val="FF0000"/>
+                        </a:solidFill>
+                        <a:effectLst/>
+                        <a:latin typeface="Roboto"/>
+                      </a:endParaRPr>
+                    </a:p>
+                  </a:txBody>
+                  <a:tcPr marL="71505" marR="71505" marT="59588" marB="59588" anchor="ctr"/>
+                </a:tc>
+                <a:tc>
+                  <a:txBody>
+                    <a:bodyPr/>
+                    <a:lstStyle/>
+                    <a:p>
+                      <a:pPr algn="l"/>
+                      <a:r>
+                        <a:rPr lang="en-US" altLang="zh-TW" sz="1400">
+                          <a:effectLst/>
+                        </a:rPr>
+                        <a:t>11</a:t>
+                      </a:r>
+                      <a:endParaRPr lang="en-US" altLang="zh-TW" sz="1400">
+                        <a:solidFill>
+                          <a:srgbClr val="000000"/>
+                        </a:solidFill>
+                        <a:effectLst/>
+                        <a:latin typeface="Roboto"/>
+                      </a:endParaRPr>
+                    </a:p>
+                  </a:txBody>
+                  <a:tcPr marL="71505" marR="71505" marT="59588" marB="59588" anchor="ctr"/>
+                </a:tc>
+                <a:tc>
+                  <a:txBody>
+                    <a:bodyPr/>
+                    <a:lstStyle/>
+                    <a:p>
+                      <a:pPr algn="l"/>
+                      <a:r>
+                        <a:rPr lang="zh-TW" altLang="en-US" sz="1400">
+                          <a:effectLst/>
+                        </a:rPr>
+                        <a:t>新竹高商</a:t>
+                      </a:r>
+                      <a:endParaRPr lang="zh-TW" altLang="en-US" sz="1400">
+                        <a:solidFill>
+                          <a:srgbClr val="000000"/>
+                        </a:solidFill>
+                        <a:effectLst/>
+                        <a:latin typeface="Roboto"/>
+                      </a:endParaRPr>
+                    </a:p>
+                  </a:txBody>
+                  <a:tcPr marL="71505" marR="71505" marT="59588" marB="59588" anchor="ctr"/>
+                </a:tc>
+              </a:tr>
+              <a:tr h="333691">
+                <a:tc>
+                  <a:txBody>
+                    <a:bodyPr/>
+                    <a:lstStyle/>
+                    <a:p>
+                      <a:pPr algn="l"/>
+                      <a:r>
+                        <a:rPr lang="en-US" altLang="zh-TW" sz="1400" dirty="0">
+                          <a:solidFill>
+                            <a:srgbClr val="FF0000"/>
+                          </a:solidFill>
+                          <a:effectLst/>
+                        </a:rPr>
+                        <a:t>5</a:t>
+                      </a:r>
+                      <a:endParaRPr lang="zh-TW" altLang="en-US" sz="1400" dirty="0">
+                        <a:solidFill>
+                          <a:srgbClr val="FF0000"/>
+                        </a:solidFill>
+                        <a:effectLst/>
+                        <a:latin typeface="Roboto"/>
+                      </a:endParaRPr>
+                    </a:p>
+                  </a:txBody>
+                  <a:tcPr marL="71505" marR="71505" marT="59588" marB="59588" anchor="ctr"/>
+                </a:tc>
+                <a:tc>
+                  <a:txBody>
+                    <a:bodyPr/>
+                    <a:lstStyle/>
+                    <a:p>
+                      <a:pPr algn="l"/>
+                      <a:r>
+                        <a:rPr lang="en-US" altLang="zh-TW" sz="1400">
+                          <a:effectLst/>
+                        </a:rPr>
+                        <a:t>11</a:t>
+                      </a:r>
+                      <a:endParaRPr lang="en-US" altLang="zh-TW" sz="1400">
+                        <a:solidFill>
+                          <a:srgbClr val="000000"/>
+                        </a:solidFill>
+                        <a:effectLst/>
+                        <a:latin typeface="Roboto"/>
+                      </a:endParaRPr>
+                    </a:p>
+                  </a:txBody>
+                  <a:tcPr marL="71505" marR="71505" marT="59588" marB="59588" anchor="ctr"/>
+                </a:tc>
+                <a:tc>
+                  <a:txBody>
+                    <a:bodyPr/>
+                    <a:lstStyle/>
+                    <a:p>
+                      <a:pPr algn="l"/>
+                      <a:r>
+                        <a:rPr lang="zh-TW" altLang="en-US" sz="1400" dirty="0">
+                          <a:effectLst/>
+                        </a:rPr>
+                        <a:t>北埔</a:t>
+                      </a:r>
+                      <a:endParaRPr lang="zh-TW" altLang="en-US" sz="1400" dirty="0">
+                        <a:solidFill>
+                          <a:srgbClr val="000000"/>
+                        </a:solidFill>
+                        <a:effectLst/>
+                        <a:latin typeface="Roboto"/>
+                      </a:endParaRPr>
+                    </a:p>
+                  </a:txBody>
+                  <a:tcPr marL="71505" marR="71505" marT="59588" marB="59588" anchor="ctr"/>
+                </a:tc>
+              </a:tr>
+            </a:tbl>
+          </a:graphicData>
+        </a:graphic>
+      </p:graphicFrame>
+      <p:graphicFrame>
+        <p:nvGraphicFramePr>
+          <p:cNvPr id="7" name="表格 6"/>
+          <p:cNvGraphicFramePr>
+            <a:graphicFrameLocks noGrp="1"/>
+          </p:cNvGraphicFramePr>
+          <p:nvPr>
+            <p:extLst>
+              <p:ext uri="{D42A27DB-BD31-4B8C-83A1-F6EECF244321}">
+                <p14:modId xmlns:p14="http://schemas.microsoft.com/office/powerpoint/2010/main" val="3254895081"/>
+              </p:ext>
+            </p:extLst>
+          </p:nvPr>
+        </p:nvGraphicFramePr>
+        <p:xfrm>
+          <a:off x="5652120" y="3627362"/>
+          <a:ext cx="2304256" cy="2327752"/>
+        </p:xfrm>
+        <a:graphic>
+          <a:graphicData uri="http://schemas.openxmlformats.org/drawingml/2006/table">
+            <a:tbl>
+              <a:tblPr>
+                <a:tableStyleId>{3C2FFA5D-87B4-456A-9821-1D502468CF0F}</a:tableStyleId>
+              </a:tblPr>
+              <a:tblGrid>
+                <a:gridCol w="443367"/>
+                <a:gridCol w="708761"/>
+                <a:gridCol w="1152128"/>
+              </a:tblGrid>
+              <a:tr h="249450">
+                <a:tc>
+                  <a:txBody>
+                    <a:bodyPr/>
+                    <a:lstStyle/>
+                    <a:p>
+                      <a:pPr marL="0" algn="l" defTabSz="914400" rtl="0" eaLnBrk="1" latinLnBrk="0" hangingPunct="1"/>
+                      <a:r>
+                        <a:rPr lang="en-US" altLang="zh-TW" sz="1400" b="1" kern="1200" dirty="0" smtClean="0">
+                          <a:solidFill>
+                            <a:schemeClr val="bg1"/>
+                          </a:solidFill>
+                          <a:effectLst/>
+                          <a:latin typeface="Roboto"/>
+                          <a:ea typeface="+mn-ea"/>
+                          <a:cs typeface="+mn-cs"/>
+                        </a:rPr>
+                        <a:t>#</a:t>
+                      </a:r>
+                      <a:endParaRPr lang="en-US" altLang="zh-TW" sz="1400" b="1" kern="1200" dirty="0">
+                        <a:solidFill>
+                          <a:schemeClr val="bg1"/>
+                        </a:solidFill>
+                        <a:effectLst/>
+                        <a:latin typeface="Roboto"/>
+                        <a:ea typeface="+mn-ea"/>
+                        <a:cs typeface="+mn-cs"/>
+                      </a:endParaRPr>
+                    </a:p>
+                  </a:txBody>
+                  <a:tcPr marL="71505" marR="71505" marT="59588" marB="59588" anchor="ctr">
+                    <a:solidFill>
+                      <a:srgbClr val="00B0F0"/>
+                    </a:solidFill>
+                  </a:tcPr>
+                </a:tc>
+                <a:tc>
+                  <a:txBody>
+                    <a:bodyPr/>
+                    <a:lstStyle/>
+                    <a:p>
+                      <a:pPr marL="0" algn="l" defTabSz="914400" rtl="0" eaLnBrk="1" latinLnBrk="0" hangingPunct="1"/>
+                      <a:r>
+                        <a:rPr lang="zh-TW" altLang="en-US" sz="1400" b="1" kern="1200" dirty="0" smtClean="0">
+                          <a:solidFill>
+                            <a:schemeClr val="bg1"/>
+                          </a:solidFill>
+                          <a:effectLst/>
+                          <a:latin typeface="Roboto"/>
+                          <a:ea typeface="+mn-ea"/>
+                          <a:cs typeface="+mn-cs"/>
+                        </a:rPr>
+                        <a:t>餐廳數</a:t>
+                      </a:r>
+                      <a:endParaRPr lang="zh-TW" altLang="en-US" sz="1400" b="1" kern="1200" dirty="0">
+                        <a:solidFill>
+                          <a:schemeClr val="bg1"/>
+                        </a:solidFill>
+                        <a:effectLst/>
+                        <a:latin typeface="Roboto"/>
+                        <a:ea typeface="+mn-ea"/>
+                        <a:cs typeface="+mn-cs"/>
+                      </a:endParaRPr>
+                    </a:p>
+                  </a:txBody>
+                  <a:tcPr marL="71505" marR="71505" marT="59588" marB="59588" anchor="ctr">
+                    <a:solidFill>
+                      <a:srgbClr val="00B0F0"/>
+                    </a:solidFill>
+                  </a:tcPr>
+                </a:tc>
+                <a:tc>
+                  <a:txBody>
+                    <a:bodyPr/>
+                    <a:lstStyle/>
+                    <a:p>
+                      <a:pPr marL="0" marR="0" indent="0" algn="l" defTabSz="914400" rtl="0" eaLnBrk="1" fontAlgn="auto" latinLnBrk="0" hangingPunct="1">
+                        <a:lnSpc>
+                          <a:spcPct val="100000"/>
+                        </a:lnSpc>
+                        <a:spcBef>
+                          <a:spcPts val="0"/>
+                        </a:spcBef>
+                        <a:spcAft>
+                          <a:spcPts val="0"/>
+                        </a:spcAft>
+                        <a:buClrTx/>
+                        <a:buSzTx/>
+                        <a:buFontTx/>
+                        <a:buNone/>
+                        <a:tabLst/>
+                        <a:defRPr/>
+                      </a:pPr>
+                      <a:r>
+                        <a:rPr lang="zh-TW" altLang="en-US" sz="1400" b="1" kern="1200" dirty="0" smtClean="0">
+                          <a:solidFill>
+                            <a:schemeClr val="bg1"/>
+                          </a:solidFill>
+                          <a:effectLst/>
+                          <a:latin typeface="Roboto"/>
+                          <a:ea typeface="+mn-ea"/>
+                          <a:cs typeface="+mn-cs"/>
+                        </a:rPr>
+                        <a:t>站名</a:t>
+                      </a:r>
+                    </a:p>
+                  </a:txBody>
+                  <a:tcPr marL="71505" marR="71505" marT="35753" marB="35753">
+                    <a:solidFill>
+                      <a:srgbClr val="00B0F0"/>
+                    </a:solidFill>
+                  </a:tcPr>
+                </a:tc>
+              </a:tr>
+              <a:tr h="249450">
+                <a:tc>
+                  <a:txBody>
+                    <a:bodyPr/>
+                    <a:lstStyle/>
+                    <a:p>
+                      <a:pPr marL="0" algn="l" defTabSz="914400" rtl="0" eaLnBrk="1" latinLnBrk="0" hangingPunct="1"/>
+                      <a:r>
+                        <a:rPr lang="en-US" altLang="zh-TW" sz="1400" kern="1200" dirty="0" smtClean="0">
+                          <a:solidFill>
+                            <a:srgbClr val="FF0000"/>
+                          </a:solidFill>
+                          <a:effectLst/>
+                        </a:rPr>
+                        <a:t>1</a:t>
+                      </a:r>
+                      <a:endParaRPr lang="en-US" altLang="zh-TW" sz="1400" kern="1200" dirty="0">
+                        <a:solidFill>
+                          <a:srgbClr val="FF0000"/>
+                        </a:solidFill>
+                        <a:effectLst/>
+                        <a:latin typeface="Roboto"/>
+                        <a:ea typeface="+mn-ea"/>
+                        <a:cs typeface="+mn-cs"/>
+                      </a:endParaRPr>
+                    </a:p>
+                  </a:txBody>
+                  <a:tcPr marL="71505" marR="71505" marT="59588" marB="59588" anchor="ctr"/>
+                </a:tc>
+                <a:tc>
+                  <a:txBody>
+                    <a:bodyPr/>
+                    <a:lstStyle/>
+                    <a:p>
+                      <a:pPr marL="0" algn="l" defTabSz="914400" rtl="0" eaLnBrk="1" latinLnBrk="0" hangingPunct="1"/>
+                      <a:r>
+                        <a:rPr lang="en-US" altLang="zh-TW" sz="1400" kern="1200" dirty="0" smtClean="0">
+                          <a:effectLst/>
+                        </a:rPr>
+                        <a:t>17</a:t>
+                      </a:r>
+                      <a:endParaRPr lang="zh-TW" altLang="en-US" sz="1400" kern="1200" dirty="0">
+                        <a:solidFill>
+                          <a:srgbClr val="000000"/>
+                        </a:solidFill>
+                        <a:effectLst/>
+                        <a:latin typeface="Roboto"/>
+                        <a:ea typeface="+mn-ea"/>
+                        <a:cs typeface="+mn-cs"/>
+                      </a:endParaRPr>
+                    </a:p>
+                  </a:txBody>
+                  <a:tcPr marL="71505" marR="71505" marT="59588" marB="59588" anchor="ctr"/>
+                </a:tc>
+                <a:tc>
+                  <a:txBody>
+                    <a:bodyPr/>
+                    <a:lstStyle/>
+                    <a:p>
+                      <a:pPr marL="0" marR="0" indent="0" algn="l" defTabSz="914400" rtl="0" eaLnBrk="1" fontAlgn="auto" latinLnBrk="0" hangingPunct="1">
+                        <a:lnSpc>
+                          <a:spcPct val="100000"/>
+                        </a:lnSpc>
+                        <a:spcBef>
+                          <a:spcPts val="0"/>
+                        </a:spcBef>
+                        <a:spcAft>
+                          <a:spcPts val="0"/>
+                        </a:spcAft>
+                        <a:buClrTx/>
+                        <a:buSzTx/>
+                        <a:buFontTx/>
+                        <a:buNone/>
+                        <a:tabLst/>
+                        <a:defRPr/>
+                      </a:pPr>
+                      <a:r>
+                        <a:rPr lang="zh-TW" altLang="en-US" sz="1400" kern="1200" dirty="0" smtClean="0">
+                          <a:effectLst/>
+                        </a:rPr>
+                        <a:t>廣和宮</a:t>
+                      </a:r>
+                      <a:endParaRPr lang="zh-TW" altLang="en-US" sz="1400" kern="1200" dirty="0" smtClean="0">
+                        <a:solidFill>
+                          <a:srgbClr val="000000"/>
+                        </a:solidFill>
+                        <a:effectLst/>
+                        <a:latin typeface="Roboto"/>
+                        <a:ea typeface="+mn-ea"/>
+                        <a:cs typeface="+mn-cs"/>
+                      </a:endParaRPr>
+                    </a:p>
+                  </a:txBody>
+                  <a:tcPr marL="71505" marR="71505" marT="35753" marB="35753"/>
+                </a:tc>
+              </a:tr>
+              <a:tr h="249450">
+                <a:tc>
+                  <a:txBody>
+                    <a:bodyPr/>
+                    <a:lstStyle/>
+                    <a:p>
+                      <a:pPr marL="0" algn="l" defTabSz="914400" rtl="0" eaLnBrk="1" latinLnBrk="0" hangingPunct="1"/>
+                      <a:r>
+                        <a:rPr lang="en-US" altLang="zh-TW" sz="1400" kern="1200" dirty="0">
+                          <a:solidFill>
+                            <a:srgbClr val="FF0000"/>
+                          </a:solidFill>
+                          <a:effectLst/>
+                        </a:rPr>
+                        <a:t>2</a:t>
+                      </a:r>
+                      <a:endParaRPr lang="zh-TW" altLang="en-US" sz="1400" kern="1200" dirty="0">
+                        <a:solidFill>
+                          <a:srgbClr val="FF0000"/>
+                        </a:solidFill>
+                        <a:effectLst/>
+                        <a:latin typeface="Roboto"/>
+                        <a:ea typeface="+mn-ea"/>
+                        <a:cs typeface="+mn-cs"/>
+                      </a:endParaRPr>
+                    </a:p>
+                  </a:txBody>
+                  <a:tcPr marL="71505" marR="71505" marT="59588" marB="59588" anchor="ctr"/>
+                </a:tc>
+                <a:tc>
+                  <a:txBody>
+                    <a:bodyPr/>
+                    <a:lstStyle/>
+                    <a:p>
+                      <a:pPr marL="0" algn="l" defTabSz="914400" rtl="0" eaLnBrk="1" latinLnBrk="0" hangingPunct="1"/>
+                      <a:r>
+                        <a:rPr lang="en-US" altLang="zh-TW" sz="1400" kern="1200" dirty="0">
+                          <a:effectLst/>
+                        </a:rPr>
+                        <a:t>15</a:t>
+                      </a:r>
+                      <a:endParaRPr lang="en-US" altLang="zh-TW" sz="1400" kern="1200" dirty="0">
+                        <a:solidFill>
+                          <a:srgbClr val="000000"/>
+                        </a:solidFill>
+                        <a:effectLst/>
+                        <a:latin typeface="Roboto"/>
+                        <a:ea typeface="+mn-ea"/>
+                        <a:cs typeface="+mn-cs"/>
+                      </a:endParaRPr>
+                    </a:p>
+                  </a:txBody>
+                  <a:tcPr marL="71505" marR="71505" marT="59588" marB="59588" anchor="ctr"/>
+                </a:tc>
+                <a:tc>
+                  <a:txBody>
+                    <a:bodyPr/>
+                    <a:lstStyle/>
+                    <a:p>
+                      <a:pPr marL="0" algn="l" defTabSz="914400" rtl="0" eaLnBrk="1" latinLnBrk="0" hangingPunct="1"/>
+                      <a:r>
+                        <a:rPr lang="zh-TW" altLang="en-US" sz="1400" kern="1200" dirty="0">
+                          <a:effectLst/>
+                        </a:rPr>
+                        <a:t>內灣大橋</a:t>
+                      </a:r>
+                      <a:endParaRPr lang="zh-TW" altLang="en-US" sz="1400" kern="1200" dirty="0">
+                        <a:solidFill>
+                          <a:srgbClr val="000000"/>
+                        </a:solidFill>
+                        <a:effectLst/>
+                        <a:latin typeface="Roboto"/>
+                        <a:ea typeface="+mn-ea"/>
+                        <a:cs typeface="+mn-cs"/>
+                      </a:endParaRPr>
+                    </a:p>
+                  </a:txBody>
+                  <a:tcPr marL="71505" marR="71505" marT="59588" marB="59588" anchor="ctr"/>
+                </a:tc>
+              </a:tr>
+              <a:tr h="249450">
+                <a:tc>
+                  <a:txBody>
+                    <a:bodyPr/>
+                    <a:lstStyle/>
+                    <a:p>
+                      <a:pPr marL="0" algn="l" defTabSz="914400" rtl="0" eaLnBrk="1" latinLnBrk="0" hangingPunct="1"/>
+                      <a:r>
+                        <a:rPr lang="en-US" altLang="zh-TW" sz="1400" kern="1200" dirty="0">
+                          <a:solidFill>
+                            <a:srgbClr val="FF0000"/>
+                          </a:solidFill>
+                          <a:effectLst/>
+                        </a:rPr>
+                        <a:t>3</a:t>
+                      </a:r>
+                      <a:endParaRPr lang="zh-TW" altLang="en-US" sz="1400" kern="1200" dirty="0">
+                        <a:solidFill>
+                          <a:srgbClr val="FF0000"/>
+                        </a:solidFill>
+                        <a:effectLst/>
+                        <a:latin typeface="Roboto"/>
+                        <a:ea typeface="+mn-ea"/>
+                        <a:cs typeface="+mn-cs"/>
+                      </a:endParaRPr>
+                    </a:p>
+                  </a:txBody>
+                  <a:tcPr marL="71505" marR="71505" marT="59588" marB="59588" anchor="ctr"/>
+                </a:tc>
+                <a:tc>
+                  <a:txBody>
+                    <a:bodyPr/>
+                    <a:lstStyle/>
+                    <a:p>
+                      <a:pPr marL="0" algn="l" defTabSz="914400" rtl="0" eaLnBrk="1" latinLnBrk="0" hangingPunct="1"/>
+                      <a:r>
+                        <a:rPr lang="en-US" altLang="zh-TW" sz="1400" kern="1200" dirty="0">
+                          <a:effectLst/>
+                        </a:rPr>
+                        <a:t>11</a:t>
+                      </a:r>
+                      <a:endParaRPr lang="en-US" altLang="zh-TW" sz="1400" kern="1200" dirty="0">
+                        <a:solidFill>
+                          <a:srgbClr val="000000"/>
+                        </a:solidFill>
+                        <a:effectLst/>
+                        <a:latin typeface="Roboto"/>
+                        <a:ea typeface="+mn-ea"/>
+                        <a:cs typeface="+mn-cs"/>
+                      </a:endParaRPr>
+                    </a:p>
+                  </a:txBody>
+                  <a:tcPr marL="71505" marR="71505" marT="59588" marB="59588" anchor="ctr"/>
+                </a:tc>
+                <a:tc>
+                  <a:txBody>
+                    <a:bodyPr/>
+                    <a:lstStyle/>
+                    <a:p>
+                      <a:pPr marL="0" algn="l" defTabSz="914400" rtl="0" eaLnBrk="1" latinLnBrk="0" hangingPunct="1"/>
+                      <a:r>
+                        <a:rPr lang="zh-TW" altLang="en-US" sz="1400" kern="1200" dirty="0">
+                          <a:effectLst/>
+                        </a:rPr>
+                        <a:t>北埔</a:t>
+                      </a:r>
+                      <a:endParaRPr lang="zh-TW" altLang="en-US" sz="1400" kern="1200" dirty="0">
+                        <a:solidFill>
+                          <a:srgbClr val="000000"/>
+                        </a:solidFill>
+                        <a:effectLst/>
+                        <a:latin typeface="Roboto"/>
+                        <a:ea typeface="+mn-ea"/>
+                        <a:cs typeface="+mn-cs"/>
+                      </a:endParaRPr>
+                    </a:p>
+                  </a:txBody>
+                  <a:tcPr marL="71505" marR="71505" marT="59588" marB="59588" anchor="ctr"/>
+                </a:tc>
+              </a:tr>
+              <a:tr h="249450">
+                <a:tc>
+                  <a:txBody>
+                    <a:bodyPr/>
+                    <a:lstStyle/>
+                    <a:p>
+                      <a:pPr marL="0" algn="l" defTabSz="914400" rtl="0" eaLnBrk="1" latinLnBrk="0" hangingPunct="1"/>
+                      <a:r>
+                        <a:rPr lang="en-US" altLang="zh-TW" sz="1400" kern="1200" dirty="0">
+                          <a:solidFill>
+                            <a:srgbClr val="FF0000"/>
+                          </a:solidFill>
+                          <a:effectLst/>
+                        </a:rPr>
+                        <a:t>4</a:t>
+                      </a:r>
+                      <a:endParaRPr lang="zh-TW" altLang="en-US" sz="1400" kern="1200" dirty="0">
+                        <a:solidFill>
+                          <a:srgbClr val="FF0000"/>
+                        </a:solidFill>
+                        <a:effectLst/>
+                        <a:latin typeface="Roboto"/>
+                        <a:ea typeface="+mn-ea"/>
+                        <a:cs typeface="+mn-cs"/>
+                      </a:endParaRPr>
+                    </a:p>
+                  </a:txBody>
+                  <a:tcPr marL="71505" marR="71505" marT="59588" marB="59588" anchor="ctr"/>
+                </a:tc>
+                <a:tc>
+                  <a:txBody>
+                    <a:bodyPr/>
+                    <a:lstStyle/>
+                    <a:p>
+                      <a:pPr marL="0" algn="l" defTabSz="914400" rtl="0" eaLnBrk="1" latinLnBrk="0" hangingPunct="1"/>
+                      <a:r>
+                        <a:rPr lang="en-US" altLang="zh-TW" sz="1400" kern="1200" dirty="0">
+                          <a:effectLst/>
+                        </a:rPr>
+                        <a:t>11</a:t>
+                      </a:r>
+                      <a:endParaRPr lang="en-US" altLang="zh-TW" sz="1400" kern="1200" dirty="0">
+                        <a:solidFill>
+                          <a:srgbClr val="000000"/>
+                        </a:solidFill>
+                        <a:effectLst/>
+                        <a:latin typeface="Roboto"/>
+                        <a:ea typeface="+mn-ea"/>
+                        <a:cs typeface="+mn-cs"/>
+                      </a:endParaRPr>
+                    </a:p>
+                  </a:txBody>
+                  <a:tcPr marL="71505" marR="71505" marT="59588" marB="59588" anchor="ctr"/>
+                </a:tc>
+                <a:tc>
+                  <a:txBody>
+                    <a:bodyPr/>
+                    <a:lstStyle/>
+                    <a:p>
+                      <a:pPr marL="0" algn="l" defTabSz="914400" rtl="0" eaLnBrk="1" latinLnBrk="0" hangingPunct="1"/>
+                      <a:r>
+                        <a:rPr lang="zh-TW" altLang="en-US" sz="1400" kern="1200" dirty="0">
+                          <a:effectLst/>
+                        </a:rPr>
+                        <a:t>新竹高商</a:t>
+                      </a:r>
+                      <a:endParaRPr lang="zh-TW" altLang="en-US" sz="1400" kern="1200" dirty="0">
+                        <a:solidFill>
+                          <a:srgbClr val="000000"/>
+                        </a:solidFill>
+                        <a:effectLst/>
+                        <a:latin typeface="Roboto"/>
+                        <a:ea typeface="+mn-ea"/>
+                        <a:cs typeface="+mn-cs"/>
+                      </a:endParaRPr>
+                    </a:p>
+                  </a:txBody>
+                  <a:tcPr marL="71505" marR="71505" marT="59588" marB="59588" anchor="ctr"/>
+                </a:tc>
+              </a:tr>
+              <a:tr h="249450">
+                <a:tc>
+                  <a:txBody>
+                    <a:bodyPr/>
+                    <a:lstStyle/>
+                    <a:p>
+                      <a:pPr marL="0" algn="l" defTabSz="914400" rtl="0" eaLnBrk="1" latinLnBrk="0" hangingPunct="1"/>
+                      <a:r>
+                        <a:rPr lang="en-US" altLang="zh-TW" sz="1400" kern="1200" dirty="0">
+                          <a:solidFill>
+                            <a:srgbClr val="FF0000"/>
+                          </a:solidFill>
+                          <a:effectLst/>
+                        </a:rPr>
+                        <a:t>5</a:t>
+                      </a:r>
+                      <a:endParaRPr lang="zh-TW" altLang="en-US" sz="1400" kern="1200" dirty="0">
+                        <a:solidFill>
+                          <a:srgbClr val="FF0000"/>
+                        </a:solidFill>
+                        <a:effectLst/>
+                        <a:latin typeface="Roboto"/>
+                        <a:ea typeface="+mn-ea"/>
+                        <a:cs typeface="+mn-cs"/>
+                      </a:endParaRPr>
+                    </a:p>
+                  </a:txBody>
+                  <a:tcPr marL="71505" marR="71505" marT="59588" marB="59588" anchor="ctr"/>
+                </a:tc>
+                <a:tc>
+                  <a:txBody>
+                    <a:bodyPr/>
+                    <a:lstStyle/>
+                    <a:p>
+                      <a:pPr marL="0" algn="l" defTabSz="914400" rtl="0" eaLnBrk="1" latinLnBrk="0" hangingPunct="1"/>
+                      <a:r>
+                        <a:rPr lang="en-US" altLang="zh-TW" sz="1400" kern="1200" dirty="0">
+                          <a:effectLst/>
+                        </a:rPr>
+                        <a:t>9</a:t>
+                      </a:r>
+                      <a:endParaRPr lang="en-US" altLang="zh-TW" sz="1400" kern="1200" dirty="0">
+                        <a:solidFill>
+                          <a:srgbClr val="000000"/>
+                        </a:solidFill>
+                        <a:effectLst/>
+                        <a:latin typeface="Roboto"/>
+                        <a:ea typeface="+mn-ea"/>
+                        <a:cs typeface="+mn-cs"/>
+                      </a:endParaRPr>
+                    </a:p>
+                  </a:txBody>
+                  <a:tcPr marL="71505" marR="71505" marT="59588" marB="59588" anchor="ctr"/>
+                </a:tc>
+                <a:tc>
+                  <a:txBody>
+                    <a:bodyPr/>
+                    <a:lstStyle/>
+                    <a:p>
+                      <a:pPr marL="0" algn="l" defTabSz="914400" rtl="0" eaLnBrk="1" latinLnBrk="0" hangingPunct="1"/>
+                      <a:r>
+                        <a:rPr lang="zh-TW" altLang="en-US" sz="1400" kern="1200" dirty="0">
+                          <a:effectLst/>
+                        </a:rPr>
+                        <a:t>獅山</a:t>
+                      </a:r>
+                      <a:endParaRPr lang="zh-TW" altLang="en-US" sz="1400" kern="1200" dirty="0">
+                        <a:solidFill>
+                          <a:srgbClr val="000000"/>
+                        </a:solidFill>
+                        <a:effectLst/>
+                        <a:latin typeface="Roboto"/>
+                        <a:ea typeface="+mn-ea"/>
+                        <a:cs typeface="+mn-cs"/>
+                      </a:endParaRPr>
+                    </a:p>
+                  </a:txBody>
+                  <a:tcPr marL="71505" marR="71505" marT="59588" marB="59588" anchor="ctr"/>
+                </a:tc>
+              </a:tr>
+              <a:tr h="249450">
+                <a:tc>
+                  <a:txBody>
+                    <a:bodyPr/>
+                    <a:lstStyle/>
+                    <a:p>
+                      <a:pPr marL="0" algn="l" defTabSz="914400" rtl="0" eaLnBrk="1" latinLnBrk="0" hangingPunct="1"/>
+                      <a:r>
+                        <a:rPr lang="en-US" altLang="zh-TW" sz="1400" kern="1200" dirty="0">
+                          <a:solidFill>
+                            <a:srgbClr val="FF0000"/>
+                          </a:solidFill>
+                          <a:effectLst/>
+                        </a:rPr>
+                        <a:t>6</a:t>
+                      </a:r>
+                      <a:endParaRPr lang="zh-TW" altLang="en-US" sz="1400" kern="1200" dirty="0">
+                        <a:solidFill>
+                          <a:srgbClr val="FF0000"/>
+                        </a:solidFill>
+                        <a:effectLst/>
+                        <a:latin typeface="Roboto"/>
+                        <a:ea typeface="+mn-ea"/>
+                        <a:cs typeface="+mn-cs"/>
+                      </a:endParaRPr>
+                    </a:p>
+                  </a:txBody>
+                  <a:tcPr marL="71505" marR="71505" marT="59588" marB="59588" anchor="ctr"/>
+                </a:tc>
+                <a:tc>
+                  <a:txBody>
+                    <a:bodyPr/>
+                    <a:lstStyle/>
+                    <a:p>
+                      <a:pPr marL="0" algn="l" defTabSz="914400" rtl="0" eaLnBrk="1" latinLnBrk="0" hangingPunct="1"/>
+                      <a:r>
+                        <a:rPr lang="en-US" altLang="zh-TW" sz="1400" kern="1200" dirty="0">
+                          <a:effectLst/>
+                        </a:rPr>
+                        <a:t>9</a:t>
+                      </a:r>
+                      <a:endParaRPr lang="en-US" altLang="zh-TW" sz="1400" kern="1200" dirty="0">
+                        <a:solidFill>
+                          <a:srgbClr val="000000"/>
+                        </a:solidFill>
+                        <a:effectLst/>
+                        <a:latin typeface="Roboto"/>
+                        <a:ea typeface="+mn-ea"/>
+                        <a:cs typeface="+mn-cs"/>
+                      </a:endParaRPr>
+                    </a:p>
+                  </a:txBody>
+                  <a:tcPr marL="71505" marR="71505" marT="59588" marB="59588" anchor="ctr"/>
+                </a:tc>
+                <a:tc>
+                  <a:txBody>
+                    <a:bodyPr/>
+                    <a:lstStyle/>
+                    <a:p>
+                      <a:pPr marL="0" algn="l" defTabSz="914400" rtl="0" eaLnBrk="1" latinLnBrk="0" hangingPunct="1"/>
+                      <a:r>
+                        <a:rPr lang="zh-TW" altLang="en-US" sz="1400" kern="1200" dirty="0">
+                          <a:effectLst/>
+                        </a:rPr>
+                        <a:t>黃帝神宮</a:t>
+                      </a:r>
+                      <a:endParaRPr lang="zh-TW" altLang="en-US" sz="1400" kern="1200" dirty="0">
+                        <a:solidFill>
+                          <a:srgbClr val="000000"/>
+                        </a:solidFill>
+                        <a:effectLst/>
+                        <a:latin typeface="Roboto"/>
+                        <a:ea typeface="+mn-ea"/>
+                        <a:cs typeface="+mn-cs"/>
+                      </a:endParaRPr>
+                    </a:p>
+                  </a:txBody>
+                  <a:tcPr marL="71505" marR="71505" marT="59588" marB="59588" anchor="ctr"/>
+                </a:tc>
+              </a:tr>
+            </a:tbl>
+          </a:graphicData>
+        </a:graphic>
+      </p:graphicFrame>
+      <p:sp>
+        <p:nvSpPr>
+          <p:cNvPr id="9" name="文字方塊 8"/>
+          <p:cNvSpPr txBox="1"/>
+          <p:nvPr/>
+        </p:nvSpPr>
+        <p:spPr>
+          <a:xfrm>
+            <a:off x="1043608" y="5939988"/>
+            <a:ext cx="1569660" cy="369332"/>
+          </a:xfrm>
+          <a:prstGeom prst="rect">
+            <a:avLst/>
+          </a:prstGeom>
+          <a:noFill/>
+        </p:spPr>
+        <p:txBody>
+          <a:bodyPr wrap="none" rtlCol="0">
+            <a:spAutoFit/>
+          </a:bodyPr>
+          <a:lstStyle/>
+          <a:p>
+            <a:r>
+              <a:rPr lang="zh-TW" altLang="en-US" dirty="0"/>
+              <a:t>站牌景點</a:t>
+            </a:r>
+            <a:r>
+              <a:rPr lang="zh-TW" altLang="en-US" dirty="0" smtClean="0"/>
+              <a:t>排名</a:t>
+            </a:r>
+            <a:endParaRPr lang="zh-TW" altLang="en-US" dirty="0"/>
+          </a:p>
+        </p:txBody>
+      </p:sp>
+      <p:sp>
+        <p:nvSpPr>
+          <p:cNvPr id="13" name="文字方塊 12"/>
+          <p:cNvSpPr txBox="1"/>
+          <p:nvPr/>
+        </p:nvSpPr>
+        <p:spPr>
+          <a:xfrm>
+            <a:off x="6026676" y="5989022"/>
+            <a:ext cx="1569660" cy="369332"/>
+          </a:xfrm>
+          <a:prstGeom prst="rect">
+            <a:avLst/>
+          </a:prstGeom>
+          <a:noFill/>
+        </p:spPr>
+        <p:txBody>
+          <a:bodyPr wrap="none" rtlCol="0">
+            <a:spAutoFit/>
+          </a:bodyPr>
+          <a:lstStyle/>
+          <a:p>
+            <a:r>
+              <a:rPr lang="zh-TW" altLang="en-US" dirty="0"/>
+              <a:t>站牌餐廳排名</a:t>
+            </a:r>
+            <a:endParaRPr lang="en-US" altLang="zh-TW" dirty="0"/>
+          </a:p>
+        </p:txBody>
+      </p:sp>
+      <p:sp>
+        <p:nvSpPr>
+          <p:cNvPr id="10" name="矩形 9"/>
+          <p:cNvSpPr/>
+          <p:nvPr/>
+        </p:nvSpPr>
+        <p:spPr>
+          <a:xfrm>
+            <a:off x="611560" y="3429000"/>
+            <a:ext cx="7569701" cy="523220"/>
+          </a:xfrm>
+          <a:prstGeom prst="rect">
+            <a:avLst/>
+          </a:prstGeom>
+        </p:spPr>
+        <p:txBody>
+          <a:bodyPr wrap="none">
+            <a:spAutoFit/>
+          </a:bodyPr>
+          <a:lstStyle/>
+          <a:p>
+            <a:r>
+              <a:rPr lang="zh-TW" altLang="en-US" sz="2800" dirty="0" smtClean="0">
+                <a:effectLst>
+                  <a:outerShdw blurRad="38100" dist="38100" dir="2700000" algn="tl">
+                    <a:srgbClr val="000000">
+                      <a:alpha val="43137"/>
+                    </a:srgbClr>
+                  </a:outerShdw>
+                </a:effectLst>
+              </a:rPr>
+              <a:t>景點</a:t>
+            </a:r>
+            <a:r>
+              <a:rPr lang="en-US" altLang="zh-TW" sz="2800" dirty="0" smtClean="0">
+                <a:effectLst>
+                  <a:outerShdw blurRad="38100" dist="38100" dir="2700000" algn="tl">
+                    <a:srgbClr val="000000">
+                      <a:alpha val="43137"/>
+                    </a:srgbClr>
+                  </a:outerShdw>
+                </a:effectLst>
+              </a:rPr>
+              <a:t>:</a:t>
+            </a:r>
+            <a:r>
+              <a:rPr lang="en-US" altLang="zh-TW" sz="2800" b="1" dirty="0" smtClean="0">
+                <a:solidFill>
+                  <a:srgbClr val="FF0000"/>
+                </a:solidFill>
+                <a:effectLst>
+                  <a:outerShdw blurRad="38100" dist="38100" dir="2700000" algn="tl">
+                    <a:srgbClr val="000000">
+                      <a:alpha val="43137"/>
+                    </a:srgbClr>
+                  </a:outerShdw>
+                </a:effectLst>
+              </a:rPr>
+              <a:t>273</a:t>
+            </a:r>
+            <a:r>
+              <a:rPr lang="en-US" altLang="zh-TW" sz="2800" dirty="0" smtClean="0">
+                <a:effectLst>
+                  <a:outerShdw blurRad="38100" dist="38100" dir="2700000" algn="tl">
+                    <a:srgbClr val="000000">
+                      <a:alpha val="43137"/>
+                    </a:srgbClr>
+                  </a:outerShdw>
+                </a:effectLst>
+              </a:rPr>
+              <a:t>/</a:t>
+            </a:r>
+            <a:r>
+              <a:rPr lang="zh-TW" altLang="en-US" sz="2800" dirty="0" smtClean="0">
+                <a:effectLst>
+                  <a:outerShdw blurRad="38100" dist="38100" dir="2700000" algn="tl">
+                    <a:srgbClr val="000000">
+                      <a:alpha val="43137"/>
+                    </a:srgbClr>
+                  </a:outerShdw>
+                </a:effectLst>
+              </a:rPr>
+              <a:t>餐廳</a:t>
+            </a:r>
+            <a:r>
+              <a:rPr lang="en-US" altLang="zh-TW" sz="2800" dirty="0" smtClean="0">
+                <a:effectLst>
+                  <a:outerShdw blurRad="38100" dist="38100" dir="2700000" algn="tl">
+                    <a:srgbClr val="000000">
+                      <a:alpha val="43137"/>
+                    </a:srgbClr>
+                  </a:outerShdw>
+                </a:effectLst>
+              </a:rPr>
+              <a:t>:</a:t>
+            </a:r>
+            <a:r>
+              <a:rPr lang="en-US" altLang="zh-TW" sz="2800" b="1" dirty="0" smtClean="0">
+                <a:solidFill>
+                  <a:srgbClr val="FF0000"/>
+                </a:solidFill>
+                <a:effectLst>
+                  <a:outerShdw blurRad="38100" dist="38100" dir="2700000" algn="tl">
+                    <a:srgbClr val="000000">
+                      <a:alpha val="43137"/>
+                    </a:srgbClr>
+                  </a:outerShdw>
+                </a:effectLst>
+              </a:rPr>
+              <a:t>78</a:t>
+            </a:r>
+            <a:r>
+              <a:rPr lang="en-US" altLang="zh-TW" sz="2800" dirty="0" smtClean="0">
+                <a:effectLst>
+                  <a:outerShdw blurRad="38100" dist="38100" dir="2700000" algn="tl">
+                    <a:srgbClr val="000000">
+                      <a:alpha val="43137"/>
+                    </a:srgbClr>
+                  </a:outerShdw>
+                </a:effectLst>
+              </a:rPr>
+              <a:t>/</a:t>
+            </a:r>
+            <a:r>
+              <a:rPr lang="zh-TW" altLang="en-US" sz="2800" dirty="0" smtClean="0">
+                <a:effectLst>
+                  <a:outerShdw blurRad="38100" dist="38100" dir="2700000" algn="tl">
+                    <a:srgbClr val="000000">
+                      <a:alpha val="43137"/>
+                    </a:srgbClr>
+                  </a:outerShdw>
+                </a:effectLst>
+              </a:rPr>
+              <a:t>旅館</a:t>
+            </a:r>
+            <a:r>
+              <a:rPr lang="en-US" altLang="zh-TW" sz="2800" dirty="0" smtClean="0">
+                <a:effectLst>
+                  <a:outerShdw blurRad="38100" dist="38100" dir="2700000" algn="tl">
+                    <a:srgbClr val="000000">
+                      <a:alpha val="43137"/>
+                    </a:srgbClr>
+                  </a:outerShdw>
+                </a:effectLst>
+              </a:rPr>
+              <a:t>:</a:t>
+            </a:r>
+            <a:r>
+              <a:rPr lang="en-US" altLang="zh-TW" sz="2800" b="1" dirty="0" smtClean="0">
+                <a:solidFill>
+                  <a:srgbClr val="FF0000"/>
+                </a:solidFill>
+                <a:effectLst>
+                  <a:outerShdw blurRad="38100" dist="38100" dir="2700000" algn="tl">
+                    <a:srgbClr val="000000">
+                      <a:alpha val="43137"/>
+                    </a:srgbClr>
+                  </a:outerShdw>
+                </a:effectLst>
+              </a:rPr>
+              <a:t>73</a:t>
+            </a:r>
+            <a:r>
+              <a:rPr lang="zh-TW" altLang="en-US" sz="2800" b="1" dirty="0" smtClean="0">
+                <a:solidFill>
+                  <a:srgbClr val="FF0000"/>
+                </a:solidFill>
+                <a:effectLst>
+                  <a:outerShdw blurRad="38100" dist="38100" dir="2700000" algn="tl">
+                    <a:srgbClr val="000000">
+                      <a:alpha val="43137"/>
+                    </a:srgbClr>
+                  </a:outerShdw>
+                </a:effectLst>
+              </a:rPr>
+              <a:t> </a:t>
+            </a:r>
+            <a:r>
+              <a:rPr lang="zh-TW" altLang="en-US" sz="2800" b="1" dirty="0">
+                <a:solidFill>
+                  <a:schemeClr val="accent1">
+                    <a:lumMod val="50000"/>
+                  </a:schemeClr>
+                </a:solidFill>
+                <a:effectLst>
+                  <a:outerShdw blurRad="38100" dist="38100" dir="2700000" algn="tl">
+                    <a:srgbClr val="000000">
+                      <a:alpha val="43137"/>
+                    </a:srgbClr>
+                  </a:outerShdw>
+                </a:effectLst>
+              </a:rPr>
+              <a:t>離站</a:t>
+            </a:r>
+            <a:r>
+              <a:rPr lang="zh-TW" altLang="en-US" sz="2800" b="1" dirty="0" smtClean="0">
+                <a:solidFill>
+                  <a:schemeClr val="accent1">
+                    <a:lumMod val="50000"/>
+                  </a:schemeClr>
+                </a:solidFill>
+                <a:effectLst>
+                  <a:outerShdw blurRad="38100" dist="38100" dir="2700000" algn="tl">
+                    <a:srgbClr val="000000">
+                      <a:alpha val="43137"/>
+                    </a:srgbClr>
+                  </a:outerShdw>
+                </a:effectLst>
+              </a:rPr>
+              <a:t>牌要一公里以上</a:t>
+            </a:r>
+            <a:endParaRPr lang="zh-TW" altLang="en-US" sz="2800" b="1" dirty="0">
+              <a:solidFill>
+                <a:schemeClr val="accent1">
+                  <a:lumMod val="50000"/>
+                </a:schemeClr>
+              </a:solidFill>
+              <a:effectLst>
+                <a:outerShdw blurRad="38100" dist="38100" dir="2700000" algn="tl">
+                  <a:srgbClr val="000000">
+                    <a:alpha val="43137"/>
+                  </a:srgbClr>
+                </a:outerShdw>
+              </a:effectLst>
+            </a:endParaRPr>
+          </a:p>
+        </p:txBody>
+      </p:sp>
     </p:spTree>
     <p:extLst>
       <p:ext uri="{BB962C8B-B14F-4D97-AF65-F5344CB8AC3E}">
-        <p14:creationId xmlns:p14="http://schemas.microsoft.com/office/powerpoint/2010/main" val="4134928414"/>
+        <p14:creationId xmlns:p14="http://schemas.microsoft.com/office/powerpoint/2010/main" val="142012553"/>
       </p:ext>
     </p:extLst>
   </p:cSld>
@@ -9345,350 +14042,9 @@
           <a:chExt cx="0" cy="0"/>
         </a:xfrm>
       </p:grpSpPr>
-      <p:sp>
-        <p:nvSpPr>
-          <p:cNvPr id="2" name="標題 1"/>
-          <p:cNvSpPr>
-            <a:spLocks noGrp="1"/>
-          </p:cNvSpPr>
-          <p:nvPr>
-            <p:ph type="title"/>
-          </p:nvPr>
-        </p:nvSpPr>
-        <p:spPr/>
-        <p:txBody>
-          <a:bodyPr/>
-          <a:lstStyle/>
-          <a:p>
-            <a:endParaRPr lang="zh-TW" altLang="en-US"/>
-          </a:p>
-        </p:txBody>
-      </p:sp>
-      <p:sp>
-        <p:nvSpPr>
-          <p:cNvPr id="4" name="內容版面配置區 2"/>
-          <p:cNvSpPr>
-            <a:spLocks noGrp="1"/>
-          </p:cNvSpPr>
-          <p:nvPr>
-            <p:ph idx="1"/>
-          </p:nvPr>
-        </p:nvSpPr>
-        <p:spPr>
-          <a:xfrm>
-            <a:off x="457200" y="1600200"/>
-            <a:ext cx="8229600" cy="4876800"/>
-          </a:xfrm>
-        </p:spPr>
-        <p:txBody>
-          <a:bodyPr/>
-          <a:lstStyle/>
-          <a:p>
-            <a:r>
-              <a:rPr lang="zh-TW" altLang="en-US" dirty="0" smtClean="0">
-                <a:latin typeface="+mn-ea"/>
-              </a:rPr>
-              <a:t>分析站牌與景點的關係  將改變你的旅遊方式</a:t>
-            </a:r>
-            <a:endParaRPr lang="en-US" altLang="zh-TW" dirty="0" smtClean="0">
-              <a:latin typeface="+mn-ea"/>
-            </a:endParaRPr>
-          </a:p>
-          <a:p>
-            <a:r>
-              <a:rPr lang="zh-TW" altLang="en-US" dirty="0" smtClean="0">
-                <a:latin typeface="+mn-ea"/>
-              </a:rPr>
-              <a:t>為解決出遊時停車及塞車的問題，我們思考如何將</a:t>
-            </a:r>
-            <a:r>
-              <a:rPr lang="en-US" altLang="zh-TW" dirty="0" smtClean="0">
-                <a:latin typeface="+mn-ea"/>
-              </a:rPr>
-              <a:t>『</a:t>
-            </a:r>
-            <a:r>
-              <a:rPr lang="zh-TW" altLang="en-US" dirty="0">
-                <a:latin typeface="+mn-ea"/>
-              </a:rPr>
-              <a:t>台鐡遊輪式</a:t>
-            </a:r>
-            <a:r>
-              <a:rPr lang="zh-TW" altLang="en-US" dirty="0" smtClean="0">
-                <a:latin typeface="+mn-ea"/>
-              </a:rPr>
-              <a:t>列車</a:t>
-            </a:r>
-            <a:r>
-              <a:rPr lang="en-US" altLang="zh-TW" dirty="0" smtClean="0">
-                <a:latin typeface="+mn-ea"/>
-              </a:rPr>
-              <a:t>』</a:t>
-            </a:r>
-            <a:r>
-              <a:rPr lang="zh-TW" altLang="en-US" dirty="0">
-                <a:latin typeface="+mn-ea"/>
-              </a:rPr>
-              <a:t>的旅遊</a:t>
-            </a:r>
-            <a:r>
-              <a:rPr lang="zh-TW" altLang="en-US" dirty="0" smtClean="0">
-                <a:latin typeface="+mn-ea"/>
-              </a:rPr>
-              <a:t>方式，運用在</a:t>
-            </a:r>
-            <a:r>
-              <a:rPr lang="en-US" altLang="zh-TW" dirty="0" smtClean="0">
-                <a:latin typeface="+mn-ea"/>
-              </a:rPr>
-              <a:t>【</a:t>
-            </a:r>
-            <a:r>
-              <a:rPr lang="zh-TW" altLang="en-US" dirty="0" smtClean="0">
-                <a:latin typeface="+mn-ea"/>
-              </a:rPr>
-              <a:t>縣市公車</a:t>
-            </a:r>
-            <a:r>
-              <a:rPr lang="en-US" altLang="zh-TW" dirty="0" smtClean="0">
-                <a:latin typeface="+mn-ea"/>
-              </a:rPr>
-              <a:t>】</a:t>
-            </a:r>
-            <a:r>
-              <a:rPr lang="zh-TW" altLang="en-US" dirty="0" smtClean="0">
-                <a:latin typeface="+mn-ea"/>
-              </a:rPr>
-              <a:t>上，並且提供公車業者調整路線或站牌之參考資訊（價值）？以提升公車在地方觀光發展上的重要性！</a:t>
-            </a:r>
-            <a:endParaRPr lang="en-US" altLang="zh-TW" dirty="0" smtClean="0">
-              <a:latin typeface="+mn-ea"/>
-            </a:endParaRPr>
-          </a:p>
-          <a:p>
-            <a:r>
-              <a:rPr lang="zh-TW" altLang="en-US" dirty="0" smtClean="0">
-                <a:latin typeface="+mn-ea"/>
-              </a:rPr>
-              <a:t>將景點與公車站牌座標借由</a:t>
-            </a:r>
-            <a:r>
-              <a:rPr lang="en-US" altLang="zh-TW" dirty="0" err="1" smtClean="0">
-                <a:latin typeface="+mn-ea"/>
-              </a:rPr>
-              <a:t>google</a:t>
-            </a:r>
-            <a:r>
-              <a:rPr lang="en-US" altLang="zh-TW" dirty="0" smtClean="0">
-                <a:latin typeface="+mn-ea"/>
-              </a:rPr>
-              <a:t> map </a:t>
-            </a:r>
-            <a:r>
-              <a:rPr lang="zh-TW" altLang="en-US" dirty="0" smtClean="0">
-                <a:latin typeface="+mn-ea"/>
-              </a:rPr>
-              <a:t>顯示其關係</a:t>
-            </a:r>
-            <a:r>
-              <a:rPr lang="en-US" altLang="zh-TW" dirty="0" smtClean="0">
-                <a:latin typeface="+mn-ea"/>
-              </a:rPr>
-              <a:t>,</a:t>
-            </a:r>
-            <a:r>
-              <a:rPr lang="zh-TW" altLang="en-US" dirty="0" smtClean="0">
-                <a:latin typeface="+mn-ea"/>
-              </a:rPr>
-              <a:t> 發現有些偏遠景點無公車站</a:t>
-            </a:r>
-            <a:r>
-              <a:rPr lang="en-US" altLang="zh-TW" dirty="0" smtClean="0">
-                <a:latin typeface="+mn-ea"/>
-              </a:rPr>
-              <a:t>,</a:t>
-            </a:r>
-            <a:r>
-              <a:rPr lang="zh-TW" altLang="en-US" dirty="0" smtClean="0">
-                <a:latin typeface="+mn-ea"/>
-              </a:rPr>
-              <a:t> 遊客</a:t>
-            </a:r>
-            <a:r>
-              <a:rPr lang="zh-TW" altLang="en-US" dirty="0">
-                <a:latin typeface="+mn-ea"/>
-              </a:rPr>
-              <a:t>除自行</a:t>
-            </a:r>
-            <a:r>
-              <a:rPr lang="zh-TW" altLang="en-US" dirty="0" smtClean="0">
-                <a:latin typeface="+mn-ea"/>
-              </a:rPr>
-              <a:t>開車及遊覽車前住無其它交通替代方案</a:t>
-            </a:r>
-            <a:r>
-              <a:rPr lang="en-US" altLang="zh-TW" dirty="0" smtClean="0">
-                <a:latin typeface="+mn-ea"/>
-              </a:rPr>
-              <a:t>,</a:t>
-            </a:r>
-            <a:r>
-              <a:rPr lang="zh-TW" altLang="en-US" dirty="0" smtClean="0">
-                <a:latin typeface="+mn-ea"/>
-              </a:rPr>
-              <a:t>致使景點塞車及人潮無法管制</a:t>
-            </a:r>
-            <a:r>
-              <a:rPr lang="en-US" altLang="zh-TW" dirty="0" smtClean="0">
-                <a:latin typeface="+mn-ea"/>
-              </a:rPr>
-              <a:t>,(</a:t>
-            </a:r>
-            <a:r>
-              <a:rPr lang="zh-TW" altLang="en-US" dirty="0" smtClean="0">
-                <a:latin typeface="+mn-ea"/>
-              </a:rPr>
-              <a:t>如武陵櫻花季</a:t>
-            </a:r>
-            <a:r>
-              <a:rPr lang="en-US" altLang="zh-TW" dirty="0" smtClean="0">
-                <a:latin typeface="+mn-ea"/>
-              </a:rPr>
-              <a:t>),</a:t>
-            </a:r>
-            <a:r>
-              <a:rPr lang="zh-TW" altLang="en-US" dirty="0" smtClean="0">
-                <a:latin typeface="+mn-ea"/>
-              </a:rPr>
-              <a:t>如能依景點的活動及季節來增設公車站</a:t>
-            </a:r>
-            <a:r>
-              <a:rPr lang="en-US" altLang="zh-TW" dirty="0" smtClean="0">
-                <a:latin typeface="+mn-ea"/>
-              </a:rPr>
-              <a:t>,</a:t>
-            </a:r>
-            <a:r>
-              <a:rPr lang="zh-TW" altLang="en-US" dirty="0" smtClean="0">
-                <a:latin typeface="+mn-ea"/>
-              </a:rPr>
-              <a:t>可提高遊客搭公車之意願</a:t>
-            </a:r>
-            <a:r>
-              <a:rPr lang="en-US" altLang="zh-TW" dirty="0" smtClean="0">
-                <a:latin typeface="+mn-ea"/>
-              </a:rPr>
-              <a:t>(</a:t>
-            </a:r>
-            <a:r>
-              <a:rPr lang="zh-TW" altLang="en-US" dirty="0" smtClean="0">
-                <a:latin typeface="+mn-ea"/>
-              </a:rPr>
-              <a:t>公車</a:t>
-            </a:r>
-            <a:r>
-              <a:rPr lang="zh-TW" altLang="en-US" dirty="0">
-                <a:latin typeface="+mn-ea"/>
-              </a:rPr>
-              <a:t>載客</a:t>
-            </a:r>
-            <a:r>
-              <a:rPr lang="zh-TW" altLang="en-US" dirty="0" smtClean="0">
-                <a:latin typeface="+mn-ea"/>
-              </a:rPr>
-              <a:t>率↑及</a:t>
-            </a:r>
-            <a:r>
-              <a:rPr lang="en-US" altLang="zh-TW" dirty="0" smtClean="0">
-                <a:latin typeface="+mn-ea"/>
-              </a:rPr>
-              <a:t>,</a:t>
-            </a:r>
-            <a:r>
-              <a:rPr lang="zh-TW" altLang="en-US" dirty="0" smtClean="0">
-                <a:latin typeface="+mn-ea"/>
-              </a:rPr>
-              <a:t>並減少遊覽車駕駛路況不熟及過勞之問題</a:t>
-            </a:r>
-            <a:r>
-              <a:rPr lang="en-US" altLang="zh-TW" dirty="0" smtClean="0">
-                <a:latin typeface="+mn-ea"/>
-              </a:rPr>
-              <a:t>,</a:t>
-            </a:r>
-            <a:r>
-              <a:rPr lang="zh-TW" altLang="en-US" dirty="0" smtClean="0">
-                <a:latin typeface="+mn-ea"/>
-              </a:rPr>
-              <a:t>降低風險↓</a:t>
-            </a:r>
-            <a:endParaRPr lang="en-US" altLang="zh-TW" dirty="0" smtClean="0">
-              <a:latin typeface="+mn-ea"/>
-            </a:endParaRPr>
-          </a:p>
-          <a:p>
-            <a:endParaRPr lang="zh-TW" altLang="en-US" dirty="0">
-              <a:latin typeface="+mn-ea"/>
-            </a:endParaRPr>
-          </a:p>
-        </p:txBody>
-      </p:sp>
-    </p:spTree>
-    <p:extLst>
-      <p:ext uri="{BB962C8B-B14F-4D97-AF65-F5344CB8AC3E}">
-        <p14:creationId xmlns:p14="http://schemas.microsoft.com/office/powerpoint/2010/main" val="2861252234"/>
-      </p:ext>
-    </p:extLst>
-  </p:cSld>
-  <p:clrMapOvr>
-    <a:masterClrMapping/>
-  </p:clrMapOvr>
-</p:sld>
-</file>
-
-<file path=ppt/slides/slide7.xml><?xml version="1.0" encoding="utf-8"?>
-<p:sld xmlns:a="http://schemas.openxmlformats.org/drawingml/2006/main" xmlns:r="http://schemas.openxmlformats.org/officeDocument/2006/relationships" xmlns:p="http://schemas.openxmlformats.org/presentationml/2006/main">
-  <p:cSld>
-    <p:spTree>
-      <p:nvGrpSpPr>
-        <p:cNvPr id="1" name=""/>
-        <p:cNvGrpSpPr/>
-        <p:nvPr/>
-      </p:nvGrpSpPr>
-      <p:grpSpPr>
-        <a:xfrm>
-          <a:off x="0" y="0"/>
-          <a:ext cx="0" cy="0"/>
-          <a:chOff x="0" y="0"/>
-          <a:chExt cx="0" cy="0"/>
-        </a:xfrm>
-      </p:grpSpPr>
-      <p:sp>
-        <p:nvSpPr>
-          <p:cNvPr id="2" name="標題 1"/>
-          <p:cNvSpPr>
-            <a:spLocks noGrp="1"/>
-          </p:cNvSpPr>
-          <p:nvPr>
-            <p:ph type="title"/>
-          </p:nvPr>
-        </p:nvSpPr>
-        <p:spPr/>
-        <p:txBody>
-          <a:bodyPr/>
-          <a:lstStyle/>
-          <a:p>
-            <a:r>
-              <a:rPr lang="zh-TW" altLang="en-US" dirty="0" smtClean="0"/>
-              <a:t>解決方案</a:t>
-            </a:r>
-            <a:endParaRPr lang="zh-TW" altLang="en-US" dirty="0"/>
-          </a:p>
-        </p:txBody>
-      </p:sp>
       <p:grpSp>
         <p:nvGrpSpPr>
-          <p:cNvPr id="5" name="Group 2"/>
+          <p:cNvPr id="4" name="Group 2"/>
           <p:cNvGrpSpPr>
             <a:grpSpLocks/>
           </p:cNvGrpSpPr>
@@ -9696,15 +14052,15 @@
         </p:nvGrpSpPr>
         <p:grpSpPr bwMode="auto">
           <a:xfrm>
-            <a:off x="1547664" y="842301"/>
-            <a:ext cx="6318102" cy="5542012"/>
-            <a:chOff x="1271" y="845"/>
-            <a:chExt cx="3061" cy="2685"/>
+            <a:off x="1259632" y="815225"/>
+            <a:ext cx="6532764" cy="5537884"/>
+            <a:chOff x="1271" y="847"/>
+            <a:chExt cx="3165" cy="2683"/>
           </a:xfrm>
         </p:grpSpPr>
         <p:sp>
           <p:nvSpPr>
-            <p:cNvPr id="6" name="AutoShape 3"/>
+            <p:cNvPr id="5" name="AutoShape 3"/>
             <p:cNvSpPr>
               <a:spLocks noChangeArrowheads="1"/>
             </p:cNvSpPr>
@@ -9718,25 +14074,23 @@
             <a:prstGeom prst="flowChartPreparation">
               <a:avLst/>
             </a:prstGeom>
-            <a:solidFill>
-              <a:srgbClr val="6399AB"/>
-            </a:solidFill>
-            <a:ln>
-              <a:noFill/>
-            </a:ln>
-            <a:extLst>
-              <a:ext uri="{91240B29-F687-4F45-9708-019B960494DF}">
-                <a14:hiddenLine xmlns:a14="http://schemas.microsoft.com/office/drawing/2010/main" w="25400" algn="ctr">
-                  <a:solidFill>
-                    <a:srgbClr val="000000"/>
-                  </a:solidFill>
-                  <a:miter lim="800000"/>
-                  <a:headEnd/>
-                  <a:tailEnd/>
-                </a14:hiddenLine>
-              </a:ext>
-            </a:extLst>
+            <a:ln/>
+            <a:extLst/>
           </p:spPr>
+          <p:style>
+            <a:lnRef idx="1">
+              <a:schemeClr val="accent5"/>
+            </a:lnRef>
+            <a:fillRef idx="3">
+              <a:schemeClr val="accent5"/>
+            </a:fillRef>
+            <a:effectRef idx="2">
+              <a:schemeClr val="accent5"/>
+            </a:effectRef>
+            <a:fontRef idx="minor">
+              <a:schemeClr val="lt1"/>
+            </a:fontRef>
+          </p:style>
           <p:txBody>
             <a:bodyPr lIns="45720" tIns="44450" rIns="45720" bIns="44450" anchor="ctr" anchorCtr="1"/>
             <a:lstStyle>
@@ -9866,32 +14220,19 @@
             </a:lstStyle>
             <a:p>
               <a:r>
-                <a:rPr lang="zh-TW" altLang="en-US" sz="2400" b="1" dirty="0" smtClean="0">
-                  <a:solidFill>
-                    <a:schemeClr val="bg1"/>
+                <a:rPr lang="zh-TW" altLang="en-US" sz="2400" b="1" dirty="0">
+                  <a:solidFill>
+                    <a:srgbClr val="FF0000"/>
                   </a:solidFill>
                   <a:latin typeface="+mn-ea"/>
                   <a:ea typeface="+mn-ea"/>
                 </a:rPr>
                 <a:t>遊輪式公車</a:t>
               </a:r>
-              <a:endParaRPr lang="en-US" altLang="zh-TW" sz="2400" b="1" dirty="0" smtClean="0">
+              <a:endParaRPr lang="en-US" altLang="zh-TW" sz="2400" b="1" dirty="0">
                 <a:solidFill>
-                  <a:schemeClr val="bg1"/>
+                  <a:srgbClr val="FF0000"/>
                 </a:solidFill>
-                <a:latin typeface="+mn-ea"/>
-                <a:ea typeface="+mn-ea"/>
-              </a:endParaRPr>
-            </a:p>
-            <a:p>
-              <a:r>
-                <a:rPr lang="zh-TW" altLang="en-US" dirty="0" smtClean="0">
-                  <a:latin typeface="+mn-ea"/>
-                  <a:ea typeface="+mn-ea"/>
-                </a:rPr>
-                <a:t>以公車站牌結合週邊景點的旅遊方式</a:t>
-              </a:r>
-              <a:endParaRPr lang="zh-TW" altLang="en-US" dirty="0">
                 <a:latin typeface="+mn-ea"/>
                 <a:ea typeface="+mn-ea"/>
               </a:endParaRPr>
@@ -9900,7 +14241,7 @@
         </p:sp>
         <p:sp>
           <p:nvSpPr>
-            <p:cNvPr id="7" name="Rectangle 4"/>
+            <p:cNvPr id="6" name="Rectangle 4"/>
             <p:cNvSpPr>
               <a:spLocks noChangeArrowheads="1"/>
             </p:cNvSpPr>
@@ -9908,31 +14249,29 @@
           </p:nvSpPr>
           <p:spPr bwMode="gray">
             <a:xfrm>
-              <a:off x="2562" y="845"/>
+              <a:off x="2527" y="847"/>
               <a:ext cx="665" cy="408"/>
             </a:xfrm>
             <a:prstGeom prst="rect">
               <a:avLst/>
             </a:prstGeom>
-            <a:solidFill>
-              <a:srgbClr val="B1A35D"/>
-            </a:solidFill>
-            <a:ln>
-              <a:noFill/>
-            </a:ln>
-            <a:extLst>
-              <a:ext uri="{91240B29-F687-4F45-9708-019B960494DF}">
-                <a14:hiddenLine xmlns:a14="http://schemas.microsoft.com/office/drawing/2010/main" w="25400" algn="ctr">
-                  <a:solidFill>
-                    <a:srgbClr val="000000"/>
-                  </a:solidFill>
-                  <a:miter lim="800000"/>
-                  <a:headEnd/>
-                  <a:tailEnd/>
-                </a14:hiddenLine>
-              </a:ext>
-            </a:extLst>
+            <a:ln/>
+            <a:extLst/>
           </p:spPr>
+          <p:style>
+            <a:lnRef idx="1">
+              <a:schemeClr val="accent3"/>
+            </a:lnRef>
+            <a:fillRef idx="2">
+              <a:schemeClr val="accent3"/>
+            </a:fillRef>
+            <a:effectRef idx="1">
+              <a:schemeClr val="accent3"/>
+            </a:effectRef>
+            <a:fontRef idx="minor">
+              <a:schemeClr val="dk1"/>
+            </a:fontRef>
+          </p:style>
           <p:txBody>
             <a:bodyPr lIns="45720" tIns="44450" rIns="45720" bIns="44450" anchor="ctr" anchorCtr="1"/>
             <a:lstStyle>
@@ -10069,14 +14408,71 @@
                   <a:latin typeface="+mn-ea"/>
                   <a:ea typeface="+mn-ea"/>
                 </a:rPr>
-                <a:t>公車載客率</a:t>
+                <a:t>公車載客</a:t>
               </a:r>
+              <a:r>
+                <a:rPr lang="zh-TW" altLang="en-US" b="1" dirty="0" smtClean="0">
+                  <a:solidFill>
+                    <a:srgbClr val="FF0000"/>
+                  </a:solidFill>
+                  <a:latin typeface="+mn-ea"/>
+                  <a:ea typeface="+mn-ea"/>
+                </a:rPr>
+                <a:t>率</a:t>
+              </a:r>
+              <a:endParaRPr lang="en-US" altLang="zh-TW" b="1" dirty="0" smtClean="0">
+                <a:solidFill>
+                  <a:srgbClr val="FF0000"/>
+                </a:solidFill>
+                <a:latin typeface="+mn-ea"/>
+                <a:ea typeface="+mn-ea"/>
+              </a:endParaRPr>
+            </a:p>
+            <a:p>
+              <a:pPr algn="ctr"/>
+              <a:r>
+                <a:rPr lang="en-US" altLang="zh-TW" b="1" dirty="0" smtClean="0">
+                  <a:solidFill>
+                    <a:schemeClr val="accent1"/>
+                  </a:solidFill>
+                  <a:latin typeface="+mn-ea"/>
+                  <a:ea typeface="+mn-ea"/>
+                </a:rPr>
+                <a:t>(</a:t>
+              </a:r>
+              <a:r>
+                <a:rPr lang="zh-TW" altLang="zh-TW" b="1" dirty="0" smtClean="0">
+                  <a:solidFill>
+                    <a:schemeClr val="accent1"/>
+                  </a:solidFill>
+                  <a:latin typeface="+mn-ea"/>
+                  <a:ea typeface="+mn-ea"/>
+                </a:rPr>
+                <a:t>交通</a:t>
+              </a:r>
+              <a:r>
+                <a:rPr lang="en-US" altLang="zh-TW" b="1" dirty="0" smtClean="0">
+                  <a:solidFill>
+                    <a:schemeClr val="accent1"/>
+                  </a:solidFill>
+                  <a:latin typeface="+mn-ea"/>
+                  <a:ea typeface="+mn-ea"/>
+                </a:rPr>
+                <a:t>)</a:t>
+              </a:r>
+              <a:endParaRPr lang="zh-TW" altLang="en-US" b="1" dirty="0">
+                <a:solidFill>
+                  <a:schemeClr val="accent1"/>
+                </a:solidFill>
+                <a:latin typeface="+mn-ea"/>
+                <a:ea typeface="+mn-ea"/>
+              </a:endParaRPr>
             </a:p>
           </p:txBody>
         </p:sp>
         <p:sp>
           <p:nvSpPr>
-            <p:cNvPr id="8" name="Rectangle 5"/>
+            <p:cNvPr id="7" name="Rectangle 5"/>
             <p:cNvSpPr>
               <a:spLocks noChangeArrowheads="1"/>
             </p:cNvSpPr>
@@ -10084,31 +14480,29 @@
           </p:nvSpPr>
           <p:spPr bwMode="gray">
             <a:xfrm>
-              <a:off x="2562" y="3122"/>
-              <a:ext cx="665" cy="408"/>
+              <a:off x="2528" y="3122"/>
+              <a:ext cx="732" cy="408"/>
             </a:xfrm>
             <a:prstGeom prst="rect">
               <a:avLst/>
             </a:prstGeom>
-            <a:solidFill>
-              <a:srgbClr val="B1A35D"/>
-            </a:solidFill>
-            <a:ln>
-              <a:noFill/>
-            </a:ln>
-            <a:extLst>
-              <a:ext uri="{91240B29-F687-4F45-9708-019B960494DF}">
-                <a14:hiddenLine xmlns:a14="http://schemas.microsoft.com/office/drawing/2010/main" w="25400" algn="ctr">
-                  <a:solidFill>
-                    <a:srgbClr val="000000"/>
-                  </a:solidFill>
-                  <a:miter lim="800000"/>
-                  <a:headEnd/>
-                  <a:tailEnd/>
-                </a14:hiddenLine>
-              </a:ext>
-            </a:extLst>
+            <a:ln/>
+            <a:extLst/>
           </p:spPr>
+          <p:style>
+            <a:lnRef idx="1">
+              <a:schemeClr val="accent4"/>
+            </a:lnRef>
+            <a:fillRef idx="2">
+              <a:schemeClr val="accent4"/>
+            </a:fillRef>
+            <a:effectRef idx="1">
+              <a:schemeClr val="accent4"/>
+            </a:effectRef>
+            <a:fontRef idx="minor">
+              <a:schemeClr val="dk1"/>
+            </a:fontRef>
+          </p:style>
           <p:txBody>
             <a:bodyPr lIns="45720" tIns="44450" rIns="45720" bIns="44450" anchor="ctr" anchorCtr="1"/>
             <a:lstStyle>
@@ -10245,46 +14639,103 @@
                   <a:latin typeface="+mn-ea"/>
                   <a:ea typeface="+mn-ea"/>
                 </a:rPr>
-                <a:t>旅客回遊率</a:t>
+                <a:t>旅客回遊</a:t>
               </a:r>
+              <a:r>
+                <a:rPr lang="zh-TW" altLang="en-US" b="1" dirty="0" smtClean="0">
+                  <a:solidFill>
+                    <a:srgbClr val="FF0000"/>
+                  </a:solidFill>
+                  <a:latin typeface="+mn-ea"/>
+                  <a:ea typeface="+mn-ea"/>
+                </a:rPr>
+                <a:t>率</a:t>
+              </a:r>
+              <a:endParaRPr lang="en-US" altLang="zh-TW" b="1" dirty="0" smtClean="0">
+                <a:solidFill>
+                  <a:srgbClr val="FF0000"/>
+                </a:solidFill>
+                <a:latin typeface="+mn-ea"/>
+                <a:ea typeface="+mn-ea"/>
+              </a:endParaRPr>
+            </a:p>
+            <a:p>
+              <a:pPr algn="ctr"/>
+              <a:r>
+                <a:rPr lang="en-US" altLang="zh-TW" b="1" dirty="0" smtClean="0">
+                  <a:solidFill>
+                    <a:schemeClr val="accent1"/>
+                  </a:solidFill>
+                  <a:latin typeface="+mn-ea"/>
+                  <a:ea typeface="+mn-ea"/>
+                </a:rPr>
+                <a:t>(</a:t>
+              </a:r>
+              <a:r>
+                <a:rPr lang="zh-TW" altLang="en-US" b="1" dirty="0" smtClean="0">
+                  <a:solidFill>
+                    <a:schemeClr val="accent1"/>
+                  </a:solidFill>
+                  <a:latin typeface="+mn-ea"/>
+                  <a:ea typeface="+mn-ea"/>
+                </a:rPr>
+                <a:t>觀光</a:t>
+              </a:r>
+              <a:r>
+                <a:rPr lang="en-US" altLang="zh-TW" b="1" dirty="0" smtClean="0">
+                  <a:solidFill>
+                    <a:schemeClr val="accent1"/>
+                  </a:solidFill>
+                  <a:latin typeface="+mn-ea"/>
+                  <a:ea typeface="+mn-ea"/>
+                </a:rPr>
+                <a:t>)</a:t>
+              </a:r>
+              <a:endParaRPr lang="zh-TW" altLang="en-US" b="1" dirty="0">
+                <a:solidFill>
+                  <a:srgbClr val="FF0000"/>
+                </a:solidFill>
+                <a:latin typeface="+mn-ea"/>
+                <a:ea typeface="+mn-ea"/>
+              </a:endParaRPr>
             </a:p>
           </p:txBody>
         </p:sp>
         <p:sp>
           <p:nvSpPr>
-            <p:cNvPr id="9" name="Rectangle 6"/>
+            <p:cNvPr id="8" name="Rectangle 6"/>
             <p:cNvSpPr>
               <a:spLocks noChangeArrowheads="1"/>
             </p:cNvSpPr>
             <p:nvPr/>
           </p:nvSpPr>
           <p:spPr bwMode="gray">
-            <a:xfrm rot="-1855382">
-              <a:off x="3667" y="1335"/>
+            <a:xfrm rot="19744618">
+              <a:off x="3771" y="1296"/>
               <a:ext cx="665" cy="408"/>
             </a:xfrm>
             <a:prstGeom prst="rect">
               <a:avLst/>
             </a:prstGeom>
-            <a:solidFill>
-              <a:srgbClr val="D97300"/>
-            </a:solidFill>
-            <a:ln>
-              <a:noFill/>
-            </a:ln>
-            <a:extLst>
-              <a:ext uri="{91240B29-F687-4F45-9708-019B960494DF}">
-                <a14:hiddenLine xmlns:a14="http://schemas.microsoft.com/office/drawing/2010/main" w="25400" algn="ctr">
-                  <a:solidFill>
-                    <a:srgbClr val="000000"/>
-                  </a:solidFill>
-                  <a:miter lim="800000"/>
-                  <a:headEnd/>
-                  <a:tailEnd/>
-                </a14:hiddenLine>
-              </a:ext>
-            </a:extLst>
+            <a:ln/>
+            <a:extLst/>
           </p:spPr>
+          <p:style>
+            <a:lnRef idx="2">
+              <a:schemeClr val="accent3">
+                <a:shade val="50000"/>
+              </a:schemeClr>
+            </a:lnRef>
+            <a:fillRef idx="1">
+              <a:schemeClr val="accent3"/>
+            </a:fillRef>
+            <a:effectRef idx="0">
+              <a:schemeClr val="accent3"/>
+            </a:effectRef>
+            <a:fontRef idx="minor">
+              <a:schemeClr val="lt1"/>
+            </a:fontRef>
+          </p:style>
           <p:txBody>
             <a:bodyPr lIns="45720" tIns="44450" rIns="45720" bIns="44450" anchor="ctr" anchorCtr="1"/>
             <a:lstStyle>
@@ -10450,7 +14901,7 @@
         </p:sp>
         <p:sp>
           <p:nvSpPr>
-            <p:cNvPr id="10" name="Rectangle 7"/>
+            <p:cNvPr id="9" name="Rectangle 7"/>
             <p:cNvSpPr>
               <a:spLocks noChangeArrowheads="1"/>
             </p:cNvSpPr>
@@ -10464,25 +14915,25 @@
             <a:prstGeom prst="rect">
               <a:avLst/>
             </a:prstGeom>
-            <a:solidFill>
-              <a:srgbClr val="E0AD12"/>
-            </a:solidFill>
-            <a:ln>
-              <a:noFill/>
-            </a:ln>
-            <a:extLst>
-              <a:ext uri="{91240B29-F687-4F45-9708-019B960494DF}">
-                <a14:hiddenLine xmlns:a14="http://schemas.microsoft.com/office/drawing/2010/main" w="25400" algn="ctr">
-                  <a:solidFill>
-                    <a:srgbClr val="000000"/>
-                  </a:solidFill>
-                  <a:miter lim="800000"/>
-                  <a:headEnd/>
-                  <a:tailEnd/>
-                </a14:hiddenLine>
-              </a:ext>
-            </a:extLst>
+            <a:ln/>
+            <a:extLst/>
           </p:spPr>
+          <p:style>
+            <a:lnRef idx="2">
+              <a:schemeClr val="accent6">
+                <a:shade val="50000"/>
+              </a:schemeClr>
+            </a:lnRef>
+            <a:fillRef idx="1">
+              <a:schemeClr val="accent6"/>
+            </a:fillRef>
+            <a:effectRef idx="0">
+              <a:schemeClr val="accent6"/>
+            </a:effectRef>
+            <a:fontRef idx="minor">
+              <a:schemeClr val="lt1"/>
+            </a:fontRef>
+          </p:style>
           <p:txBody>
             <a:bodyPr lIns="45720" tIns="44450" rIns="45720" bIns="44450" anchor="ctr" anchorCtr="1"/>
             <a:lstStyle>
@@ -10627,41 +15078,41 @@
         </p:sp>
         <p:sp>
           <p:nvSpPr>
-            <p:cNvPr id="11" name="Rectangle 8"/>
+            <p:cNvPr id="10" name="Rectangle 8"/>
             <p:cNvSpPr>
               <a:spLocks noChangeArrowheads="1"/>
             </p:cNvSpPr>
             <p:nvPr/>
           </p:nvSpPr>
           <p:spPr bwMode="gray">
-            <a:xfrm rot="1855382" flipV="1">
-              <a:off x="3660" y="2659"/>
-              <a:ext cx="665" cy="408"/>
+            <a:xfrm rot="1855382">
+              <a:off x="3758" y="2750"/>
+              <a:ext cx="665" cy="359"/>
             </a:xfrm>
             <a:prstGeom prst="rect">
               <a:avLst/>
             </a:prstGeom>
-            <a:solidFill>
-              <a:srgbClr val="E0AD12"/>
-            </a:solidFill>
-            <a:ln>
-              <a:noFill/>
-            </a:ln>
-            <a:extLst>
-              <a:ext uri="{91240B29-F687-4F45-9708-019B960494DF}">
-                <a14:hiddenLine xmlns:a14="http://schemas.microsoft.com/office/drawing/2010/main" w="25400" algn="ctr">
-                  <a:solidFill>
-                    <a:srgbClr val="000000"/>
-                  </a:solidFill>
-                  <a:miter lim="800000"/>
-                  <a:headEnd/>
-                  <a:tailEnd/>
-                </a14:hiddenLine>
-              </a:ext>
-            </a:extLst>
+            <a:ln/>
+            <a:extLst/>
           </p:spPr>
+          <p:style>
+            <a:lnRef idx="2">
+              <a:schemeClr val="accent6">
+                <a:shade val="50000"/>
+              </a:schemeClr>
+            </a:lnRef>
+            <a:fillRef idx="1">
+              <a:schemeClr val="accent6"/>
+            </a:fillRef>
+            <a:effectRef idx="0">
+              <a:schemeClr val="accent6"/>
+            </a:effectRef>
+            <a:fontRef idx="minor">
+              <a:schemeClr val="lt1"/>
+            </a:fontRef>
+          </p:style>
           <p:txBody>
-            <a:bodyPr vert="vert" lIns="45720" tIns="44450" rIns="45720" bIns="44450" anchor="ctr" anchorCtr="1"/>
+            <a:bodyPr vert="horz" lIns="45720" tIns="44450" rIns="45720" bIns="44450" anchor="ctr" anchorCtr="1"/>
             <a:lstStyle>
               <a:defPPr>
                 <a:defRPr lang="zh-TW"/>
@@ -10793,7 +15244,14 @@
                   <a:latin typeface="+mn-ea"/>
                   <a:ea typeface="+mn-ea"/>
                 </a:rPr>
-                <a:t>如何規劃公車旅遊路線</a:t>
+                <a:t>公車旅遊</a:t>
+              </a:r>
+              <a:r>
+                <a:rPr lang="zh-TW" altLang="en-US" dirty="0">
+                  <a:latin typeface="+mn-ea"/>
+                  <a:ea typeface="+mn-ea"/>
+                </a:rPr>
+                <a:t>路線規劃</a:t>
               </a:r>
               <a:r>
                 <a:rPr lang="en-US" altLang="zh-TW" dirty="0" smtClean="0">
@@ -10811,41 +15269,41 @@
         </p:sp>
         <p:sp>
           <p:nvSpPr>
-            <p:cNvPr id="12" name="Rectangle 9"/>
+            <p:cNvPr id="11" name="Rectangle 9"/>
             <p:cNvSpPr>
               <a:spLocks noChangeArrowheads="1"/>
             </p:cNvSpPr>
             <p:nvPr/>
           </p:nvSpPr>
           <p:spPr bwMode="gray">
-            <a:xfrm rot="-1855382" flipH="1" flipV="1">
-              <a:off x="1308" y="2623"/>
-              <a:ext cx="665" cy="408"/>
+            <a:xfrm rot="19744618" flipH="1">
+              <a:off x="1293" y="2669"/>
+              <a:ext cx="665" cy="392"/>
             </a:xfrm>
             <a:prstGeom prst="rect">
               <a:avLst/>
             </a:prstGeom>
-            <a:solidFill>
-              <a:srgbClr val="D97300"/>
-            </a:solidFill>
-            <a:ln>
-              <a:noFill/>
-            </a:ln>
-            <a:extLst>
-              <a:ext uri="{91240B29-F687-4F45-9708-019B960494DF}">
-                <a14:hiddenLine xmlns:a14="http://schemas.microsoft.com/office/drawing/2010/main" w="25400" algn="ctr">
-                  <a:solidFill>
-                    <a:srgbClr val="000000"/>
-                  </a:solidFill>
-                  <a:miter lim="800000"/>
-                  <a:headEnd/>
-                  <a:tailEnd/>
-                </a14:hiddenLine>
-              </a:ext>
-            </a:extLst>
+            <a:ln/>
+            <a:extLst/>
           </p:spPr>
+          <p:style>
+            <a:lnRef idx="2">
+              <a:schemeClr val="accent4">
+                <a:shade val="50000"/>
+              </a:schemeClr>
+            </a:lnRef>
+            <a:fillRef idx="1">
+              <a:schemeClr val="accent4"/>
+            </a:fillRef>
+            <a:effectRef idx="0">
+              <a:schemeClr val="accent4"/>
+            </a:effectRef>
+            <a:fontRef idx="minor">
+              <a:schemeClr val="lt1"/>
+            </a:fontRef>
+          </p:style>
           <p:txBody>
-            <a:bodyPr vert="vert270" lIns="45720" tIns="44450" rIns="45720" bIns="44450" anchor="ctr" anchorCtr="1"/>
+            <a:bodyPr vert="horz" lIns="45720" tIns="44450" rIns="45720" bIns="44450" anchor="ctr" anchorCtr="1"/>
             <a:lstStyle>
               <a:defPPr>
                 <a:defRPr lang="zh-TW"/>
@@ -10995,7 +15453,7 @@
         </p:sp>
         <p:sp>
           <p:nvSpPr>
-            <p:cNvPr id="13" name="AutoShape 10"/>
+            <p:cNvPr id="12" name="AutoShape 10"/>
             <p:cNvSpPr>
               <a:spLocks noChangeArrowheads="1"/>
             </p:cNvSpPr>
@@ -11168,7 +15626,7 @@
         </p:sp>
         <p:sp>
           <p:nvSpPr>
-            <p:cNvPr id="14" name="AutoShape 11"/>
+            <p:cNvPr id="13" name="AutoShape 11"/>
             <p:cNvSpPr>
               <a:spLocks noChangeArrowheads="1"/>
             </p:cNvSpPr>
@@ -11341,7 +15799,7 @@
         </p:sp>
         <p:sp>
           <p:nvSpPr>
-            <p:cNvPr id="15" name="AutoShape 12"/>
+            <p:cNvPr id="14" name="AutoShape 12"/>
             <p:cNvSpPr>
               <a:spLocks noChangeArrowheads="1"/>
             </p:cNvSpPr>
@@ -11514,7 +15972,7 @@
         </p:sp>
         <p:sp>
           <p:nvSpPr>
-            <p:cNvPr id="16" name="AutoShape 13"/>
+            <p:cNvPr id="15" name="AutoShape 13"/>
             <p:cNvSpPr>
               <a:spLocks noChangeArrowheads="1"/>
             </p:cNvSpPr>
@@ -11687,7 +16145,7 @@
         </p:sp>
         <p:sp>
           <p:nvSpPr>
-            <p:cNvPr id="17" name="AutoShape 14"/>
+            <p:cNvPr id="16" name="AutoShape 14"/>
             <p:cNvSpPr>
               <a:spLocks noChangeArrowheads="1"/>
             </p:cNvSpPr>
@@ -11860,7 +16318,7 @@
         </p:sp>
         <p:sp>
           <p:nvSpPr>
-            <p:cNvPr id="18" name="AutoShape 15"/>
+            <p:cNvPr id="17" name="AutoShape 15"/>
             <p:cNvSpPr>
               <a:spLocks noChangeArrowheads="1"/>
             </p:cNvSpPr>
@@ -12032,10 +16490,152 @@
           </p:txBody>
         </p:sp>
       </p:grpSp>
+      <p:sp>
+        <p:nvSpPr>
+          <p:cNvPr id="21" name="標題 1"/>
+          <p:cNvSpPr>
+            <a:spLocks noGrp="1"/>
+          </p:cNvSpPr>
+          <p:nvPr>
+            <p:ph type="title"/>
+          </p:nvPr>
+        </p:nvSpPr>
+        <p:spPr>
+          <a:xfrm>
+            <a:off x="457200" y="533400"/>
+            <a:ext cx="8229600" cy="990600"/>
+          </a:xfrm>
+        </p:spPr>
+        <p:txBody>
+          <a:bodyPr/>
+          <a:lstStyle/>
+          <a:p>
+            <a:r>
+              <a:rPr lang="zh-TW" altLang="en-US" dirty="0"/>
+              <a:t>解決方案</a:t>
+            </a:r>
+          </a:p>
+        </p:txBody>
+      </p:sp>
     </p:spTree>
     <p:extLst>
       <p:ext uri="{BB962C8B-B14F-4D97-AF65-F5344CB8AC3E}">
-        <p14:creationId xmlns:p14="http://schemas.microsoft.com/office/powerpoint/2010/main" val="1721782531"/>
+        <p14:creationId xmlns:p14="http://schemas.microsoft.com/office/powerpoint/2010/main" val="149705173"/>
+      </p:ext>
+    </p:extLst>
+  </p:cSld>
+  <p:clrMapOvr>
+    <a:masterClrMapping/>
+  </p:clrMapOvr>
+  <p:timing>
+    <p:tnLst>
+      <p:par>
+        <p:cTn id="1" dur="indefinite" restart="never" nodeType="tmRoot"/>
+      </p:par>
+    </p:tnLst>
+  </p:timing>
+</p:sld>
+</file>
+
+<file path=ppt/slides/slide7.xml><?xml version="1.0" encoding="utf-8"?>
+<p:sld xmlns:a="http://schemas.openxmlformats.org/drawingml/2006/main" xmlns:r="http://schemas.openxmlformats.org/officeDocument/2006/relationships" xmlns:p="http://schemas.openxmlformats.org/presentationml/2006/main">
+  <p:cSld>
+    <p:spTree>
+      <p:nvGrpSpPr>
+        <p:cNvPr id="1" name=""/>
+        <p:cNvGrpSpPr/>
+        <p:nvPr/>
+      </p:nvGrpSpPr>
+      <p:grpSpPr>
+        <a:xfrm>
+          <a:off x="0" y="0"/>
+          <a:ext cx="0" cy="0"/>
+          <a:chOff x="0" y="0"/>
+          <a:chExt cx="0" cy="0"/>
+        </a:xfrm>
+      </p:grpSpPr>
+      <p:sp>
+        <p:nvSpPr>
+          <p:cNvPr id="2" name="標題 1"/>
+          <p:cNvSpPr>
+            <a:spLocks noGrp="1"/>
+          </p:cNvSpPr>
+          <p:nvPr>
+            <p:ph type="title"/>
+          </p:nvPr>
+        </p:nvSpPr>
+        <p:spPr/>
+        <p:txBody>
+          <a:bodyPr/>
+          <a:lstStyle/>
+          <a:p>
+            <a:r>
+              <a:rPr lang="en-US" altLang="zh-TW" dirty="0" smtClean="0">
+                <a:latin typeface="+mn-ea"/>
+              </a:rPr>
+              <a:t>『</a:t>
+            </a:r>
+            <a:r>
+              <a:rPr lang="zh-TW" altLang="en-US" dirty="0">
+                <a:latin typeface="+mn-ea"/>
+              </a:rPr>
+              <a:t>遊輪式公車</a:t>
+            </a:r>
+            <a:r>
+              <a:rPr lang="en-US" altLang="zh-TW" dirty="0">
+                <a:latin typeface="+mn-ea"/>
+              </a:rPr>
+              <a:t>』</a:t>
+            </a:r>
+            <a:endParaRPr lang="zh-TW" altLang="en-US" dirty="0"/>
+          </a:p>
+        </p:txBody>
+      </p:sp>
+      <p:pic>
+        <p:nvPicPr>
+          <p:cNvPr id="1026" name="Picture 2" descr="C:\Users\sking\Downloads\screencapture-localhost-82-hj2-www-index-php-1511674446257.png"/>
+          <p:cNvPicPr>
+            <a:picLocks noChangeAspect="1" noChangeArrowheads="1"/>
+          </p:cNvPicPr>
+          <p:nvPr/>
+        </p:nvPicPr>
+        <p:blipFill>
+          <a:blip r:embed="rId2" cstate="print">
+            <a:extLst>
+              <a:ext uri="{28A0092B-C50C-407E-A947-70E740481C1C}">
+                <a14:useLocalDpi xmlns:a14="http://schemas.microsoft.com/office/drawing/2010/main" val="0"/>
+              </a:ext>
+            </a:extLst>
+          </a:blip>
+          <a:srcRect/>
+          <a:stretch>
+            <a:fillRect/>
+          </a:stretch>
+        </p:blipFill>
+        <p:spPr bwMode="auto">
+          <a:xfrm>
+            <a:off x="755576" y="1340768"/>
+            <a:ext cx="7608387" cy="16136120"/>
+          </a:xfrm>
+          <a:prstGeom prst="rect">
+            <a:avLst/>
+          </a:prstGeom>
+          <a:noFill/>
+          <a:extLst>
+            <a:ext uri="{909E8E84-426E-40DD-AFC4-6F175D3DCCD1}">
+              <a14:hiddenFill xmlns:a14="http://schemas.microsoft.com/office/drawing/2010/main">
+                <a:solidFill>
+                  <a:srgbClr val="FFFFFF"/>
+                </a:solidFill>
+              </a14:hiddenFill>
+            </a:ext>
+          </a:extLst>
+        </p:spPr>
+      </p:pic>
+    </p:spTree>
+    <p:extLst>
+      <p:ext uri="{BB962C8B-B14F-4D97-AF65-F5344CB8AC3E}">
+        <p14:creationId xmlns:p14="http://schemas.microsoft.com/office/powerpoint/2010/main" val="2941970315"/>
       </p:ext>
     </p:extLst>
   </p:cSld>

--- a/豐富科技-地方開放資料黑客松-交通與觀光26.pptx
+++ b/豐富科技-地方開放資料黑客松-交通與觀光26.pptx
@@ -12,6 +12,7 @@
     <p:sldId id="267" r:id="rId6"/>
     <p:sldId id="269" r:id="rId7"/>
     <p:sldId id="268" r:id="rId8"/>
+    <p:sldId id="270" r:id="rId9"/>
   </p:sldIdLst>
   <p:sldSz cx="9144000" cy="6858000" type="screen4x3"/>
   <p:notesSz cx="6858000" cy="9144000"/>
@@ -2123,6 +2124,51 @@
         </a:p>
       </dgm:t>
     </dgm:pt>
+    <dgm:pt modelId="{52091BB8-06C8-481D-8394-0BE1732D0601}">
+      <dgm:prSet custT="1"/>
+      <dgm:spPr/>
+      <dgm:t>
+        <a:bodyPr/>
+        <a:lstStyle/>
+        <a:p>
+          <a:r>
+            <a:rPr lang="zh-TW" altLang="en-US" sz="1800" b="0" strike="noStrike" dirty="0" smtClean="0">
+              <a:solidFill>
+                <a:srgbClr val="002060"/>
+              </a:solidFill>
+              <a:effectLst>
+                <a:outerShdw blurRad="38100" dist="38100" dir="2700000" algn="tl">
+                  <a:srgbClr val="000000">
+                    <a:alpha val="43137"/>
+                  </a:srgbClr>
+                </a:outerShdw>
+              </a:effectLst>
+            </a:rPr>
+            <a:t>新竹市免費公車預估到站時刻表</a:t>
+          </a:r>
+          <a:endParaRPr lang="zh-TW" altLang="en-US" sz="1800" b="0" strike="noStrike" dirty="0">
+            <a:solidFill>
+              <a:srgbClr val="002060"/>
+            </a:solidFill>
+            <a:effectLst>
+              <a:outerShdw blurRad="38100" dist="38100" dir="2700000" algn="tl">
+                <a:srgbClr val="000000">
+                  <a:alpha val="43137"/>
+                </a:srgbClr>
+              </a:outerShdw>
+            </a:effectLst>
+          </a:endParaRPr>
+        </a:p>
+      </dgm:t>
+    </dgm:pt>
+    <dgm:pt modelId="{616410CD-7D20-4B06-AC75-683591A1C4CF}" type="parTrans" cxnId="{7F007074-26A5-4865-8981-C609556F55A7}">
+      <dgm:prSet/>
+      <dgm:spPr/>
+    </dgm:pt>
+    <dgm:pt modelId="{169AD379-C805-4AD2-BE4D-5846EC8EAA3E}" type="sibTrans" cxnId="{7F007074-26A5-4865-8981-C609556F55A7}">
+      <dgm:prSet/>
+      <dgm:spPr/>
+    </dgm:pt>
     <dgm:pt modelId="{8A432F4E-1557-4C59-9073-A10CDE9ED560}" type="pres">
       <dgm:prSet presAssocID="{34D76ABD-6E91-4D6B-A323-BB02F5A13B95}" presName="Name0" presStyleCnt="0">
         <dgm:presLayoutVars>
@@ -2298,55 +2344,57 @@
     </dgm:pt>
   </dgm:ptLst>
   <dgm:cxnLst>
+    <dgm:cxn modelId="{1041B38E-9236-4469-BE97-0E9AE495F77D}" srcId="{65242F45-0697-4604-8447-902C47F2446D}" destId="{0C5AC5D0-1A6A-4703-AB87-29FD162112B3}" srcOrd="4" destOrd="0" parTransId="{21BB9F90-1D2A-43CA-BC61-5BE33A01BB01}" sibTransId="{4E075F3A-E197-43D8-AE74-451B65C88F5D}"/>
+    <dgm:cxn modelId="{01BFB0F5-9321-4737-9862-6609DAC1CAAD}" type="presOf" srcId="{E226A521-0712-4C28-9637-364CBB411017}" destId="{26BB3B63-6B10-4300-A0FA-4F702A86E4AE}" srcOrd="0" destOrd="1" presId="urn:microsoft.com/office/officeart/2005/8/layout/hList1"/>
+    <dgm:cxn modelId="{FEA177D9-090A-4561-851D-8D20FD5FC565}" srcId="{37724259-C117-4DD2-98E8-1FA1D415142D}" destId="{70E40FBF-A917-4910-88D0-4DB0E7FD9E65}" srcOrd="2" destOrd="0" parTransId="{ABEB5880-AE5B-4831-92F3-EBFA46116F43}" sibTransId="{3C3EF3A2-153E-4A9B-8A6F-7F0015CBB5B7}"/>
+    <dgm:cxn modelId="{941F93B5-1DEC-475D-9AE9-81628C4839D5}" type="presOf" srcId="{0C5AC5D0-1A6A-4703-AB87-29FD162112B3}" destId="{26BB3B63-6B10-4300-A0FA-4F702A86E4AE}" srcOrd="0" destOrd="4" presId="urn:microsoft.com/office/officeart/2005/8/layout/hList1"/>
+    <dgm:cxn modelId="{0B31BD34-0F3A-44E8-84B8-A00575382F7C}" srcId="{65242F45-0697-4604-8447-902C47F2446D}" destId="{B37C92D5-1444-4379-A439-36C633E49C11}" srcOrd="3" destOrd="0" parTransId="{E86C17F3-7528-4478-B302-8CF2055796D9}" sibTransId="{3CA20671-6790-409B-8266-532405CA0212}"/>
+    <dgm:cxn modelId="{AF6A300F-6E88-4535-AAE2-BE6C3AC014B2}" type="presOf" srcId="{2AAD3D5F-1913-4B8E-A86E-575C2DEEFE9C}" destId="{1CCBDA6E-1781-4006-AF7B-468583AFA423}" srcOrd="0" destOrd="3" presId="urn:microsoft.com/office/officeart/2005/8/layout/hList1"/>
     <dgm:cxn modelId="{5EE6858D-ACAF-4228-95C0-52CDE3A34C0F}" srcId="{34D76ABD-6E91-4D6B-A323-BB02F5A13B95}" destId="{5CF0E908-E64E-4B4F-8AFD-A20AAD9580F2}" srcOrd="1" destOrd="0" parTransId="{8E3C0E31-70C3-4560-8065-6076D6A643CD}" sibTransId="{EEC996C3-B094-4624-93AA-4CDA9C7B8F27}"/>
+    <dgm:cxn modelId="{00058EA8-6904-4B29-B6D7-23E6FDEDE9A1}" type="presOf" srcId="{70E40FBF-A917-4910-88D0-4DB0E7FD9E65}" destId="{1CCBDA6E-1781-4006-AF7B-468583AFA423}" srcOrd="0" destOrd="6" presId="urn:microsoft.com/office/officeart/2005/8/layout/hList1"/>
+    <dgm:cxn modelId="{5523475E-4F5A-4C63-8A1D-17B2A110AB94}" srcId="{5CF0E908-E64E-4B4F-8AFD-A20AAD9580F2}" destId="{CACE130E-04EA-400B-BA1F-F97BF7CEEFD4}" srcOrd="0" destOrd="0" parTransId="{CC7B2DDA-C3EF-412D-8E8C-0667A45CCCD6}" sibTransId="{DD3F5466-3018-413E-A174-23B1E607AAC6}"/>
+    <dgm:cxn modelId="{392894E3-0141-47AA-A5AF-3842E80B99BE}" type="presOf" srcId="{7BAE363B-BB51-47CC-8116-2662C8339962}" destId="{26BB3B63-6B10-4300-A0FA-4F702A86E4AE}" srcOrd="0" destOrd="0" presId="urn:microsoft.com/office/officeart/2005/8/layout/hList1"/>
+    <dgm:cxn modelId="{54AD4C16-5E54-46E2-A276-4F4333C36907}" type="presOf" srcId="{5CF0E908-E64E-4B4F-8AFD-A20AAD9580F2}" destId="{B79990C0-37B8-421B-B5B8-8AE0DD884977}" srcOrd="0" destOrd="0" presId="urn:microsoft.com/office/officeart/2005/8/layout/hList1"/>
+    <dgm:cxn modelId="{3B3A60C9-E911-4299-9D10-B07FAED7BAD7}" type="presOf" srcId="{10930054-CF4C-47F3-B6C6-6E3C0C1733EF}" destId="{1CCBDA6E-1781-4006-AF7B-468583AFA423}" srcOrd="0" destOrd="5" presId="urn:microsoft.com/office/officeart/2005/8/layout/hList1"/>
+    <dgm:cxn modelId="{2BC49659-6FE3-424A-854E-C4836D4E4134}" type="presOf" srcId="{8457A175-40EA-47A7-9223-ABF67E3CB789}" destId="{26BB3B63-6B10-4300-A0FA-4F702A86E4AE}" srcOrd="0" destOrd="2" presId="urn:microsoft.com/office/officeart/2005/8/layout/hList1"/>
+    <dgm:cxn modelId="{6A70F91A-181A-4F29-B492-FB808F767E5A}" type="presOf" srcId="{39ACA4CD-38D4-45C3-94FD-8059B523BA88}" destId="{ACC45FF0-45A8-41C3-825A-0223BBE7B1A8}" srcOrd="0" destOrd="0" presId="urn:microsoft.com/office/officeart/2005/8/layout/hList1"/>
+    <dgm:cxn modelId="{3046AA4E-0269-44B3-8E0D-5B2495A02E98}" srcId="{34D76ABD-6E91-4D6B-A323-BB02F5A13B95}" destId="{37724259-C117-4DD2-98E8-1FA1D415142D}" srcOrd="3" destOrd="0" parTransId="{23F98A8D-B78B-473D-9555-9C0CFCED9BA7}" sibTransId="{8A974644-5796-4F62-84B4-47092DFE96FE}"/>
+    <dgm:cxn modelId="{C7814974-EC68-4395-B168-4FA8D7BC70A1}" type="presOf" srcId="{4D2FD0BD-8914-40B5-BC9B-C9779951158D}" destId="{4DF33D99-C7D4-4236-A7D4-F73BFB8D8D58}" srcOrd="0" destOrd="0" presId="urn:microsoft.com/office/officeart/2005/8/layout/hList1"/>
+    <dgm:cxn modelId="{EBF98DAB-D984-41F1-BD08-E7668CBEE5D9}" srcId="{9A235B74-5FFC-4E8B-B2A5-C24D935068A0}" destId="{D8B32EF1-48C4-4DA1-B097-4AA2F890C884}" srcOrd="0" destOrd="0" parTransId="{25ACC8EB-A7D3-47C1-850E-1FE53C05A2B6}" sibTransId="{315F7C4D-D32E-4E31-97F1-6613ECE57AD8}"/>
+    <dgm:cxn modelId="{4CF86334-10EF-49EC-BFFD-143F1AB07DD0}" srcId="{4D2FD0BD-8914-40B5-BC9B-C9779951158D}" destId="{8230A4CE-74F6-48E7-B8A8-A1618537F3A3}" srcOrd="1" destOrd="0" parTransId="{95CF832B-71EB-41EA-BEF9-576E685B3651}" sibTransId="{660965D5-592C-4BC2-AAB8-C40C7B7D7428}"/>
+    <dgm:cxn modelId="{2AEE88C1-FB76-4728-A6C5-FC0482C050AF}" srcId="{65242F45-0697-4604-8447-902C47F2446D}" destId="{E226A521-0712-4C28-9637-364CBB411017}" srcOrd="1" destOrd="0" parTransId="{5973EF85-7589-431E-9784-B4AD9EE7D270}" sibTransId="{4DD91526-4DBB-4263-B1DF-D32D22A20D54}"/>
+    <dgm:cxn modelId="{AC19CCC2-3BD2-457E-A7D4-41BCA24190B6}" srcId="{4D2FD0BD-8914-40B5-BC9B-C9779951158D}" destId="{5404A29E-45BE-4076-B2EA-A1A24FCDFF38}" srcOrd="2" destOrd="0" parTransId="{775E0E21-F466-42E5-9654-BAF87A52299C}" sibTransId="{6EAAAD32-F0AB-4D5C-9C60-4945EE7AC187}"/>
+    <dgm:cxn modelId="{7E420A80-23D0-437F-82DE-4532E1F9E254}" type="presOf" srcId="{F08326BF-2D93-4955-BBAD-47453F1A421D}" destId="{1CCBDA6E-1781-4006-AF7B-468583AFA423}" srcOrd="0" destOrd="4" presId="urn:microsoft.com/office/officeart/2005/8/layout/hList1"/>
+    <dgm:cxn modelId="{AEE432B2-43DF-44E2-BF27-714BF5C49504}" srcId="{2AAD3D5F-1913-4B8E-A86E-575C2DEEFE9C}" destId="{F08326BF-2D93-4955-BBAD-47453F1A421D}" srcOrd="0" destOrd="0" parTransId="{A27AEF76-D77B-456B-8406-502921270B8C}" sibTransId="{B4FDDC59-D423-4771-82F4-84DF4449ABE2}"/>
+    <dgm:cxn modelId="{ADCE67E5-2783-4CDA-A3DC-2EF0688C526D}" type="presOf" srcId="{04F5FE20-8F4C-41A8-8DBF-7C0DB8831BD4}" destId="{1CCBDA6E-1781-4006-AF7B-468583AFA423}" srcOrd="0" destOrd="7" presId="urn:microsoft.com/office/officeart/2005/8/layout/hList1"/>
+    <dgm:cxn modelId="{C43FF82E-D58A-4036-A571-32FD3E30398F}" type="presOf" srcId="{D8B32EF1-48C4-4DA1-B097-4AA2F890C884}" destId="{1CCBDA6E-1781-4006-AF7B-468583AFA423}" srcOrd="0" destOrd="1" presId="urn:microsoft.com/office/officeart/2005/8/layout/hList1"/>
+    <dgm:cxn modelId="{7A7189D7-78FD-43CA-B394-09CC44C69E55}" type="presOf" srcId="{CACE130E-04EA-400B-BA1F-F97BF7CEEFD4}" destId="{9D0C70CC-30FE-4125-999B-05F30130F378}" srcOrd="0" destOrd="0" presId="urn:microsoft.com/office/officeart/2005/8/layout/hList1"/>
+    <dgm:cxn modelId="{B47587B1-B8FD-4849-986C-16F4ACDE99A0}" srcId="{34D76ABD-6E91-4D6B-A323-BB02F5A13B95}" destId="{4D2FD0BD-8914-40B5-BC9B-C9779951158D}" srcOrd="2" destOrd="0" parTransId="{A8F60D33-0570-4860-ACB3-8ABEDF28F6FB}" sibTransId="{A5B33A90-D84A-42DB-92E2-E9545596389A}"/>
+    <dgm:cxn modelId="{A1CCF8F8-B2CF-452B-8875-A9892AEFC922}" srcId="{65242F45-0697-4604-8447-902C47F2446D}" destId="{7BAE363B-BB51-47CC-8116-2662C8339962}" srcOrd="0" destOrd="0" parTransId="{E9E95F6A-C7DB-452C-8EE2-A47FEA00259A}" sibTransId="{B7B57DF4-0E86-4B6A-BB3C-6122EDCF2396}"/>
+    <dgm:cxn modelId="{66294F11-2795-40AA-92AE-BE509CA0CDC9}" srcId="{37724259-C117-4DD2-98E8-1FA1D415142D}" destId="{9A235B74-5FFC-4E8B-B2A5-C24D935068A0}" srcOrd="0" destOrd="0" parTransId="{8E8E5686-E4A1-4B7C-AB0A-9A50AB4E273E}" sibTransId="{40502620-BD38-4741-8B22-FC272A902EF3}"/>
+    <dgm:cxn modelId="{B752D464-7115-4130-9EDF-C635AC22478E}" type="presOf" srcId="{87371E9C-F6CF-4000-9471-EB8A09695182}" destId="{1CCBDA6E-1781-4006-AF7B-468583AFA423}" srcOrd="0" destOrd="2" presId="urn:microsoft.com/office/officeart/2005/8/layout/hList1"/>
+    <dgm:cxn modelId="{86B29A94-4CDA-4B98-9D3F-73EDB3399C64}" type="presOf" srcId="{B37C92D5-1444-4379-A439-36C633E49C11}" destId="{26BB3B63-6B10-4300-A0FA-4F702A86E4AE}" srcOrd="0" destOrd="3" presId="urn:microsoft.com/office/officeart/2005/8/layout/hList1"/>
+    <dgm:cxn modelId="{9F68F759-7F94-4B7D-BA60-D72134601545}" srcId="{4D2FD0BD-8914-40B5-BC9B-C9779951158D}" destId="{39ACA4CD-38D4-45C3-94FD-8059B523BA88}" srcOrd="0" destOrd="0" parTransId="{AECCA207-60E7-4F82-863B-9DEE208E32B2}" sibTransId="{E743FF0B-5146-41EF-A6F2-53ADB26CA624}"/>
+    <dgm:cxn modelId="{7159F5A0-A70A-4A5E-845C-72EF86FF905D}" type="presOf" srcId="{94F54011-7D09-4D3E-9E35-B3E00B07CAF2}" destId="{ACC45FF0-45A8-41C3-825A-0223BBE7B1A8}" srcOrd="0" destOrd="3" presId="urn:microsoft.com/office/officeart/2005/8/layout/hList1"/>
+    <dgm:cxn modelId="{8ED430C5-E285-4351-95BC-7F24BC5FBDC5}" srcId="{65242F45-0697-4604-8447-902C47F2446D}" destId="{8457A175-40EA-47A7-9223-ABF67E3CB789}" srcOrd="2" destOrd="0" parTransId="{24E6FC41-A569-44D2-B4BC-67D63B598D49}" sibTransId="{D855CEBF-7944-441A-A824-13ABCA56F349}"/>
+    <dgm:cxn modelId="{4171061E-D7C8-406B-BB78-705FDBD6171C}" srcId="{34D76ABD-6E91-4D6B-A323-BB02F5A13B95}" destId="{65242F45-0697-4604-8447-902C47F2446D}" srcOrd="0" destOrd="0" parTransId="{0D44A2B3-86CB-4D42-90EF-9C4D187158DB}" sibTransId="{6D78C261-8924-422A-A756-A0305169B027}"/>
+    <dgm:cxn modelId="{CE283583-1B15-4DC8-89AF-06005C151D9A}" type="presOf" srcId="{8230A4CE-74F6-48E7-B8A8-A1618537F3A3}" destId="{ACC45FF0-45A8-41C3-825A-0223BBE7B1A8}" srcOrd="0" destOrd="1" presId="urn:microsoft.com/office/officeart/2005/8/layout/hList1"/>
+    <dgm:cxn modelId="{FC268A78-E89B-47B6-A4CE-1495312B9E8A}" type="presOf" srcId="{5404A29E-45BE-4076-B2EA-A1A24FCDFF38}" destId="{ACC45FF0-45A8-41C3-825A-0223BBE7B1A8}" srcOrd="0" destOrd="2" presId="urn:microsoft.com/office/officeart/2005/8/layout/hList1"/>
+    <dgm:cxn modelId="{14C80380-E75A-48C6-B54E-807E65E55ECB}" srcId="{37724259-C117-4DD2-98E8-1FA1D415142D}" destId="{2AAD3D5F-1913-4B8E-A86E-575C2DEEFE9C}" srcOrd="1" destOrd="0" parTransId="{0CF11D81-3439-4FC2-9A98-722E4A3256EC}" sibTransId="{6D26AE53-DE2D-4098-A3CE-7D2285780137}"/>
+    <dgm:cxn modelId="{5E57BE5A-0F7A-41EB-84A1-457DF721BF33}" srcId="{4D2FD0BD-8914-40B5-BC9B-C9779951158D}" destId="{94F54011-7D09-4D3E-9E35-B3E00B07CAF2}" srcOrd="3" destOrd="0" parTransId="{2203F19E-0347-46CE-A053-714E48A04E3E}" sibTransId="{6E84FCB3-7347-48CF-A924-B0E0BC7DE6FE}"/>
+    <dgm:cxn modelId="{EA27D2C7-0724-4341-9727-E36B485BBCCA}" type="presOf" srcId="{34D76ABD-6E91-4D6B-A323-BB02F5A13B95}" destId="{8A432F4E-1557-4C59-9073-A10CDE9ED560}" srcOrd="0" destOrd="0" presId="urn:microsoft.com/office/officeart/2005/8/layout/hList1"/>
     <dgm:cxn modelId="{C5496279-F463-4303-80F5-7A3F0043903C}" srcId="{70E40FBF-A917-4910-88D0-4DB0E7FD9E65}" destId="{04F5FE20-8F4C-41A8-8DBF-7C0DB8831BD4}" srcOrd="0" destOrd="0" parTransId="{3F9063C0-E278-4252-9530-A4023E9D2CC1}" sibTransId="{A403EB47-6F14-4B8F-919C-0465E1F554C8}"/>
-    <dgm:cxn modelId="{392894E3-0141-47AA-A5AF-3842E80B99BE}" type="presOf" srcId="{7BAE363B-BB51-47CC-8116-2662C8339962}" destId="{26BB3B63-6B10-4300-A0FA-4F702A86E4AE}" srcOrd="0" destOrd="0" presId="urn:microsoft.com/office/officeart/2005/8/layout/hList1"/>
     <dgm:cxn modelId="{5E573B87-FE84-432F-B93F-6CA2ED7FF036}" srcId="{2AAD3D5F-1913-4B8E-A86E-575C2DEEFE9C}" destId="{10930054-CF4C-47F3-B6C6-6E3C0C1733EF}" srcOrd="1" destOrd="0" parTransId="{F8D70C77-FEB1-4D2E-BD31-73BF5D4EE6F0}" sibTransId="{5E1A7D7C-2625-4D13-9B2F-EF733F771C36}"/>
-    <dgm:cxn modelId="{9F68F759-7F94-4B7D-BA60-D72134601545}" srcId="{4D2FD0BD-8914-40B5-BC9B-C9779951158D}" destId="{39ACA4CD-38D4-45C3-94FD-8059B523BA88}" srcOrd="0" destOrd="0" parTransId="{AECCA207-60E7-4F82-863B-9DEE208E32B2}" sibTransId="{E743FF0B-5146-41EF-A6F2-53ADB26CA624}"/>
-    <dgm:cxn modelId="{66294F11-2795-40AA-92AE-BE509CA0CDC9}" srcId="{37724259-C117-4DD2-98E8-1FA1D415142D}" destId="{9A235B74-5FFC-4E8B-B2A5-C24D935068A0}" srcOrd="0" destOrd="0" parTransId="{8E8E5686-E4A1-4B7C-AB0A-9A50AB4E273E}" sibTransId="{40502620-BD38-4741-8B22-FC272A902EF3}"/>
+    <dgm:cxn modelId="{7F3714AD-D364-4084-9173-85CA59028DB8}" srcId="{9A235B74-5FFC-4E8B-B2A5-C24D935068A0}" destId="{87371E9C-F6CF-4000-9471-EB8A09695182}" srcOrd="1" destOrd="0" parTransId="{80830FFA-9E11-438F-A30B-7285D1D18670}" sibTransId="{B9779EB8-AAE0-4062-B25D-F9625BACD50E}"/>
+    <dgm:cxn modelId="{1EB37D09-A778-4106-A981-C8C0190EC808}" type="presOf" srcId="{BF7D5C6E-1405-437B-9060-AB1D3C55807D}" destId="{ACC45FF0-45A8-41C3-825A-0223BBE7B1A8}" srcOrd="0" destOrd="4" presId="urn:microsoft.com/office/officeart/2005/8/layout/hList1"/>
     <dgm:cxn modelId="{51DE30FC-DC66-4C4C-849F-BD3FBA85DD78}" type="presOf" srcId="{65242F45-0697-4604-8447-902C47F2446D}" destId="{2921CDDA-F6D4-459B-8E40-4A9F0793A08C}" srcOrd="0" destOrd="0" presId="urn:microsoft.com/office/officeart/2005/8/layout/hList1"/>
+    <dgm:cxn modelId="{E20CD8AB-EB63-487C-9D1B-4F22D96BDF83}" type="presOf" srcId="{37724259-C117-4DD2-98E8-1FA1D415142D}" destId="{D6358515-60C3-4D90-8884-8923AAC38028}" srcOrd="0" destOrd="0" presId="urn:microsoft.com/office/officeart/2005/8/layout/hList1"/>
+    <dgm:cxn modelId="{7F007074-26A5-4865-8981-C609556F55A7}" srcId="{65242F45-0697-4604-8447-902C47F2446D}" destId="{52091BB8-06C8-481D-8394-0BE1732D0601}" srcOrd="5" destOrd="0" parTransId="{616410CD-7D20-4B06-AC75-683591A1C4CF}" sibTransId="{169AD379-C805-4AD2-BE4D-5846EC8EAA3E}"/>
+    <dgm:cxn modelId="{48CF4FDA-9A8D-4A7E-A90A-564345C55F27}" srcId="{4D2FD0BD-8914-40B5-BC9B-C9779951158D}" destId="{BF7D5C6E-1405-437B-9060-AB1D3C55807D}" srcOrd="4" destOrd="0" parTransId="{C4E522C8-B9BF-468A-94ED-7746E2F41334}" sibTransId="{0B3317D5-9D51-4229-AA5F-1F0CF2ADEDD0}"/>
+    <dgm:cxn modelId="{F0263064-2CC2-4F7C-940A-967AD749D760}" type="presOf" srcId="{52091BB8-06C8-481D-8394-0BE1732D0601}" destId="{26BB3B63-6B10-4300-A0FA-4F702A86E4AE}" srcOrd="0" destOrd="5" presId="urn:microsoft.com/office/officeart/2005/8/layout/hList1"/>
+    <dgm:cxn modelId="{28BF2D6F-4CE2-4806-B9A2-1CDCF7A28296}" type="presOf" srcId="{D36B179F-9417-4BF9-A278-275F4D8BBA40}" destId="{1CCBDA6E-1781-4006-AF7B-468583AFA423}" srcOrd="0" destOrd="8" presId="urn:microsoft.com/office/officeart/2005/8/layout/hList1"/>
     <dgm:cxn modelId="{538C7CA8-4639-441A-95C8-4A35995F9892}" type="presOf" srcId="{9A235B74-5FFC-4E8B-B2A5-C24D935068A0}" destId="{1CCBDA6E-1781-4006-AF7B-468583AFA423}" srcOrd="0" destOrd="0" presId="urn:microsoft.com/office/officeart/2005/8/layout/hList1"/>
-    <dgm:cxn modelId="{1041B38E-9236-4469-BE97-0E9AE495F77D}" srcId="{65242F45-0697-4604-8447-902C47F2446D}" destId="{0C5AC5D0-1A6A-4703-AB87-29FD162112B3}" srcOrd="4" destOrd="0" parTransId="{21BB9F90-1D2A-43CA-BC61-5BE33A01BB01}" sibTransId="{4E075F3A-E197-43D8-AE74-451B65C88F5D}"/>
     <dgm:cxn modelId="{A59EBBB2-779F-4053-B7EE-D592DE3E5389}" srcId="{70E40FBF-A917-4910-88D0-4DB0E7FD9E65}" destId="{D36B179F-9417-4BF9-A278-275F4D8BBA40}" srcOrd="1" destOrd="0" parTransId="{A4BE4985-0424-4386-AF6F-4B0B3E9F22C9}" sibTransId="{470E2C27-8063-4AB7-96FE-CB6B2F0A37D5}"/>
-    <dgm:cxn modelId="{3046AA4E-0269-44B3-8E0D-5B2495A02E98}" srcId="{34D76ABD-6E91-4D6B-A323-BB02F5A13B95}" destId="{37724259-C117-4DD2-98E8-1FA1D415142D}" srcOrd="3" destOrd="0" parTransId="{23F98A8D-B78B-473D-9555-9C0CFCED9BA7}" sibTransId="{8A974644-5796-4F62-84B4-47092DFE96FE}"/>
-    <dgm:cxn modelId="{B47587B1-B8FD-4849-986C-16F4ACDE99A0}" srcId="{34D76ABD-6E91-4D6B-A323-BB02F5A13B95}" destId="{4D2FD0BD-8914-40B5-BC9B-C9779951158D}" srcOrd="2" destOrd="0" parTransId="{A8F60D33-0570-4860-ACB3-8ABEDF28F6FB}" sibTransId="{A5B33A90-D84A-42DB-92E2-E9545596389A}"/>
-    <dgm:cxn modelId="{5523475E-4F5A-4C63-8A1D-17B2A110AB94}" srcId="{5CF0E908-E64E-4B4F-8AFD-A20AAD9580F2}" destId="{CACE130E-04EA-400B-BA1F-F97BF7CEEFD4}" srcOrd="0" destOrd="0" parTransId="{CC7B2DDA-C3EF-412D-8E8C-0667A45CCCD6}" sibTransId="{DD3F5466-3018-413E-A174-23B1E607AAC6}"/>
-    <dgm:cxn modelId="{4CF86334-10EF-49EC-BFFD-143F1AB07DD0}" srcId="{4D2FD0BD-8914-40B5-BC9B-C9779951158D}" destId="{8230A4CE-74F6-48E7-B8A8-A1618537F3A3}" srcOrd="1" destOrd="0" parTransId="{95CF832B-71EB-41EA-BEF9-576E685B3651}" sibTransId="{660965D5-592C-4BC2-AAB8-C40C7B7D7428}"/>
-    <dgm:cxn modelId="{0B31BD34-0F3A-44E8-84B8-A00575382F7C}" srcId="{65242F45-0697-4604-8447-902C47F2446D}" destId="{B37C92D5-1444-4379-A439-36C633E49C11}" srcOrd="3" destOrd="0" parTransId="{E86C17F3-7528-4478-B302-8CF2055796D9}" sibTransId="{3CA20671-6790-409B-8266-532405CA0212}"/>
-    <dgm:cxn modelId="{54AD4C16-5E54-46E2-A276-4F4333C36907}" type="presOf" srcId="{5CF0E908-E64E-4B4F-8AFD-A20AAD9580F2}" destId="{B79990C0-37B8-421B-B5B8-8AE0DD884977}" srcOrd="0" destOrd="0" presId="urn:microsoft.com/office/officeart/2005/8/layout/hList1"/>
-    <dgm:cxn modelId="{EBF98DAB-D984-41F1-BD08-E7668CBEE5D9}" srcId="{9A235B74-5FFC-4E8B-B2A5-C24D935068A0}" destId="{D8B32EF1-48C4-4DA1-B097-4AA2F890C884}" srcOrd="0" destOrd="0" parTransId="{25ACC8EB-A7D3-47C1-850E-1FE53C05A2B6}" sibTransId="{315F7C4D-D32E-4E31-97F1-6613ECE57AD8}"/>
-    <dgm:cxn modelId="{86B29A94-4CDA-4B98-9D3F-73EDB3399C64}" type="presOf" srcId="{B37C92D5-1444-4379-A439-36C633E49C11}" destId="{26BB3B63-6B10-4300-A0FA-4F702A86E4AE}" srcOrd="0" destOrd="3" presId="urn:microsoft.com/office/officeart/2005/8/layout/hList1"/>
-    <dgm:cxn modelId="{E20CD8AB-EB63-487C-9D1B-4F22D96BDF83}" type="presOf" srcId="{37724259-C117-4DD2-98E8-1FA1D415142D}" destId="{D6358515-60C3-4D90-8884-8923AAC38028}" srcOrd="0" destOrd="0" presId="urn:microsoft.com/office/officeart/2005/8/layout/hList1"/>
-    <dgm:cxn modelId="{14C80380-E75A-48C6-B54E-807E65E55ECB}" srcId="{37724259-C117-4DD2-98E8-1FA1D415142D}" destId="{2AAD3D5F-1913-4B8E-A86E-575C2DEEFE9C}" srcOrd="1" destOrd="0" parTransId="{0CF11D81-3439-4FC2-9A98-722E4A3256EC}" sibTransId="{6D26AE53-DE2D-4098-A3CE-7D2285780137}"/>
-    <dgm:cxn modelId="{FEA177D9-090A-4561-851D-8D20FD5FC565}" srcId="{37724259-C117-4DD2-98E8-1FA1D415142D}" destId="{70E40FBF-A917-4910-88D0-4DB0E7FD9E65}" srcOrd="2" destOrd="0" parTransId="{ABEB5880-AE5B-4831-92F3-EBFA46116F43}" sibTransId="{3C3EF3A2-153E-4A9B-8A6F-7F0015CBB5B7}"/>
-    <dgm:cxn modelId="{7A7189D7-78FD-43CA-B394-09CC44C69E55}" type="presOf" srcId="{CACE130E-04EA-400B-BA1F-F97BF7CEEFD4}" destId="{9D0C70CC-30FE-4125-999B-05F30130F378}" srcOrd="0" destOrd="0" presId="urn:microsoft.com/office/officeart/2005/8/layout/hList1"/>
-    <dgm:cxn modelId="{2AEE88C1-FB76-4728-A6C5-FC0482C050AF}" srcId="{65242F45-0697-4604-8447-902C47F2446D}" destId="{E226A521-0712-4C28-9637-364CBB411017}" srcOrd="1" destOrd="0" parTransId="{5973EF85-7589-431E-9784-B4AD9EE7D270}" sibTransId="{4DD91526-4DBB-4263-B1DF-D32D22A20D54}"/>
-    <dgm:cxn modelId="{48CF4FDA-9A8D-4A7E-A90A-564345C55F27}" srcId="{4D2FD0BD-8914-40B5-BC9B-C9779951158D}" destId="{BF7D5C6E-1405-437B-9060-AB1D3C55807D}" srcOrd="4" destOrd="0" parTransId="{C4E522C8-B9BF-468A-94ED-7746E2F41334}" sibTransId="{0B3317D5-9D51-4229-AA5F-1F0CF2ADEDD0}"/>
-    <dgm:cxn modelId="{6A70F91A-181A-4F29-B492-FB808F767E5A}" type="presOf" srcId="{39ACA4CD-38D4-45C3-94FD-8059B523BA88}" destId="{ACC45FF0-45A8-41C3-825A-0223BBE7B1A8}" srcOrd="0" destOrd="0" presId="urn:microsoft.com/office/officeart/2005/8/layout/hList1"/>
-    <dgm:cxn modelId="{2BC49659-6FE3-424A-854E-C4836D4E4134}" type="presOf" srcId="{8457A175-40EA-47A7-9223-ABF67E3CB789}" destId="{26BB3B63-6B10-4300-A0FA-4F702A86E4AE}" srcOrd="0" destOrd="2" presId="urn:microsoft.com/office/officeart/2005/8/layout/hList1"/>
-    <dgm:cxn modelId="{AEE432B2-43DF-44E2-BF27-714BF5C49504}" srcId="{2AAD3D5F-1913-4B8E-A86E-575C2DEEFE9C}" destId="{F08326BF-2D93-4955-BBAD-47453F1A421D}" srcOrd="0" destOrd="0" parTransId="{A27AEF76-D77B-456B-8406-502921270B8C}" sibTransId="{B4FDDC59-D423-4771-82F4-84DF4449ABE2}"/>
-    <dgm:cxn modelId="{28BF2D6F-4CE2-4806-B9A2-1CDCF7A28296}" type="presOf" srcId="{D36B179F-9417-4BF9-A278-275F4D8BBA40}" destId="{1CCBDA6E-1781-4006-AF7B-468583AFA423}" srcOrd="0" destOrd="8" presId="urn:microsoft.com/office/officeart/2005/8/layout/hList1"/>
-    <dgm:cxn modelId="{7E420A80-23D0-437F-82DE-4532E1F9E254}" type="presOf" srcId="{F08326BF-2D93-4955-BBAD-47453F1A421D}" destId="{1CCBDA6E-1781-4006-AF7B-468583AFA423}" srcOrd="0" destOrd="4" presId="urn:microsoft.com/office/officeart/2005/8/layout/hList1"/>
-    <dgm:cxn modelId="{00058EA8-6904-4B29-B6D7-23E6FDEDE9A1}" type="presOf" srcId="{70E40FBF-A917-4910-88D0-4DB0E7FD9E65}" destId="{1CCBDA6E-1781-4006-AF7B-468583AFA423}" srcOrd="0" destOrd="6" presId="urn:microsoft.com/office/officeart/2005/8/layout/hList1"/>
-    <dgm:cxn modelId="{7F3714AD-D364-4084-9173-85CA59028DB8}" srcId="{9A235B74-5FFC-4E8B-B2A5-C24D935068A0}" destId="{87371E9C-F6CF-4000-9471-EB8A09695182}" srcOrd="1" destOrd="0" parTransId="{80830FFA-9E11-438F-A30B-7285D1D18670}" sibTransId="{B9779EB8-AAE0-4062-B25D-F9625BACD50E}"/>
-    <dgm:cxn modelId="{C43FF82E-D58A-4036-A571-32FD3E30398F}" type="presOf" srcId="{D8B32EF1-48C4-4DA1-B097-4AA2F890C884}" destId="{1CCBDA6E-1781-4006-AF7B-468583AFA423}" srcOrd="0" destOrd="1" presId="urn:microsoft.com/office/officeart/2005/8/layout/hList1"/>
-    <dgm:cxn modelId="{3B3A60C9-E911-4299-9D10-B07FAED7BAD7}" type="presOf" srcId="{10930054-CF4C-47F3-B6C6-6E3C0C1733EF}" destId="{1CCBDA6E-1781-4006-AF7B-468583AFA423}" srcOrd="0" destOrd="5" presId="urn:microsoft.com/office/officeart/2005/8/layout/hList1"/>
-    <dgm:cxn modelId="{ADCE67E5-2783-4CDA-A3DC-2EF0688C526D}" type="presOf" srcId="{04F5FE20-8F4C-41A8-8DBF-7C0DB8831BD4}" destId="{1CCBDA6E-1781-4006-AF7B-468583AFA423}" srcOrd="0" destOrd="7" presId="urn:microsoft.com/office/officeart/2005/8/layout/hList1"/>
-    <dgm:cxn modelId="{7159F5A0-A70A-4A5E-845C-72EF86FF905D}" type="presOf" srcId="{94F54011-7D09-4D3E-9E35-B3E00B07CAF2}" destId="{ACC45FF0-45A8-41C3-825A-0223BBE7B1A8}" srcOrd="0" destOrd="3" presId="urn:microsoft.com/office/officeart/2005/8/layout/hList1"/>
-    <dgm:cxn modelId="{AF6A300F-6E88-4535-AAE2-BE6C3AC014B2}" type="presOf" srcId="{2AAD3D5F-1913-4B8E-A86E-575C2DEEFE9C}" destId="{1CCBDA6E-1781-4006-AF7B-468583AFA423}" srcOrd="0" destOrd="3" presId="urn:microsoft.com/office/officeart/2005/8/layout/hList1"/>
-    <dgm:cxn modelId="{FC268A78-E89B-47B6-A4CE-1495312B9E8A}" type="presOf" srcId="{5404A29E-45BE-4076-B2EA-A1A24FCDFF38}" destId="{ACC45FF0-45A8-41C3-825A-0223BBE7B1A8}" srcOrd="0" destOrd="2" presId="urn:microsoft.com/office/officeart/2005/8/layout/hList1"/>
-    <dgm:cxn modelId="{B752D464-7115-4130-9EDF-C635AC22478E}" type="presOf" srcId="{87371E9C-F6CF-4000-9471-EB8A09695182}" destId="{1CCBDA6E-1781-4006-AF7B-468583AFA423}" srcOrd="0" destOrd="2" presId="urn:microsoft.com/office/officeart/2005/8/layout/hList1"/>
-    <dgm:cxn modelId="{941F93B5-1DEC-475D-9AE9-81628C4839D5}" type="presOf" srcId="{0C5AC5D0-1A6A-4703-AB87-29FD162112B3}" destId="{26BB3B63-6B10-4300-A0FA-4F702A86E4AE}" srcOrd="0" destOrd="4" presId="urn:microsoft.com/office/officeart/2005/8/layout/hList1"/>
-    <dgm:cxn modelId="{EA27D2C7-0724-4341-9727-E36B485BBCCA}" type="presOf" srcId="{34D76ABD-6E91-4D6B-A323-BB02F5A13B95}" destId="{8A432F4E-1557-4C59-9073-A10CDE9ED560}" srcOrd="0" destOrd="0" presId="urn:microsoft.com/office/officeart/2005/8/layout/hList1"/>
-    <dgm:cxn modelId="{8ED430C5-E285-4351-95BC-7F24BC5FBDC5}" srcId="{65242F45-0697-4604-8447-902C47F2446D}" destId="{8457A175-40EA-47A7-9223-ABF67E3CB789}" srcOrd="2" destOrd="0" parTransId="{24E6FC41-A569-44D2-B4BC-67D63B598D49}" sibTransId="{D855CEBF-7944-441A-A824-13ABCA56F349}"/>
-    <dgm:cxn modelId="{5E57BE5A-0F7A-41EB-84A1-457DF721BF33}" srcId="{4D2FD0BD-8914-40B5-BC9B-C9779951158D}" destId="{94F54011-7D09-4D3E-9E35-B3E00B07CAF2}" srcOrd="3" destOrd="0" parTransId="{2203F19E-0347-46CE-A053-714E48A04E3E}" sibTransId="{6E84FCB3-7347-48CF-A924-B0E0BC7DE6FE}"/>
-    <dgm:cxn modelId="{A1CCF8F8-B2CF-452B-8875-A9892AEFC922}" srcId="{65242F45-0697-4604-8447-902C47F2446D}" destId="{7BAE363B-BB51-47CC-8116-2662C8339962}" srcOrd="0" destOrd="0" parTransId="{E9E95F6A-C7DB-452C-8EE2-A47FEA00259A}" sibTransId="{B7B57DF4-0E86-4B6A-BB3C-6122EDCF2396}"/>
-    <dgm:cxn modelId="{AC19CCC2-3BD2-457E-A7D4-41BCA24190B6}" srcId="{4D2FD0BD-8914-40B5-BC9B-C9779951158D}" destId="{5404A29E-45BE-4076-B2EA-A1A24FCDFF38}" srcOrd="2" destOrd="0" parTransId="{775E0E21-F466-42E5-9654-BAF87A52299C}" sibTransId="{6EAAAD32-F0AB-4D5C-9C60-4945EE7AC187}"/>
-    <dgm:cxn modelId="{C7814974-EC68-4395-B168-4FA8D7BC70A1}" type="presOf" srcId="{4D2FD0BD-8914-40B5-BC9B-C9779951158D}" destId="{4DF33D99-C7D4-4236-A7D4-F73BFB8D8D58}" srcOrd="0" destOrd="0" presId="urn:microsoft.com/office/officeart/2005/8/layout/hList1"/>
-    <dgm:cxn modelId="{1EB37D09-A778-4106-A981-C8C0190EC808}" type="presOf" srcId="{BF7D5C6E-1405-437B-9060-AB1D3C55807D}" destId="{ACC45FF0-45A8-41C3-825A-0223BBE7B1A8}" srcOrd="0" destOrd="4" presId="urn:microsoft.com/office/officeart/2005/8/layout/hList1"/>
-    <dgm:cxn modelId="{CE283583-1B15-4DC8-89AF-06005C151D9A}" type="presOf" srcId="{8230A4CE-74F6-48E7-B8A8-A1618537F3A3}" destId="{ACC45FF0-45A8-41C3-825A-0223BBE7B1A8}" srcOrd="0" destOrd="1" presId="urn:microsoft.com/office/officeart/2005/8/layout/hList1"/>
-    <dgm:cxn modelId="{01BFB0F5-9321-4737-9862-6609DAC1CAAD}" type="presOf" srcId="{E226A521-0712-4C28-9637-364CBB411017}" destId="{26BB3B63-6B10-4300-A0FA-4F702A86E4AE}" srcOrd="0" destOrd="1" presId="urn:microsoft.com/office/officeart/2005/8/layout/hList1"/>
-    <dgm:cxn modelId="{4171061E-D7C8-406B-BB78-705FDBD6171C}" srcId="{34D76ABD-6E91-4D6B-A323-BB02F5A13B95}" destId="{65242F45-0697-4604-8447-902C47F2446D}" srcOrd="0" destOrd="0" parTransId="{0D44A2B3-86CB-4D42-90EF-9C4D187158DB}" sibTransId="{6D78C261-8924-422A-A756-A0305169B027}"/>
     <dgm:cxn modelId="{556FBC73-2B55-4F49-A4EE-699E6F6A4E68}" type="presParOf" srcId="{8A432F4E-1557-4C59-9073-A10CDE9ED560}" destId="{0F80C131-ACB0-46B2-A3ED-B5D2607CE685}" srcOrd="0" destOrd="0" presId="urn:microsoft.com/office/officeart/2005/8/layout/hList1"/>
     <dgm:cxn modelId="{F6B39E26-511D-4FBB-A6F3-4D67B3444724}" type="presParOf" srcId="{0F80C131-ACB0-46B2-A3ED-B5D2607CE685}" destId="{2921CDDA-F6D4-459B-8E40-4A9F0793A08C}" srcOrd="0" destOrd="0" presId="urn:microsoft.com/office/officeart/2005/8/layout/hList1"/>
     <dgm:cxn modelId="{7121F602-0A6D-4A64-A62E-6D89553AE276}" type="presParOf" srcId="{0F80C131-ACB0-46B2-A3ED-B5D2607CE685}" destId="{26BB3B63-6B10-4300-A0FA-4F702A86E4AE}" srcOrd="1" destOrd="0" presId="urn:microsoft.com/office/officeart/2005/8/layout/hList1"/>
@@ -2388,7 +2436,7 @@
       </dsp:nvSpPr>
       <dsp:spPr>
         <a:xfrm>
-          <a:off x="3302" y="285456"/>
+          <a:off x="3302" y="286241"/>
           <a:ext cx="1986056" cy="794422"/>
         </a:xfrm>
         <a:prstGeom prst="rect">
@@ -2480,7 +2528,7 @@
         </a:p>
       </dsp:txBody>
       <dsp:txXfrm>
-        <a:off x="3302" y="285456"/>
+        <a:off x="3302" y="286241"/>
         <a:ext cx="1986056" cy="794422"/>
       </dsp:txXfrm>
     </dsp:sp>
@@ -2491,8 +2539,8 @@
       </dsp:nvSpPr>
       <dsp:spPr>
         <a:xfrm>
-          <a:off x="3302" y="1079878"/>
-          <a:ext cx="1986056" cy="3819241"/>
+          <a:off x="3302" y="1080663"/>
+          <a:ext cx="1986056" cy="3817671"/>
         </a:xfrm>
         <a:prstGeom prst="rect">
           <a:avLst/>
@@ -2654,10 +2702,51 @@
             <a:t>環保旅店資訊</a:t>
           </a:r>
         </a:p>
+        <a:p>
+          <a:pPr marL="171450" lvl="1" indent="-171450" algn="l" defTabSz="800100">
+            <a:lnSpc>
+              <a:spcPct val="90000"/>
+            </a:lnSpc>
+            <a:spcBef>
+              <a:spcPct val="0"/>
+            </a:spcBef>
+            <a:spcAft>
+              <a:spcPct val="15000"/>
+            </a:spcAft>
+            <a:buChar char="••"/>
+          </a:pPr>
+          <a:r>
+            <a:rPr lang="zh-TW" altLang="en-US" sz="1800" b="0" strike="noStrike" kern="1200" dirty="0" smtClean="0">
+              <a:solidFill>
+                <a:srgbClr val="002060"/>
+              </a:solidFill>
+              <a:effectLst>
+                <a:outerShdw blurRad="38100" dist="38100" dir="2700000" algn="tl">
+                  <a:srgbClr val="000000">
+                    <a:alpha val="43137"/>
+                  </a:srgbClr>
+                </a:outerShdw>
+              </a:effectLst>
+            </a:rPr>
+            <a:t>新竹市免費公車預估到站時刻表</a:t>
+          </a:r>
+          <a:endParaRPr lang="zh-TW" altLang="en-US" sz="1800" b="0" strike="noStrike" kern="1200" dirty="0">
+            <a:solidFill>
+              <a:srgbClr val="002060"/>
+            </a:solidFill>
+            <a:effectLst>
+              <a:outerShdw blurRad="38100" dist="38100" dir="2700000" algn="tl">
+                <a:srgbClr val="000000">
+                  <a:alpha val="43137"/>
+                </a:srgbClr>
+              </a:outerShdw>
+            </a:effectLst>
+          </a:endParaRPr>
+        </a:p>
       </dsp:txBody>
       <dsp:txXfrm>
-        <a:off x="3302" y="1079878"/>
-        <a:ext cx="1986056" cy="3819241"/>
+        <a:off x="3302" y="1080663"/>
+        <a:ext cx="1986056" cy="3817671"/>
       </dsp:txXfrm>
     </dsp:sp>
     <dsp:sp modelId="{B79990C0-37B8-421B-B5B8-8AE0DD884977}">
@@ -2667,7 +2756,7 @@
       </dsp:nvSpPr>
       <dsp:spPr>
         <a:xfrm>
-          <a:off x="2267407" y="285456"/>
+          <a:off x="2267407" y="286241"/>
           <a:ext cx="1986056" cy="794422"/>
         </a:xfrm>
         <a:prstGeom prst="rect">
@@ -2759,7 +2848,7 @@
         </a:p>
       </dsp:txBody>
       <dsp:txXfrm>
-        <a:off x="2267407" y="285456"/>
+        <a:off x="2267407" y="286241"/>
         <a:ext cx="1986056" cy="794422"/>
       </dsp:txXfrm>
     </dsp:sp>
@@ -2770,8 +2859,8 @@
       </dsp:nvSpPr>
       <dsp:spPr>
         <a:xfrm>
-          <a:off x="2267407" y="1079878"/>
-          <a:ext cx="1986056" cy="3819241"/>
+          <a:off x="2267407" y="1080663"/>
+          <a:ext cx="1986056" cy="3817671"/>
         </a:xfrm>
         <a:prstGeom prst="rect">
           <a:avLst/>
@@ -2847,8 +2936,8 @@
         </a:p>
       </dsp:txBody>
       <dsp:txXfrm>
-        <a:off x="2267407" y="1079878"/>
-        <a:ext cx="1986056" cy="3819241"/>
+        <a:off x="2267407" y="1080663"/>
+        <a:ext cx="1986056" cy="3817671"/>
       </dsp:txXfrm>
     </dsp:sp>
     <dsp:sp modelId="{4DF33D99-C7D4-4236-A7D4-F73BFB8D8D58}">
@@ -2858,7 +2947,7 @@
       </dsp:nvSpPr>
       <dsp:spPr>
         <a:xfrm>
-          <a:off x="4531511" y="285456"/>
+          <a:off x="4531511" y="286241"/>
           <a:ext cx="1986056" cy="794422"/>
         </a:xfrm>
         <a:prstGeom prst="rect">
@@ -2950,7 +3039,7 @@
         </a:p>
       </dsp:txBody>
       <dsp:txXfrm>
-        <a:off x="4531511" y="285456"/>
+        <a:off x="4531511" y="286241"/>
         <a:ext cx="1986056" cy="794422"/>
       </dsp:txXfrm>
     </dsp:sp>
@@ -2961,8 +3050,8 @@
       </dsp:nvSpPr>
       <dsp:spPr>
         <a:xfrm>
-          <a:off x="4531511" y="1079878"/>
-          <a:ext cx="1986056" cy="3819241"/>
+          <a:off x="4531511" y="1080663"/>
+          <a:ext cx="1986056" cy="3817671"/>
         </a:xfrm>
         <a:prstGeom prst="rect">
           <a:avLst/>
@@ -3182,8 +3271,8 @@
         </a:p>
       </dsp:txBody>
       <dsp:txXfrm>
-        <a:off x="4531511" y="1079878"/>
-        <a:ext cx="1986056" cy="3819241"/>
+        <a:off x="4531511" y="1080663"/>
+        <a:ext cx="1986056" cy="3817671"/>
       </dsp:txXfrm>
     </dsp:sp>
     <dsp:sp modelId="{D6358515-60C3-4D90-8884-8923AAC38028}">
@@ -3193,7 +3282,7 @@
       </dsp:nvSpPr>
       <dsp:spPr>
         <a:xfrm>
-          <a:off x="6795616" y="285456"/>
+          <a:off x="6795616" y="286241"/>
           <a:ext cx="1986056" cy="794422"/>
         </a:xfrm>
         <a:prstGeom prst="rect">
@@ -3267,7 +3356,7 @@
         </a:p>
       </dsp:txBody>
       <dsp:txXfrm>
-        <a:off x="6795616" y="285456"/>
+        <a:off x="6795616" y="286241"/>
         <a:ext cx="1986056" cy="794422"/>
       </dsp:txXfrm>
     </dsp:sp>
@@ -3278,8 +3367,8 @@
       </dsp:nvSpPr>
       <dsp:spPr>
         <a:xfrm>
-          <a:off x="6795616" y="1079878"/>
-          <a:ext cx="1986056" cy="3819241"/>
+          <a:off x="6795616" y="1080663"/>
+          <a:ext cx="1986056" cy="3817671"/>
         </a:xfrm>
         <a:prstGeom prst="rect">
           <a:avLst/>
@@ -3531,8 +3620,8 @@
         </a:p>
       </dsp:txBody>
       <dsp:txXfrm>
-        <a:off x="6795616" y="1079878"/>
-        <a:ext cx="1986056" cy="3819241"/>
+        <a:off x="6795616" y="1080663"/>
+        <a:ext cx="1986056" cy="3817671"/>
       </dsp:txXfrm>
     </dsp:sp>
   </dsp:spTree>
@@ -9264,20 +9353,10 @@
             <a:pPr marL="0" indent="0">
               <a:buNone/>
             </a:pPr>
-            <a:r>
-              <a:rPr lang="zh-TW" altLang="en-US" b="1" dirty="0" smtClean="0">
-                <a:latin typeface="標楷體" pitchFamily="65" charset="-120"/>
-                <a:ea typeface="標楷體" pitchFamily="65" charset="-120"/>
-              </a:rPr>
-              <a:t>編　號：</a:t>
-            </a:r>
-            <a:r>
-              <a:rPr lang="en-US" altLang="zh-TW" b="1" dirty="0" smtClean="0">
-                <a:latin typeface="標楷體" pitchFamily="65" charset="-120"/>
-                <a:ea typeface="標楷體" pitchFamily="65" charset="-120"/>
-              </a:rPr>
-              <a:t>004</a:t>
-            </a:r>
+            <a:endParaRPr lang="en-US" altLang="zh-TW" b="1" dirty="0" smtClean="0">
+              <a:latin typeface="標楷體" pitchFamily="65" charset="-120"/>
+              <a:ea typeface="標楷體" pitchFamily="65" charset="-120"/>
+            </a:endParaRPr>
           </a:p>
           <a:p>
             <a:pPr marL="0" indent="0">
@@ -9288,7 +9367,14 @@
                 <a:latin typeface="標楷體" pitchFamily="65" charset="-120"/>
                 <a:ea typeface="標楷體" pitchFamily="65" charset="-120"/>
               </a:rPr>
-              <a:t>簡報人：李家豐</a:t>
+              <a:t>簡報</a:t>
+            </a:r>
+            <a:r>
+              <a:rPr lang="zh-TW" altLang="en-US" b="1" dirty="0" smtClean="0">
+                <a:latin typeface="標楷體" pitchFamily="65" charset="-120"/>
+                <a:ea typeface="標楷體" pitchFamily="65" charset="-120"/>
+              </a:rPr>
+              <a:t>人：李家豐</a:t>
             </a:r>
             <a:endParaRPr lang="en-US" altLang="zh-TW" b="1" dirty="0" smtClean="0">
               <a:latin typeface="標楷體" pitchFamily="65" charset="-120"/>
@@ -9671,7 +9757,7 @@
             <p:ph idx="1"/>
             <p:extLst>
               <p:ext uri="{D42A27DB-BD31-4B8C-83A1-F6EECF244321}">
-                <p14:modId xmlns:p14="http://schemas.microsoft.com/office/powerpoint/2010/main" val="2407513644"/>
+                <p14:modId xmlns:p14="http://schemas.microsoft.com/office/powerpoint/2010/main" val="1108419629"/>
               </p:ext>
             </p:extLst>
           </p:nvPr>
@@ -16652,6 +16738,141 @@
 </p:sld>
 </file>
 
+<file path=ppt/slides/slide8.xml><?xml version="1.0" encoding="utf-8"?>
+<p:sld xmlns:a="http://schemas.openxmlformats.org/drawingml/2006/main" xmlns:r="http://schemas.openxmlformats.org/officeDocument/2006/relationships" xmlns:p="http://schemas.openxmlformats.org/presentationml/2006/main">
+  <p:cSld>
+    <p:spTree>
+      <p:nvGrpSpPr>
+        <p:cNvPr id="1" name=""/>
+        <p:cNvGrpSpPr/>
+        <p:nvPr/>
+      </p:nvGrpSpPr>
+      <p:grpSpPr>
+        <a:xfrm>
+          <a:off x="0" y="0"/>
+          <a:ext cx="0" cy="0"/>
+          <a:chOff x="0" y="0"/>
+          <a:chExt cx="0" cy="0"/>
+        </a:xfrm>
+      </p:grpSpPr>
+      <p:sp>
+        <p:nvSpPr>
+          <p:cNvPr id="2" name="標題 1"/>
+          <p:cNvSpPr>
+            <a:spLocks noGrp="1"/>
+          </p:cNvSpPr>
+          <p:nvPr>
+            <p:ph type="title"/>
+          </p:nvPr>
+        </p:nvSpPr>
+        <p:spPr/>
+        <p:txBody>
+          <a:bodyPr/>
+          <a:lstStyle/>
+          <a:p>
+            <a:r>
+              <a:rPr lang="en-US" altLang="zh-TW" dirty="0" smtClean="0"/>
+              <a:t>Q &amp; A</a:t>
+            </a:r>
+            <a:endParaRPr lang="zh-TW" altLang="en-US" dirty="0"/>
+          </a:p>
+        </p:txBody>
+      </p:sp>
+      <p:sp>
+        <p:nvSpPr>
+          <p:cNvPr id="3" name="內容版面配置區 2"/>
+          <p:cNvSpPr>
+            <a:spLocks noGrp="1"/>
+          </p:cNvSpPr>
+          <p:nvPr>
+            <p:ph idx="1"/>
+          </p:nvPr>
+        </p:nvSpPr>
+        <p:spPr/>
+        <p:txBody>
+          <a:bodyPr/>
+          <a:lstStyle/>
+          <a:p>
+            <a:pPr marL="0" indent="0">
+              <a:buNone/>
+            </a:pPr>
+            <a:endParaRPr lang="en-US" altLang="zh-TW" dirty="0" smtClean="0"/>
+          </a:p>
+          <a:p>
+            <a:pPr marL="0" indent="0">
+              <a:buNone/>
+            </a:pPr>
+            <a:endParaRPr lang="en-US" altLang="zh-TW" dirty="0" smtClean="0"/>
+          </a:p>
+          <a:p>
+            <a:pPr marL="0" indent="0">
+              <a:buNone/>
+            </a:pPr>
+            <a:endParaRPr lang="en-US" altLang="zh-TW" dirty="0"/>
+          </a:p>
+          <a:p>
+            <a:pPr marL="0" indent="0">
+              <a:buNone/>
+            </a:pPr>
+            <a:endParaRPr lang="en-US" altLang="zh-TW" dirty="0" smtClean="0"/>
+          </a:p>
+          <a:p>
+            <a:pPr marL="0" indent="0">
+              <a:buNone/>
+            </a:pPr>
+            <a:r>
+              <a:rPr lang="en-US" altLang="zh-TW" dirty="0"/>
+              <a:t>	</a:t>
+            </a:r>
+            <a:r>
+              <a:rPr lang="en-US" altLang="zh-TW" dirty="0" smtClean="0"/>
+              <a:t>		</a:t>
+            </a:r>
+            <a:r>
+              <a:rPr lang="zh-TW" altLang="en-US" sz="5400" dirty="0" smtClean="0">
+                <a:solidFill>
+                  <a:srgbClr val="C00000"/>
+                </a:solidFill>
+                <a:latin typeface="+mn-ea"/>
+              </a:rPr>
+              <a:t>恭請指導</a:t>
+            </a:r>
+            <a:endParaRPr lang="en-US" altLang="zh-TW" sz="5400" dirty="0" smtClean="0">
+              <a:solidFill>
+                <a:srgbClr val="C00000"/>
+              </a:solidFill>
+              <a:latin typeface="+mn-ea"/>
+            </a:endParaRPr>
+          </a:p>
+          <a:p>
+            <a:pPr marL="0" indent="0">
+              <a:buNone/>
+            </a:pPr>
+            <a:r>
+              <a:rPr lang="en-US" altLang="zh-TW" dirty="0"/>
+              <a:t>	</a:t>
+            </a:r>
+            <a:r>
+              <a:rPr lang="en-US" altLang="zh-TW" dirty="0" smtClean="0"/>
+              <a:t>		</a:t>
+            </a:r>
+            <a:endParaRPr lang="zh-TW" altLang="en-US" dirty="0"/>
+          </a:p>
+        </p:txBody>
+      </p:sp>
+    </p:spTree>
+    <p:extLst>
+      <p:ext uri="{BB962C8B-B14F-4D97-AF65-F5344CB8AC3E}">
+        <p14:creationId xmlns:p14="http://schemas.microsoft.com/office/powerpoint/2010/main" val="3347450029"/>
+      </p:ext>
+    </p:extLst>
+  </p:cSld>
+  <p:clrMapOvr>
+    <a:masterClrMapping/>
+  </p:clrMapOvr>
+</p:sld>
+</file>
+
 <file path=ppt/theme/theme1.xml><?xml version="1.0" encoding="utf-8"?>
 <a:theme xmlns:a="http://schemas.openxmlformats.org/drawingml/2006/main" name="佈景主題1">
   <a:themeElements>

--- a/豐富科技-地方開放資料黑客松-交通與觀光26.pptx
+++ b/豐富科技-地方開放資料黑客松-交通與觀光26.pptx
@@ -2344,57 +2344,57 @@
     </dgm:pt>
   </dgm:ptLst>
   <dgm:cxnLst>
+    <dgm:cxn modelId="{5EE6858D-ACAF-4228-95C0-52CDE3A34C0F}" srcId="{34D76ABD-6E91-4D6B-A323-BB02F5A13B95}" destId="{5CF0E908-E64E-4B4F-8AFD-A20AAD9580F2}" srcOrd="1" destOrd="0" parTransId="{8E3C0E31-70C3-4560-8065-6076D6A643CD}" sibTransId="{EEC996C3-B094-4624-93AA-4CDA9C7B8F27}"/>
+    <dgm:cxn modelId="{C5496279-F463-4303-80F5-7A3F0043903C}" srcId="{70E40FBF-A917-4910-88D0-4DB0E7FD9E65}" destId="{04F5FE20-8F4C-41A8-8DBF-7C0DB8831BD4}" srcOrd="0" destOrd="0" parTransId="{3F9063C0-E278-4252-9530-A4023E9D2CC1}" sibTransId="{A403EB47-6F14-4B8F-919C-0465E1F554C8}"/>
+    <dgm:cxn modelId="{392894E3-0141-47AA-A5AF-3842E80B99BE}" type="presOf" srcId="{7BAE363B-BB51-47CC-8116-2662C8339962}" destId="{26BB3B63-6B10-4300-A0FA-4F702A86E4AE}" srcOrd="0" destOrd="0" presId="urn:microsoft.com/office/officeart/2005/8/layout/hList1"/>
+    <dgm:cxn modelId="{5E573B87-FE84-432F-B93F-6CA2ED7FF036}" srcId="{2AAD3D5F-1913-4B8E-A86E-575C2DEEFE9C}" destId="{10930054-CF4C-47F3-B6C6-6E3C0C1733EF}" srcOrd="1" destOrd="0" parTransId="{F8D70C77-FEB1-4D2E-BD31-73BF5D4EE6F0}" sibTransId="{5E1A7D7C-2625-4D13-9B2F-EF733F771C36}"/>
+    <dgm:cxn modelId="{9F68F759-7F94-4B7D-BA60-D72134601545}" srcId="{4D2FD0BD-8914-40B5-BC9B-C9779951158D}" destId="{39ACA4CD-38D4-45C3-94FD-8059B523BA88}" srcOrd="0" destOrd="0" parTransId="{AECCA207-60E7-4F82-863B-9DEE208E32B2}" sibTransId="{E743FF0B-5146-41EF-A6F2-53ADB26CA624}"/>
+    <dgm:cxn modelId="{66294F11-2795-40AA-92AE-BE509CA0CDC9}" srcId="{37724259-C117-4DD2-98E8-1FA1D415142D}" destId="{9A235B74-5FFC-4E8B-B2A5-C24D935068A0}" srcOrd="0" destOrd="0" parTransId="{8E8E5686-E4A1-4B7C-AB0A-9A50AB4E273E}" sibTransId="{40502620-BD38-4741-8B22-FC272A902EF3}"/>
+    <dgm:cxn modelId="{F0263064-2CC2-4F7C-940A-967AD749D760}" type="presOf" srcId="{52091BB8-06C8-481D-8394-0BE1732D0601}" destId="{26BB3B63-6B10-4300-A0FA-4F702A86E4AE}" srcOrd="0" destOrd="5" presId="urn:microsoft.com/office/officeart/2005/8/layout/hList1"/>
+    <dgm:cxn modelId="{51DE30FC-DC66-4C4C-849F-BD3FBA85DD78}" type="presOf" srcId="{65242F45-0697-4604-8447-902C47F2446D}" destId="{2921CDDA-F6D4-459B-8E40-4A9F0793A08C}" srcOrd="0" destOrd="0" presId="urn:microsoft.com/office/officeart/2005/8/layout/hList1"/>
+    <dgm:cxn modelId="{538C7CA8-4639-441A-95C8-4A35995F9892}" type="presOf" srcId="{9A235B74-5FFC-4E8B-B2A5-C24D935068A0}" destId="{1CCBDA6E-1781-4006-AF7B-468583AFA423}" srcOrd="0" destOrd="0" presId="urn:microsoft.com/office/officeart/2005/8/layout/hList1"/>
+    <dgm:cxn modelId="{7F007074-26A5-4865-8981-C609556F55A7}" srcId="{65242F45-0697-4604-8447-902C47F2446D}" destId="{52091BB8-06C8-481D-8394-0BE1732D0601}" srcOrd="5" destOrd="0" parTransId="{616410CD-7D20-4B06-AC75-683591A1C4CF}" sibTransId="{169AD379-C805-4AD2-BE4D-5846EC8EAA3E}"/>
     <dgm:cxn modelId="{1041B38E-9236-4469-BE97-0E9AE495F77D}" srcId="{65242F45-0697-4604-8447-902C47F2446D}" destId="{0C5AC5D0-1A6A-4703-AB87-29FD162112B3}" srcOrd="4" destOrd="0" parTransId="{21BB9F90-1D2A-43CA-BC61-5BE33A01BB01}" sibTransId="{4E075F3A-E197-43D8-AE74-451B65C88F5D}"/>
+    <dgm:cxn modelId="{A59EBBB2-779F-4053-B7EE-D592DE3E5389}" srcId="{70E40FBF-A917-4910-88D0-4DB0E7FD9E65}" destId="{D36B179F-9417-4BF9-A278-275F4D8BBA40}" srcOrd="1" destOrd="0" parTransId="{A4BE4985-0424-4386-AF6F-4B0B3E9F22C9}" sibTransId="{470E2C27-8063-4AB7-96FE-CB6B2F0A37D5}"/>
+    <dgm:cxn modelId="{3046AA4E-0269-44B3-8E0D-5B2495A02E98}" srcId="{34D76ABD-6E91-4D6B-A323-BB02F5A13B95}" destId="{37724259-C117-4DD2-98E8-1FA1D415142D}" srcOrd="3" destOrd="0" parTransId="{23F98A8D-B78B-473D-9555-9C0CFCED9BA7}" sibTransId="{8A974644-5796-4F62-84B4-47092DFE96FE}"/>
+    <dgm:cxn modelId="{B47587B1-B8FD-4849-986C-16F4ACDE99A0}" srcId="{34D76ABD-6E91-4D6B-A323-BB02F5A13B95}" destId="{4D2FD0BD-8914-40B5-BC9B-C9779951158D}" srcOrd="2" destOrd="0" parTransId="{A8F60D33-0570-4860-ACB3-8ABEDF28F6FB}" sibTransId="{A5B33A90-D84A-42DB-92E2-E9545596389A}"/>
+    <dgm:cxn modelId="{5523475E-4F5A-4C63-8A1D-17B2A110AB94}" srcId="{5CF0E908-E64E-4B4F-8AFD-A20AAD9580F2}" destId="{CACE130E-04EA-400B-BA1F-F97BF7CEEFD4}" srcOrd="0" destOrd="0" parTransId="{CC7B2DDA-C3EF-412D-8E8C-0667A45CCCD6}" sibTransId="{DD3F5466-3018-413E-A174-23B1E607AAC6}"/>
+    <dgm:cxn modelId="{4CF86334-10EF-49EC-BFFD-143F1AB07DD0}" srcId="{4D2FD0BD-8914-40B5-BC9B-C9779951158D}" destId="{8230A4CE-74F6-48E7-B8A8-A1618537F3A3}" srcOrd="1" destOrd="0" parTransId="{95CF832B-71EB-41EA-BEF9-576E685B3651}" sibTransId="{660965D5-592C-4BC2-AAB8-C40C7B7D7428}"/>
+    <dgm:cxn modelId="{0B31BD34-0F3A-44E8-84B8-A00575382F7C}" srcId="{65242F45-0697-4604-8447-902C47F2446D}" destId="{B37C92D5-1444-4379-A439-36C633E49C11}" srcOrd="3" destOrd="0" parTransId="{E86C17F3-7528-4478-B302-8CF2055796D9}" sibTransId="{3CA20671-6790-409B-8266-532405CA0212}"/>
+    <dgm:cxn modelId="{54AD4C16-5E54-46E2-A276-4F4333C36907}" type="presOf" srcId="{5CF0E908-E64E-4B4F-8AFD-A20AAD9580F2}" destId="{B79990C0-37B8-421B-B5B8-8AE0DD884977}" srcOrd="0" destOrd="0" presId="urn:microsoft.com/office/officeart/2005/8/layout/hList1"/>
+    <dgm:cxn modelId="{EBF98DAB-D984-41F1-BD08-E7668CBEE5D9}" srcId="{9A235B74-5FFC-4E8B-B2A5-C24D935068A0}" destId="{D8B32EF1-48C4-4DA1-B097-4AA2F890C884}" srcOrd="0" destOrd="0" parTransId="{25ACC8EB-A7D3-47C1-850E-1FE53C05A2B6}" sibTransId="{315F7C4D-D32E-4E31-97F1-6613ECE57AD8}"/>
+    <dgm:cxn modelId="{86B29A94-4CDA-4B98-9D3F-73EDB3399C64}" type="presOf" srcId="{B37C92D5-1444-4379-A439-36C633E49C11}" destId="{26BB3B63-6B10-4300-A0FA-4F702A86E4AE}" srcOrd="0" destOrd="3" presId="urn:microsoft.com/office/officeart/2005/8/layout/hList1"/>
+    <dgm:cxn modelId="{E20CD8AB-EB63-487C-9D1B-4F22D96BDF83}" type="presOf" srcId="{37724259-C117-4DD2-98E8-1FA1D415142D}" destId="{D6358515-60C3-4D90-8884-8923AAC38028}" srcOrd="0" destOrd="0" presId="urn:microsoft.com/office/officeart/2005/8/layout/hList1"/>
+    <dgm:cxn modelId="{14C80380-E75A-48C6-B54E-807E65E55ECB}" srcId="{37724259-C117-4DD2-98E8-1FA1D415142D}" destId="{2AAD3D5F-1913-4B8E-A86E-575C2DEEFE9C}" srcOrd="1" destOrd="0" parTransId="{0CF11D81-3439-4FC2-9A98-722E4A3256EC}" sibTransId="{6D26AE53-DE2D-4098-A3CE-7D2285780137}"/>
+    <dgm:cxn modelId="{FEA177D9-090A-4561-851D-8D20FD5FC565}" srcId="{37724259-C117-4DD2-98E8-1FA1D415142D}" destId="{70E40FBF-A917-4910-88D0-4DB0E7FD9E65}" srcOrd="2" destOrd="0" parTransId="{ABEB5880-AE5B-4831-92F3-EBFA46116F43}" sibTransId="{3C3EF3A2-153E-4A9B-8A6F-7F0015CBB5B7}"/>
+    <dgm:cxn modelId="{7A7189D7-78FD-43CA-B394-09CC44C69E55}" type="presOf" srcId="{CACE130E-04EA-400B-BA1F-F97BF7CEEFD4}" destId="{9D0C70CC-30FE-4125-999B-05F30130F378}" srcOrd="0" destOrd="0" presId="urn:microsoft.com/office/officeart/2005/8/layout/hList1"/>
+    <dgm:cxn modelId="{2AEE88C1-FB76-4728-A6C5-FC0482C050AF}" srcId="{65242F45-0697-4604-8447-902C47F2446D}" destId="{E226A521-0712-4C28-9637-364CBB411017}" srcOrd="1" destOrd="0" parTransId="{5973EF85-7589-431E-9784-B4AD9EE7D270}" sibTransId="{4DD91526-4DBB-4263-B1DF-D32D22A20D54}"/>
+    <dgm:cxn modelId="{48CF4FDA-9A8D-4A7E-A90A-564345C55F27}" srcId="{4D2FD0BD-8914-40B5-BC9B-C9779951158D}" destId="{BF7D5C6E-1405-437B-9060-AB1D3C55807D}" srcOrd="4" destOrd="0" parTransId="{C4E522C8-B9BF-468A-94ED-7746E2F41334}" sibTransId="{0B3317D5-9D51-4229-AA5F-1F0CF2ADEDD0}"/>
+    <dgm:cxn modelId="{6A70F91A-181A-4F29-B492-FB808F767E5A}" type="presOf" srcId="{39ACA4CD-38D4-45C3-94FD-8059B523BA88}" destId="{ACC45FF0-45A8-41C3-825A-0223BBE7B1A8}" srcOrd="0" destOrd="0" presId="urn:microsoft.com/office/officeart/2005/8/layout/hList1"/>
+    <dgm:cxn modelId="{2BC49659-6FE3-424A-854E-C4836D4E4134}" type="presOf" srcId="{8457A175-40EA-47A7-9223-ABF67E3CB789}" destId="{26BB3B63-6B10-4300-A0FA-4F702A86E4AE}" srcOrd="0" destOrd="2" presId="urn:microsoft.com/office/officeart/2005/8/layout/hList1"/>
+    <dgm:cxn modelId="{AEE432B2-43DF-44E2-BF27-714BF5C49504}" srcId="{2AAD3D5F-1913-4B8E-A86E-575C2DEEFE9C}" destId="{F08326BF-2D93-4955-BBAD-47453F1A421D}" srcOrd="0" destOrd="0" parTransId="{A27AEF76-D77B-456B-8406-502921270B8C}" sibTransId="{B4FDDC59-D423-4771-82F4-84DF4449ABE2}"/>
+    <dgm:cxn modelId="{28BF2D6F-4CE2-4806-B9A2-1CDCF7A28296}" type="presOf" srcId="{D36B179F-9417-4BF9-A278-275F4D8BBA40}" destId="{1CCBDA6E-1781-4006-AF7B-468583AFA423}" srcOrd="0" destOrd="8" presId="urn:microsoft.com/office/officeart/2005/8/layout/hList1"/>
+    <dgm:cxn modelId="{7E420A80-23D0-437F-82DE-4532E1F9E254}" type="presOf" srcId="{F08326BF-2D93-4955-BBAD-47453F1A421D}" destId="{1CCBDA6E-1781-4006-AF7B-468583AFA423}" srcOrd="0" destOrd="4" presId="urn:microsoft.com/office/officeart/2005/8/layout/hList1"/>
+    <dgm:cxn modelId="{00058EA8-6904-4B29-B6D7-23E6FDEDE9A1}" type="presOf" srcId="{70E40FBF-A917-4910-88D0-4DB0E7FD9E65}" destId="{1CCBDA6E-1781-4006-AF7B-468583AFA423}" srcOrd="0" destOrd="6" presId="urn:microsoft.com/office/officeart/2005/8/layout/hList1"/>
+    <dgm:cxn modelId="{7F3714AD-D364-4084-9173-85CA59028DB8}" srcId="{9A235B74-5FFC-4E8B-B2A5-C24D935068A0}" destId="{87371E9C-F6CF-4000-9471-EB8A09695182}" srcOrd="1" destOrd="0" parTransId="{80830FFA-9E11-438F-A30B-7285D1D18670}" sibTransId="{B9779EB8-AAE0-4062-B25D-F9625BACD50E}"/>
+    <dgm:cxn modelId="{C43FF82E-D58A-4036-A571-32FD3E30398F}" type="presOf" srcId="{D8B32EF1-48C4-4DA1-B097-4AA2F890C884}" destId="{1CCBDA6E-1781-4006-AF7B-468583AFA423}" srcOrd="0" destOrd="1" presId="urn:microsoft.com/office/officeart/2005/8/layout/hList1"/>
+    <dgm:cxn modelId="{3B3A60C9-E911-4299-9D10-B07FAED7BAD7}" type="presOf" srcId="{10930054-CF4C-47F3-B6C6-6E3C0C1733EF}" destId="{1CCBDA6E-1781-4006-AF7B-468583AFA423}" srcOrd="0" destOrd="5" presId="urn:microsoft.com/office/officeart/2005/8/layout/hList1"/>
+    <dgm:cxn modelId="{ADCE67E5-2783-4CDA-A3DC-2EF0688C526D}" type="presOf" srcId="{04F5FE20-8F4C-41A8-8DBF-7C0DB8831BD4}" destId="{1CCBDA6E-1781-4006-AF7B-468583AFA423}" srcOrd="0" destOrd="7" presId="urn:microsoft.com/office/officeart/2005/8/layout/hList1"/>
+    <dgm:cxn modelId="{7159F5A0-A70A-4A5E-845C-72EF86FF905D}" type="presOf" srcId="{94F54011-7D09-4D3E-9E35-B3E00B07CAF2}" destId="{ACC45FF0-45A8-41C3-825A-0223BBE7B1A8}" srcOrd="0" destOrd="3" presId="urn:microsoft.com/office/officeart/2005/8/layout/hList1"/>
+    <dgm:cxn modelId="{AF6A300F-6E88-4535-AAE2-BE6C3AC014B2}" type="presOf" srcId="{2AAD3D5F-1913-4B8E-A86E-575C2DEEFE9C}" destId="{1CCBDA6E-1781-4006-AF7B-468583AFA423}" srcOrd="0" destOrd="3" presId="urn:microsoft.com/office/officeart/2005/8/layout/hList1"/>
+    <dgm:cxn modelId="{FC268A78-E89B-47B6-A4CE-1495312B9E8A}" type="presOf" srcId="{5404A29E-45BE-4076-B2EA-A1A24FCDFF38}" destId="{ACC45FF0-45A8-41C3-825A-0223BBE7B1A8}" srcOrd="0" destOrd="2" presId="urn:microsoft.com/office/officeart/2005/8/layout/hList1"/>
+    <dgm:cxn modelId="{B752D464-7115-4130-9EDF-C635AC22478E}" type="presOf" srcId="{87371E9C-F6CF-4000-9471-EB8A09695182}" destId="{1CCBDA6E-1781-4006-AF7B-468583AFA423}" srcOrd="0" destOrd="2" presId="urn:microsoft.com/office/officeart/2005/8/layout/hList1"/>
+    <dgm:cxn modelId="{941F93B5-1DEC-475D-9AE9-81628C4839D5}" type="presOf" srcId="{0C5AC5D0-1A6A-4703-AB87-29FD162112B3}" destId="{26BB3B63-6B10-4300-A0FA-4F702A86E4AE}" srcOrd="0" destOrd="4" presId="urn:microsoft.com/office/officeart/2005/8/layout/hList1"/>
+    <dgm:cxn modelId="{EA27D2C7-0724-4341-9727-E36B485BBCCA}" type="presOf" srcId="{34D76ABD-6E91-4D6B-A323-BB02F5A13B95}" destId="{8A432F4E-1557-4C59-9073-A10CDE9ED560}" srcOrd="0" destOrd="0" presId="urn:microsoft.com/office/officeart/2005/8/layout/hList1"/>
+    <dgm:cxn modelId="{8ED430C5-E285-4351-95BC-7F24BC5FBDC5}" srcId="{65242F45-0697-4604-8447-902C47F2446D}" destId="{8457A175-40EA-47A7-9223-ABF67E3CB789}" srcOrd="2" destOrd="0" parTransId="{24E6FC41-A569-44D2-B4BC-67D63B598D49}" sibTransId="{D855CEBF-7944-441A-A824-13ABCA56F349}"/>
+    <dgm:cxn modelId="{5E57BE5A-0F7A-41EB-84A1-457DF721BF33}" srcId="{4D2FD0BD-8914-40B5-BC9B-C9779951158D}" destId="{94F54011-7D09-4D3E-9E35-B3E00B07CAF2}" srcOrd="3" destOrd="0" parTransId="{2203F19E-0347-46CE-A053-714E48A04E3E}" sibTransId="{6E84FCB3-7347-48CF-A924-B0E0BC7DE6FE}"/>
+    <dgm:cxn modelId="{A1CCF8F8-B2CF-452B-8875-A9892AEFC922}" srcId="{65242F45-0697-4604-8447-902C47F2446D}" destId="{7BAE363B-BB51-47CC-8116-2662C8339962}" srcOrd="0" destOrd="0" parTransId="{E9E95F6A-C7DB-452C-8EE2-A47FEA00259A}" sibTransId="{B7B57DF4-0E86-4B6A-BB3C-6122EDCF2396}"/>
+    <dgm:cxn modelId="{AC19CCC2-3BD2-457E-A7D4-41BCA24190B6}" srcId="{4D2FD0BD-8914-40B5-BC9B-C9779951158D}" destId="{5404A29E-45BE-4076-B2EA-A1A24FCDFF38}" srcOrd="2" destOrd="0" parTransId="{775E0E21-F466-42E5-9654-BAF87A52299C}" sibTransId="{6EAAAD32-F0AB-4D5C-9C60-4945EE7AC187}"/>
+    <dgm:cxn modelId="{C7814974-EC68-4395-B168-4FA8D7BC70A1}" type="presOf" srcId="{4D2FD0BD-8914-40B5-BC9B-C9779951158D}" destId="{4DF33D99-C7D4-4236-A7D4-F73BFB8D8D58}" srcOrd="0" destOrd="0" presId="urn:microsoft.com/office/officeart/2005/8/layout/hList1"/>
+    <dgm:cxn modelId="{1EB37D09-A778-4106-A981-C8C0190EC808}" type="presOf" srcId="{BF7D5C6E-1405-437B-9060-AB1D3C55807D}" destId="{ACC45FF0-45A8-41C3-825A-0223BBE7B1A8}" srcOrd="0" destOrd="4" presId="urn:microsoft.com/office/officeart/2005/8/layout/hList1"/>
+    <dgm:cxn modelId="{CE283583-1B15-4DC8-89AF-06005C151D9A}" type="presOf" srcId="{8230A4CE-74F6-48E7-B8A8-A1618537F3A3}" destId="{ACC45FF0-45A8-41C3-825A-0223BBE7B1A8}" srcOrd="0" destOrd="1" presId="urn:microsoft.com/office/officeart/2005/8/layout/hList1"/>
     <dgm:cxn modelId="{01BFB0F5-9321-4737-9862-6609DAC1CAAD}" type="presOf" srcId="{E226A521-0712-4C28-9637-364CBB411017}" destId="{26BB3B63-6B10-4300-A0FA-4F702A86E4AE}" srcOrd="0" destOrd="1" presId="urn:microsoft.com/office/officeart/2005/8/layout/hList1"/>
-    <dgm:cxn modelId="{FEA177D9-090A-4561-851D-8D20FD5FC565}" srcId="{37724259-C117-4DD2-98E8-1FA1D415142D}" destId="{70E40FBF-A917-4910-88D0-4DB0E7FD9E65}" srcOrd="2" destOrd="0" parTransId="{ABEB5880-AE5B-4831-92F3-EBFA46116F43}" sibTransId="{3C3EF3A2-153E-4A9B-8A6F-7F0015CBB5B7}"/>
-    <dgm:cxn modelId="{941F93B5-1DEC-475D-9AE9-81628C4839D5}" type="presOf" srcId="{0C5AC5D0-1A6A-4703-AB87-29FD162112B3}" destId="{26BB3B63-6B10-4300-A0FA-4F702A86E4AE}" srcOrd="0" destOrd="4" presId="urn:microsoft.com/office/officeart/2005/8/layout/hList1"/>
-    <dgm:cxn modelId="{0B31BD34-0F3A-44E8-84B8-A00575382F7C}" srcId="{65242F45-0697-4604-8447-902C47F2446D}" destId="{B37C92D5-1444-4379-A439-36C633E49C11}" srcOrd="3" destOrd="0" parTransId="{E86C17F3-7528-4478-B302-8CF2055796D9}" sibTransId="{3CA20671-6790-409B-8266-532405CA0212}"/>
-    <dgm:cxn modelId="{AF6A300F-6E88-4535-AAE2-BE6C3AC014B2}" type="presOf" srcId="{2AAD3D5F-1913-4B8E-A86E-575C2DEEFE9C}" destId="{1CCBDA6E-1781-4006-AF7B-468583AFA423}" srcOrd="0" destOrd="3" presId="urn:microsoft.com/office/officeart/2005/8/layout/hList1"/>
-    <dgm:cxn modelId="{5EE6858D-ACAF-4228-95C0-52CDE3A34C0F}" srcId="{34D76ABD-6E91-4D6B-A323-BB02F5A13B95}" destId="{5CF0E908-E64E-4B4F-8AFD-A20AAD9580F2}" srcOrd="1" destOrd="0" parTransId="{8E3C0E31-70C3-4560-8065-6076D6A643CD}" sibTransId="{EEC996C3-B094-4624-93AA-4CDA9C7B8F27}"/>
-    <dgm:cxn modelId="{00058EA8-6904-4B29-B6D7-23E6FDEDE9A1}" type="presOf" srcId="{70E40FBF-A917-4910-88D0-4DB0E7FD9E65}" destId="{1CCBDA6E-1781-4006-AF7B-468583AFA423}" srcOrd="0" destOrd="6" presId="urn:microsoft.com/office/officeart/2005/8/layout/hList1"/>
-    <dgm:cxn modelId="{5523475E-4F5A-4C63-8A1D-17B2A110AB94}" srcId="{5CF0E908-E64E-4B4F-8AFD-A20AAD9580F2}" destId="{CACE130E-04EA-400B-BA1F-F97BF7CEEFD4}" srcOrd="0" destOrd="0" parTransId="{CC7B2DDA-C3EF-412D-8E8C-0667A45CCCD6}" sibTransId="{DD3F5466-3018-413E-A174-23B1E607AAC6}"/>
-    <dgm:cxn modelId="{392894E3-0141-47AA-A5AF-3842E80B99BE}" type="presOf" srcId="{7BAE363B-BB51-47CC-8116-2662C8339962}" destId="{26BB3B63-6B10-4300-A0FA-4F702A86E4AE}" srcOrd="0" destOrd="0" presId="urn:microsoft.com/office/officeart/2005/8/layout/hList1"/>
-    <dgm:cxn modelId="{54AD4C16-5E54-46E2-A276-4F4333C36907}" type="presOf" srcId="{5CF0E908-E64E-4B4F-8AFD-A20AAD9580F2}" destId="{B79990C0-37B8-421B-B5B8-8AE0DD884977}" srcOrd="0" destOrd="0" presId="urn:microsoft.com/office/officeart/2005/8/layout/hList1"/>
-    <dgm:cxn modelId="{3B3A60C9-E911-4299-9D10-B07FAED7BAD7}" type="presOf" srcId="{10930054-CF4C-47F3-B6C6-6E3C0C1733EF}" destId="{1CCBDA6E-1781-4006-AF7B-468583AFA423}" srcOrd="0" destOrd="5" presId="urn:microsoft.com/office/officeart/2005/8/layout/hList1"/>
-    <dgm:cxn modelId="{2BC49659-6FE3-424A-854E-C4836D4E4134}" type="presOf" srcId="{8457A175-40EA-47A7-9223-ABF67E3CB789}" destId="{26BB3B63-6B10-4300-A0FA-4F702A86E4AE}" srcOrd="0" destOrd="2" presId="urn:microsoft.com/office/officeart/2005/8/layout/hList1"/>
-    <dgm:cxn modelId="{6A70F91A-181A-4F29-B492-FB808F767E5A}" type="presOf" srcId="{39ACA4CD-38D4-45C3-94FD-8059B523BA88}" destId="{ACC45FF0-45A8-41C3-825A-0223BBE7B1A8}" srcOrd="0" destOrd="0" presId="urn:microsoft.com/office/officeart/2005/8/layout/hList1"/>
-    <dgm:cxn modelId="{3046AA4E-0269-44B3-8E0D-5B2495A02E98}" srcId="{34D76ABD-6E91-4D6B-A323-BB02F5A13B95}" destId="{37724259-C117-4DD2-98E8-1FA1D415142D}" srcOrd="3" destOrd="0" parTransId="{23F98A8D-B78B-473D-9555-9C0CFCED9BA7}" sibTransId="{8A974644-5796-4F62-84B4-47092DFE96FE}"/>
-    <dgm:cxn modelId="{C7814974-EC68-4395-B168-4FA8D7BC70A1}" type="presOf" srcId="{4D2FD0BD-8914-40B5-BC9B-C9779951158D}" destId="{4DF33D99-C7D4-4236-A7D4-F73BFB8D8D58}" srcOrd="0" destOrd="0" presId="urn:microsoft.com/office/officeart/2005/8/layout/hList1"/>
-    <dgm:cxn modelId="{EBF98DAB-D984-41F1-BD08-E7668CBEE5D9}" srcId="{9A235B74-5FFC-4E8B-B2A5-C24D935068A0}" destId="{D8B32EF1-48C4-4DA1-B097-4AA2F890C884}" srcOrd="0" destOrd="0" parTransId="{25ACC8EB-A7D3-47C1-850E-1FE53C05A2B6}" sibTransId="{315F7C4D-D32E-4E31-97F1-6613ECE57AD8}"/>
-    <dgm:cxn modelId="{4CF86334-10EF-49EC-BFFD-143F1AB07DD0}" srcId="{4D2FD0BD-8914-40B5-BC9B-C9779951158D}" destId="{8230A4CE-74F6-48E7-B8A8-A1618537F3A3}" srcOrd="1" destOrd="0" parTransId="{95CF832B-71EB-41EA-BEF9-576E685B3651}" sibTransId="{660965D5-592C-4BC2-AAB8-C40C7B7D7428}"/>
-    <dgm:cxn modelId="{2AEE88C1-FB76-4728-A6C5-FC0482C050AF}" srcId="{65242F45-0697-4604-8447-902C47F2446D}" destId="{E226A521-0712-4C28-9637-364CBB411017}" srcOrd="1" destOrd="0" parTransId="{5973EF85-7589-431E-9784-B4AD9EE7D270}" sibTransId="{4DD91526-4DBB-4263-B1DF-D32D22A20D54}"/>
-    <dgm:cxn modelId="{AC19CCC2-3BD2-457E-A7D4-41BCA24190B6}" srcId="{4D2FD0BD-8914-40B5-BC9B-C9779951158D}" destId="{5404A29E-45BE-4076-B2EA-A1A24FCDFF38}" srcOrd="2" destOrd="0" parTransId="{775E0E21-F466-42E5-9654-BAF87A52299C}" sibTransId="{6EAAAD32-F0AB-4D5C-9C60-4945EE7AC187}"/>
-    <dgm:cxn modelId="{7E420A80-23D0-437F-82DE-4532E1F9E254}" type="presOf" srcId="{F08326BF-2D93-4955-BBAD-47453F1A421D}" destId="{1CCBDA6E-1781-4006-AF7B-468583AFA423}" srcOrd="0" destOrd="4" presId="urn:microsoft.com/office/officeart/2005/8/layout/hList1"/>
-    <dgm:cxn modelId="{AEE432B2-43DF-44E2-BF27-714BF5C49504}" srcId="{2AAD3D5F-1913-4B8E-A86E-575C2DEEFE9C}" destId="{F08326BF-2D93-4955-BBAD-47453F1A421D}" srcOrd="0" destOrd="0" parTransId="{A27AEF76-D77B-456B-8406-502921270B8C}" sibTransId="{B4FDDC59-D423-4771-82F4-84DF4449ABE2}"/>
-    <dgm:cxn modelId="{ADCE67E5-2783-4CDA-A3DC-2EF0688C526D}" type="presOf" srcId="{04F5FE20-8F4C-41A8-8DBF-7C0DB8831BD4}" destId="{1CCBDA6E-1781-4006-AF7B-468583AFA423}" srcOrd="0" destOrd="7" presId="urn:microsoft.com/office/officeart/2005/8/layout/hList1"/>
-    <dgm:cxn modelId="{C43FF82E-D58A-4036-A571-32FD3E30398F}" type="presOf" srcId="{D8B32EF1-48C4-4DA1-B097-4AA2F890C884}" destId="{1CCBDA6E-1781-4006-AF7B-468583AFA423}" srcOrd="0" destOrd="1" presId="urn:microsoft.com/office/officeart/2005/8/layout/hList1"/>
-    <dgm:cxn modelId="{7A7189D7-78FD-43CA-B394-09CC44C69E55}" type="presOf" srcId="{CACE130E-04EA-400B-BA1F-F97BF7CEEFD4}" destId="{9D0C70CC-30FE-4125-999B-05F30130F378}" srcOrd="0" destOrd="0" presId="urn:microsoft.com/office/officeart/2005/8/layout/hList1"/>
-    <dgm:cxn modelId="{B47587B1-B8FD-4849-986C-16F4ACDE99A0}" srcId="{34D76ABD-6E91-4D6B-A323-BB02F5A13B95}" destId="{4D2FD0BD-8914-40B5-BC9B-C9779951158D}" srcOrd="2" destOrd="0" parTransId="{A8F60D33-0570-4860-ACB3-8ABEDF28F6FB}" sibTransId="{A5B33A90-D84A-42DB-92E2-E9545596389A}"/>
-    <dgm:cxn modelId="{A1CCF8F8-B2CF-452B-8875-A9892AEFC922}" srcId="{65242F45-0697-4604-8447-902C47F2446D}" destId="{7BAE363B-BB51-47CC-8116-2662C8339962}" srcOrd="0" destOrd="0" parTransId="{E9E95F6A-C7DB-452C-8EE2-A47FEA00259A}" sibTransId="{B7B57DF4-0E86-4B6A-BB3C-6122EDCF2396}"/>
-    <dgm:cxn modelId="{66294F11-2795-40AA-92AE-BE509CA0CDC9}" srcId="{37724259-C117-4DD2-98E8-1FA1D415142D}" destId="{9A235B74-5FFC-4E8B-B2A5-C24D935068A0}" srcOrd="0" destOrd="0" parTransId="{8E8E5686-E4A1-4B7C-AB0A-9A50AB4E273E}" sibTransId="{40502620-BD38-4741-8B22-FC272A902EF3}"/>
-    <dgm:cxn modelId="{B752D464-7115-4130-9EDF-C635AC22478E}" type="presOf" srcId="{87371E9C-F6CF-4000-9471-EB8A09695182}" destId="{1CCBDA6E-1781-4006-AF7B-468583AFA423}" srcOrd="0" destOrd="2" presId="urn:microsoft.com/office/officeart/2005/8/layout/hList1"/>
-    <dgm:cxn modelId="{86B29A94-4CDA-4B98-9D3F-73EDB3399C64}" type="presOf" srcId="{B37C92D5-1444-4379-A439-36C633E49C11}" destId="{26BB3B63-6B10-4300-A0FA-4F702A86E4AE}" srcOrd="0" destOrd="3" presId="urn:microsoft.com/office/officeart/2005/8/layout/hList1"/>
-    <dgm:cxn modelId="{9F68F759-7F94-4B7D-BA60-D72134601545}" srcId="{4D2FD0BD-8914-40B5-BC9B-C9779951158D}" destId="{39ACA4CD-38D4-45C3-94FD-8059B523BA88}" srcOrd="0" destOrd="0" parTransId="{AECCA207-60E7-4F82-863B-9DEE208E32B2}" sibTransId="{E743FF0B-5146-41EF-A6F2-53ADB26CA624}"/>
-    <dgm:cxn modelId="{7159F5A0-A70A-4A5E-845C-72EF86FF905D}" type="presOf" srcId="{94F54011-7D09-4D3E-9E35-B3E00B07CAF2}" destId="{ACC45FF0-45A8-41C3-825A-0223BBE7B1A8}" srcOrd="0" destOrd="3" presId="urn:microsoft.com/office/officeart/2005/8/layout/hList1"/>
-    <dgm:cxn modelId="{8ED430C5-E285-4351-95BC-7F24BC5FBDC5}" srcId="{65242F45-0697-4604-8447-902C47F2446D}" destId="{8457A175-40EA-47A7-9223-ABF67E3CB789}" srcOrd="2" destOrd="0" parTransId="{24E6FC41-A569-44D2-B4BC-67D63B598D49}" sibTransId="{D855CEBF-7944-441A-A824-13ABCA56F349}"/>
     <dgm:cxn modelId="{4171061E-D7C8-406B-BB78-705FDBD6171C}" srcId="{34D76ABD-6E91-4D6B-A323-BB02F5A13B95}" destId="{65242F45-0697-4604-8447-902C47F2446D}" srcOrd="0" destOrd="0" parTransId="{0D44A2B3-86CB-4D42-90EF-9C4D187158DB}" sibTransId="{6D78C261-8924-422A-A756-A0305169B027}"/>
-    <dgm:cxn modelId="{CE283583-1B15-4DC8-89AF-06005C151D9A}" type="presOf" srcId="{8230A4CE-74F6-48E7-B8A8-A1618537F3A3}" destId="{ACC45FF0-45A8-41C3-825A-0223BBE7B1A8}" srcOrd="0" destOrd="1" presId="urn:microsoft.com/office/officeart/2005/8/layout/hList1"/>
-    <dgm:cxn modelId="{FC268A78-E89B-47B6-A4CE-1495312B9E8A}" type="presOf" srcId="{5404A29E-45BE-4076-B2EA-A1A24FCDFF38}" destId="{ACC45FF0-45A8-41C3-825A-0223BBE7B1A8}" srcOrd="0" destOrd="2" presId="urn:microsoft.com/office/officeart/2005/8/layout/hList1"/>
-    <dgm:cxn modelId="{14C80380-E75A-48C6-B54E-807E65E55ECB}" srcId="{37724259-C117-4DD2-98E8-1FA1D415142D}" destId="{2AAD3D5F-1913-4B8E-A86E-575C2DEEFE9C}" srcOrd="1" destOrd="0" parTransId="{0CF11D81-3439-4FC2-9A98-722E4A3256EC}" sibTransId="{6D26AE53-DE2D-4098-A3CE-7D2285780137}"/>
-    <dgm:cxn modelId="{5E57BE5A-0F7A-41EB-84A1-457DF721BF33}" srcId="{4D2FD0BD-8914-40B5-BC9B-C9779951158D}" destId="{94F54011-7D09-4D3E-9E35-B3E00B07CAF2}" srcOrd="3" destOrd="0" parTransId="{2203F19E-0347-46CE-A053-714E48A04E3E}" sibTransId="{6E84FCB3-7347-48CF-A924-B0E0BC7DE6FE}"/>
-    <dgm:cxn modelId="{EA27D2C7-0724-4341-9727-E36B485BBCCA}" type="presOf" srcId="{34D76ABD-6E91-4D6B-A323-BB02F5A13B95}" destId="{8A432F4E-1557-4C59-9073-A10CDE9ED560}" srcOrd="0" destOrd="0" presId="urn:microsoft.com/office/officeart/2005/8/layout/hList1"/>
-    <dgm:cxn modelId="{C5496279-F463-4303-80F5-7A3F0043903C}" srcId="{70E40FBF-A917-4910-88D0-4DB0E7FD9E65}" destId="{04F5FE20-8F4C-41A8-8DBF-7C0DB8831BD4}" srcOrd="0" destOrd="0" parTransId="{3F9063C0-E278-4252-9530-A4023E9D2CC1}" sibTransId="{A403EB47-6F14-4B8F-919C-0465E1F554C8}"/>
-    <dgm:cxn modelId="{5E573B87-FE84-432F-B93F-6CA2ED7FF036}" srcId="{2AAD3D5F-1913-4B8E-A86E-575C2DEEFE9C}" destId="{10930054-CF4C-47F3-B6C6-6E3C0C1733EF}" srcOrd="1" destOrd="0" parTransId="{F8D70C77-FEB1-4D2E-BD31-73BF5D4EE6F0}" sibTransId="{5E1A7D7C-2625-4D13-9B2F-EF733F771C36}"/>
-    <dgm:cxn modelId="{7F3714AD-D364-4084-9173-85CA59028DB8}" srcId="{9A235B74-5FFC-4E8B-B2A5-C24D935068A0}" destId="{87371E9C-F6CF-4000-9471-EB8A09695182}" srcOrd="1" destOrd="0" parTransId="{80830FFA-9E11-438F-A30B-7285D1D18670}" sibTransId="{B9779EB8-AAE0-4062-B25D-F9625BACD50E}"/>
-    <dgm:cxn modelId="{1EB37D09-A778-4106-A981-C8C0190EC808}" type="presOf" srcId="{BF7D5C6E-1405-437B-9060-AB1D3C55807D}" destId="{ACC45FF0-45A8-41C3-825A-0223BBE7B1A8}" srcOrd="0" destOrd="4" presId="urn:microsoft.com/office/officeart/2005/8/layout/hList1"/>
-    <dgm:cxn modelId="{51DE30FC-DC66-4C4C-849F-BD3FBA85DD78}" type="presOf" srcId="{65242F45-0697-4604-8447-902C47F2446D}" destId="{2921CDDA-F6D4-459B-8E40-4A9F0793A08C}" srcOrd="0" destOrd="0" presId="urn:microsoft.com/office/officeart/2005/8/layout/hList1"/>
-    <dgm:cxn modelId="{E20CD8AB-EB63-487C-9D1B-4F22D96BDF83}" type="presOf" srcId="{37724259-C117-4DD2-98E8-1FA1D415142D}" destId="{D6358515-60C3-4D90-8884-8923AAC38028}" srcOrd="0" destOrd="0" presId="urn:microsoft.com/office/officeart/2005/8/layout/hList1"/>
-    <dgm:cxn modelId="{7F007074-26A5-4865-8981-C609556F55A7}" srcId="{65242F45-0697-4604-8447-902C47F2446D}" destId="{52091BB8-06C8-481D-8394-0BE1732D0601}" srcOrd="5" destOrd="0" parTransId="{616410CD-7D20-4B06-AC75-683591A1C4CF}" sibTransId="{169AD379-C805-4AD2-BE4D-5846EC8EAA3E}"/>
-    <dgm:cxn modelId="{48CF4FDA-9A8D-4A7E-A90A-564345C55F27}" srcId="{4D2FD0BD-8914-40B5-BC9B-C9779951158D}" destId="{BF7D5C6E-1405-437B-9060-AB1D3C55807D}" srcOrd="4" destOrd="0" parTransId="{C4E522C8-B9BF-468A-94ED-7746E2F41334}" sibTransId="{0B3317D5-9D51-4229-AA5F-1F0CF2ADEDD0}"/>
-    <dgm:cxn modelId="{F0263064-2CC2-4F7C-940A-967AD749D760}" type="presOf" srcId="{52091BB8-06C8-481D-8394-0BE1732D0601}" destId="{26BB3B63-6B10-4300-A0FA-4F702A86E4AE}" srcOrd="0" destOrd="5" presId="urn:microsoft.com/office/officeart/2005/8/layout/hList1"/>
-    <dgm:cxn modelId="{28BF2D6F-4CE2-4806-B9A2-1CDCF7A28296}" type="presOf" srcId="{D36B179F-9417-4BF9-A278-275F4D8BBA40}" destId="{1CCBDA6E-1781-4006-AF7B-468583AFA423}" srcOrd="0" destOrd="8" presId="urn:microsoft.com/office/officeart/2005/8/layout/hList1"/>
-    <dgm:cxn modelId="{538C7CA8-4639-441A-95C8-4A35995F9892}" type="presOf" srcId="{9A235B74-5FFC-4E8B-B2A5-C24D935068A0}" destId="{1CCBDA6E-1781-4006-AF7B-468583AFA423}" srcOrd="0" destOrd="0" presId="urn:microsoft.com/office/officeart/2005/8/layout/hList1"/>
-    <dgm:cxn modelId="{A59EBBB2-779F-4053-B7EE-D592DE3E5389}" srcId="{70E40FBF-A917-4910-88D0-4DB0E7FD9E65}" destId="{D36B179F-9417-4BF9-A278-275F4D8BBA40}" srcOrd="1" destOrd="0" parTransId="{A4BE4985-0424-4386-AF6F-4B0B3E9F22C9}" sibTransId="{470E2C27-8063-4AB7-96FE-CB6B2F0A37D5}"/>
     <dgm:cxn modelId="{556FBC73-2B55-4F49-A4EE-699E6F6A4E68}" type="presParOf" srcId="{8A432F4E-1557-4C59-9073-A10CDE9ED560}" destId="{0F80C131-ACB0-46B2-A3ED-B5D2607CE685}" srcOrd="0" destOrd="0" presId="urn:microsoft.com/office/officeart/2005/8/layout/hList1"/>
     <dgm:cxn modelId="{F6B39E26-511D-4FBB-A6F3-4D67B3444724}" type="presParOf" srcId="{0F80C131-ACB0-46B2-A3ED-B5D2607CE685}" destId="{2921CDDA-F6D4-459B-8E40-4A9F0793A08C}" srcOrd="0" destOrd="0" presId="urn:microsoft.com/office/officeart/2005/8/layout/hList1"/>
     <dgm:cxn modelId="{7121F602-0A6D-4A64-A62E-6D89553AE276}" type="presParOf" srcId="{0F80C131-ACB0-46B2-A3ED-B5D2607CE685}" destId="{26BB3B63-6B10-4300-A0FA-4F702A86E4AE}" srcOrd="1" destOrd="0" presId="urn:microsoft.com/office/officeart/2005/8/layout/hList1"/>
@@ -9367,14 +9367,7 @@
                 <a:latin typeface="標楷體" pitchFamily="65" charset="-120"/>
                 <a:ea typeface="標楷體" pitchFamily="65" charset="-120"/>
               </a:rPr>
-              <a:t>簡報</a:t>
-            </a:r>
-            <a:r>
-              <a:rPr lang="zh-TW" altLang="en-US" b="1" dirty="0" smtClean="0">
-                <a:latin typeface="標楷體" pitchFamily="65" charset="-120"/>
-                <a:ea typeface="標楷體" pitchFamily="65" charset="-120"/>
-              </a:rPr>
-              <a:t>人：李家豐</a:t>
+              <a:t>簡報人：李家豐</a:t>
             </a:r>
             <a:endParaRPr lang="en-US" altLang="zh-TW" b="1" dirty="0" smtClean="0">
               <a:latin typeface="標楷體" pitchFamily="65" charset="-120"/>
@@ -16668,10 +16661,14 @@
               <a:t>遊輪式公車</a:t>
             </a:r>
             <a:r>
-              <a:rPr lang="en-US" altLang="zh-TW" dirty="0">
+              <a:rPr lang="en-US" altLang="zh-TW" dirty="0" smtClean="0">
                 <a:latin typeface="+mn-ea"/>
               </a:rPr>
-              <a:t>』</a:t>
+              <a:t>』-</a:t>
+            </a:r>
+            <a:r>
+              <a:rPr lang="zh-TW" altLang="en-US" dirty="0"/>
+              <a:t>系統展示</a:t>
             </a:r>
             <a:endParaRPr lang="zh-TW" altLang="en-US" dirty="0"/>
           </a:p>

--- a/豐富科技-地方開放資料黑客松-交通與觀光26.pptx
+++ b/豐富科技-地方開放資料黑客松-交通與觀光26.pptx
@@ -12,7 +12,8 @@
     <p:sldId id="267" r:id="rId6"/>
     <p:sldId id="269" r:id="rId7"/>
     <p:sldId id="268" r:id="rId8"/>
-    <p:sldId id="270" r:id="rId9"/>
+    <p:sldId id="271" r:id="rId9"/>
+    <p:sldId id="270" r:id="rId10"/>
   </p:sldIdLst>
   <p:sldSz cx="9144000" cy="6858000" type="screen4x3"/>
   <p:notesSz cx="6858000" cy="9144000"/>
@@ -2355,8 +2356,8 @@
     <dgm:cxn modelId="{538C7CA8-4639-441A-95C8-4A35995F9892}" type="presOf" srcId="{9A235B74-5FFC-4E8B-B2A5-C24D935068A0}" destId="{1CCBDA6E-1781-4006-AF7B-468583AFA423}" srcOrd="0" destOrd="0" presId="urn:microsoft.com/office/officeart/2005/8/layout/hList1"/>
     <dgm:cxn modelId="{7F007074-26A5-4865-8981-C609556F55A7}" srcId="{65242F45-0697-4604-8447-902C47F2446D}" destId="{52091BB8-06C8-481D-8394-0BE1732D0601}" srcOrd="5" destOrd="0" parTransId="{616410CD-7D20-4B06-AC75-683591A1C4CF}" sibTransId="{169AD379-C805-4AD2-BE4D-5846EC8EAA3E}"/>
     <dgm:cxn modelId="{1041B38E-9236-4469-BE97-0E9AE495F77D}" srcId="{65242F45-0697-4604-8447-902C47F2446D}" destId="{0C5AC5D0-1A6A-4703-AB87-29FD162112B3}" srcOrd="4" destOrd="0" parTransId="{21BB9F90-1D2A-43CA-BC61-5BE33A01BB01}" sibTransId="{4E075F3A-E197-43D8-AE74-451B65C88F5D}"/>
+    <dgm:cxn modelId="{3046AA4E-0269-44B3-8E0D-5B2495A02E98}" srcId="{34D76ABD-6E91-4D6B-A323-BB02F5A13B95}" destId="{37724259-C117-4DD2-98E8-1FA1D415142D}" srcOrd="3" destOrd="0" parTransId="{23F98A8D-B78B-473D-9555-9C0CFCED9BA7}" sibTransId="{8A974644-5796-4F62-84B4-47092DFE96FE}"/>
     <dgm:cxn modelId="{A59EBBB2-779F-4053-B7EE-D592DE3E5389}" srcId="{70E40FBF-A917-4910-88D0-4DB0E7FD9E65}" destId="{D36B179F-9417-4BF9-A278-275F4D8BBA40}" srcOrd="1" destOrd="0" parTransId="{A4BE4985-0424-4386-AF6F-4B0B3E9F22C9}" sibTransId="{470E2C27-8063-4AB7-96FE-CB6B2F0A37D5}"/>
-    <dgm:cxn modelId="{3046AA4E-0269-44B3-8E0D-5B2495A02E98}" srcId="{34D76ABD-6E91-4D6B-A323-BB02F5A13B95}" destId="{37724259-C117-4DD2-98E8-1FA1D415142D}" srcOrd="3" destOrd="0" parTransId="{23F98A8D-B78B-473D-9555-9C0CFCED9BA7}" sibTransId="{8A974644-5796-4F62-84B4-47092DFE96FE}"/>
     <dgm:cxn modelId="{B47587B1-B8FD-4849-986C-16F4ACDE99A0}" srcId="{34D76ABD-6E91-4D6B-A323-BB02F5A13B95}" destId="{4D2FD0BD-8914-40B5-BC9B-C9779951158D}" srcOrd="2" destOrd="0" parTransId="{A8F60D33-0570-4860-ACB3-8ABEDF28F6FB}" sibTransId="{A5B33A90-D84A-42DB-92E2-E9545596389A}"/>
     <dgm:cxn modelId="{5523475E-4F5A-4C63-8A1D-17B2A110AB94}" srcId="{5CF0E908-E64E-4B4F-8AFD-A20AAD9580F2}" destId="{CACE130E-04EA-400B-BA1F-F97BF7CEEFD4}" srcOrd="0" destOrd="0" parTransId="{CC7B2DDA-C3EF-412D-8E8C-0667A45CCCD6}" sibTransId="{DD3F5466-3018-413E-A174-23B1E607AAC6}"/>
     <dgm:cxn modelId="{4CF86334-10EF-49EC-BFFD-143F1AB07DD0}" srcId="{4D2FD0BD-8914-40B5-BC9B-C9779951158D}" destId="{8230A4CE-74F6-48E7-B8A8-A1618537F3A3}" srcOrd="1" destOrd="0" parTransId="{95CF832B-71EB-41EA-BEF9-576E685B3651}" sibTransId="{660965D5-592C-4BC2-AAB8-C40C7B7D7428}"/>
@@ -9061,22 +9062,22 @@
           <a:bodyPr/>
           <a:lstStyle/>
           <a:p>
-            <a:endParaRPr lang="en-US" altLang="zh-TW" smtClean="0"/>
+            <a:endParaRPr lang="en-US" altLang="zh-TW" dirty="0" smtClean="0"/>
           </a:p>
           <a:p>
             <a:r>
-              <a:rPr lang="en-US" altLang="zh-TW" smtClean="0"/>
+              <a:rPr lang="en-US" altLang="zh-TW" sz="4400" dirty="0" smtClean="0"/>
               <a:t>『</a:t>
             </a:r>
             <a:r>
-              <a:rPr lang="zh-TW" altLang="en-US" dirty="0"/>
+              <a:rPr lang="zh-TW" altLang="en-US" sz="4400" dirty="0"/>
               <a:t>遊輪式公車</a:t>
             </a:r>
             <a:r>
-              <a:rPr lang="en-US" altLang="zh-TW" dirty="0" smtClean="0"/>
+              <a:rPr lang="en-US" altLang="zh-TW" sz="4400" dirty="0" smtClean="0"/>
               <a:t>』</a:t>
             </a:r>
-            <a:endParaRPr lang="zh-TW" altLang="en-US" dirty="0"/>
+            <a:endParaRPr lang="zh-TW" altLang="en-US" sz="4400" dirty="0"/>
           </a:p>
         </p:txBody>
       </p:sp>
@@ -16670,7 +16671,6 @@
               <a:rPr lang="zh-TW" altLang="en-US" dirty="0"/>
               <a:t>系統展示</a:t>
             </a:r>
-            <a:endParaRPr lang="zh-TW" altLang="en-US" dirty="0"/>
           </a:p>
         </p:txBody>
       </p:sp>
@@ -16736,6 +16736,198 @@
 </file>
 
 <file path=ppt/slides/slide8.xml><?xml version="1.0" encoding="utf-8"?>
+<p:sld xmlns:a="http://schemas.openxmlformats.org/drawingml/2006/main" xmlns:r="http://schemas.openxmlformats.org/officeDocument/2006/relationships" xmlns:p="http://schemas.openxmlformats.org/presentationml/2006/main">
+  <p:cSld>
+    <p:spTree>
+      <p:nvGrpSpPr>
+        <p:cNvPr id="1" name=""/>
+        <p:cNvGrpSpPr/>
+        <p:nvPr/>
+      </p:nvGrpSpPr>
+      <p:grpSpPr>
+        <a:xfrm>
+          <a:off x="0" y="0"/>
+          <a:ext cx="0" cy="0"/>
+          <a:chOff x="0" y="0"/>
+          <a:chExt cx="0" cy="0"/>
+        </a:xfrm>
+      </p:grpSpPr>
+      <p:sp>
+        <p:nvSpPr>
+          <p:cNvPr id="2" name="標題 1"/>
+          <p:cNvSpPr>
+            <a:spLocks noGrp="1"/>
+          </p:cNvSpPr>
+          <p:nvPr>
+            <p:ph type="title"/>
+          </p:nvPr>
+        </p:nvSpPr>
+        <p:spPr/>
+        <p:txBody>
+          <a:bodyPr/>
+          <a:lstStyle/>
+          <a:p>
+            <a:r>
+              <a:rPr lang="zh-TW" altLang="en-US" dirty="0" smtClean="0"/>
+              <a:t>問題是</a:t>
+            </a:r>
+            <a:r>
+              <a:rPr lang="en-US" altLang="zh-TW" dirty="0" smtClean="0"/>
+              <a:t>….</a:t>
+            </a:r>
+            <a:r>
+              <a:rPr lang="zh-TW" altLang="en-US" dirty="0" smtClean="0"/>
+              <a:t>我們還能做什麼</a:t>
+            </a:r>
+            <a:endParaRPr lang="zh-TW" altLang="en-US" dirty="0"/>
+          </a:p>
+        </p:txBody>
+      </p:sp>
+      <p:sp>
+        <p:nvSpPr>
+          <p:cNvPr id="3" name="內容版面配置區 2"/>
+          <p:cNvSpPr>
+            <a:spLocks noGrp="1"/>
+          </p:cNvSpPr>
+          <p:nvPr>
+            <p:ph idx="1"/>
+          </p:nvPr>
+        </p:nvSpPr>
+        <p:spPr/>
+        <p:txBody>
+          <a:bodyPr/>
+          <a:lstStyle/>
+          <a:p>
+            <a:r>
+              <a:rPr lang="zh-TW" altLang="en-US" dirty="0" smtClean="0"/>
+              <a:t>我們發現景點交通不便，但我們能改善什麼？</a:t>
+            </a:r>
+            <a:endParaRPr lang="en-US" altLang="zh-TW" dirty="0" smtClean="0"/>
+          </a:p>
+          <a:p>
+            <a:r>
+              <a:rPr lang="zh-TW" altLang="en-US" dirty="0" smtClean="0"/>
+              <a:t>行銷面</a:t>
+            </a:r>
+            <a:endParaRPr lang="en-US" altLang="zh-TW" dirty="0" smtClean="0"/>
+          </a:p>
+          <a:p>
+            <a:pPr lvl="1"/>
+            <a:r>
+              <a:rPr lang="zh-TW" altLang="en-US" dirty="0" smtClean="0"/>
+              <a:t>以景點位置３公里內的範圍進行比對，是否有機會結合週邊業者進行聯合推廣及共乘等方式來改善</a:t>
+            </a:r>
+            <a:endParaRPr lang="en-US" altLang="zh-TW" dirty="0" smtClean="0"/>
+          </a:p>
+          <a:p>
+            <a:pPr marL="274320" lvl="1" indent="0">
+              <a:buNone/>
+            </a:pPr>
+            <a:r>
+              <a:rPr lang="en-US" altLang="zh-TW" dirty="0" smtClean="0">
+                <a:solidFill>
+                  <a:srgbClr val="FF0000"/>
+                </a:solidFill>
+              </a:rPr>
+              <a:t>Ex:</a:t>
+            </a:r>
+            <a:r>
+              <a:rPr lang="zh-TW" altLang="en-US" dirty="0" smtClean="0">
+                <a:solidFill>
+                  <a:srgbClr val="FF0000"/>
+                </a:solidFill>
+              </a:rPr>
+              <a:t>清境</a:t>
+            </a:r>
+            <a:r>
+              <a:rPr lang="zh-TW" altLang="en-US" dirty="0" smtClean="0">
+                <a:solidFill>
+                  <a:srgbClr val="FF0000"/>
+                </a:solidFill>
+                <a:latin typeface="新細明體"/>
+                <a:ea typeface="新細明體"/>
+              </a:rPr>
+              <a:t>、</a:t>
+            </a:r>
+            <a:r>
+              <a:rPr lang="zh-TW" altLang="en-US" dirty="0" smtClean="0">
+                <a:solidFill>
+                  <a:srgbClr val="FF0000"/>
+                </a:solidFill>
+              </a:rPr>
+              <a:t>武陵</a:t>
+            </a:r>
+            <a:r>
+              <a:rPr lang="zh-TW" altLang="en-US" dirty="0">
+                <a:solidFill>
+                  <a:srgbClr val="FF0000"/>
+                </a:solidFill>
+                <a:latin typeface="新細明體"/>
+                <a:ea typeface="新細明體"/>
+              </a:rPr>
+              <a:t>、</a:t>
+            </a:r>
+            <a:r>
+              <a:rPr lang="zh-TW" altLang="en-US" dirty="0" smtClean="0">
+                <a:solidFill>
+                  <a:srgbClr val="FF0000"/>
+                </a:solidFill>
+              </a:rPr>
+              <a:t>福壽山農場聯合訂房及行銷方式</a:t>
+            </a:r>
+            <a:endParaRPr lang="en-US" altLang="zh-TW" dirty="0">
+              <a:solidFill>
+                <a:srgbClr val="FF0000"/>
+              </a:solidFill>
+            </a:endParaRPr>
+          </a:p>
+          <a:p>
+            <a:pPr marL="182880" lvl="1"/>
+            <a:r>
+              <a:rPr lang="zh-TW" altLang="en-US" sz="2400" dirty="0"/>
+              <a:t>技術</a:t>
+            </a:r>
+            <a:r>
+              <a:rPr lang="zh-TW" altLang="en-US" sz="2400" dirty="0" smtClean="0"/>
+              <a:t>面</a:t>
+            </a:r>
+            <a:endParaRPr lang="en-US" altLang="zh-TW" sz="2400" dirty="0" smtClean="0"/>
+          </a:p>
+          <a:p>
+            <a:pPr marL="457200" lvl="2"/>
+            <a:r>
+              <a:rPr lang="zh-TW" altLang="en-US" sz="2200" dirty="0" smtClean="0"/>
+              <a:t>以較為合理範圍內之業者，計算群組中合適的景點或地點做為中繼點，以轉運方式，縮短各業者接送的距離。</a:t>
+            </a:r>
+            <a:endParaRPr lang="en-US" altLang="zh-TW" sz="2200" dirty="0" smtClean="0"/>
+          </a:p>
+          <a:p>
+            <a:pPr marL="457200" lvl="2"/>
+            <a:r>
+              <a:rPr lang="zh-TW" altLang="en-US" sz="2200" dirty="0" smtClean="0"/>
+              <a:t>以上也可做為設置站牌的參考點</a:t>
+            </a:r>
+            <a:endParaRPr lang="en-US" altLang="zh-TW" sz="2200" dirty="0"/>
+          </a:p>
+          <a:p>
+            <a:endParaRPr lang="zh-TW" altLang="en-US" dirty="0"/>
+          </a:p>
+        </p:txBody>
+      </p:sp>
+    </p:spTree>
+    <p:extLst>
+      <p:ext uri="{BB962C8B-B14F-4D97-AF65-F5344CB8AC3E}">
+        <p14:creationId xmlns:p14="http://schemas.microsoft.com/office/powerpoint/2010/main" val="4158932792"/>
+      </p:ext>
+    </p:extLst>
+  </p:cSld>
+  <p:clrMapOvr>
+    <a:masterClrMapping/>
+  </p:clrMapOvr>
+</p:sld>
+</file>
+
+<file path=ppt/slides/slide9.xml><?xml version="1.0" encoding="utf-8"?>
 <p:sld xmlns:a="http://schemas.openxmlformats.org/drawingml/2006/main" xmlns:r="http://schemas.openxmlformats.org/officeDocument/2006/relationships" xmlns:p="http://schemas.openxmlformats.org/presentationml/2006/main">
   <p:cSld>
     <p:spTree>
